--- a/Figures/Figures.pptx
+++ b/Figures/Figures.pptx
@@ -201,7 +201,7 @@
             <a:fld id="{5F2257D9-6B55-4453-8134-D35586BBA3EE}" type="datetimeFigureOut">
               <a:rPr lang="en-US" smtClean="0"/>
               <a:pPr/>
-              <a:t>9/24/2021</a:t>
+              <a:t>11/14/2021</a:t>
             </a:fld>
             <a:endParaRPr lang="en-US"/>
           </a:p>
@@ -731,7 +731,7 @@
             <a:fld id="{976B346D-5E12-4602-A54E-278DE1B9B655}" type="datetimeFigureOut">
               <a:rPr lang="en-US" smtClean="0"/>
               <a:pPr/>
-              <a:t>9/24/2021</a:t>
+              <a:t>11/14/2021</a:t>
             </a:fld>
             <a:endParaRPr lang="en-US"/>
           </a:p>
@@ -898,7 +898,7 @@
             <a:fld id="{976B346D-5E12-4602-A54E-278DE1B9B655}" type="datetimeFigureOut">
               <a:rPr lang="en-US" smtClean="0"/>
               <a:pPr/>
-              <a:t>9/24/2021</a:t>
+              <a:t>11/14/2021</a:t>
             </a:fld>
             <a:endParaRPr lang="en-US"/>
           </a:p>
@@ -1075,7 +1075,7 @@
             <a:fld id="{976B346D-5E12-4602-A54E-278DE1B9B655}" type="datetimeFigureOut">
               <a:rPr lang="en-US" smtClean="0"/>
               <a:pPr/>
-              <a:t>9/24/2021</a:t>
+              <a:t>11/14/2021</a:t>
             </a:fld>
             <a:endParaRPr lang="en-US"/>
           </a:p>
@@ -1242,7 +1242,7 @@
             <a:fld id="{976B346D-5E12-4602-A54E-278DE1B9B655}" type="datetimeFigureOut">
               <a:rPr lang="en-US" smtClean="0"/>
               <a:pPr/>
-              <a:t>9/24/2021</a:t>
+              <a:t>11/14/2021</a:t>
             </a:fld>
             <a:endParaRPr lang="en-US"/>
           </a:p>
@@ -1485,7 +1485,7 @@
             <a:fld id="{976B346D-5E12-4602-A54E-278DE1B9B655}" type="datetimeFigureOut">
               <a:rPr lang="en-US" smtClean="0"/>
               <a:pPr/>
-              <a:t>9/24/2021</a:t>
+              <a:t>11/14/2021</a:t>
             </a:fld>
             <a:endParaRPr lang="en-US"/>
           </a:p>
@@ -1770,7 +1770,7 @@
             <a:fld id="{976B346D-5E12-4602-A54E-278DE1B9B655}" type="datetimeFigureOut">
               <a:rPr lang="en-US" smtClean="0"/>
               <a:pPr/>
-              <a:t>9/24/2021</a:t>
+              <a:t>11/14/2021</a:t>
             </a:fld>
             <a:endParaRPr lang="en-US"/>
           </a:p>
@@ -2189,7 +2189,7 @@
             <a:fld id="{976B346D-5E12-4602-A54E-278DE1B9B655}" type="datetimeFigureOut">
               <a:rPr lang="en-US" smtClean="0"/>
               <a:pPr/>
-              <a:t>9/24/2021</a:t>
+              <a:t>11/14/2021</a:t>
             </a:fld>
             <a:endParaRPr lang="en-US"/>
           </a:p>
@@ -2304,7 +2304,7 @@
             <a:fld id="{976B346D-5E12-4602-A54E-278DE1B9B655}" type="datetimeFigureOut">
               <a:rPr lang="en-US" smtClean="0"/>
               <a:pPr/>
-              <a:t>9/24/2021</a:t>
+              <a:t>11/14/2021</a:t>
             </a:fld>
             <a:endParaRPr lang="en-US"/>
           </a:p>
@@ -2396,7 +2396,7 @@
             <a:fld id="{976B346D-5E12-4602-A54E-278DE1B9B655}" type="datetimeFigureOut">
               <a:rPr lang="en-US" smtClean="0"/>
               <a:pPr/>
-              <a:t>9/24/2021</a:t>
+              <a:t>11/14/2021</a:t>
             </a:fld>
             <a:endParaRPr lang="en-US"/>
           </a:p>
@@ -2670,7 +2670,7 @@
             <a:fld id="{976B346D-5E12-4602-A54E-278DE1B9B655}" type="datetimeFigureOut">
               <a:rPr lang="en-US" smtClean="0"/>
               <a:pPr/>
-              <a:t>9/24/2021</a:t>
+              <a:t>11/14/2021</a:t>
             </a:fld>
             <a:endParaRPr lang="en-US"/>
           </a:p>
@@ -2920,7 +2920,7 @@
             <a:fld id="{976B346D-5E12-4602-A54E-278DE1B9B655}" type="datetimeFigureOut">
               <a:rPr lang="en-US" smtClean="0"/>
               <a:pPr/>
-              <a:t>9/24/2021</a:t>
+              <a:t>11/14/2021</a:t>
             </a:fld>
             <a:endParaRPr lang="en-US"/>
           </a:p>
@@ -3130,7 +3130,7 @@
             <a:fld id="{976B346D-5E12-4602-A54E-278DE1B9B655}" type="datetimeFigureOut">
               <a:rPr lang="en-US" smtClean="0"/>
               <a:pPr/>
-              <a:t>9/24/2021</a:t>
+              <a:t>11/14/2021</a:t>
             </a:fld>
             <a:endParaRPr lang="en-US"/>
           </a:p>
@@ -5517,8 +5517,8 @@
         </p:nvSpPr>
         <p:spPr>
           <a:xfrm rot="10800000">
-            <a:off x="1457275" y="2161644"/>
-            <a:ext cx="677108" cy="1843425"/>
+            <a:off x="940289" y="1585574"/>
+            <a:ext cx="1169551" cy="3341203"/>
           </a:xfrm>
           <a:prstGeom prst="rect">
             <a:avLst/>
@@ -5530,6 +5530,16 @@
             <a:spAutoFit/>
           </a:bodyPr>
           <a:lstStyle/>
+          <a:p>
+            <a:pPr algn="ctr"/>
+            <a:r>
+              <a:rPr lang="en-US" sz="3200" b="1" dirty="0" smtClean="0">
+                <a:latin typeface="Arial" pitchFamily="34" charset="0"/>
+                <a:cs typeface="Arial" pitchFamily="34" charset="0"/>
+              </a:rPr>
+              <a:t>Experimental</a:t>
+            </a:r>
+          </a:p>
           <a:p>
             <a:pPr algn="ctr"/>
             <a:r>
@@ -7796,8 +7806,8 @@
         </p:nvSpPr>
         <p:spPr>
           <a:xfrm rot="10800000">
-            <a:off x="2382934" y="3544214"/>
-            <a:ext cx="615553" cy="2589929"/>
+            <a:off x="2012234" y="3544212"/>
+            <a:ext cx="1046440" cy="2589929"/>
           </a:xfrm>
           <a:prstGeom prst="rect">
             <a:avLst/>
@@ -7809,6 +7819,16 @@
             <a:spAutoFit/>
           </a:bodyPr>
           <a:lstStyle/>
+          <a:p>
+            <a:pPr algn="ctr"/>
+            <a:r>
+              <a:rPr lang="en-US" sz="2800" b="1" dirty="0" smtClean="0">
+                <a:latin typeface="Arial" pitchFamily="34" charset="0"/>
+                <a:cs typeface="Arial" pitchFamily="34" charset="0"/>
+              </a:rPr>
+              <a:t>Experimental</a:t>
+            </a:r>
+          </a:p>
           <a:p>
             <a:pPr algn="ctr"/>
             <a:r>
@@ -7830,7 +7850,14 @@
                 <a:latin typeface="Arial" pitchFamily="34" charset="0"/>
                 <a:cs typeface="Arial" pitchFamily="34" charset="0"/>
               </a:rPr>
-              <a:t>N (‰)</a:t>
+              <a:t>N </a:t>
+            </a:r>
+            <a:r>
+              <a:rPr lang="en-US" sz="2800" b="1" dirty="0" smtClean="0">
+                <a:latin typeface="Arial" pitchFamily="34" charset="0"/>
+                <a:cs typeface="Arial" pitchFamily="34" charset="0"/>
+              </a:rPr>
+              <a:t>(‰)</a:t>
             </a:r>
             <a:endParaRPr lang="en-US" sz="2800" b="1" dirty="0">
               <a:latin typeface="Arial" pitchFamily="34" charset="0"/>
@@ -8392,7 +8419,7 @@
         </p:nvSpPr>
         <p:spPr>
           <a:xfrm>
-            <a:off x="654724" y="3889856"/>
+            <a:off x="366689" y="3889856"/>
             <a:ext cx="576070" cy="369332"/>
           </a:xfrm>
           <a:prstGeom prst="rect">
@@ -8486,6 +8513,78 @@
               <a:t>(b)</a:t>
             </a:r>
             <a:endParaRPr lang="en-US" b="1" dirty="0">
+              <a:latin typeface="Arial" pitchFamily="34" charset="0"/>
+              <a:cs typeface="Arial" pitchFamily="34" charset="0"/>
+            </a:endParaRPr>
+          </a:p>
+        </p:txBody>
+      </p:sp>
+      <p:sp>
+        <p:nvSpPr>
+          <p:cNvPr id="14" name="文字方塊 13"/>
+          <p:cNvSpPr txBox="1"/>
+          <p:nvPr/>
+        </p:nvSpPr>
+        <p:spPr>
+          <a:xfrm flipV="1">
+            <a:off x="424296" y="4465925"/>
+            <a:ext cx="430887" cy="1440175"/>
+          </a:xfrm>
+          <a:prstGeom prst="rect">
+            <a:avLst/>
+          </a:prstGeom>
+          <a:noFill/>
+        </p:spPr>
+        <p:txBody>
+          <a:bodyPr vert="eaVert" wrap="square" rtlCol="0">
+            <a:spAutoFit/>
+          </a:bodyPr>
+          <a:lstStyle/>
+          <a:p>
+            <a:r>
+              <a:rPr lang="en-US" sz="1600" b="1" dirty="0" smtClean="0">
+                <a:latin typeface="Arial" pitchFamily="34" charset="0"/>
+                <a:cs typeface="Arial" pitchFamily="34" charset="0"/>
+              </a:rPr>
+              <a:t>Experimental</a:t>
+            </a:r>
+            <a:endParaRPr lang="en-US" sz="1600" b="1" dirty="0">
+              <a:latin typeface="Arial" pitchFamily="34" charset="0"/>
+              <a:cs typeface="Arial" pitchFamily="34" charset="0"/>
+            </a:endParaRPr>
+          </a:p>
+        </p:txBody>
+      </p:sp>
+      <p:sp>
+        <p:nvSpPr>
+          <p:cNvPr id="15" name="文字方塊 14"/>
+          <p:cNvSpPr txBox="1"/>
+          <p:nvPr/>
+        </p:nvSpPr>
+        <p:spPr>
+          <a:xfrm flipV="1">
+            <a:off x="4933031" y="4926782"/>
+            <a:ext cx="415498" cy="1382568"/>
+          </a:xfrm>
+          <a:prstGeom prst="rect">
+            <a:avLst/>
+          </a:prstGeom>
+          <a:noFill/>
+        </p:spPr>
+        <p:txBody>
+          <a:bodyPr vert="eaVert" wrap="square" rtlCol="0">
+            <a:spAutoFit/>
+          </a:bodyPr>
+          <a:lstStyle/>
+          <a:p>
+            <a:r>
+              <a:rPr lang="en-US" sz="1500" b="1" dirty="0" smtClean="0">
+                <a:latin typeface="Arial" pitchFamily="34" charset="0"/>
+                <a:cs typeface="Arial" pitchFamily="34" charset="0"/>
+              </a:rPr>
+              <a:t>Experimental</a:t>
+            </a:r>
+            <a:endParaRPr lang="en-US" sz="1500" b="1" dirty="0">
               <a:latin typeface="Arial" pitchFamily="34" charset="0"/>
               <a:cs typeface="Arial" pitchFamily="34" charset="0"/>
             </a:endParaRPr>
@@ -11194,16 +11293,6 @@
                         </a:rPr>
                         <a:t>(%)</a:t>
                       </a:r>
-                      <a:endParaRPr lang="en-US" sz="2800" b="1" i="0" dirty="0" smtClean="0">
-                        <a:ln>
-                          <a:noFill/>
-                        </a:ln>
-                        <a:solidFill>
-                          <a:sysClr val="windowText" lastClr="000000"/>
-                        </a:solidFill>
-                        <a:latin typeface="Arial" pitchFamily="34" charset="0"/>
-                        <a:cs typeface="Arial" pitchFamily="34" charset="0"/>
-                      </a:endParaRPr>
                     </a:p>
                   </a:txBody>
                   <a:tcPr anchor="ctr">

--- a/Figures/Figures.pptx
+++ b/Figures/Figures.pptx
@@ -201,7 +201,7 @@
             <a:fld id="{5F2257D9-6B55-4453-8134-D35586BBA3EE}" type="datetimeFigureOut">
               <a:rPr lang="en-US" smtClean="0"/>
               <a:pPr/>
-              <a:t>11/14/2021</a:t>
+              <a:t>5/18/2022</a:t>
             </a:fld>
             <a:endParaRPr lang="en-US"/>
           </a:p>
@@ -731,7 +731,7 @@
             <a:fld id="{976B346D-5E12-4602-A54E-278DE1B9B655}" type="datetimeFigureOut">
               <a:rPr lang="en-US" smtClean="0"/>
               <a:pPr/>
-              <a:t>11/14/2021</a:t>
+              <a:t>5/18/2022</a:t>
             </a:fld>
             <a:endParaRPr lang="en-US"/>
           </a:p>
@@ -898,7 +898,7 @@
             <a:fld id="{976B346D-5E12-4602-A54E-278DE1B9B655}" type="datetimeFigureOut">
               <a:rPr lang="en-US" smtClean="0"/>
               <a:pPr/>
-              <a:t>11/14/2021</a:t>
+              <a:t>5/18/2022</a:t>
             </a:fld>
             <a:endParaRPr lang="en-US"/>
           </a:p>
@@ -1075,7 +1075,7 @@
             <a:fld id="{976B346D-5E12-4602-A54E-278DE1B9B655}" type="datetimeFigureOut">
               <a:rPr lang="en-US" smtClean="0"/>
               <a:pPr/>
-              <a:t>11/14/2021</a:t>
+              <a:t>5/18/2022</a:t>
             </a:fld>
             <a:endParaRPr lang="en-US"/>
           </a:p>
@@ -1242,7 +1242,7 @@
             <a:fld id="{976B346D-5E12-4602-A54E-278DE1B9B655}" type="datetimeFigureOut">
               <a:rPr lang="en-US" smtClean="0"/>
               <a:pPr/>
-              <a:t>11/14/2021</a:t>
+              <a:t>5/18/2022</a:t>
             </a:fld>
             <a:endParaRPr lang="en-US"/>
           </a:p>
@@ -1485,7 +1485,7 @@
             <a:fld id="{976B346D-5E12-4602-A54E-278DE1B9B655}" type="datetimeFigureOut">
               <a:rPr lang="en-US" smtClean="0"/>
               <a:pPr/>
-              <a:t>11/14/2021</a:t>
+              <a:t>5/18/2022</a:t>
             </a:fld>
             <a:endParaRPr lang="en-US"/>
           </a:p>
@@ -1770,7 +1770,7 @@
             <a:fld id="{976B346D-5E12-4602-A54E-278DE1B9B655}" type="datetimeFigureOut">
               <a:rPr lang="en-US" smtClean="0"/>
               <a:pPr/>
-              <a:t>11/14/2021</a:t>
+              <a:t>5/18/2022</a:t>
             </a:fld>
             <a:endParaRPr lang="en-US"/>
           </a:p>
@@ -2189,7 +2189,7 @@
             <a:fld id="{976B346D-5E12-4602-A54E-278DE1B9B655}" type="datetimeFigureOut">
               <a:rPr lang="en-US" smtClean="0"/>
               <a:pPr/>
-              <a:t>11/14/2021</a:t>
+              <a:t>5/18/2022</a:t>
             </a:fld>
             <a:endParaRPr lang="en-US"/>
           </a:p>
@@ -2304,7 +2304,7 @@
             <a:fld id="{976B346D-5E12-4602-A54E-278DE1B9B655}" type="datetimeFigureOut">
               <a:rPr lang="en-US" smtClean="0"/>
               <a:pPr/>
-              <a:t>11/14/2021</a:t>
+              <a:t>5/18/2022</a:t>
             </a:fld>
             <a:endParaRPr lang="en-US"/>
           </a:p>
@@ -2396,7 +2396,7 @@
             <a:fld id="{976B346D-5E12-4602-A54E-278DE1B9B655}" type="datetimeFigureOut">
               <a:rPr lang="en-US" smtClean="0"/>
               <a:pPr/>
-              <a:t>11/14/2021</a:t>
+              <a:t>5/18/2022</a:t>
             </a:fld>
             <a:endParaRPr lang="en-US"/>
           </a:p>
@@ -2670,7 +2670,7 @@
             <a:fld id="{976B346D-5E12-4602-A54E-278DE1B9B655}" type="datetimeFigureOut">
               <a:rPr lang="en-US" smtClean="0"/>
               <a:pPr/>
-              <a:t>11/14/2021</a:t>
+              <a:t>5/18/2022</a:t>
             </a:fld>
             <a:endParaRPr lang="en-US"/>
           </a:p>
@@ -2920,7 +2920,7 @@
             <a:fld id="{976B346D-5E12-4602-A54E-278DE1B9B655}" type="datetimeFigureOut">
               <a:rPr lang="en-US" smtClean="0"/>
               <a:pPr/>
-              <a:t>11/14/2021</a:t>
+              <a:t>5/18/2022</a:t>
             </a:fld>
             <a:endParaRPr lang="en-US"/>
           </a:p>
@@ -3130,7 +3130,7 @@
             <a:fld id="{976B346D-5E12-4602-A54E-278DE1B9B655}" type="datetimeFigureOut">
               <a:rPr lang="en-US" smtClean="0"/>
               <a:pPr/>
-              <a:t>11/14/2021</a:t>
+              <a:t>5/18/2022</a:t>
             </a:fld>
             <a:endParaRPr lang="en-US"/>
           </a:p>
@@ -5759,7 +5759,7 @@
         </p:nvSpPr>
         <p:spPr>
           <a:xfrm>
-            <a:off x="4132326" y="2892509"/>
+            <a:off x="4572000" y="2104039"/>
             <a:ext cx="182880" cy="182880"/>
           </a:xfrm>
           <a:prstGeom prst="ellipse">
@@ -5807,7 +5807,7 @@
         </p:nvSpPr>
         <p:spPr>
           <a:xfrm>
-            <a:off x="4513153" y="2489260"/>
+            <a:off x="4572000" y="2622502"/>
             <a:ext cx="182880" cy="182880"/>
           </a:xfrm>
           <a:prstGeom prst="ellipse">
@@ -5855,7 +5855,7 @@
         </p:nvSpPr>
         <p:spPr>
           <a:xfrm>
-            <a:off x="5338278" y="2316439"/>
+            <a:off x="5781747" y="2161646"/>
             <a:ext cx="182880" cy="182880"/>
           </a:xfrm>
           <a:prstGeom prst="ellipse">
@@ -5903,7 +5903,7 @@
         </p:nvSpPr>
         <p:spPr>
           <a:xfrm>
-            <a:off x="5465221" y="2086011"/>
+            <a:off x="5781747" y="2046432"/>
             <a:ext cx="182880" cy="182880"/>
           </a:xfrm>
           <a:prstGeom prst="ellipse">
@@ -5951,55 +5951,7 @@
         </p:nvSpPr>
         <p:spPr>
           <a:xfrm>
-            <a:off x="5655634" y="1682762"/>
-            <a:ext cx="182880" cy="182880"/>
-          </a:xfrm>
-          <a:prstGeom prst="ellipse">
-            <a:avLst/>
-          </a:prstGeom>
-          <a:solidFill>
-            <a:schemeClr val="tx1"/>
-          </a:solidFill>
-          <a:ln>
-            <a:solidFill>
-              <a:schemeClr val="tx1"/>
-            </a:solidFill>
-          </a:ln>
-        </p:spPr>
-        <p:style>
-          <a:lnRef idx="2">
-            <a:schemeClr val="accent1">
-              <a:shade val="50000"/>
-            </a:schemeClr>
-          </a:lnRef>
-          <a:fillRef idx="1">
-            <a:schemeClr val="accent1"/>
-          </a:fillRef>
-          <a:effectRef idx="0">
-            <a:schemeClr val="accent1"/>
-          </a:effectRef>
-          <a:fontRef idx="minor">
-            <a:schemeClr val="lt1"/>
-          </a:fontRef>
-        </p:style>
-        <p:txBody>
-          <a:bodyPr rtlCol="0" anchor="ctr"/>
-          <a:lstStyle/>
-          <a:p>
-            <a:pPr algn="ctr"/>
-            <a:endParaRPr lang="en-US"/>
-          </a:p>
-        </p:txBody>
-      </p:sp>
-      <p:sp>
-        <p:nvSpPr>
-          <p:cNvPr id="39" name="橢圓 38"/>
-          <p:cNvSpPr/>
-          <p:nvPr/>
-        </p:nvSpPr>
-        <p:spPr>
-          <a:xfrm>
-            <a:off x="7115471" y="2143618"/>
+            <a:off x="5781747" y="1931218"/>
             <a:ext cx="182880" cy="182880"/>
           </a:xfrm>
           <a:prstGeom prst="ellipse">
@@ -6089,157 +6041,13 @@
       </p:sp>
       <p:sp>
         <p:nvSpPr>
-          <p:cNvPr id="41" name="橢圓 40"/>
-          <p:cNvSpPr/>
-          <p:nvPr/>
-        </p:nvSpPr>
-        <p:spPr>
-          <a:xfrm>
-            <a:off x="3814970" y="2892509"/>
-            <a:ext cx="182880" cy="182880"/>
-          </a:xfrm>
-          <a:prstGeom prst="ellipse">
-            <a:avLst/>
-          </a:prstGeom>
-          <a:solidFill>
-            <a:schemeClr val="tx1"/>
-          </a:solidFill>
-          <a:ln>
-            <a:solidFill>
-              <a:schemeClr val="tx1"/>
-            </a:solidFill>
-          </a:ln>
-        </p:spPr>
-        <p:style>
-          <a:lnRef idx="2">
-            <a:schemeClr val="accent1">
-              <a:shade val="50000"/>
-            </a:schemeClr>
-          </a:lnRef>
-          <a:fillRef idx="1">
-            <a:schemeClr val="accent1"/>
-          </a:fillRef>
-          <a:effectRef idx="0">
-            <a:schemeClr val="accent1"/>
-          </a:effectRef>
-          <a:fontRef idx="minor">
-            <a:schemeClr val="lt1"/>
-          </a:fontRef>
-        </p:style>
-        <p:txBody>
-          <a:bodyPr rtlCol="0" anchor="ctr"/>
-          <a:lstStyle/>
-          <a:p>
-            <a:pPr algn="ctr"/>
-            <a:endParaRPr lang="en-US"/>
-          </a:p>
-        </p:txBody>
-      </p:sp>
-      <p:sp>
-        <p:nvSpPr>
-          <p:cNvPr id="42" name="橢圓 41"/>
-          <p:cNvSpPr/>
-          <p:nvPr/>
-        </p:nvSpPr>
-        <p:spPr>
-          <a:xfrm>
-            <a:off x="3053316" y="3699007"/>
-            <a:ext cx="182880" cy="182880"/>
-          </a:xfrm>
-          <a:prstGeom prst="ellipse">
-            <a:avLst/>
-          </a:prstGeom>
-          <a:solidFill>
-            <a:schemeClr val="tx1"/>
-          </a:solidFill>
-          <a:ln>
-            <a:solidFill>
-              <a:schemeClr val="tx1"/>
-            </a:solidFill>
-          </a:ln>
-        </p:spPr>
-        <p:style>
-          <a:lnRef idx="2">
-            <a:schemeClr val="accent1">
-              <a:shade val="50000"/>
-            </a:schemeClr>
-          </a:lnRef>
-          <a:fillRef idx="1">
-            <a:schemeClr val="accent1"/>
-          </a:fillRef>
-          <a:effectRef idx="0">
-            <a:schemeClr val="accent1"/>
-          </a:effectRef>
-          <a:fontRef idx="minor">
-            <a:schemeClr val="lt1"/>
-          </a:fontRef>
-        </p:style>
-        <p:txBody>
-          <a:bodyPr rtlCol="0" anchor="ctr"/>
-          <a:lstStyle/>
-          <a:p>
-            <a:pPr algn="ctr"/>
-            <a:endParaRPr lang="en-US"/>
-          </a:p>
-        </p:txBody>
-      </p:sp>
-      <p:sp>
-        <p:nvSpPr>
           <p:cNvPr id="43" name="橢圓 42"/>
           <p:cNvSpPr/>
           <p:nvPr/>
         </p:nvSpPr>
         <p:spPr>
           <a:xfrm>
-            <a:off x="2926374" y="3353365"/>
-            <a:ext cx="182880" cy="182880"/>
-          </a:xfrm>
-          <a:prstGeom prst="ellipse">
-            <a:avLst/>
-          </a:prstGeom>
-          <a:solidFill>
-            <a:schemeClr val="tx1"/>
-          </a:solidFill>
-          <a:ln>
-            <a:solidFill>
-              <a:schemeClr val="tx1"/>
-            </a:solidFill>
-          </a:ln>
-        </p:spPr>
-        <p:style>
-          <a:lnRef idx="2">
-            <a:schemeClr val="accent1">
-              <a:shade val="50000"/>
-            </a:schemeClr>
-          </a:lnRef>
-          <a:fillRef idx="1">
-            <a:schemeClr val="accent1"/>
-          </a:fillRef>
-          <a:effectRef idx="0">
-            <a:schemeClr val="accent1"/>
-          </a:effectRef>
-          <a:fontRef idx="minor">
-            <a:schemeClr val="lt1"/>
-          </a:fontRef>
-        </p:style>
-        <p:txBody>
-          <a:bodyPr rtlCol="0" anchor="ctr"/>
-          <a:lstStyle/>
-          <a:p>
-            <a:pPr algn="ctr"/>
-            <a:endParaRPr lang="en-US"/>
-          </a:p>
-        </p:txBody>
-      </p:sp>
-      <p:sp>
-        <p:nvSpPr>
-          <p:cNvPr id="44" name="橢圓 43"/>
-          <p:cNvSpPr/>
-          <p:nvPr/>
-        </p:nvSpPr>
-        <p:spPr>
-          <a:xfrm>
-            <a:off x="2735960" y="3410972"/>
+            <a:off x="3247039" y="3371393"/>
             <a:ext cx="182880" cy="182880"/>
           </a:xfrm>
           <a:prstGeom prst="ellipse">
@@ -6377,13 +6185,13 @@
       </p:sp>
       <p:sp>
         <p:nvSpPr>
-          <p:cNvPr id="47" name="橢圓 46"/>
+          <p:cNvPr id="48" name="橢圓 47"/>
           <p:cNvSpPr/>
           <p:nvPr/>
         </p:nvSpPr>
         <p:spPr>
           <a:xfrm>
-            <a:off x="5909519" y="2201225"/>
+            <a:off x="3247039" y="3025751"/>
             <a:ext cx="182880" cy="182880"/>
           </a:xfrm>
           <a:prstGeom prst="ellipse">
@@ -6425,13 +6233,13 @@
       </p:sp>
       <p:sp>
         <p:nvSpPr>
-          <p:cNvPr id="48" name="橢圓 47"/>
+          <p:cNvPr id="49" name="橢圓 48"/>
           <p:cNvSpPr/>
           <p:nvPr/>
         </p:nvSpPr>
         <p:spPr>
           <a:xfrm>
-            <a:off x="3116787" y="3007723"/>
+            <a:off x="3247039" y="2852930"/>
             <a:ext cx="182880" cy="182880"/>
           </a:xfrm>
           <a:prstGeom prst="ellipse">
@@ -6473,205 +6281,13 @@
       </p:sp>
       <p:sp>
         <p:nvSpPr>
-          <p:cNvPr id="49" name="橢圓 48"/>
-          <p:cNvSpPr/>
-          <p:nvPr/>
-        </p:nvSpPr>
-        <p:spPr>
-          <a:xfrm>
-            <a:off x="4640095" y="2777295"/>
-            <a:ext cx="182880" cy="182880"/>
-          </a:xfrm>
-          <a:prstGeom prst="ellipse">
-            <a:avLst/>
-          </a:prstGeom>
-          <a:solidFill>
-            <a:schemeClr val="tx1"/>
-          </a:solidFill>
-          <a:ln>
-            <a:solidFill>
-              <a:schemeClr val="tx1"/>
-            </a:solidFill>
-          </a:ln>
-        </p:spPr>
-        <p:style>
-          <a:lnRef idx="2">
-            <a:schemeClr val="accent1">
-              <a:shade val="50000"/>
-            </a:schemeClr>
-          </a:lnRef>
-          <a:fillRef idx="1">
-            <a:schemeClr val="accent1"/>
-          </a:fillRef>
-          <a:effectRef idx="0">
-            <a:schemeClr val="accent1"/>
-          </a:effectRef>
-          <a:fontRef idx="minor">
-            <a:schemeClr val="lt1"/>
-          </a:fontRef>
-        </p:style>
-        <p:txBody>
-          <a:bodyPr rtlCol="0" anchor="ctr"/>
-          <a:lstStyle/>
-          <a:p>
-            <a:pPr algn="ctr"/>
-            <a:endParaRPr lang="en-US"/>
-          </a:p>
-        </p:txBody>
-      </p:sp>
-      <p:sp>
-        <p:nvSpPr>
-          <p:cNvPr id="50" name="橢圓 49"/>
-          <p:cNvSpPr/>
-          <p:nvPr/>
-        </p:nvSpPr>
-        <p:spPr>
-          <a:xfrm>
-            <a:off x="3243729" y="3238151"/>
-            <a:ext cx="182880" cy="182880"/>
-          </a:xfrm>
-          <a:prstGeom prst="ellipse">
-            <a:avLst/>
-          </a:prstGeom>
-          <a:solidFill>
-            <a:schemeClr val="tx1"/>
-          </a:solidFill>
-          <a:ln>
-            <a:solidFill>
-              <a:schemeClr val="tx1"/>
-            </a:solidFill>
-          </a:ln>
-        </p:spPr>
-        <p:style>
-          <a:lnRef idx="2">
-            <a:schemeClr val="accent1">
-              <a:shade val="50000"/>
-            </a:schemeClr>
-          </a:lnRef>
-          <a:fillRef idx="1">
-            <a:schemeClr val="accent1"/>
-          </a:fillRef>
-          <a:effectRef idx="0">
-            <a:schemeClr val="accent1"/>
-          </a:effectRef>
-          <a:fontRef idx="minor">
-            <a:schemeClr val="lt1"/>
-          </a:fontRef>
-        </p:style>
-        <p:txBody>
-          <a:bodyPr rtlCol="0" anchor="ctr"/>
-          <a:lstStyle/>
-          <a:p>
-            <a:pPr algn="ctr"/>
-            <a:endParaRPr lang="en-US"/>
-          </a:p>
-        </p:txBody>
-      </p:sp>
-      <p:sp>
-        <p:nvSpPr>
           <p:cNvPr id="51" name="橢圓 50"/>
           <p:cNvSpPr/>
           <p:nvPr/>
         </p:nvSpPr>
         <p:spPr>
           <a:xfrm>
-            <a:off x="4132326" y="2374046"/>
-            <a:ext cx="182880" cy="182880"/>
-          </a:xfrm>
-          <a:prstGeom prst="ellipse">
-            <a:avLst/>
-          </a:prstGeom>
-          <a:solidFill>
-            <a:schemeClr val="tx1"/>
-          </a:solidFill>
-          <a:ln>
-            <a:solidFill>
-              <a:schemeClr val="tx1"/>
-            </a:solidFill>
-          </a:ln>
-        </p:spPr>
-        <p:style>
-          <a:lnRef idx="2">
-            <a:schemeClr val="accent1">
-              <a:shade val="50000"/>
-            </a:schemeClr>
-          </a:lnRef>
-          <a:fillRef idx="1">
-            <a:schemeClr val="accent1"/>
-          </a:fillRef>
-          <a:effectRef idx="0">
-            <a:schemeClr val="accent1"/>
-          </a:effectRef>
-          <a:fontRef idx="minor">
-            <a:schemeClr val="lt1"/>
-          </a:fontRef>
-        </p:style>
-        <p:txBody>
-          <a:bodyPr rtlCol="0" anchor="ctr"/>
-          <a:lstStyle/>
-          <a:p>
-            <a:pPr algn="ctr"/>
-            <a:endParaRPr lang="en-US"/>
-          </a:p>
-        </p:txBody>
-      </p:sp>
-      <p:sp>
-        <p:nvSpPr>
-          <p:cNvPr id="52" name="橢圓 51"/>
-          <p:cNvSpPr/>
-          <p:nvPr/>
-        </p:nvSpPr>
-        <p:spPr>
-          <a:xfrm>
-            <a:off x="5909519" y="1970797"/>
-            <a:ext cx="182880" cy="182880"/>
-          </a:xfrm>
-          <a:prstGeom prst="ellipse">
-            <a:avLst/>
-          </a:prstGeom>
-          <a:solidFill>
-            <a:schemeClr val="tx1"/>
-          </a:solidFill>
-          <a:ln>
-            <a:solidFill>
-              <a:schemeClr val="tx1"/>
-            </a:solidFill>
-          </a:ln>
-        </p:spPr>
-        <p:style>
-          <a:lnRef idx="2">
-            <a:schemeClr val="accent1">
-              <a:shade val="50000"/>
-            </a:schemeClr>
-          </a:lnRef>
-          <a:fillRef idx="1">
-            <a:schemeClr val="accent1"/>
-          </a:fillRef>
-          <a:effectRef idx="0">
-            <a:schemeClr val="accent1"/>
-          </a:effectRef>
-          <a:fontRef idx="minor">
-            <a:schemeClr val="lt1"/>
-          </a:fontRef>
-        </p:style>
-        <p:txBody>
-          <a:bodyPr rtlCol="0" anchor="ctr"/>
-          <a:lstStyle/>
-          <a:p>
-            <a:pPr algn="ctr"/>
-            <a:endParaRPr lang="en-US"/>
-          </a:p>
-        </p:txBody>
-      </p:sp>
-      <p:sp>
-        <p:nvSpPr>
-          <p:cNvPr id="53" name="橢圓 52"/>
-          <p:cNvSpPr/>
-          <p:nvPr/>
-        </p:nvSpPr>
-        <p:spPr>
-          <a:xfrm>
-            <a:off x="7115471" y="1452334"/>
+            <a:off x="4572000" y="2334467"/>
             <a:ext cx="182880" cy="182880"/>
           </a:xfrm>
           <a:prstGeom prst="ellipse">
@@ -6860,54 +6476,6 @@
       </p:sp>
       <p:sp>
         <p:nvSpPr>
-          <p:cNvPr id="58" name="橢圓 57"/>
-          <p:cNvSpPr/>
-          <p:nvPr/>
-        </p:nvSpPr>
-        <p:spPr>
-          <a:xfrm>
-            <a:off x="2152506" y="4581140"/>
-            <a:ext cx="182880" cy="182880"/>
-          </a:xfrm>
-          <a:prstGeom prst="ellipse">
-            <a:avLst/>
-          </a:prstGeom>
-          <a:solidFill>
-            <a:schemeClr val="tx1"/>
-          </a:solidFill>
-          <a:ln>
-            <a:solidFill>
-              <a:schemeClr val="tx1"/>
-            </a:solidFill>
-          </a:ln>
-        </p:spPr>
-        <p:style>
-          <a:lnRef idx="2">
-            <a:schemeClr val="accent1">
-              <a:shade val="50000"/>
-            </a:schemeClr>
-          </a:lnRef>
-          <a:fillRef idx="1">
-            <a:schemeClr val="accent1"/>
-          </a:fillRef>
-          <a:effectRef idx="0">
-            <a:schemeClr val="accent1"/>
-          </a:effectRef>
-          <a:fontRef idx="minor">
-            <a:schemeClr val="lt1"/>
-          </a:fontRef>
-        </p:style>
-        <p:txBody>
-          <a:bodyPr rtlCol="0" anchor="ctr"/>
-          <a:lstStyle/>
-          <a:p>
-            <a:pPr algn="ctr"/>
-            <a:endParaRPr lang="en-US"/>
-          </a:p>
-        </p:txBody>
-      </p:sp>
-      <p:sp>
-        <p:nvSpPr>
           <p:cNvPr id="59" name="橢圓 58"/>
           <p:cNvSpPr/>
           <p:nvPr/>
@@ -6915,54 +6483,6 @@
         <p:spPr>
           <a:xfrm>
             <a:off x="2152506" y="4350712"/>
-            <a:ext cx="182880" cy="182880"/>
-          </a:xfrm>
-          <a:prstGeom prst="ellipse">
-            <a:avLst/>
-          </a:prstGeom>
-          <a:solidFill>
-            <a:schemeClr val="tx1"/>
-          </a:solidFill>
-          <a:ln>
-            <a:solidFill>
-              <a:schemeClr val="tx1"/>
-            </a:solidFill>
-          </a:ln>
-        </p:spPr>
-        <p:style>
-          <a:lnRef idx="2">
-            <a:schemeClr val="accent1">
-              <a:shade val="50000"/>
-            </a:schemeClr>
-          </a:lnRef>
-          <a:fillRef idx="1">
-            <a:schemeClr val="accent1"/>
-          </a:fillRef>
-          <a:effectRef idx="0">
-            <a:schemeClr val="accent1"/>
-          </a:effectRef>
-          <a:fontRef idx="minor">
-            <a:schemeClr val="lt1"/>
-          </a:fontRef>
-        </p:style>
-        <p:txBody>
-          <a:bodyPr rtlCol="0" anchor="ctr"/>
-          <a:lstStyle/>
-          <a:p>
-            <a:pPr algn="ctr"/>
-            <a:endParaRPr lang="en-US"/>
-          </a:p>
-        </p:txBody>
-      </p:sp>
-      <p:sp>
-        <p:nvSpPr>
-          <p:cNvPr id="60" name="橢圓 59"/>
-          <p:cNvSpPr/>
-          <p:nvPr/>
-        </p:nvSpPr>
-        <p:spPr>
-          <a:xfrm>
-            <a:off x="2152506" y="4005070"/>
             <a:ext cx="182880" cy="182880"/>
           </a:xfrm>
           <a:prstGeom prst="ellipse">
@@ -7733,7 +7253,7 @@
         </p:nvSpPr>
         <p:spPr>
           <a:xfrm>
-            <a:off x="2613362" y="6078922"/>
+            <a:off x="2613362" y="6136528"/>
             <a:ext cx="4493345" cy="523220"/>
           </a:xfrm>
           <a:prstGeom prst="rect">
@@ -7850,14 +7370,7 @@
                 <a:latin typeface="Arial" pitchFamily="34" charset="0"/>
                 <a:cs typeface="Arial" pitchFamily="34" charset="0"/>
               </a:rPr>
-              <a:t>N </a:t>
-            </a:r>
-            <a:r>
-              <a:rPr lang="en-US" sz="2800" b="1" dirty="0" smtClean="0">
-                <a:latin typeface="Arial" pitchFamily="34" charset="0"/>
-                <a:cs typeface="Arial" pitchFamily="34" charset="0"/>
-              </a:rPr>
-              <a:t>(‰)</a:t>
+              <a:t>N (‰)</a:t>
             </a:r>
             <a:endParaRPr lang="en-US" sz="2800" b="1" dirty="0">
               <a:latin typeface="Arial" pitchFamily="34" charset="0"/>
@@ -8101,8 +7614,8 @@
           </p:nvCxnSpPr>
           <p:spPr>
             <a:xfrm>
-              <a:off x="3698676" y="4650734"/>
-              <a:ext cx="0" cy="1210324"/>
+              <a:off x="3711480" y="4686063"/>
+              <a:ext cx="0" cy="1175626"/>
             </a:xfrm>
             <a:prstGeom prst="straightConnector1">
               <a:avLst/>
@@ -8138,8 +7651,8 @@
           </p:nvSpPr>
           <p:spPr>
             <a:xfrm>
-              <a:off x="3596266" y="4536097"/>
-              <a:ext cx="182880" cy="182880"/>
+              <a:off x="3653873" y="4536096"/>
+              <a:ext cx="115214" cy="125273"/>
             </a:xfrm>
             <a:prstGeom prst="ellipse">
               <a:avLst/>
@@ -8183,6 +7696,581 @@
           </p:txBody>
         </p:sp>
       </p:grpSp>
+      <p:cxnSp>
+        <p:nvCxnSpPr>
+          <p:cNvPr id="33" name="直線單箭頭接點 32"/>
+          <p:cNvCxnSpPr/>
+          <p:nvPr/>
+        </p:nvCxnSpPr>
+        <p:spPr>
+          <a:xfrm>
+            <a:off x="3016611" y="4753961"/>
+            <a:ext cx="806498" cy="0"/>
+          </a:xfrm>
+          <a:prstGeom prst="straightConnector1">
+            <a:avLst/>
+          </a:prstGeom>
+          <a:ln w="57150">
+            <a:solidFill>
+              <a:srgbClr val="0070C0"/>
+            </a:solidFill>
+            <a:headEnd type="none" w="med" len="med"/>
+            <a:tailEnd type="triangle" w="med" len="med"/>
+          </a:ln>
+        </p:spPr>
+        <p:style>
+          <a:lnRef idx="1">
+            <a:schemeClr val="accent1"/>
+          </a:lnRef>
+          <a:fillRef idx="0">
+            <a:schemeClr val="accent1"/>
+          </a:fillRef>
+          <a:effectRef idx="0">
+            <a:schemeClr val="accent1"/>
+          </a:effectRef>
+          <a:fontRef idx="minor">
+            <a:schemeClr val="tx1"/>
+          </a:fontRef>
+        </p:style>
+      </p:cxnSp>
+      <p:cxnSp>
+        <p:nvCxnSpPr>
+          <p:cNvPr id="38" name="直線單箭頭接點 37"/>
+          <p:cNvCxnSpPr/>
+          <p:nvPr/>
+        </p:nvCxnSpPr>
+        <p:spPr>
+          <a:xfrm>
+            <a:off x="3016611" y="4638747"/>
+            <a:ext cx="921712" cy="0"/>
+          </a:xfrm>
+          <a:prstGeom prst="straightConnector1">
+            <a:avLst/>
+          </a:prstGeom>
+          <a:ln w="57150">
+            <a:solidFill>
+              <a:srgbClr val="0070C0"/>
+            </a:solidFill>
+            <a:headEnd type="none" w="med" len="med"/>
+            <a:tailEnd type="triangle" w="med" len="med"/>
+          </a:ln>
+        </p:spPr>
+        <p:style>
+          <a:lnRef idx="1">
+            <a:schemeClr val="accent1"/>
+          </a:lnRef>
+          <a:fillRef idx="0">
+            <a:schemeClr val="accent1"/>
+          </a:fillRef>
+          <a:effectRef idx="0">
+            <a:schemeClr val="accent1"/>
+          </a:effectRef>
+          <a:fontRef idx="minor">
+            <a:schemeClr val="tx1"/>
+          </a:fontRef>
+        </p:style>
+      </p:cxnSp>
+      <p:sp>
+        <p:nvSpPr>
+          <p:cNvPr id="40" name="橢圓 39"/>
+          <p:cNvSpPr/>
+          <p:nvPr/>
+        </p:nvSpPr>
+        <p:spPr>
+          <a:xfrm>
+            <a:off x="3938323" y="4581140"/>
+            <a:ext cx="115214" cy="125273"/>
+          </a:xfrm>
+          <a:prstGeom prst="ellipse">
+            <a:avLst/>
+          </a:prstGeom>
+          <a:solidFill>
+            <a:srgbClr val="0070C0"/>
+          </a:solidFill>
+          <a:ln>
+            <a:solidFill>
+              <a:srgbClr val="0070C0"/>
+            </a:solidFill>
+          </a:ln>
+        </p:spPr>
+        <p:style>
+          <a:lnRef idx="2">
+            <a:schemeClr val="accent1">
+              <a:shade val="50000"/>
+            </a:schemeClr>
+          </a:lnRef>
+          <a:fillRef idx="1">
+            <a:schemeClr val="accent1"/>
+          </a:fillRef>
+          <a:effectRef idx="0">
+            <a:schemeClr val="accent1"/>
+          </a:effectRef>
+          <a:fontRef idx="minor">
+            <a:schemeClr val="lt1"/>
+          </a:fontRef>
+        </p:style>
+        <p:txBody>
+          <a:bodyPr rtlCol="0" anchor="ctr"/>
+          <a:lstStyle/>
+          <a:p>
+            <a:pPr algn="ctr"/>
+            <a:endParaRPr lang="en-US" dirty="0">
+              <a:solidFill>
+                <a:srgbClr val="0070C0"/>
+              </a:solidFill>
+            </a:endParaRPr>
+          </a:p>
+        </p:txBody>
+      </p:sp>
+      <p:cxnSp>
+        <p:nvCxnSpPr>
+          <p:cNvPr id="41" name="直線單箭頭接點 40"/>
+          <p:cNvCxnSpPr/>
+          <p:nvPr/>
+        </p:nvCxnSpPr>
+        <p:spPr>
+          <a:xfrm>
+            <a:off x="3995930" y="4736592"/>
+            <a:ext cx="0" cy="1280160"/>
+          </a:xfrm>
+          <a:prstGeom prst="straightConnector1">
+            <a:avLst/>
+          </a:prstGeom>
+          <a:ln w="57150">
+            <a:solidFill>
+              <a:srgbClr val="0070C0"/>
+            </a:solidFill>
+            <a:headEnd type="none" w="med" len="med"/>
+            <a:tailEnd type="triangle" w="med" len="med"/>
+          </a:ln>
+        </p:spPr>
+        <p:style>
+          <a:lnRef idx="1">
+            <a:schemeClr val="accent1"/>
+          </a:lnRef>
+          <a:fillRef idx="0">
+            <a:schemeClr val="accent1"/>
+          </a:fillRef>
+          <a:effectRef idx="0">
+            <a:schemeClr val="accent1"/>
+          </a:effectRef>
+          <a:fontRef idx="minor">
+            <a:schemeClr val="tx1"/>
+          </a:fontRef>
+        </p:style>
+      </p:cxnSp>
+      <p:sp>
+        <p:nvSpPr>
+          <p:cNvPr id="45" name="橢圓 44"/>
+          <p:cNvSpPr/>
+          <p:nvPr/>
+        </p:nvSpPr>
+        <p:spPr>
+          <a:xfrm>
+            <a:off x="3592681" y="4869175"/>
+            <a:ext cx="115214" cy="125273"/>
+          </a:xfrm>
+          <a:prstGeom prst="ellipse">
+            <a:avLst/>
+          </a:prstGeom>
+          <a:solidFill>
+            <a:srgbClr val="0070C0"/>
+          </a:solidFill>
+          <a:ln>
+            <a:solidFill>
+              <a:srgbClr val="0070C0"/>
+            </a:solidFill>
+          </a:ln>
+        </p:spPr>
+        <p:style>
+          <a:lnRef idx="2">
+            <a:schemeClr val="accent1">
+              <a:shade val="50000"/>
+            </a:schemeClr>
+          </a:lnRef>
+          <a:fillRef idx="1">
+            <a:schemeClr val="accent1"/>
+          </a:fillRef>
+          <a:effectRef idx="0">
+            <a:schemeClr val="accent1"/>
+          </a:effectRef>
+          <a:fontRef idx="minor">
+            <a:schemeClr val="lt1"/>
+          </a:fontRef>
+        </p:style>
+        <p:txBody>
+          <a:bodyPr rtlCol="0" anchor="ctr"/>
+          <a:lstStyle/>
+          <a:p>
+            <a:pPr algn="ctr"/>
+            <a:endParaRPr lang="en-US" dirty="0">
+              <a:solidFill>
+                <a:srgbClr val="0070C0"/>
+              </a:solidFill>
+            </a:endParaRPr>
+          </a:p>
+        </p:txBody>
+      </p:sp>
+      <p:cxnSp>
+        <p:nvCxnSpPr>
+          <p:cNvPr id="46" name="直線單箭頭接點 45"/>
+          <p:cNvCxnSpPr/>
+          <p:nvPr/>
+        </p:nvCxnSpPr>
+        <p:spPr>
+          <a:xfrm>
+            <a:off x="3016611" y="4926782"/>
+            <a:ext cx="576070" cy="0"/>
+          </a:xfrm>
+          <a:prstGeom prst="straightConnector1">
+            <a:avLst/>
+          </a:prstGeom>
+          <a:ln w="57150">
+            <a:solidFill>
+              <a:srgbClr val="0070C0"/>
+            </a:solidFill>
+            <a:headEnd type="none" w="med" len="med"/>
+            <a:tailEnd type="triangle" w="med" len="med"/>
+          </a:ln>
+        </p:spPr>
+        <p:style>
+          <a:lnRef idx="1">
+            <a:schemeClr val="accent1"/>
+          </a:lnRef>
+          <a:fillRef idx="0">
+            <a:schemeClr val="accent1"/>
+          </a:fillRef>
+          <a:effectRef idx="0">
+            <a:schemeClr val="accent1"/>
+          </a:effectRef>
+          <a:fontRef idx="minor">
+            <a:schemeClr val="tx1"/>
+          </a:fontRef>
+        </p:style>
+      </p:cxnSp>
+      <p:cxnSp>
+        <p:nvCxnSpPr>
+          <p:cNvPr id="55" name="直線單箭頭接點 54"/>
+          <p:cNvCxnSpPr/>
+          <p:nvPr/>
+        </p:nvCxnSpPr>
+        <p:spPr>
+          <a:xfrm>
+            <a:off x="3650288" y="5020056"/>
+            <a:ext cx="0" cy="1002805"/>
+          </a:xfrm>
+          <a:prstGeom prst="straightConnector1">
+            <a:avLst/>
+          </a:prstGeom>
+          <a:ln w="57150">
+            <a:solidFill>
+              <a:srgbClr val="0070C0"/>
+            </a:solidFill>
+            <a:headEnd type="none" w="med" len="med"/>
+            <a:tailEnd type="triangle" w="med" len="med"/>
+          </a:ln>
+        </p:spPr>
+        <p:style>
+          <a:lnRef idx="1">
+            <a:schemeClr val="accent1"/>
+          </a:lnRef>
+          <a:fillRef idx="0">
+            <a:schemeClr val="accent1"/>
+          </a:fillRef>
+          <a:effectRef idx="0">
+            <a:schemeClr val="accent1"/>
+          </a:effectRef>
+          <a:fontRef idx="minor">
+            <a:schemeClr val="tx1"/>
+          </a:fontRef>
+        </p:style>
+      </p:cxnSp>
+      <p:sp>
+        <p:nvSpPr>
+          <p:cNvPr id="58" name="文字方塊 57"/>
+          <p:cNvSpPr txBox="1"/>
+          <p:nvPr/>
+        </p:nvSpPr>
+        <p:spPr>
+          <a:xfrm>
+            <a:off x="3477467" y="6021315"/>
+            <a:ext cx="403249" cy="276999"/>
+          </a:xfrm>
+          <a:prstGeom prst="rect">
+            <a:avLst/>
+          </a:prstGeom>
+          <a:noFill/>
+        </p:spPr>
+        <p:txBody>
+          <a:bodyPr wrap="square" rtlCol="0">
+            <a:spAutoFit/>
+          </a:bodyPr>
+          <a:lstStyle/>
+          <a:p>
+            <a:r>
+              <a:rPr lang="en-US" sz="1200" b="1" i="1" dirty="0" smtClean="0">
+                <a:solidFill>
+                  <a:srgbClr val="0070C0"/>
+                </a:solidFill>
+                <a:latin typeface="Arial" pitchFamily="34" charset="0"/>
+                <a:cs typeface="Arial" pitchFamily="34" charset="0"/>
+              </a:rPr>
+              <a:t>P</a:t>
+            </a:r>
+            <a:r>
+              <a:rPr lang="en-US" sz="1200" b="1" i="1" baseline="-25000" dirty="0" smtClean="0">
+                <a:solidFill>
+                  <a:srgbClr val="0070C0"/>
+                </a:solidFill>
+                <a:latin typeface="Arial" pitchFamily="34" charset="0"/>
+                <a:cs typeface="Arial" pitchFamily="34" charset="0"/>
+              </a:rPr>
+              <a:t>1</a:t>
+            </a:r>
+            <a:endParaRPr lang="en-US" sz="1200" b="1" i="1" baseline="-25000" dirty="0">
+              <a:solidFill>
+                <a:srgbClr val="0070C0"/>
+              </a:solidFill>
+              <a:latin typeface="Arial" pitchFamily="34" charset="0"/>
+              <a:cs typeface="Arial" pitchFamily="34" charset="0"/>
+            </a:endParaRPr>
+          </a:p>
+        </p:txBody>
+      </p:sp>
+      <p:sp>
+        <p:nvSpPr>
+          <p:cNvPr id="59" name="文字方塊 58"/>
+          <p:cNvSpPr txBox="1"/>
+          <p:nvPr/>
+        </p:nvSpPr>
+        <p:spPr>
+          <a:xfrm>
+            <a:off x="3707895" y="6021315"/>
+            <a:ext cx="403249" cy="276999"/>
+          </a:xfrm>
+          <a:prstGeom prst="rect">
+            <a:avLst/>
+          </a:prstGeom>
+          <a:noFill/>
+        </p:spPr>
+        <p:txBody>
+          <a:bodyPr wrap="square" rtlCol="0">
+            <a:spAutoFit/>
+          </a:bodyPr>
+          <a:lstStyle/>
+          <a:p>
+            <a:r>
+              <a:rPr lang="en-US" sz="1200" b="1" i="1" dirty="0" smtClean="0">
+                <a:solidFill>
+                  <a:srgbClr val="0070C0"/>
+                </a:solidFill>
+                <a:latin typeface="Arial" pitchFamily="34" charset="0"/>
+                <a:cs typeface="Arial" pitchFamily="34" charset="0"/>
+              </a:rPr>
+              <a:t>P</a:t>
+            </a:r>
+            <a:r>
+              <a:rPr lang="en-US" sz="1200" b="1" i="1" baseline="-25000" dirty="0" smtClean="0">
+                <a:solidFill>
+                  <a:srgbClr val="0070C0"/>
+                </a:solidFill>
+                <a:latin typeface="Arial" pitchFamily="34" charset="0"/>
+                <a:cs typeface="Arial" pitchFamily="34" charset="0"/>
+              </a:rPr>
+              <a:t>2</a:t>
+            </a:r>
+            <a:endParaRPr lang="en-US" sz="1200" b="1" i="1" baseline="-25000" dirty="0">
+              <a:solidFill>
+                <a:srgbClr val="0070C0"/>
+              </a:solidFill>
+              <a:latin typeface="Arial" pitchFamily="34" charset="0"/>
+              <a:cs typeface="Arial" pitchFamily="34" charset="0"/>
+            </a:endParaRPr>
+          </a:p>
+        </p:txBody>
+      </p:sp>
+      <p:sp>
+        <p:nvSpPr>
+          <p:cNvPr id="60" name="文字方塊 59"/>
+          <p:cNvSpPr txBox="1"/>
+          <p:nvPr/>
+        </p:nvSpPr>
+        <p:spPr>
+          <a:xfrm>
+            <a:off x="3880716" y="6021315"/>
+            <a:ext cx="403249" cy="276999"/>
+          </a:xfrm>
+          <a:prstGeom prst="rect">
+            <a:avLst/>
+          </a:prstGeom>
+          <a:noFill/>
+        </p:spPr>
+        <p:txBody>
+          <a:bodyPr wrap="square" rtlCol="0">
+            <a:spAutoFit/>
+          </a:bodyPr>
+          <a:lstStyle/>
+          <a:p>
+            <a:r>
+              <a:rPr lang="en-US" sz="1200" b="1" i="1" dirty="0" smtClean="0">
+                <a:solidFill>
+                  <a:srgbClr val="0070C0"/>
+                </a:solidFill>
+                <a:latin typeface="Arial" pitchFamily="34" charset="0"/>
+                <a:cs typeface="Arial" pitchFamily="34" charset="0"/>
+              </a:rPr>
+              <a:t>P</a:t>
+            </a:r>
+            <a:r>
+              <a:rPr lang="en-US" sz="1200" b="1" i="1" baseline="-25000" dirty="0" smtClean="0">
+                <a:solidFill>
+                  <a:srgbClr val="0070C0"/>
+                </a:solidFill>
+                <a:latin typeface="Arial" pitchFamily="34" charset="0"/>
+                <a:cs typeface="Arial" pitchFamily="34" charset="0"/>
+              </a:rPr>
+              <a:t>3</a:t>
+            </a:r>
+            <a:endParaRPr lang="en-US" sz="1200" b="1" i="1" baseline="-25000" dirty="0">
+              <a:solidFill>
+                <a:srgbClr val="0070C0"/>
+              </a:solidFill>
+              <a:latin typeface="Arial" pitchFamily="34" charset="0"/>
+              <a:cs typeface="Arial" pitchFamily="34" charset="0"/>
+            </a:endParaRPr>
+          </a:p>
+        </p:txBody>
+      </p:sp>
+      <p:sp>
+        <p:nvSpPr>
+          <p:cNvPr id="61" name="文字方塊 60"/>
+          <p:cNvSpPr txBox="1"/>
+          <p:nvPr/>
+        </p:nvSpPr>
+        <p:spPr>
+          <a:xfrm>
+            <a:off x="6645853" y="4638747"/>
+            <a:ext cx="1382568" cy="523220"/>
+          </a:xfrm>
+          <a:prstGeom prst="rect">
+            <a:avLst/>
+          </a:prstGeom>
+          <a:noFill/>
+        </p:spPr>
+        <p:txBody>
+          <a:bodyPr wrap="square" rtlCol="0">
+            <a:spAutoFit/>
+          </a:bodyPr>
+          <a:lstStyle/>
+          <a:p>
+            <a:r>
+              <a:rPr lang="en-US" sz="2800" b="1" i="1" dirty="0" smtClean="0">
+                <a:solidFill>
+                  <a:srgbClr val="0070C0"/>
+                </a:solidFill>
+                <a:latin typeface="Arial" pitchFamily="34" charset="0"/>
+                <a:cs typeface="Arial" pitchFamily="34" charset="0"/>
+              </a:rPr>
+              <a:t>P</a:t>
+            </a:r>
+            <a:r>
+              <a:rPr lang="en-US" sz="2800" b="1" dirty="0" smtClean="0">
+                <a:solidFill>
+                  <a:srgbClr val="0070C0"/>
+                </a:solidFill>
+                <a:latin typeface="Arial" pitchFamily="34" charset="0"/>
+                <a:cs typeface="Arial" pitchFamily="34" charset="0"/>
+              </a:rPr>
+              <a:t> ± SD</a:t>
+            </a:r>
+            <a:endParaRPr lang="en-US" sz="2800" b="1" dirty="0">
+              <a:solidFill>
+                <a:srgbClr val="0070C0"/>
+              </a:solidFill>
+              <a:latin typeface="Arial" pitchFamily="34" charset="0"/>
+              <a:cs typeface="Arial" pitchFamily="34" charset="0"/>
+            </a:endParaRPr>
+          </a:p>
+        </p:txBody>
+      </p:sp>
+      <p:cxnSp>
+        <p:nvCxnSpPr>
+          <p:cNvPr id="62" name="直線單箭頭接點 61"/>
+          <p:cNvCxnSpPr/>
+          <p:nvPr/>
+        </p:nvCxnSpPr>
+        <p:spPr>
+          <a:xfrm>
+            <a:off x="5666533" y="4869175"/>
+            <a:ext cx="874313" cy="0"/>
+          </a:xfrm>
+          <a:prstGeom prst="straightConnector1">
+            <a:avLst/>
+          </a:prstGeom>
+          <a:ln w="57150">
+            <a:solidFill>
+              <a:schemeClr val="tx1"/>
+            </a:solidFill>
+            <a:tailEnd type="arrow"/>
+          </a:ln>
+        </p:spPr>
+        <p:style>
+          <a:lnRef idx="1">
+            <a:schemeClr val="accent1"/>
+          </a:lnRef>
+          <a:fillRef idx="0">
+            <a:schemeClr val="accent1"/>
+          </a:fillRef>
+          <a:effectRef idx="0">
+            <a:schemeClr val="accent1"/>
+          </a:effectRef>
+          <a:fontRef idx="minor">
+            <a:schemeClr val="tx1"/>
+          </a:fontRef>
+        </p:style>
+      </p:cxnSp>
+      <p:sp>
+        <p:nvSpPr>
+          <p:cNvPr id="64" name="文字方塊 63"/>
+          <p:cNvSpPr txBox="1"/>
+          <p:nvPr/>
+        </p:nvSpPr>
+        <p:spPr>
+          <a:xfrm>
+            <a:off x="6665976" y="4581140"/>
+            <a:ext cx="914400" cy="646331"/>
+          </a:xfrm>
+          <a:prstGeom prst="rect">
+            <a:avLst/>
+          </a:prstGeom>
+          <a:noFill/>
+        </p:spPr>
+        <p:txBody>
+          <a:bodyPr wrap="square" rtlCol="0">
+            <a:spAutoFit/>
+          </a:bodyPr>
+          <a:lstStyle/>
+          <a:p>
+            <a:r>
+              <a:rPr lang="en-US" sz="3600" b="1" dirty="0" smtClean="0">
+                <a:solidFill>
+                  <a:srgbClr val="0070C0"/>
+                </a:solidFill>
+                <a:latin typeface="Arial" pitchFamily="34" charset="0"/>
+                <a:cs typeface="Arial" pitchFamily="34" charset="0"/>
+              </a:rPr>
+              <a:t>¯</a:t>
+            </a:r>
+            <a:endParaRPr lang="en-US" sz="3600" b="1" dirty="0">
+              <a:solidFill>
+                <a:srgbClr val="0070C0"/>
+              </a:solidFill>
+              <a:latin typeface="Arial" pitchFamily="34" charset="0"/>
+              <a:cs typeface="Arial" pitchFamily="34" charset="0"/>
+            </a:endParaRPr>
+          </a:p>
+        </p:txBody>
+      </p:sp>
     </p:spTree>
   </p:cSld>
   <p:clrMapOvr>
@@ -8217,6 +8305,56 @@
       </p:grpSpPr>
       <p:pic>
         <p:nvPicPr>
+          <p:cNvPr id="17" name="圖片 16" descr="aaa.png"/>
+          <p:cNvPicPr>
+            <a:picLocks noChangeAspect="1"/>
+          </p:cNvPicPr>
+          <p:nvPr/>
+        </p:nvPicPr>
+        <p:blipFill>
+          <a:blip r:embed="rId3" cstate="print"/>
+          <a:srcRect t="2768" r="3772" b="3772"/>
+          <a:stretch>
+            <a:fillRect/>
+          </a:stretch>
+        </p:blipFill>
+        <p:spPr>
+          <a:xfrm>
+            <a:off x="3802747" y="2968144"/>
+            <a:ext cx="5341253" cy="3889856"/>
+          </a:xfrm>
+          <a:prstGeom prst="rect">
+            <a:avLst/>
+          </a:prstGeom>
+        </p:spPr>
+      </p:pic>
+      <p:pic>
+        <p:nvPicPr>
+          <p:cNvPr id="16" name="圖片 15" descr="bbb.png"/>
+          <p:cNvPicPr>
+            <a:picLocks noChangeAspect="1"/>
+          </p:cNvPicPr>
+          <p:nvPr/>
+        </p:nvPicPr>
+        <p:blipFill>
+          <a:blip r:embed="rId4" cstate="print"/>
+          <a:srcRect l="10540" t="6767" r="13860" b="8334"/>
+          <a:stretch>
+            <a:fillRect/>
+          </a:stretch>
+        </p:blipFill>
+        <p:spPr>
+          <a:xfrm>
+            <a:off x="481903" y="3947463"/>
+            <a:ext cx="3456420" cy="2910537"/>
+          </a:xfrm>
+          <a:prstGeom prst="rect">
+            <a:avLst/>
+          </a:prstGeom>
+        </p:spPr>
+      </p:pic>
+      <p:pic>
+        <p:nvPicPr>
           <p:cNvPr id="4" name="圖片 3" descr="投影片1.PNG"/>
           <p:cNvPicPr>
             <a:picLocks noChangeAspect="1"/>
@@ -8224,7 +8362,7 @@
           <p:nvPr/>
         </p:nvPicPr>
         <p:blipFill>
-          <a:blip r:embed="rId3" cstate="print"/>
+          <a:blip r:embed="rId5" cstate="print"/>
           <a:srcRect l="29880" r="11509"/>
           <a:stretch>
             <a:fillRect/>
@@ -8234,55 +8372,6 @@
           <a:xfrm>
             <a:off x="309082" y="606257"/>
             <a:ext cx="2656677" cy="3398813"/>
-          </a:xfrm>
-          <a:prstGeom prst="rect">
-            <a:avLst/>
-          </a:prstGeom>
-        </p:spPr>
-      </p:pic>
-      <p:pic>
-        <p:nvPicPr>
-          <p:cNvPr id="7" name="圖片 6" descr="投影片4.PNG"/>
-          <p:cNvPicPr>
-            <a:picLocks noChangeAspect="1"/>
-          </p:cNvPicPr>
-          <p:nvPr/>
-        </p:nvPicPr>
-        <p:blipFill>
-          <a:blip r:embed="rId4" cstate="print"/>
-          <a:srcRect l="15580" t="9708" r="16380" b="11315"/>
-          <a:stretch>
-            <a:fillRect/>
-          </a:stretch>
-        </p:blipFill>
-        <p:spPr>
-          <a:xfrm>
-            <a:off x="712331" y="4005070"/>
-            <a:ext cx="3110778" cy="2707529"/>
-          </a:xfrm>
-          <a:prstGeom prst="rect">
-            <a:avLst/>
-          </a:prstGeom>
-        </p:spPr>
-      </p:pic>
-      <p:pic>
-        <p:nvPicPr>
-          <p:cNvPr id="8" name="圖片 7" descr="投影片5.PNG"/>
-          <p:cNvPicPr>
-            <a:picLocks noChangeAspect="1"/>
-          </p:cNvPicPr>
-          <p:nvPr/>
-        </p:nvPicPr>
-        <p:blipFill>
-          <a:blip r:embed="rId5" cstate="print"/>
-          <a:stretch>
-            <a:fillRect/>
-          </a:stretch>
-        </p:blipFill>
-        <p:spPr>
-          <a:xfrm>
-            <a:off x="3802749" y="2852931"/>
-            <a:ext cx="5341251" cy="4005069"/>
           </a:xfrm>
           <a:prstGeom prst="rect">
             <a:avLst/>
@@ -8513,78 +8602,6 @@
               <a:t>(b)</a:t>
             </a:r>
             <a:endParaRPr lang="en-US" b="1" dirty="0">
-              <a:latin typeface="Arial" pitchFamily="34" charset="0"/>
-              <a:cs typeface="Arial" pitchFamily="34" charset="0"/>
-            </a:endParaRPr>
-          </a:p>
-        </p:txBody>
-      </p:sp>
-      <p:sp>
-        <p:nvSpPr>
-          <p:cNvPr id="14" name="文字方塊 13"/>
-          <p:cNvSpPr txBox="1"/>
-          <p:nvPr/>
-        </p:nvSpPr>
-        <p:spPr>
-          <a:xfrm flipV="1">
-            <a:off x="424296" y="4465925"/>
-            <a:ext cx="430887" cy="1440175"/>
-          </a:xfrm>
-          <a:prstGeom prst="rect">
-            <a:avLst/>
-          </a:prstGeom>
-          <a:noFill/>
-        </p:spPr>
-        <p:txBody>
-          <a:bodyPr vert="eaVert" wrap="square" rtlCol="0">
-            <a:spAutoFit/>
-          </a:bodyPr>
-          <a:lstStyle/>
-          <a:p>
-            <a:r>
-              <a:rPr lang="en-US" sz="1600" b="1" dirty="0" smtClean="0">
-                <a:latin typeface="Arial" pitchFamily="34" charset="0"/>
-                <a:cs typeface="Arial" pitchFamily="34" charset="0"/>
-              </a:rPr>
-              <a:t>Experimental</a:t>
-            </a:r>
-            <a:endParaRPr lang="en-US" sz="1600" b="1" dirty="0">
-              <a:latin typeface="Arial" pitchFamily="34" charset="0"/>
-              <a:cs typeface="Arial" pitchFamily="34" charset="0"/>
-            </a:endParaRPr>
-          </a:p>
-        </p:txBody>
-      </p:sp>
-      <p:sp>
-        <p:nvSpPr>
-          <p:cNvPr id="15" name="文字方塊 14"/>
-          <p:cNvSpPr txBox="1"/>
-          <p:nvPr/>
-        </p:nvSpPr>
-        <p:spPr>
-          <a:xfrm flipV="1">
-            <a:off x="4933031" y="4926782"/>
-            <a:ext cx="415498" cy="1382568"/>
-          </a:xfrm>
-          <a:prstGeom prst="rect">
-            <a:avLst/>
-          </a:prstGeom>
-          <a:noFill/>
-        </p:spPr>
-        <p:txBody>
-          <a:bodyPr vert="eaVert" wrap="square" rtlCol="0">
-            <a:spAutoFit/>
-          </a:bodyPr>
-          <a:lstStyle/>
-          <a:p>
-            <a:r>
-              <a:rPr lang="en-US" sz="1500" b="1" dirty="0" smtClean="0">
-                <a:latin typeface="Arial" pitchFamily="34" charset="0"/>
-                <a:cs typeface="Arial" pitchFamily="34" charset="0"/>
-              </a:rPr>
-              <a:t>Experimental</a:t>
-            </a:r>
-            <a:endParaRPr lang="en-US" sz="1500" b="1" dirty="0">
               <a:latin typeface="Arial" pitchFamily="34" charset="0"/>
               <a:cs typeface="Arial" pitchFamily="34" charset="0"/>
             </a:endParaRPr>
@@ -9430,7 +9447,7 @@
         </p:nvGraphicFramePr>
         <p:xfrm>
           <a:off x="309082" y="318222"/>
-          <a:ext cx="6509592" cy="6309360"/>
+          <a:ext cx="6509592" cy="3631685"/>
         </p:xfrm>
         <a:graphic>
           <a:graphicData uri="http://schemas.openxmlformats.org/drawingml/2006/table">
@@ -9906,19 +9923,45 @@
                             <a:noFill/>
                           </a:ln>
                           <a:solidFill>
+                            <a:srgbClr val="00B050"/>
+                          </a:solidFill>
+                          <a:latin typeface="Arial" pitchFamily="34" charset="0"/>
+                          <a:cs typeface="Arial" pitchFamily="34" charset="0"/>
+                        </a:rPr>
+                        <a:t>12</a:t>
+                      </a:r>
+                      <a:r>
+                        <a:rPr lang="en-US" sz="2000" dirty="0" smtClean="0">
+                          <a:ln>
+                            <a:noFill/>
+                          </a:ln>
+                          <a:solidFill>
                             <a:sysClr val="windowText" lastClr="000000"/>
                           </a:solidFill>
                           <a:latin typeface="Arial" pitchFamily="34" charset="0"/>
                           <a:cs typeface="Arial" pitchFamily="34" charset="0"/>
                         </a:rPr>
-                        <a:t>20/0</a:t>
+                        <a:t>/</a:t>
+                      </a:r>
+                      <a:r>
+                        <a:rPr lang="en-US" sz="2000" dirty="0" smtClean="0">
+                          <a:ln>
+                            <a:noFill/>
+                          </a:ln>
+                          <a:solidFill>
+                            <a:srgbClr val="FFC000"/>
+                          </a:solidFill>
+                          <a:latin typeface="Arial" pitchFamily="34" charset="0"/>
+                          <a:cs typeface="Arial" pitchFamily="34" charset="0"/>
+                        </a:rPr>
+                        <a:t>0</a:t>
                       </a:r>
                       <a:endParaRPr lang="en-US" sz="2000" dirty="0">
                         <a:ln>
                           <a:noFill/>
                         </a:ln>
                         <a:solidFill>
-                          <a:sysClr val="windowText" lastClr="000000"/>
+                          <a:srgbClr val="FFC000"/>
                         </a:solidFill>
                         <a:latin typeface="Arial" pitchFamily="34" charset="0"/>
                         <a:cs typeface="Arial" pitchFamily="34" charset="0"/>
@@ -9977,19 +10020,45 @@
                             <a:noFill/>
                           </a:ln>
                           <a:solidFill>
+                            <a:srgbClr val="00B050"/>
+                          </a:solidFill>
+                          <a:latin typeface="Arial" pitchFamily="34" charset="0"/>
+                          <a:cs typeface="Arial" pitchFamily="34" charset="0"/>
+                        </a:rPr>
+                        <a:t>9</a:t>
+                      </a:r>
+                      <a:r>
+                        <a:rPr lang="en-US" sz="2000" dirty="0" smtClean="0">
+                          <a:ln>
+                            <a:noFill/>
+                          </a:ln>
+                          <a:solidFill>
                             <a:sysClr val="windowText" lastClr="000000"/>
                           </a:solidFill>
                           <a:latin typeface="Arial" pitchFamily="34" charset="0"/>
                           <a:cs typeface="Arial" pitchFamily="34" charset="0"/>
                         </a:rPr>
-                        <a:t>15/5</a:t>
+                        <a:t>/</a:t>
+                      </a:r>
+                      <a:r>
+                        <a:rPr lang="en-US" sz="2000" dirty="0" smtClean="0">
+                          <a:ln>
+                            <a:noFill/>
+                          </a:ln>
+                          <a:solidFill>
+                            <a:srgbClr val="FFC000"/>
+                          </a:solidFill>
+                          <a:latin typeface="Arial" pitchFamily="34" charset="0"/>
+                          <a:cs typeface="Arial" pitchFamily="34" charset="0"/>
+                        </a:rPr>
+                        <a:t>3</a:t>
                       </a:r>
                       <a:endParaRPr lang="en-US" sz="2000" dirty="0">
                         <a:ln>
                           <a:noFill/>
                         </a:ln>
                         <a:solidFill>
-                          <a:sysClr val="windowText" lastClr="000000"/>
+                          <a:srgbClr val="FFC000"/>
                         </a:solidFill>
                         <a:latin typeface="Arial" pitchFamily="34" charset="0"/>
                         <a:cs typeface="Arial" pitchFamily="34" charset="0"/>
@@ -10048,19 +10117,45 @@
                             <a:noFill/>
                           </a:ln>
                           <a:solidFill>
+                            <a:srgbClr val="00B050"/>
+                          </a:solidFill>
+                          <a:latin typeface="Arial" pitchFamily="34" charset="0"/>
+                          <a:cs typeface="Arial" pitchFamily="34" charset="0"/>
+                        </a:rPr>
+                        <a:t>6</a:t>
+                      </a:r>
+                      <a:r>
+                        <a:rPr lang="en-US" sz="2000" dirty="0" smtClean="0">
+                          <a:ln>
+                            <a:noFill/>
+                          </a:ln>
+                          <a:solidFill>
                             <a:sysClr val="windowText" lastClr="000000"/>
                           </a:solidFill>
                           <a:latin typeface="Arial" pitchFamily="34" charset="0"/>
                           <a:cs typeface="Arial" pitchFamily="34" charset="0"/>
                         </a:rPr>
-                        <a:t>10/10</a:t>
+                        <a:t>/</a:t>
+                      </a:r>
+                      <a:r>
+                        <a:rPr lang="en-US" sz="2000" dirty="0" smtClean="0">
+                          <a:ln>
+                            <a:noFill/>
+                          </a:ln>
+                          <a:solidFill>
+                            <a:srgbClr val="FFC000"/>
+                          </a:solidFill>
+                          <a:latin typeface="Arial" pitchFamily="34" charset="0"/>
+                          <a:cs typeface="Arial" pitchFamily="34" charset="0"/>
+                        </a:rPr>
+                        <a:t>6</a:t>
                       </a:r>
                       <a:endParaRPr lang="en-US" sz="2000" dirty="0">
                         <a:ln>
                           <a:noFill/>
                         </a:ln>
                         <a:solidFill>
-                          <a:sysClr val="windowText" lastClr="000000"/>
+                          <a:srgbClr val="FFC000"/>
                         </a:solidFill>
                         <a:latin typeface="Arial" pitchFamily="34" charset="0"/>
                         <a:cs typeface="Arial" pitchFamily="34" charset="0"/>
@@ -10119,19 +10214,45 @@
                             <a:noFill/>
                           </a:ln>
                           <a:solidFill>
+                            <a:srgbClr val="00B050"/>
+                          </a:solidFill>
+                          <a:latin typeface="Arial" pitchFamily="34" charset="0"/>
+                          <a:cs typeface="Arial" pitchFamily="34" charset="0"/>
+                        </a:rPr>
+                        <a:t>3</a:t>
+                      </a:r>
+                      <a:r>
+                        <a:rPr lang="en-US" sz="2000" dirty="0" smtClean="0">
+                          <a:ln>
+                            <a:noFill/>
+                          </a:ln>
+                          <a:solidFill>
                             <a:sysClr val="windowText" lastClr="000000"/>
                           </a:solidFill>
                           <a:latin typeface="Arial" pitchFamily="34" charset="0"/>
                           <a:cs typeface="Arial" pitchFamily="34" charset="0"/>
                         </a:rPr>
-                        <a:t>5/15</a:t>
+                        <a:t>/</a:t>
+                      </a:r>
+                      <a:r>
+                        <a:rPr lang="en-US" sz="2000" dirty="0" smtClean="0">
+                          <a:ln>
+                            <a:noFill/>
+                          </a:ln>
+                          <a:solidFill>
+                            <a:srgbClr val="FFC000"/>
+                          </a:solidFill>
+                          <a:latin typeface="Arial" pitchFamily="34" charset="0"/>
+                          <a:cs typeface="Arial" pitchFamily="34" charset="0"/>
+                        </a:rPr>
+                        <a:t>9</a:t>
                       </a:r>
                       <a:endParaRPr lang="en-US" sz="2000" dirty="0">
                         <a:ln>
                           <a:noFill/>
                         </a:ln>
                         <a:solidFill>
-                          <a:sysClr val="windowText" lastClr="000000"/>
+                          <a:srgbClr val="FFC000"/>
                         </a:solidFill>
                         <a:latin typeface="Arial" pitchFamily="34" charset="0"/>
                         <a:cs typeface="Arial" pitchFamily="34" charset="0"/>
@@ -10190,19 +10311,45 @@
                             <a:noFill/>
                           </a:ln>
                           <a:solidFill>
+                            <a:srgbClr val="00B050"/>
+                          </a:solidFill>
+                          <a:latin typeface="Arial" pitchFamily="34" charset="0"/>
+                          <a:cs typeface="Arial" pitchFamily="34" charset="0"/>
+                        </a:rPr>
+                        <a:t>0</a:t>
+                      </a:r>
+                      <a:r>
+                        <a:rPr lang="en-US" sz="2000" dirty="0" smtClean="0">
+                          <a:ln>
+                            <a:noFill/>
+                          </a:ln>
+                          <a:solidFill>
                             <a:sysClr val="windowText" lastClr="000000"/>
                           </a:solidFill>
                           <a:latin typeface="Arial" pitchFamily="34" charset="0"/>
                           <a:cs typeface="Arial" pitchFamily="34" charset="0"/>
                         </a:rPr>
-                        <a:t>0/20</a:t>
+                        <a:t>/</a:t>
+                      </a:r>
+                      <a:r>
+                        <a:rPr lang="en-US" sz="2000" dirty="0" smtClean="0">
+                          <a:ln>
+                            <a:noFill/>
+                          </a:ln>
+                          <a:solidFill>
+                            <a:srgbClr val="FFC000"/>
+                          </a:solidFill>
+                          <a:latin typeface="Arial" pitchFamily="34" charset="0"/>
+                          <a:cs typeface="Arial" pitchFamily="34" charset="0"/>
+                        </a:rPr>
+                        <a:t>12</a:t>
                       </a:r>
                       <a:endParaRPr lang="en-US" sz="2000" dirty="0">
                         <a:ln>
                           <a:noFill/>
                         </a:ln>
                         <a:solidFill>
-                          <a:sysClr val="windowText" lastClr="000000"/>
+                          <a:srgbClr val="FFC000"/>
                         </a:solidFill>
                         <a:latin typeface="Arial" pitchFamily="34" charset="0"/>
                         <a:cs typeface="Arial" pitchFamily="34" charset="0"/>
@@ -10250,1017 +10397,7 @@
                   </a:tcPr>
                 </a:tc>
               </a:tr>
-              <a:tr h="1518733">
-                <a:tc>
-                  <a:txBody>
-                    <a:bodyPr/>
-                    <a:lstStyle/>
-                    <a:p>
-                      <a:pPr marL="0" marR="0" indent="0" algn="ctr" defTabSz="914400" rtl="0" eaLnBrk="1" fontAlgn="auto" latinLnBrk="0" hangingPunct="1">
-                        <a:lnSpc>
-                          <a:spcPct val="100000"/>
-                        </a:lnSpc>
-                        <a:spcBef>
-                          <a:spcPts val="0"/>
-                        </a:spcBef>
-                        <a:spcAft>
-                          <a:spcPts val="0"/>
-                        </a:spcAft>
-                        <a:buClrTx/>
-                        <a:buSzTx/>
-                        <a:buFontTx/>
-                        <a:buNone/>
-                        <a:tabLst/>
-                        <a:defRPr/>
-                      </a:pPr>
-                      <a:r>
-                        <a:rPr lang="en-US" sz="2800" b="1" i="1" dirty="0" smtClean="0">
-                          <a:ln>
-                            <a:noFill/>
-                          </a:ln>
-                          <a:solidFill>
-                            <a:sysClr val="windowText" lastClr="000000"/>
-                          </a:solidFill>
-                          <a:latin typeface="Arial" pitchFamily="34" charset="0"/>
-                          <a:cs typeface="Arial" pitchFamily="34" charset="0"/>
-                        </a:rPr>
-                        <a:t>C</a:t>
-                      </a:r>
-                    </a:p>
-                  </a:txBody>
-                  <a:tcPr anchor="ctr">
-                    <a:lnL w="12700" cap="flat" cmpd="sng" algn="ctr">
-                      <a:solidFill>
-                        <a:schemeClr val="tx1"/>
-                      </a:solidFill>
-                      <a:prstDash val="solid"/>
-                      <a:round/>
-                      <a:headEnd type="none" w="med" len="med"/>
-                      <a:tailEnd type="none" w="med" len="med"/>
-                    </a:lnL>
-                    <a:lnR w="12700" cap="flat" cmpd="sng" algn="ctr">
-                      <a:solidFill>
-                        <a:schemeClr val="tx1"/>
-                      </a:solidFill>
-                      <a:prstDash val="solid"/>
-                      <a:round/>
-                      <a:headEnd type="none" w="med" len="med"/>
-                      <a:tailEnd type="none" w="med" len="med"/>
-                    </a:lnR>
-                    <a:lnT w="12700" cap="flat" cmpd="sng" algn="ctr">
-                      <a:solidFill>
-                        <a:schemeClr val="tx1"/>
-                      </a:solidFill>
-                      <a:prstDash val="solid"/>
-                      <a:round/>
-                      <a:headEnd type="none" w="med" len="med"/>
-                      <a:tailEnd type="none" w="med" len="med"/>
-                    </a:lnT>
-                    <a:lnB w="12700" cap="flat" cmpd="sng" algn="ctr">
-                      <a:solidFill>
-                        <a:schemeClr val="tx1"/>
-                      </a:solidFill>
-                      <a:prstDash val="solid"/>
-                      <a:round/>
-                      <a:headEnd type="none" w="med" len="med"/>
-                      <a:tailEnd type="none" w="med" len="med"/>
-                    </a:lnB>
-                    <a:noFill/>
-                  </a:tcPr>
-                </a:tc>
-                <a:tc>
-                  <a:txBody>
-                    <a:bodyPr/>
-                    <a:lstStyle/>
-                    <a:p>
-                      <a:pPr algn="ctr"/>
-                      <a:r>
-                        <a:rPr lang="en-US" sz="2000" dirty="0" smtClean="0">
-                          <a:ln>
-                            <a:noFill/>
-                          </a:ln>
-                          <a:solidFill>
-                            <a:sysClr val="windowText" lastClr="000000"/>
-                          </a:solidFill>
-                          <a:latin typeface="Arial" pitchFamily="34" charset="0"/>
-                          <a:cs typeface="Arial" pitchFamily="34" charset="0"/>
-                        </a:rPr>
-                        <a:t>12/0</a:t>
-                      </a:r>
-                    </a:p>
-                    <a:p>
-                      <a:pPr algn="ctr"/>
-                      <a:r>
-                        <a:rPr lang="en-US" sz="2000" dirty="0" smtClean="0">
-                          <a:ln>
-                            <a:noFill/>
-                          </a:ln>
-                          <a:solidFill>
-                            <a:sysClr val="windowText" lastClr="000000"/>
-                          </a:solidFill>
-                          <a:latin typeface="Arial" pitchFamily="34" charset="0"/>
-                          <a:cs typeface="Arial" pitchFamily="34" charset="0"/>
-                        </a:rPr>
-                        <a:t>11/0</a:t>
-                      </a:r>
-                    </a:p>
-                    <a:p>
-                      <a:pPr algn="ctr"/>
-                      <a:r>
-                        <a:rPr lang="en-US" sz="2000" dirty="0" smtClean="0">
-                          <a:ln>
-                            <a:noFill/>
-                          </a:ln>
-                          <a:solidFill>
-                            <a:sysClr val="windowText" lastClr="000000"/>
-                          </a:solidFill>
-                          <a:latin typeface="Arial" pitchFamily="34" charset="0"/>
-                          <a:cs typeface="Arial" pitchFamily="34" charset="0"/>
-                        </a:rPr>
-                        <a:t>12/0</a:t>
-                      </a:r>
-                    </a:p>
-                    <a:p>
-                      <a:pPr algn="ctr"/>
-                      <a:r>
-                        <a:rPr lang="en-US" sz="2000" dirty="0" smtClean="0">
-                          <a:ln>
-                            <a:noFill/>
-                          </a:ln>
-                          <a:solidFill>
-                            <a:sysClr val="windowText" lastClr="000000"/>
-                          </a:solidFill>
-                          <a:latin typeface="Arial" pitchFamily="34" charset="0"/>
-                          <a:cs typeface="Arial" pitchFamily="34" charset="0"/>
-                        </a:rPr>
-                        <a:t>10/0</a:t>
-                      </a:r>
-                    </a:p>
-                    <a:p>
-                      <a:pPr algn="ctr"/>
-                      <a:r>
-                        <a:rPr lang="en-US" sz="2000" dirty="0" smtClean="0">
-                          <a:ln>
-                            <a:noFill/>
-                          </a:ln>
-                          <a:solidFill>
-                            <a:sysClr val="windowText" lastClr="000000"/>
-                          </a:solidFill>
-                          <a:latin typeface="Arial" pitchFamily="34" charset="0"/>
-                          <a:cs typeface="Arial" pitchFamily="34" charset="0"/>
-                        </a:rPr>
-                        <a:t>13/0</a:t>
-                      </a:r>
-                      <a:endParaRPr lang="en-US" sz="2000" dirty="0">
-                        <a:ln>
-                          <a:noFill/>
-                        </a:ln>
-                        <a:solidFill>
-                          <a:sysClr val="windowText" lastClr="000000"/>
-                        </a:solidFill>
-                        <a:latin typeface="Arial" pitchFamily="34" charset="0"/>
-                        <a:cs typeface="Arial" pitchFamily="34" charset="0"/>
-                      </a:endParaRPr>
-                    </a:p>
-                  </a:txBody>
-                  <a:tcPr anchor="ctr">
-                    <a:lnL w="12700" cap="flat" cmpd="sng" algn="ctr">
-                      <a:solidFill>
-                        <a:schemeClr val="tx1"/>
-                      </a:solidFill>
-                      <a:prstDash val="solid"/>
-                      <a:round/>
-                      <a:headEnd type="none" w="med" len="med"/>
-                      <a:tailEnd type="none" w="med" len="med"/>
-                    </a:lnL>
-                    <a:lnR w="12700" cap="flat" cmpd="sng" algn="ctr">
-                      <a:solidFill>
-                        <a:schemeClr val="tx1"/>
-                      </a:solidFill>
-                      <a:prstDash val="solid"/>
-                      <a:round/>
-                      <a:headEnd type="none" w="med" len="med"/>
-                      <a:tailEnd type="none" w="med" len="med"/>
-                    </a:lnR>
-                    <a:lnT w="12700" cap="flat" cmpd="sng" algn="ctr">
-                      <a:solidFill>
-                        <a:schemeClr val="tx1"/>
-                      </a:solidFill>
-                      <a:prstDash val="solid"/>
-                      <a:round/>
-                      <a:headEnd type="none" w="med" len="med"/>
-                      <a:tailEnd type="none" w="med" len="med"/>
-                    </a:lnT>
-                    <a:lnB w="12700" cap="flat" cmpd="sng" algn="ctr">
-                      <a:solidFill>
-                        <a:schemeClr val="tx1"/>
-                      </a:solidFill>
-                      <a:prstDash val="solid"/>
-                      <a:round/>
-                      <a:headEnd type="none" w="med" len="med"/>
-                      <a:tailEnd type="none" w="med" len="med"/>
-                    </a:lnB>
-                    <a:noFill/>
-                  </a:tcPr>
-                </a:tc>
-                <a:tc>
-                  <a:txBody>
-                    <a:bodyPr/>
-                    <a:lstStyle/>
-                    <a:p>
-                      <a:pPr algn="ctr"/>
-                      <a:r>
-                        <a:rPr lang="en-US" sz="2000" dirty="0" smtClean="0">
-                          <a:ln>
-                            <a:noFill/>
-                          </a:ln>
-                          <a:solidFill>
-                            <a:sysClr val="windowText" lastClr="000000"/>
-                          </a:solidFill>
-                          <a:latin typeface="Arial" pitchFamily="34" charset="0"/>
-                          <a:cs typeface="Arial" pitchFamily="34" charset="0"/>
-                        </a:rPr>
-                        <a:t>8/3</a:t>
-                      </a:r>
-                    </a:p>
-                    <a:p>
-                      <a:pPr marL="0" marR="0" indent="0" algn="ctr" defTabSz="914400" rtl="0" eaLnBrk="1" fontAlgn="auto" latinLnBrk="0" hangingPunct="1">
-                        <a:lnSpc>
-                          <a:spcPct val="100000"/>
-                        </a:lnSpc>
-                        <a:spcBef>
-                          <a:spcPts val="0"/>
-                        </a:spcBef>
-                        <a:spcAft>
-                          <a:spcPts val="0"/>
-                        </a:spcAft>
-                        <a:buClrTx/>
-                        <a:buSzTx/>
-                        <a:buFontTx/>
-                        <a:buNone/>
-                        <a:tabLst/>
-                        <a:defRPr/>
-                      </a:pPr>
-                      <a:r>
-                        <a:rPr lang="en-US" sz="2000" dirty="0" smtClean="0">
-                          <a:ln>
-                            <a:noFill/>
-                          </a:ln>
-                          <a:solidFill>
-                            <a:sysClr val="windowText" lastClr="000000"/>
-                          </a:solidFill>
-                          <a:latin typeface="Arial" pitchFamily="34" charset="0"/>
-                          <a:cs typeface="Arial" pitchFamily="34" charset="0"/>
-                        </a:rPr>
-                        <a:t>7/5</a:t>
-                      </a:r>
-                    </a:p>
-                    <a:p>
-                      <a:pPr marL="0" marR="0" indent="0" algn="ctr" defTabSz="914400" rtl="0" eaLnBrk="1" fontAlgn="auto" latinLnBrk="0" hangingPunct="1">
-                        <a:lnSpc>
-                          <a:spcPct val="100000"/>
-                        </a:lnSpc>
-                        <a:spcBef>
-                          <a:spcPts val="0"/>
-                        </a:spcBef>
-                        <a:spcAft>
-                          <a:spcPts val="0"/>
-                        </a:spcAft>
-                        <a:buClrTx/>
-                        <a:buSzTx/>
-                        <a:buFontTx/>
-                        <a:buNone/>
-                        <a:tabLst/>
-                        <a:defRPr/>
-                      </a:pPr>
-                      <a:r>
-                        <a:rPr lang="en-US" sz="2000" dirty="0" smtClean="0">
-                          <a:ln>
-                            <a:noFill/>
-                          </a:ln>
-                          <a:solidFill>
-                            <a:sysClr val="windowText" lastClr="000000"/>
-                          </a:solidFill>
-                          <a:latin typeface="Arial" pitchFamily="34" charset="0"/>
-                          <a:cs typeface="Arial" pitchFamily="34" charset="0"/>
-                        </a:rPr>
-                        <a:t>9/3</a:t>
-                      </a:r>
-                    </a:p>
-                    <a:p>
-                      <a:pPr marL="0" marR="0" indent="0" algn="ctr" defTabSz="914400" rtl="0" eaLnBrk="1" fontAlgn="auto" latinLnBrk="0" hangingPunct="1">
-                        <a:lnSpc>
-                          <a:spcPct val="100000"/>
-                        </a:lnSpc>
-                        <a:spcBef>
-                          <a:spcPts val="0"/>
-                        </a:spcBef>
-                        <a:spcAft>
-                          <a:spcPts val="0"/>
-                        </a:spcAft>
-                        <a:buClrTx/>
-                        <a:buSzTx/>
-                        <a:buFontTx/>
-                        <a:buNone/>
-                        <a:tabLst/>
-                        <a:defRPr/>
-                      </a:pPr>
-                      <a:r>
-                        <a:rPr lang="en-US" sz="2000" dirty="0" smtClean="0">
-                          <a:ln>
-                            <a:noFill/>
-                          </a:ln>
-                          <a:solidFill>
-                            <a:sysClr val="windowText" lastClr="000000"/>
-                          </a:solidFill>
-                          <a:latin typeface="Arial" pitchFamily="34" charset="0"/>
-                          <a:cs typeface="Arial" pitchFamily="34" charset="0"/>
-                        </a:rPr>
-                        <a:t>8/4</a:t>
-                      </a:r>
-                    </a:p>
-                    <a:p>
-                      <a:pPr marL="0" marR="0" indent="0" algn="ctr" defTabSz="914400" rtl="0" eaLnBrk="1" fontAlgn="auto" latinLnBrk="0" hangingPunct="1">
-                        <a:lnSpc>
-                          <a:spcPct val="100000"/>
-                        </a:lnSpc>
-                        <a:spcBef>
-                          <a:spcPts val="0"/>
-                        </a:spcBef>
-                        <a:spcAft>
-                          <a:spcPts val="0"/>
-                        </a:spcAft>
-                        <a:buClrTx/>
-                        <a:buSzTx/>
-                        <a:buFontTx/>
-                        <a:buNone/>
-                        <a:tabLst/>
-                        <a:defRPr/>
-                      </a:pPr>
-                      <a:r>
-                        <a:rPr lang="en-US" sz="2000" dirty="0" smtClean="0">
-                          <a:ln>
-                            <a:noFill/>
-                          </a:ln>
-                          <a:solidFill>
-                            <a:sysClr val="windowText" lastClr="000000"/>
-                          </a:solidFill>
-                          <a:latin typeface="Arial" pitchFamily="34" charset="0"/>
-                          <a:cs typeface="Arial" pitchFamily="34" charset="0"/>
-                        </a:rPr>
-                        <a:t>7/3</a:t>
-                      </a:r>
-                      <a:endParaRPr lang="en-US" sz="2000" dirty="0">
-                        <a:ln>
-                          <a:noFill/>
-                        </a:ln>
-                        <a:solidFill>
-                          <a:sysClr val="windowText" lastClr="000000"/>
-                        </a:solidFill>
-                        <a:latin typeface="Arial" pitchFamily="34" charset="0"/>
-                        <a:cs typeface="Arial" pitchFamily="34" charset="0"/>
-                      </a:endParaRPr>
-                    </a:p>
-                  </a:txBody>
-                  <a:tcPr anchor="ctr">
-                    <a:lnL w="12700" cap="flat" cmpd="sng" algn="ctr">
-                      <a:solidFill>
-                        <a:schemeClr val="tx1"/>
-                      </a:solidFill>
-                      <a:prstDash val="solid"/>
-                      <a:round/>
-                      <a:headEnd type="none" w="med" len="med"/>
-                      <a:tailEnd type="none" w="med" len="med"/>
-                    </a:lnL>
-                    <a:lnR w="12700" cap="flat" cmpd="sng" algn="ctr">
-                      <a:solidFill>
-                        <a:schemeClr val="tx1"/>
-                      </a:solidFill>
-                      <a:prstDash val="solid"/>
-                      <a:round/>
-                      <a:headEnd type="none" w="med" len="med"/>
-                      <a:tailEnd type="none" w="med" len="med"/>
-                    </a:lnR>
-                    <a:lnT w="12700" cap="flat" cmpd="sng" algn="ctr">
-                      <a:solidFill>
-                        <a:schemeClr val="tx1"/>
-                      </a:solidFill>
-                      <a:prstDash val="solid"/>
-                      <a:round/>
-                      <a:headEnd type="none" w="med" len="med"/>
-                      <a:tailEnd type="none" w="med" len="med"/>
-                    </a:lnT>
-                    <a:lnB w="12700" cap="flat" cmpd="sng" algn="ctr">
-                      <a:solidFill>
-                        <a:schemeClr val="tx1"/>
-                      </a:solidFill>
-                      <a:prstDash val="solid"/>
-                      <a:round/>
-                      <a:headEnd type="none" w="med" len="med"/>
-                      <a:tailEnd type="none" w="med" len="med"/>
-                    </a:lnB>
-                    <a:noFill/>
-                  </a:tcPr>
-                </a:tc>
-                <a:tc>
-                  <a:txBody>
-                    <a:bodyPr/>
-                    <a:lstStyle/>
-                    <a:p>
-                      <a:pPr algn="ctr"/>
-                      <a:r>
-                        <a:rPr lang="en-US" sz="2000" dirty="0" smtClean="0">
-                          <a:ln>
-                            <a:noFill/>
-                          </a:ln>
-                          <a:solidFill>
-                            <a:sysClr val="windowText" lastClr="000000"/>
-                          </a:solidFill>
-                          <a:latin typeface="Arial" pitchFamily="34" charset="0"/>
-                          <a:cs typeface="Arial" pitchFamily="34" charset="0"/>
-                        </a:rPr>
-                        <a:t>6/5</a:t>
-                      </a:r>
-                    </a:p>
-                    <a:p>
-                      <a:pPr marL="0" marR="0" indent="0" algn="ctr" defTabSz="914400" rtl="0" eaLnBrk="1" fontAlgn="auto" latinLnBrk="0" hangingPunct="1">
-                        <a:lnSpc>
-                          <a:spcPct val="100000"/>
-                        </a:lnSpc>
-                        <a:spcBef>
-                          <a:spcPts val="0"/>
-                        </a:spcBef>
-                        <a:spcAft>
-                          <a:spcPts val="0"/>
-                        </a:spcAft>
-                        <a:buClrTx/>
-                        <a:buSzTx/>
-                        <a:buFontTx/>
-                        <a:buNone/>
-                        <a:tabLst/>
-                        <a:defRPr/>
-                      </a:pPr>
-                      <a:r>
-                        <a:rPr lang="en-US" sz="2000" dirty="0" smtClean="0">
-                          <a:ln>
-                            <a:noFill/>
-                          </a:ln>
-                          <a:solidFill>
-                            <a:sysClr val="windowText" lastClr="000000"/>
-                          </a:solidFill>
-                          <a:latin typeface="Arial" pitchFamily="34" charset="0"/>
-                          <a:cs typeface="Arial" pitchFamily="34" charset="0"/>
-                        </a:rPr>
-                        <a:t>6/4</a:t>
-                      </a:r>
-                    </a:p>
-                    <a:p>
-                      <a:pPr marL="0" marR="0" indent="0" algn="ctr" defTabSz="914400" rtl="0" eaLnBrk="1" fontAlgn="auto" latinLnBrk="0" hangingPunct="1">
-                        <a:lnSpc>
-                          <a:spcPct val="100000"/>
-                        </a:lnSpc>
-                        <a:spcBef>
-                          <a:spcPts val="0"/>
-                        </a:spcBef>
-                        <a:spcAft>
-                          <a:spcPts val="0"/>
-                        </a:spcAft>
-                        <a:buClrTx/>
-                        <a:buSzTx/>
-                        <a:buFontTx/>
-                        <a:buNone/>
-                        <a:tabLst/>
-                        <a:defRPr/>
-                      </a:pPr>
-                      <a:r>
-                        <a:rPr lang="en-US" sz="2000" dirty="0" smtClean="0">
-                          <a:ln>
-                            <a:noFill/>
-                          </a:ln>
-                          <a:solidFill>
-                            <a:sysClr val="windowText" lastClr="000000"/>
-                          </a:solidFill>
-                          <a:latin typeface="Arial" pitchFamily="34" charset="0"/>
-                          <a:cs typeface="Arial" pitchFamily="34" charset="0"/>
-                        </a:rPr>
-                        <a:t>7/4</a:t>
-                      </a:r>
-                    </a:p>
-                    <a:p>
-                      <a:pPr marL="0" marR="0" indent="0" algn="ctr" defTabSz="914400" rtl="0" eaLnBrk="1" fontAlgn="auto" latinLnBrk="0" hangingPunct="1">
-                        <a:lnSpc>
-                          <a:spcPct val="100000"/>
-                        </a:lnSpc>
-                        <a:spcBef>
-                          <a:spcPts val="0"/>
-                        </a:spcBef>
-                        <a:spcAft>
-                          <a:spcPts val="0"/>
-                        </a:spcAft>
-                        <a:buClrTx/>
-                        <a:buSzTx/>
-                        <a:buFontTx/>
-                        <a:buNone/>
-                        <a:tabLst/>
-                        <a:defRPr/>
-                      </a:pPr>
-                      <a:r>
-                        <a:rPr lang="en-US" sz="2000" dirty="0" smtClean="0">
-                          <a:ln>
-                            <a:noFill/>
-                          </a:ln>
-                          <a:solidFill>
-                            <a:sysClr val="windowText" lastClr="000000"/>
-                          </a:solidFill>
-                          <a:latin typeface="Arial" pitchFamily="34" charset="0"/>
-                          <a:cs typeface="Arial" pitchFamily="34" charset="0"/>
-                        </a:rPr>
-                        <a:t>5/5</a:t>
-                      </a:r>
-                    </a:p>
-                    <a:p>
-                      <a:pPr marL="0" marR="0" indent="0" algn="ctr" defTabSz="914400" rtl="0" eaLnBrk="1" fontAlgn="auto" latinLnBrk="0" hangingPunct="1">
-                        <a:lnSpc>
-                          <a:spcPct val="100000"/>
-                        </a:lnSpc>
-                        <a:spcBef>
-                          <a:spcPts val="0"/>
-                        </a:spcBef>
-                        <a:spcAft>
-                          <a:spcPts val="0"/>
-                        </a:spcAft>
-                        <a:buClrTx/>
-                        <a:buSzTx/>
-                        <a:buFontTx/>
-                        <a:buNone/>
-                        <a:tabLst/>
-                        <a:defRPr/>
-                      </a:pPr>
-                      <a:r>
-                        <a:rPr lang="en-US" sz="2000" dirty="0" smtClean="0">
-                          <a:ln>
-                            <a:noFill/>
-                          </a:ln>
-                          <a:solidFill>
-                            <a:sysClr val="windowText" lastClr="000000"/>
-                          </a:solidFill>
-                          <a:latin typeface="Arial" pitchFamily="34" charset="0"/>
-                          <a:cs typeface="Arial" pitchFamily="34" charset="0"/>
-                        </a:rPr>
-                        <a:t>6/4</a:t>
-                      </a:r>
-                      <a:endParaRPr lang="en-US" sz="2000" dirty="0">
-                        <a:ln>
-                          <a:noFill/>
-                        </a:ln>
-                        <a:solidFill>
-                          <a:sysClr val="windowText" lastClr="000000"/>
-                        </a:solidFill>
-                        <a:latin typeface="Arial" pitchFamily="34" charset="0"/>
-                        <a:cs typeface="Arial" pitchFamily="34" charset="0"/>
-                      </a:endParaRPr>
-                    </a:p>
-                  </a:txBody>
-                  <a:tcPr anchor="ctr">
-                    <a:lnL w="12700" cap="flat" cmpd="sng" algn="ctr">
-                      <a:solidFill>
-                        <a:schemeClr val="tx1"/>
-                      </a:solidFill>
-                      <a:prstDash val="solid"/>
-                      <a:round/>
-                      <a:headEnd type="none" w="med" len="med"/>
-                      <a:tailEnd type="none" w="med" len="med"/>
-                    </a:lnL>
-                    <a:lnR w="12700" cap="flat" cmpd="sng" algn="ctr">
-                      <a:solidFill>
-                        <a:schemeClr val="tx1"/>
-                      </a:solidFill>
-                      <a:prstDash val="solid"/>
-                      <a:round/>
-                      <a:headEnd type="none" w="med" len="med"/>
-                      <a:tailEnd type="none" w="med" len="med"/>
-                    </a:lnR>
-                    <a:lnT w="12700" cap="flat" cmpd="sng" algn="ctr">
-                      <a:solidFill>
-                        <a:schemeClr val="tx1"/>
-                      </a:solidFill>
-                      <a:prstDash val="solid"/>
-                      <a:round/>
-                      <a:headEnd type="none" w="med" len="med"/>
-                      <a:tailEnd type="none" w="med" len="med"/>
-                    </a:lnT>
-                    <a:lnB w="12700" cap="flat" cmpd="sng" algn="ctr">
-                      <a:solidFill>
-                        <a:schemeClr val="tx1"/>
-                      </a:solidFill>
-                      <a:prstDash val="solid"/>
-                      <a:round/>
-                      <a:headEnd type="none" w="med" len="med"/>
-                      <a:tailEnd type="none" w="med" len="med"/>
-                    </a:lnB>
-                    <a:noFill/>
-                  </a:tcPr>
-                </a:tc>
-                <a:tc>
-                  <a:txBody>
-                    <a:bodyPr/>
-                    <a:lstStyle/>
-                    <a:p>
-                      <a:pPr algn="ctr"/>
-                      <a:r>
-                        <a:rPr lang="en-US" sz="2000" dirty="0" smtClean="0">
-                          <a:ln>
-                            <a:noFill/>
-                          </a:ln>
-                          <a:solidFill>
-                            <a:sysClr val="windowText" lastClr="000000"/>
-                          </a:solidFill>
-                          <a:latin typeface="Arial" pitchFamily="34" charset="0"/>
-                          <a:cs typeface="Arial" pitchFamily="34" charset="0"/>
-                        </a:rPr>
-                        <a:t>3/6</a:t>
-                      </a:r>
-                    </a:p>
-                    <a:p>
-                      <a:pPr marL="0" marR="0" indent="0" algn="ctr" defTabSz="914400" rtl="0" eaLnBrk="1" fontAlgn="auto" latinLnBrk="0" hangingPunct="1">
-                        <a:lnSpc>
-                          <a:spcPct val="100000"/>
-                        </a:lnSpc>
-                        <a:spcBef>
-                          <a:spcPts val="0"/>
-                        </a:spcBef>
-                        <a:spcAft>
-                          <a:spcPts val="0"/>
-                        </a:spcAft>
-                        <a:buClrTx/>
-                        <a:buSzTx/>
-                        <a:buFontTx/>
-                        <a:buNone/>
-                        <a:tabLst/>
-                        <a:defRPr/>
-                      </a:pPr>
-                      <a:r>
-                        <a:rPr lang="en-US" sz="2000" dirty="0" smtClean="0">
-                          <a:ln>
-                            <a:noFill/>
-                          </a:ln>
-                          <a:solidFill>
-                            <a:sysClr val="windowText" lastClr="000000"/>
-                          </a:solidFill>
-                          <a:latin typeface="Arial" pitchFamily="34" charset="0"/>
-                          <a:cs typeface="Arial" pitchFamily="34" charset="0"/>
-                        </a:rPr>
-                        <a:t>3/5</a:t>
-                      </a:r>
-                    </a:p>
-                    <a:p>
-                      <a:pPr marL="0" marR="0" indent="0" algn="ctr" defTabSz="914400" rtl="0" eaLnBrk="1" fontAlgn="auto" latinLnBrk="0" hangingPunct="1">
-                        <a:lnSpc>
-                          <a:spcPct val="100000"/>
-                        </a:lnSpc>
-                        <a:spcBef>
-                          <a:spcPts val="0"/>
-                        </a:spcBef>
-                        <a:spcAft>
-                          <a:spcPts val="0"/>
-                        </a:spcAft>
-                        <a:buClrTx/>
-                        <a:buSzTx/>
-                        <a:buFontTx/>
-                        <a:buNone/>
-                        <a:tabLst/>
-                        <a:defRPr/>
-                      </a:pPr>
-                      <a:r>
-                        <a:rPr lang="en-US" sz="2000" dirty="0" smtClean="0">
-                          <a:ln>
-                            <a:noFill/>
-                          </a:ln>
-                          <a:solidFill>
-                            <a:sysClr val="windowText" lastClr="000000"/>
-                          </a:solidFill>
-                          <a:latin typeface="Arial" pitchFamily="34" charset="0"/>
-                          <a:cs typeface="Arial" pitchFamily="34" charset="0"/>
-                        </a:rPr>
-                        <a:t>4/5</a:t>
-                      </a:r>
-                    </a:p>
-                    <a:p>
-                      <a:pPr marL="0" marR="0" indent="0" algn="ctr" defTabSz="914400" rtl="0" eaLnBrk="1" fontAlgn="auto" latinLnBrk="0" hangingPunct="1">
-                        <a:lnSpc>
-                          <a:spcPct val="100000"/>
-                        </a:lnSpc>
-                        <a:spcBef>
-                          <a:spcPts val="0"/>
-                        </a:spcBef>
-                        <a:spcAft>
-                          <a:spcPts val="0"/>
-                        </a:spcAft>
-                        <a:buClrTx/>
-                        <a:buSzTx/>
-                        <a:buFontTx/>
-                        <a:buNone/>
-                        <a:tabLst/>
-                        <a:defRPr/>
-                      </a:pPr>
-                      <a:r>
-                        <a:rPr lang="en-US" sz="2000" dirty="0" smtClean="0">
-                          <a:ln>
-                            <a:noFill/>
-                          </a:ln>
-                          <a:solidFill>
-                            <a:sysClr val="windowText" lastClr="000000"/>
-                          </a:solidFill>
-                          <a:latin typeface="Arial" pitchFamily="34" charset="0"/>
-                          <a:cs typeface="Arial" pitchFamily="34" charset="0"/>
-                        </a:rPr>
-                        <a:t>2/5</a:t>
-                      </a:r>
-                    </a:p>
-                    <a:p>
-                      <a:pPr marL="0" marR="0" indent="0" algn="ctr" defTabSz="914400" rtl="0" eaLnBrk="1" fontAlgn="auto" latinLnBrk="0" hangingPunct="1">
-                        <a:lnSpc>
-                          <a:spcPct val="100000"/>
-                        </a:lnSpc>
-                        <a:spcBef>
-                          <a:spcPts val="0"/>
-                        </a:spcBef>
-                        <a:spcAft>
-                          <a:spcPts val="0"/>
-                        </a:spcAft>
-                        <a:buClrTx/>
-                        <a:buSzTx/>
-                        <a:buFontTx/>
-                        <a:buNone/>
-                        <a:tabLst/>
-                        <a:defRPr/>
-                      </a:pPr>
-                      <a:r>
-                        <a:rPr lang="en-US" sz="2000" dirty="0" smtClean="0">
-                          <a:ln>
-                            <a:noFill/>
-                          </a:ln>
-                          <a:solidFill>
-                            <a:sysClr val="windowText" lastClr="000000"/>
-                          </a:solidFill>
-                          <a:latin typeface="Arial" pitchFamily="34" charset="0"/>
-                          <a:cs typeface="Arial" pitchFamily="34" charset="0"/>
-                        </a:rPr>
-                        <a:t>3/5</a:t>
-                      </a:r>
-                      <a:endParaRPr lang="en-US" sz="2000" dirty="0">
-                        <a:ln>
-                          <a:noFill/>
-                        </a:ln>
-                        <a:solidFill>
-                          <a:sysClr val="windowText" lastClr="000000"/>
-                        </a:solidFill>
-                        <a:latin typeface="Arial" pitchFamily="34" charset="0"/>
-                        <a:cs typeface="Arial" pitchFamily="34" charset="0"/>
-                      </a:endParaRPr>
-                    </a:p>
-                  </a:txBody>
-                  <a:tcPr anchor="ctr">
-                    <a:lnL w="12700" cap="flat" cmpd="sng" algn="ctr">
-                      <a:solidFill>
-                        <a:schemeClr val="tx1"/>
-                      </a:solidFill>
-                      <a:prstDash val="solid"/>
-                      <a:round/>
-                      <a:headEnd type="none" w="med" len="med"/>
-                      <a:tailEnd type="none" w="med" len="med"/>
-                    </a:lnL>
-                    <a:lnR w="12700" cap="flat" cmpd="sng" algn="ctr">
-                      <a:solidFill>
-                        <a:schemeClr val="tx1"/>
-                      </a:solidFill>
-                      <a:prstDash val="solid"/>
-                      <a:round/>
-                      <a:headEnd type="none" w="med" len="med"/>
-                      <a:tailEnd type="none" w="med" len="med"/>
-                    </a:lnR>
-                    <a:lnT w="12700" cap="flat" cmpd="sng" algn="ctr">
-                      <a:solidFill>
-                        <a:schemeClr val="tx1"/>
-                      </a:solidFill>
-                      <a:prstDash val="solid"/>
-                      <a:round/>
-                      <a:headEnd type="none" w="med" len="med"/>
-                      <a:tailEnd type="none" w="med" len="med"/>
-                    </a:lnT>
-                    <a:lnB w="12700" cap="flat" cmpd="sng" algn="ctr">
-                      <a:solidFill>
-                        <a:schemeClr val="tx1"/>
-                      </a:solidFill>
-                      <a:prstDash val="solid"/>
-                      <a:round/>
-                      <a:headEnd type="none" w="med" len="med"/>
-                      <a:tailEnd type="none" w="med" len="med"/>
-                    </a:lnB>
-                    <a:noFill/>
-                  </a:tcPr>
-                </a:tc>
-                <a:tc>
-                  <a:txBody>
-                    <a:bodyPr/>
-                    <a:lstStyle/>
-                    <a:p>
-                      <a:pPr algn="ctr"/>
-                      <a:r>
-                        <a:rPr lang="en-US" sz="2000" dirty="0" smtClean="0">
-                          <a:ln>
-                            <a:noFill/>
-                          </a:ln>
-                          <a:solidFill>
-                            <a:sysClr val="windowText" lastClr="000000"/>
-                          </a:solidFill>
-                          <a:latin typeface="Arial" pitchFamily="34" charset="0"/>
-                          <a:cs typeface="Arial" pitchFamily="34" charset="0"/>
-                        </a:rPr>
-                        <a:t>0/4</a:t>
-                      </a:r>
-                    </a:p>
-                    <a:p>
-                      <a:pPr marL="0" marR="0" indent="0" algn="ctr" defTabSz="914400" rtl="0" eaLnBrk="1" fontAlgn="auto" latinLnBrk="0" hangingPunct="1">
-                        <a:lnSpc>
-                          <a:spcPct val="100000"/>
-                        </a:lnSpc>
-                        <a:spcBef>
-                          <a:spcPts val="0"/>
-                        </a:spcBef>
-                        <a:spcAft>
-                          <a:spcPts val="0"/>
-                        </a:spcAft>
-                        <a:buClrTx/>
-                        <a:buSzTx/>
-                        <a:buFontTx/>
-                        <a:buNone/>
-                        <a:tabLst/>
-                        <a:defRPr/>
-                      </a:pPr>
-                      <a:r>
-                        <a:rPr lang="en-US" sz="2000" dirty="0" smtClean="0">
-                          <a:ln>
-                            <a:noFill/>
-                          </a:ln>
-                          <a:solidFill>
-                            <a:sysClr val="windowText" lastClr="000000"/>
-                          </a:solidFill>
-                          <a:latin typeface="Arial" pitchFamily="34" charset="0"/>
-                          <a:cs typeface="Arial" pitchFamily="34" charset="0"/>
-                        </a:rPr>
-                        <a:t>0/5</a:t>
-                      </a:r>
-                    </a:p>
-                    <a:p>
-                      <a:pPr marL="0" marR="0" indent="0" algn="ctr" defTabSz="914400" rtl="0" eaLnBrk="1" fontAlgn="auto" latinLnBrk="0" hangingPunct="1">
-                        <a:lnSpc>
-                          <a:spcPct val="100000"/>
-                        </a:lnSpc>
-                        <a:spcBef>
-                          <a:spcPts val="0"/>
-                        </a:spcBef>
-                        <a:spcAft>
-                          <a:spcPts val="0"/>
-                        </a:spcAft>
-                        <a:buClrTx/>
-                        <a:buSzTx/>
-                        <a:buFontTx/>
-                        <a:buNone/>
-                        <a:tabLst/>
-                        <a:defRPr/>
-                      </a:pPr>
-                      <a:r>
-                        <a:rPr lang="en-US" sz="2000" dirty="0" smtClean="0">
-                          <a:ln>
-                            <a:noFill/>
-                          </a:ln>
-                          <a:solidFill>
-                            <a:sysClr val="windowText" lastClr="000000"/>
-                          </a:solidFill>
-                          <a:latin typeface="Arial" pitchFamily="34" charset="0"/>
-                          <a:cs typeface="Arial" pitchFamily="34" charset="0"/>
-                        </a:rPr>
-                        <a:t>0/5</a:t>
-                      </a:r>
-                    </a:p>
-                    <a:p>
-                      <a:pPr marL="0" marR="0" indent="0" algn="ctr" defTabSz="914400" rtl="0" eaLnBrk="1" fontAlgn="auto" latinLnBrk="0" hangingPunct="1">
-                        <a:lnSpc>
-                          <a:spcPct val="100000"/>
-                        </a:lnSpc>
-                        <a:spcBef>
-                          <a:spcPts val="0"/>
-                        </a:spcBef>
-                        <a:spcAft>
-                          <a:spcPts val="0"/>
-                        </a:spcAft>
-                        <a:buClrTx/>
-                        <a:buSzTx/>
-                        <a:buFontTx/>
-                        <a:buNone/>
-                        <a:tabLst/>
-                        <a:defRPr/>
-                      </a:pPr>
-                      <a:r>
-                        <a:rPr lang="en-US" sz="2000" dirty="0" smtClean="0">
-                          <a:ln>
-                            <a:noFill/>
-                          </a:ln>
-                          <a:solidFill>
-                            <a:sysClr val="windowText" lastClr="000000"/>
-                          </a:solidFill>
-                          <a:latin typeface="Arial" pitchFamily="34" charset="0"/>
-                          <a:cs typeface="Arial" pitchFamily="34" charset="0"/>
-                        </a:rPr>
-                        <a:t>0/3</a:t>
-                      </a:r>
-                    </a:p>
-                    <a:p>
-                      <a:pPr marL="0" marR="0" indent="0" algn="ctr" defTabSz="914400" rtl="0" eaLnBrk="1" fontAlgn="auto" latinLnBrk="0" hangingPunct="1">
-                        <a:lnSpc>
-                          <a:spcPct val="100000"/>
-                        </a:lnSpc>
-                        <a:spcBef>
-                          <a:spcPts val="0"/>
-                        </a:spcBef>
-                        <a:spcAft>
-                          <a:spcPts val="0"/>
-                        </a:spcAft>
-                        <a:buClrTx/>
-                        <a:buSzTx/>
-                        <a:buFontTx/>
-                        <a:buNone/>
-                        <a:tabLst/>
-                        <a:defRPr/>
-                      </a:pPr>
-                      <a:r>
-                        <a:rPr lang="en-US" sz="2000" dirty="0" smtClean="0">
-                          <a:ln>
-                            <a:noFill/>
-                          </a:ln>
-                          <a:solidFill>
-                            <a:sysClr val="windowText" lastClr="000000"/>
-                          </a:solidFill>
-                          <a:latin typeface="Arial" pitchFamily="34" charset="0"/>
-                          <a:cs typeface="Arial" pitchFamily="34" charset="0"/>
-                        </a:rPr>
-                        <a:t>0/6</a:t>
-                      </a:r>
-                      <a:endParaRPr lang="en-US" sz="2000" dirty="0">
-                        <a:ln>
-                          <a:noFill/>
-                        </a:ln>
-                        <a:solidFill>
-                          <a:sysClr val="windowText" lastClr="000000"/>
-                        </a:solidFill>
-                        <a:latin typeface="Arial" pitchFamily="34" charset="0"/>
-                        <a:cs typeface="Arial" pitchFamily="34" charset="0"/>
-                      </a:endParaRPr>
-                    </a:p>
-                  </a:txBody>
-                  <a:tcPr anchor="ctr">
-                    <a:lnL w="12700" cap="flat" cmpd="sng" algn="ctr">
-                      <a:solidFill>
-                        <a:schemeClr val="tx1"/>
-                      </a:solidFill>
-                      <a:prstDash val="solid"/>
-                      <a:round/>
-                      <a:headEnd type="none" w="med" len="med"/>
-                      <a:tailEnd type="none" w="med" len="med"/>
-                    </a:lnL>
-                    <a:lnR w="12700" cap="flat" cmpd="sng" algn="ctr">
-                      <a:solidFill>
-                        <a:schemeClr val="tx1"/>
-                      </a:solidFill>
-                      <a:prstDash val="solid"/>
-                      <a:round/>
-                      <a:headEnd type="none" w="med" len="med"/>
-                      <a:tailEnd type="none" w="med" len="med"/>
-                    </a:lnR>
-                    <a:lnT w="12700" cap="flat" cmpd="sng" algn="ctr">
-                      <a:solidFill>
-                        <a:schemeClr val="tx1"/>
-                      </a:solidFill>
-                      <a:prstDash val="solid"/>
-                      <a:round/>
-                      <a:headEnd type="none" w="med" len="med"/>
-                      <a:tailEnd type="none" w="med" len="med"/>
-                    </a:lnT>
-                    <a:lnB w="12700" cap="flat" cmpd="sng" algn="ctr">
-                      <a:solidFill>
-                        <a:schemeClr val="tx1"/>
-                      </a:solidFill>
-                      <a:prstDash val="solid"/>
-                      <a:round/>
-                      <a:headEnd type="none" w="med" len="med"/>
-                      <a:tailEnd type="none" w="med" len="med"/>
-                    </a:lnB>
-                    <a:noFill/>
-                  </a:tcPr>
-                </a:tc>
-              </a:tr>
-              <a:tr h="1518733">
+              <a:tr h="553205">
                 <a:tc>
                   <a:txBody>
                     <a:bodyPr/>
@@ -11278,21 +10415,18 @@
                           <a:latin typeface="Arial" pitchFamily="34" charset="0"/>
                           <a:cs typeface="Arial" pitchFamily="34" charset="0"/>
                         </a:rPr>
-                        <a:t>P </a:t>
+                        <a:t>P</a:t>
                       </a:r>
-                      <a:r>
-                        <a:rPr lang="en-US" sz="2800" b="1" i="0" dirty="0" smtClean="0">
-                          <a:ln>
-                            <a:noFill/>
-                          </a:ln>
-                          <a:solidFill>
-                            <a:sysClr val="windowText" lastClr="000000"/>
-                          </a:solidFill>
-                          <a:latin typeface="Arial" pitchFamily="34" charset="0"/>
-                          <a:cs typeface="Arial" pitchFamily="34" charset="0"/>
-                        </a:rPr>
-                        <a:t>(%)</a:t>
-                      </a:r>
+                      <a:endParaRPr lang="en-US" sz="2800" b="1" i="1" dirty="0" smtClean="0">
+                        <a:ln>
+                          <a:noFill/>
+                        </a:ln>
+                        <a:solidFill>
+                          <a:sysClr val="windowText" lastClr="000000"/>
+                        </a:solidFill>
+                        <a:latin typeface="Arial" pitchFamily="34" charset="0"/>
+                        <a:cs typeface="Arial" pitchFamily="34" charset="0"/>
+                      </a:endParaRPr>
                     </a:p>
                   </a:txBody>
                   <a:tcPr anchor="ctr">
@@ -11357,71 +10491,7 @@
                           <a:latin typeface="Arial" pitchFamily="34" charset="0"/>
                           <a:cs typeface="Arial" pitchFamily="34" charset="0"/>
                         </a:rPr>
-                        <a:t>0</a:t>
-                      </a:r>
-                    </a:p>
-                    <a:p>
-                      <a:pPr algn="ctr"/>
-                      <a:r>
-                        <a:rPr lang="en-US" sz="2000" dirty="0" smtClean="0">
-                          <a:ln>
-                            <a:noFill/>
-                          </a:ln>
-                          <a:solidFill>
-                            <a:sysClr val="windowText" lastClr="000000"/>
-                          </a:solidFill>
-                          <a:latin typeface="Arial" pitchFamily="34" charset="0"/>
-                          <a:cs typeface="Arial" pitchFamily="34" charset="0"/>
-                        </a:rPr>
-                        <a:t>0</a:t>
-                      </a:r>
-                    </a:p>
-                    <a:p>
-                      <a:pPr algn="ctr"/>
-                      <a:r>
-                        <a:rPr lang="en-US" sz="2000" dirty="0" smtClean="0">
-                          <a:ln>
-                            <a:noFill/>
-                          </a:ln>
-                          <a:solidFill>
-                            <a:sysClr val="windowText" lastClr="000000"/>
-                          </a:solidFill>
-                          <a:latin typeface="Arial" pitchFamily="34" charset="0"/>
-                          <a:cs typeface="Arial" pitchFamily="34" charset="0"/>
-                        </a:rPr>
-                        <a:t>0</a:t>
-                      </a:r>
-                    </a:p>
-                    <a:p>
-                      <a:pPr algn="ctr"/>
-                      <a:r>
-                        <a:rPr lang="en-US" sz="2000" dirty="0" smtClean="0">
-                          <a:ln>
-                            <a:noFill/>
-                          </a:ln>
-                          <a:solidFill>
-                            <a:sysClr val="windowText" lastClr="000000"/>
-                          </a:solidFill>
-                          <a:latin typeface="Arial" pitchFamily="34" charset="0"/>
-                          <a:cs typeface="Arial" pitchFamily="34" charset="0"/>
-                        </a:rPr>
-                        <a:t>0</a:t>
-                      </a:r>
-                    </a:p>
-                    <a:p>
-                      <a:pPr algn="ctr"/>
-                      <a:r>
-                        <a:rPr lang="en-US" sz="2000" dirty="0" smtClean="0">
-                          <a:ln>
-                            <a:noFill/>
-                          </a:ln>
-                          <a:solidFill>
-                            <a:sysClr val="windowText" lastClr="000000"/>
-                          </a:solidFill>
-                          <a:latin typeface="Arial" pitchFamily="34" charset="0"/>
-                          <a:cs typeface="Arial" pitchFamily="34" charset="0"/>
-                        </a:rPr>
-                        <a:t>0</a:t>
+                        <a:t>0.00</a:t>
                       </a:r>
                       <a:endParaRPr lang="en-US" sz="2000" dirty="0">
                         <a:ln>
@@ -11497,71 +10567,7 @@
                           <a:latin typeface="Arial" pitchFamily="34" charset="0"/>
                           <a:cs typeface="Arial" pitchFamily="34" charset="0"/>
                         </a:rPr>
-                        <a:t>27.2</a:t>
-                      </a:r>
-                    </a:p>
-                    <a:p>
-                      <a:pPr algn="ctr"/>
-                      <a:r>
-                        <a:rPr lang="en-US" sz="2000" dirty="0" smtClean="0">
-                          <a:ln>
-                            <a:noFill/>
-                          </a:ln>
-                          <a:solidFill>
-                            <a:sysClr val="windowText" lastClr="000000"/>
-                          </a:solidFill>
-                          <a:latin typeface="Arial" pitchFamily="34" charset="0"/>
-                          <a:cs typeface="Arial" pitchFamily="34" charset="0"/>
-                        </a:rPr>
-                        <a:t>41.7</a:t>
-                      </a:r>
-                    </a:p>
-                    <a:p>
-                      <a:pPr algn="ctr"/>
-                      <a:r>
-                        <a:rPr lang="en-US" sz="2000" dirty="0" smtClean="0">
-                          <a:ln>
-                            <a:noFill/>
-                          </a:ln>
-                          <a:solidFill>
-                            <a:sysClr val="windowText" lastClr="000000"/>
-                          </a:solidFill>
-                          <a:latin typeface="Arial" pitchFamily="34" charset="0"/>
-                          <a:cs typeface="Arial" pitchFamily="34" charset="0"/>
-                        </a:rPr>
-                        <a:t>25.0</a:t>
-                      </a:r>
-                    </a:p>
-                    <a:p>
-                      <a:pPr algn="ctr"/>
-                      <a:r>
-                        <a:rPr lang="en-US" sz="2000" dirty="0" smtClean="0">
-                          <a:ln>
-                            <a:noFill/>
-                          </a:ln>
-                          <a:solidFill>
-                            <a:sysClr val="windowText" lastClr="000000"/>
-                          </a:solidFill>
-                          <a:latin typeface="Arial" pitchFamily="34" charset="0"/>
-                          <a:cs typeface="Arial" pitchFamily="34" charset="0"/>
-                        </a:rPr>
-                        <a:t>33.3</a:t>
-                      </a:r>
-                    </a:p>
-                    <a:p>
-                      <a:pPr algn="ctr"/>
-                      <a:r>
-                        <a:rPr lang="en-US" sz="2000" dirty="0" smtClean="0">
-                          <a:ln>
-                            <a:noFill/>
-                          </a:ln>
-                          <a:solidFill>
-                            <a:sysClr val="windowText" lastClr="000000"/>
-                          </a:solidFill>
-                          <a:latin typeface="Arial" pitchFamily="34" charset="0"/>
-                          <a:cs typeface="Arial" pitchFamily="34" charset="0"/>
-                        </a:rPr>
-                        <a:t>30.0</a:t>
+                        <a:t>0.25</a:t>
                       </a:r>
                       <a:endParaRPr lang="en-US" sz="2000" dirty="0">
                         <a:ln>
@@ -11637,71 +10643,7 @@
                           <a:latin typeface="Arial" pitchFamily="34" charset="0"/>
                           <a:cs typeface="Arial" pitchFamily="34" charset="0"/>
                         </a:rPr>
-                        <a:t>45.5</a:t>
-                      </a:r>
-                    </a:p>
-                    <a:p>
-                      <a:pPr algn="ctr"/>
-                      <a:r>
-                        <a:rPr lang="en-US" sz="2000" dirty="0" smtClean="0">
-                          <a:ln>
-                            <a:noFill/>
-                          </a:ln>
-                          <a:solidFill>
-                            <a:sysClr val="windowText" lastClr="000000"/>
-                          </a:solidFill>
-                          <a:latin typeface="Arial" pitchFamily="34" charset="0"/>
-                          <a:cs typeface="Arial" pitchFamily="34" charset="0"/>
-                        </a:rPr>
-                        <a:t>40.0</a:t>
-                      </a:r>
-                    </a:p>
-                    <a:p>
-                      <a:pPr algn="ctr"/>
-                      <a:r>
-                        <a:rPr lang="en-US" sz="2000" dirty="0" smtClean="0">
-                          <a:ln>
-                            <a:noFill/>
-                          </a:ln>
-                          <a:solidFill>
-                            <a:sysClr val="windowText" lastClr="000000"/>
-                          </a:solidFill>
-                          <a:latin typeface="Arial" pitchFamily="34" charset="0"/>
-                          <a:cs typeface="Arial" pitchFamily="34" charset="0"/>
-                        </a:rPr>
-                        <a:t>36.3</a:t>
-                      </a:r>
-                    </a:p>
-                    <a:p>
-                      <a:pPr algn="ctr"/>
-                      <a:r>
-                        <a:rPr lang="en-US" sz="2000" dirty="0" smtClean="0">
-                          <a:ln>
-                            <a:noFill/>
-                          </a:ln>
-                          <a:solidFill>
-                            <a:sysClr val="windowText" lastClr="000000"/>
-                          </a:solidFill>
-                          <a:latin typeface="Arial" pitchFamily="34" charset="0"/>
-                          <a:cs typeface="Arial" pitchFamily="34" charset="0"/>
-                        </a:rPr>
-                        <a:t>50.0</a:t>
-                      </a:r>
-                    </a:p>
-                    <a:p>
-                      <a:pPr algn="ctr"/>
-                      <a:r>
-                        <a:rPr lang="en-US" sz="2000" dirty="0" smtClean="0">
-                          <a:ln>
-                            <a:noFill/>
-                          </a:ln>
-                          <a:solidFill>
-                            <a:sysClr val="windowText" lastClr="000000"/>
-                          </a:solidFill>
-                          <a:latin typeface="Arial" pitchFamily="34" charset="0"/>
-                          <a:cs typeface="Arial" pitchFamily="34" charset="0"/>
-                        </a:rPr>
-                        <a:t>40.0</a:t>
+                        <a:t>0.50</a:t>
                       </a:r>
                       <a:endParaRPr lang="en-US" sz="2000" dirty="0">
                         <a:ln>
@@ -11777,71 +10719,7 @@
                           <a:latin typeface="Arial" pitchFamily="34" charset="0"/>
                           <a:cs typeface="Arial" pitchFamily="34" charset="0"/>
                         </a:rPr>
-                        <a:t>66.7</a:t>
-                      </a:r>
-                    </a:p>
-                    <a:p>
-                      <a:pPr algn="ctr"/>
-                      <a:r>
-                        <a:rPr lang="en-US" sz="2000" dirty="0" smtClean="0">
-                          <a:ln>
-                            <a:noFill/>
-                          </a:ln>
-                          <a:solidFill>
-                            <a:sysClr val="windowText" lastClr="000000"/>
-                          </a:solidFill>
-                          <a:latin typeface="Arial" pitchFamily="34" charset="0"/>
-                          <a:cs typeface="Arial" pitchFamily="34" charset="0"/>
-                        </a:rPr>
-                        <a:t>62.5</a:t>
-                      </a:r>
-                    </a:p>
-                    <a:p>
-                      <a:pPr algn="ctr"/>
-                      <a:r>
-                        <a:rPr lang="en-US" sz="2000" dirty="0" smtClean="0">
-                          <a:ln>
-                            <a:noFill/>
-                          </a:ln>
-                          <a:solidFill>
-                            <a:sysClr val="windowText" lastClr="000000"/>
-                          </a:solidFill>
-                          <a:latin typeface="Arial" pitchFamily="34" charset="0"/>
-                          <a:cs typeface="Arial" pitchFamily="34" charset="0"/>
-                        </a:rPr>
-                        <a:t>55.6</a:t>
-                      </a:r>
-                    </a:p>
-                    <a:p>
-                      <a:pPr algn="ctr"/>
-                      <a:r>
-                        <a:rPr lang="en-US" sz="2000" dirty="0" smtClean="0">
-                          <a:ln>
-                            <a:noFill/>
-                          </a:ln>
-                          <a:solidFill>
-                            <a:sysClr val="windowText" lastClr="000000"/>
-                          </a:solidFill>
-                          <a:latin typeface="Arial" pitchFamily="34" charset="0"/>
-                          <a:cs typeface="Arial" pitchFamily="34" charset="0"/>
-                        </a:rPr>
-                        <a:t>71.4</a:t>
-                      </a:r>
-                    </a:p>
-                    <a:p>
-                      <a:pPr algn="ctr"/>
-                      <a:r>
-                        <a:rPr lang="en-US" sz="2000" dirty="0" smtClean="0">
-                          <a:ln>
-                            <a:noFill/>
-                          </a:ln>
-                          <a:solidFill>
-                            <a:sysClr val="windowText" lastClr="000000"/>
-                          </a:solidFill>
-                          <a:latin typeface="Arial" pitchFamily="34" charset="0"/>
-                          <a:cs typeface="Arial" pitchFamily="34" charset="0"/>
-                        </a:rPr>
-                        <a:t>62.5</a:t>
+                        <a:t>0.75</a:t>
                       </a:r>
                       <a:endParaRPr lang="en-US" sz="2000" dirty="0">
                         <a:ln>
@@ -11917,71 +10795,7 @@
                           <a:latin typeface="Arial" pitchFamily="34" charset="0"/>
                           <a:cs typeface="Arial" pitchFamily="34" charset="0"/>
                         </a:rPr>
-                        <a:t>100</a:t>
-                      </a:r>
-                    </a:p>
-                    <a:p>
-                      <a:pPr algn="ctr"/>
-                      <a:r>
-                        <a:rPr lang="en-US" sz="2000" dirty="0" smtClean="0">
-                          <a:ln>
-                            <a:noFill/>
-                          </a:ln>
-                          <a:solidFill>
-                            <a:sysClr val="windowText" lastClr="000000"/>
-                          </a:solidFill>
-                          <a:latin typeface="Arial" pitchFamily="34" charset="0"/>
-                          <a:cs typeface="Arial" pitchFamily="34" charset="0"/>
-                        </a:rPr>
-                        <a:t>100</a:t>
-                      </a:r>
-                    </a:p>
-                    <a:p>
-                      <a:pPr algn="ctr"/>
-                      <a:r>
-                        <a:rPr lang="en-US" sz="2000" dirty="0" smtClean="0">
-                          <a:ln>
-                            <a:noFill/>
-                          </a:ln>
-                          <a:solidFill>
-                            <a:sysClr val="windowText" lastClr="000000"/>
-                          </a:solidFill>
-                          <a:latin typeface="Arial" pitchFamily="34" charset="0"/>
-                          <a:cs typeface="Arial" pitchFamily="34" charset="0"/>
-                        </a:rPr>
-                        <a:t>100</a:t>
-                      </a:r>
-                    </a:p>
-                    <a:p>
-                      <a:pPr algn="ctr"/>
-                      <a:r>
-                        <a:rPr lang="en-US" sz="2000" dirty="0" smtClean="0">
-                          <a:ln>
-                            <a:noFill/>
-                          </a:ln>
-                          <a:solidFill>
-                            <a:sysClr val="windowText" lastClr="000000"/>
-                          </a:solidFill>
-                          <a:latin typeface="Arial" pitchFamily="34" charset="0"/>
-                          <a:cs typeface="Arial" pitchFamily="34" charset="0"/>
-                        </a:rPr>
-                        <a:t>100</a:t>
-                      </a:r>
-                    </a:p>
-                    <a:p>
-                      <a:pPr algn="ctr"/>
-                      <a:r>
-                        <a:rPr lang="en-US" sz="2000" dirty="0" smtClean="0">
-                          <a:ln>
-                            <a:noFill/>
-                          </a:ln>
-                          <a:solidFill>
-                            <a:sysClr val="windowText" lastClr="000000"/>
-                          </a:solidFill>
-                          <a:latin typeface="Arial" pitchFamily="34" charset="0"/>
-                          <a:cs typeface="Arial" pitchFamily="34" charset="0"/>
-                        </a:rPr>
-                        <a:t>100</a:t>
+                        <a:t>1.00</a:t>
                       </a:r>
                       <a:endParaRPr lang="en-US" sz="2000" dirty="0">
                         <a:ln>
@@ -12844,6 +11658,13 @@
   <p:clrMapOvr>
     <a:masterClrMapping/>
   </p:clrMapOvr>
+  <p:timing>
+    <p:tnLst>
+      <p:par>
+        <p:cTn id="1" dur="indefinite" restart="never" nodeType="tmRoot"/>
+      </p:par>
+    </p:tnLst>
+  </p:timing>
 </p:sld>
 </file>
 
@@ -12864,209 +11685,209 @@
           <a:chExt cx="0" cy="0"/>
         </a:xfrm>
       </p:grpSpPr>
+      <p:sp>
+        <p:nvSpPr>
+          <p:cNvPr id="5" name="文字方塊 4"/>
+          <p:cNvSpPr txBox="1"/>
+          <p:nvPr/>
+        </p:nvSpPr>
+        <p:spPr>
+          <a:xfrm rot="10800000">
+            <a:off x="942759" y="1412755"/>
+            <a:ext cx="923330" cy="3341207"/>
+          </a:xfrm>
+          <a:prstGeom prst="rect">
+            <a:avLst/>
+          </a:prstGeom>
+          <a:noFill/>
+        </p:spPr>
+        <p:txBody>
+          <a:bodyPr vert="eaVert" wrap="square" rtlCol="0">
+            <a:spAutoFit/>
+          </a:bodyPr>
+          <a:lstStyle/>
+          <a:p>
+            <a:pPr algn="ctr"/>
+            <a:r>
+              <a:rPr lang="en-US" sz="4800" b="1" dirty="0" smtClean="0">
+                <a:latin typeface="Arial" pitchFamily="34" charset="0"/>
+                <a:cs typeface="Arial" pitchFamily="34" charset="0"/>
+              </a:rPr>
+              <a:t>Δ</a:t>
+            </a:r>
+            <a:r>
+              <a:rPr lang="en-US" sz="4800" b="1" baseline="30000" dirty="0" smtClean="0">
+                <a:latin typeface="Arial" pitchFamily="34" charset="0"/>
+                <a:cs typeface="Arial" pitchFamily="34" charset="0"/>
+              </a:rPr>
+              <a:t>15</a:t>
+            </a:r>
+            <a:r>
+              <a:rPr lang="en-US" sz="4800" b="1" dirty="0" smtClean="0">
+                <a:latin typeface="Arial" pitchFamily="34" charset="0"/>
+                <a:cs typeface="Arial" pitchFamily="34" charset="0"/>
+              </a:rPr>
+              <a:t>N (‰)</a:t>
+            </a:r>
+            <a:endParaRPr lang="en-US" sz="4800" b="1" dirty="0">
+              <a:latin typeface="Arial" pitchFamily="34" charset="0"/>
+              <a:cs typeface="Arial" pitchFamily="34" charset="0"/>
+            </a:endParaRPr>
+          </a:p>
+        </p:txBody>
+      </p:sp>
+      <p:sp>
+        <p:nvSpPr>
+          <p:cNvPr id="6" name="文字方塊 5"/>
+          <p:cNvSpPr txBox="1"/>
+          <p:nvPr/>
+        </p:nvSpPr>
+        <p:spPr>
+          <a:xfrm>
+            <a:off x="1691651" y="5272424"/>
+            <a:ext cx="5991128" cy="923330"/>
+          </a:xfrm>
+          <a:prstGeom prst="rect">
+            <a:avLst/>
+          </a:prstGeom>
+          <a:noFill/>
+        </p:spPr>
+        <p:txBody>
+          <a:bodyPr wrap="square" rtlCol="0">
+            <a:spAutoFit/>
+          </a:bodyPr>
+          <a:lstStyle/>
+          <a:p>
+            <a:pPr algn="ctr"/>
+            <a:r>
+              <a:rPr lang="en-US" sz="5400" b="1" i="1" dirty="0" smtClean="0">
+                <a:latin typeface="Arial" pitchFamily="34" charset="0"/>
+                <a:cs typeface="Arial" pitchFamily="34" charset="0"/>
+              </a:rPr>
+              <a:t>P</a:t>
+            </a:r>
+            <a:r>
+              <a:rPr lang="en-US" sz="2800" b="1" dirty="0" smtClean="0">
+                <a:latin typeface="Arial" pitchFamily="34" charset="0"/>
+                <a:cs typeface="Arial" pitchFamily="34" charset="0"/>
+              </a:rPr>
+              <a:t> </a:t>
+            </a:r>
+            <a:endParaRPr lang="en-US" sz="2800" b="1" dirty="0">
+              <a:latin typeface="Arial" pitchFamily="34" charset="0"/>
+              <a:cs typeface="Arial" pitchFamily="34" charset="0"/>
+            </a:endParaRPr>
+          </a:p>
+        </p:txBody>
+      </p:sp>
       <p:grpSp>
         <p:nvGrpSpPr>
-          <p:cNvPr id="40" name="群組 39"/>
+          <p:cNvPr id="7" name="群組 48"/>
           <p:cNvGrpSpPr/>
           <p:nvPr/>
         </p:nvGrpSpPr>
         <p:grpSpPr>
           <a:xfrm>
-            <a:off x="1199522" y="1234599"/>
-            <a:ext cx="6485229" cy="4667786"/>
-            <a:chOff x="1199522" y="1234599"/>
-            <a:chExt cx="6485229" cy="4667786"/>
+            <a:off x="2154480" y="1234599"/>
+            <a:ext cx="5299844" cy="3686848"/>
+            <a:chOff x="1784654" y="2544478"/>
+            <a:chExt cx="3709058" cy="2893452"/>
+          </a:xfrm>
+        </p:grpSpPr>
+        <p:cxnSp>
+          <p:nvCxnSpPr>
+            <p:cNvPr id="34" name="直線接點 33"/>
+            <p:cNvCxnSpPr/>
+            <p:nvPr/>
+          </p:nvCxnSpPr>
+          <p:spPr>
+            <a:xfrm>
+              <a:off x="1784654" y="2544478"/>
+              <a:ext cx="0" cy="2893452"/>
+            </a:xfrm>
+            <a:prstGeom prst="line">
+              <a:avLst/>
+            </a:prstGeom>
+            <a:ln w="76200" cap="rnd">
+              <a:solidFill>
+                <a:schemeClr val="tx1"/>
+              </a:solidFill>
+            </a:ln>
+          </p:spPr>
+          <p:style>
+            <a:lnRef idx="1">
+              <a:schemeClr val="accent1"/>
+            </a:lnRef>
+            <a:fillRef idx="0">
+              <a:schemeClr val="accent1"/>
+            </a:fillRef>
+            <a:effectRef idx="0">
+              <a:schemeClr val="accent1"/>
+            </a:effectRef>
+            <a:fontRef idx="minor">
+              <a:schemeClr val="tx1"/>
+            </a:fontRef>
+          </p:style>
+        </p:cxnSp>
+        <p:cxnSp>
+          <p:nvCxnSpPr>
+            <p:cNvPr id="35" name="直線接點 34"/>
+            <p:cNvCxnSpPr/>
+            <p:nvPr/>
+          </p:nvCxnSpPr>
+          <p:spPr>
+            <a:xfrm flipH="1">
+              <a:off x="1806865" y="5437930"/>
+              <a:ext cx="3686847" cy="0"/>
+            </a:xfrm>
+            <a:prstGeom prst="line">
+              <a:avLst/>
+            </a:prstGeom>
+            <a:ln w="76200" cap="rnd">
+              <a:solidFill>
+                <a:schemeClr val="tx1"/>
+              </a:solidFill>
+            </a:ln>
+          </p:spPr>
+          <p:style>
+            <a:lnRef idx="1">
+              <a:schemeClr val="accent1"/>
+            </a:lnRef>
+            <a:fillRef idx="0">
+              <a:schemeClr val="accent1"/>
+            </a:fillRef>
+            <a:effectRef idx="0">
+              <a:schemeClr val="accent1"/>
+            </a:effectRef>
+            <a:fontRef idx="minor">
+              <a:schemeClr val="tx1"/>
+            </a:fontRef>
+          </p:style>
+        </p:cxnSp>
+      </p:grpSp>
+      <p:grpSp>
+        <p:nvGrpSpPr>
+          <p:cNvPr id="56" name="群組 55"/>
+          <p:cNvGrpSpPr/>
+          <p:nvPr/>
+        </p:nvGrpSpPr>
+        <p:grpSpPr>
+          <a:xfrm>
+            <a:off x="5839354" y="1873611"/>
+            <a:ext cx="182880" cy="643736"/>
+            <a:chOff x="5724140" y="2046432"/>
+            <a:chExt cx="182880" cy="643736"/>
           </a:xfrm>
         </p:grpSpPr>
         <p:sp>
           <p:nvSpPr>
-            <p:cNvPr id="5" name="文字方塊 4"/>
-            <p:cNvSpPr txBox="1"/>
-            <p:nvPr/>
-          </p:nvSpPr>
-          <p:spPr>
-            <a:xfrm rot="10800000">
-              <a:off x="1199522" y="1412751"/>
-              <a:ext cx="923330" cy="3341207"/>
-            </a:xfrm>
-            <a:prstGeom prst="rect">
-              <a:avLst/>
-            </a:prstGeom>
-            <a:noFill/>
-          </p:spPr>
-          <p:txBody>
-            <a:bodyPr vert="eaVert" wrap="square" rtlCol="0">
-              <a:spAutoFit/>
-            </a:bodyPr>
-            <a:lstStyle/>
-            <a:p>
-              <a:pPr algn="ctr"/>
-              <a:r>
-                <a:rPr lang="en-US" sz="4800" b="1" dirty="0" smtClean="0">
-                  <a:latin typeface="Arial" pitchFamily="34" charset="0"/>
-                  <a:cs typeface="Arial" pitchFamily="34" charset="0"/>
-                </a:rPr>
-                <a:t>Δ</a:t>
-              </a:r>
-              <a:r>
-                <a:rPr lang="en-US" sz="4800" b="1" baseline="30000" dirty="0" smtClean="0">
-                  <a:latin typeface="Arial" pitchFamily="34" charset="0"/>
-                  <a:cs typeface="Arial" pitchFamily="34" charset="0"/>
-                </a:rPr>
-                <a:t>15</a:t>
-              </a:r>
-              <a:r>
-                <a:rPr lang="en-US" sz="4800" b="1" dirty="0" smtClean="0">
-                  <a:latin typeface="Arial" pitchFamily="34" charset="0"/>
-                  <a:cs typeface="Arial" pitchFamily="34" charset="0"/>
-                </a:rPr>
-                <a:t>N (‰)</a:t>
-              </a:r>
-              <a:endParaRPr lang="en-US" sz="4800" b="1" dirty="0">
-                <a:latin typeface="Arial" pitchFamily="34" charset="0"/>
-                <a:cs typeface="Arial" pitchFamily="34" charset="0"/>
-              </a:endParaRPr>
-            </a:p>
-          </p:txBody>
-        </p:sp>
-        <p:sp>
-          <p:nvSpPr>
-            <p:cNvPr id="6" name="文字方塊 5"/>
-            <p:cNvSpPr txBox="1"/>
-            <p:nvPr/>
-          </p:nvSpPr>
-          <p:spPr>
-            <a:xfrm>
-              <a:off x="2096872" y="4979055"/>
-              <a:ext cx="5587879" cy="923330"/>
-            </a:xfrm>
-            <a:prstGeom prst="rect">
-              <a:avLst/>
-            </a:prstGeom>
-            <a:noFill/>
-          </p:spPr>
-          <p:txBody>
-            <a:bodyPr wrap="square" rtlCol="0">
-              <a:spAutoFit/>
-            </a:bodyPr>
-            <a:lstStyle/>
-            <a:p>
-              <a:pPr algn="ctr"/>
-              <a:r>
-                <a:rPr lang="en-US" sz="5400" b="1" i="1" dirty="0" smtClean="0">
-                  <a:latin typeface="Arial" pitchFamily="34" charset="0"/>
-                  <a:cs typeface="Arial" pitchFamily="34" charset="0"/>
-                </a:rPr>
-                <a:t>P</a:t>
-              </a:r>
-              <a:r>
-                <a:rPr lang="en-US" sz="2800" b="1" dirty="0" smtClean="0">
-                  <a:latin typeface="Arial" pitchFamily="34" charset="0"/>
-                  <a:cs typeface="Arial" pitchFamily="34" charset="0"/>
-                </a:rPr>
-                <a:t> </a:t>
-              </a:r>
-              <a:endParaRPr lang="en-US" sz="2800" b="1" dirty="0">
-                <a:latin typeface="Arial" pitchFamily="34" charset="0"/>
-                <a:cs typeface="Arial" pitchFamily="34" charset="0"/>
-              </a:endParaRPr>
-            </a:p>
-          </p:txBody>
-        </p:sp>
-        <p:grpSp>
-          <p:nvGrpSpPr>
-            <p:cNvPr id="7" name="群組 48"/>
-            <p:cNvGrpSpPr/>
-            <p:nvPr/>
-          </p:nvGrpSpPr>
-          <p:grpSpPr>
-            <a:xfrm>
-              <a:off x="2154480" y="1234599"/>
-              <a:ext cx="5299844" cy="3686848"/>
-              <a:chOff x="1784654" y="2544478"/>
-              <a:chExt cx="3709058" cy="2893452"/>
-            </a:xfrm>
-          </p:grpSpPr>
-          <p:cxnSp>
-            <p:nvCxnSpPr>
-              <p:cNvPr id="34" name="直線接點 33"/>
-              <p:cNvCxnSpPr/>
-              <p:nvPr/>
-            </p:nvCxnSpPr>
-            <p:spPr>
-              <a:xfrm>
-                <a:off x="1784654" y="2544478"/>
-                <a:ext cx="0" cy="2893452"/>
-              </a:xfrm>
-              <a:prstGeom prst="line">
-                <a:avLst/>
-              </a:prstGeom>
-              <a:ln w="76200" cap="rnd">
-                <a:solidFill>
-                  <a:schemeClr val="tx1"/>
-                </a:solidFill>
-              </a:ln>
-            </p:spPr>
-            <p:style>
-              <a:lnRef idx="1">
-                <a:schemeClr val="accent1"/>
-              </a:lnRef>
-              <a:fillRef idx="0">
-                <a:schemeClr val="accent1"/>
-              </a:fillRef>
-              <a:effectRef idx="0">
-                <a:schemeClr val="accent1"/>
-              </a:effectRef>
-              <a:fontRef idx="minor">
-                <a:schemeClr val="tx1"/>
-              </a:fontRef>
-            </p:style>
-          </p:cxnSp>
-          <p:cxnSp>
-            <p:nvCxnSpPr>
-              <p:cNvPr id="35" name="直線接點 34"/>
-              <p:cNvCxnSpPr/>
-              <p:nvPr/>
-            </p:nvCxnSpPr>
-            <p:spPr>
-              <a:xfrm flipH="1">
-                <a:off x="1806865" y="5437930"/>
-                <a:ext cx="3686847" cy="0"/>
-              </a:xfrm>
-              <a:prstGeom prst="line">
-                <a:avLst/>
-              </a:prstGeom>
-              <a:ln w="76200" cap="rnd">
-                <a:solidFill>
-                  <a:schemeClr val="tx1"/>
-                </a:solidFill>
-              </a:ln>
-            </p:spPr>
-            <p:style>
-              <a:lnRef idx="1">
-                <a:schemeClr val="accent1"/>
-              </a:lnRef>
-              <a:fillRef idx="0">
-                <a:schemeClr val="accent1"/>
-              </a:fillRef>
-              <a:effectRef idx="0">
-                <a:schemeClr val="accent1"/>
-              </a:effectRef>
-              <a:fontRef idx="minor">
-                <a:schemeClr val="tx1"/>
-              </a:fontRef>
-            </p:style>
-          </p:cxnSp>
-        </p:grpSp>
-        <p:sp>
-          <p:nvSpPr>
-            <p:cNvPr id="8" name="橢圓 7"/>
+            <p:cNvPr id="10" name="橢圓 9"/>
             <p:cNvSpPr/>
             <p:nvPr/>
           </p:nvSpPr>
           <p:spPr>
             <a:xfrm>
-              <a:off x="4168751" y="2795323"/>
+              <a:off x="5724140" y="2334467"/>
               <a:ext cx="182880" cy="182880"/>
             </a:xfrm>
             <a:prstGeom prst="ellipse">
@@ -13108,13 +11929,910 @@
         </p:sp>
         <p:sp>
           <p:nvSpPr>
-            <p:cNvPr id="9" name="橢圓 8"/>
+            <p:cNvPr id="11" name="橢圓 10"/>
             <p:cNvSpPr/>
             <p:nvPr/>
           </p:nvSpPr>
           <p:spPr>
             <a:xfrm>
-              <a:off x="4480560" y="2680109"/>
+              <a:off x="5724140" y="2046432"/>
+              <a:ext cx="182880" cy="182880"/>
+            </a:xfrm>
+            <a:prstGeom prst="ellipse">
+              <a:avLst/>
+            </a:prstGeom>
+            <a:solidFill>
+              <a:schemeClr val="tx1"/>
+            </a:solidFill>
+            <a:ln>
+              <a:solidFill>
+                <a:schemeClr val="tx1"/>
+              </a:solidFill>
+            </a:ln>
+          </p:spPr>
+          <p:style>
+            <a:lnRef idx="2">
+              <a:schemeClr val="accent1">
+                <a:shade val="50000"/>
+              </a:schemeClr>
+            </a:lnRef>
+            <a:fillRef idx="1">
+              <a:schemeClr val="accent1"/>
+            </a:fillRef>
+            <a:effectRef idx="0">
+              <a:schemeClr val="accent1"/>
+            </a:effectRef>
+            <a:fontRef idx="minor">
+              <a:schemeClr val="lt1"/>
+            </a:fontRef>
+          </p:style>
+          <p:txBody>
+            <a:bodyPr rtlCol="0" anchor="ctr"/>
+            <a:lstStyle/>
+            <a:p>
+              <a:pPr algn="ctr"/>
+              <a:endParaRPr lang="en-US"/>
+            </a:p>
+          </p:txBody>
+        </p:sp>
+        <p:sp>
+          <p:nvSpPr>
+            <p:cNvPr id="12" name="橢圓 11"/>
+            <p:cNvSpPr/>
+            <p:nvPr/>
+          </p:nvSpPr>
+          <p:spPr>
+            <a:xfrm>
+              <a:off x="5724140" y="2507288"/>
+              <a:ext cx="182880" cy="182880"/>
+            </a:xfrm>
+            <a:prstGeom prst="ellipse">
+              <a:avLst/>
+            </a:prstGeom>
+            <a:solidFill>
+              <a:schemeClr val="tx1"/>
+            </a:solidFill>
+            <a:ln>
+              <a:solidFill>
+                <a:schemeClr val="tx1"/>
+              </a:solidFill>
+            </a:ln>
+          </p:spPr>
+          <p:style>
+            <a:lnRef idx="2">
+              <a:schemeClr val="accent1">
+                <a:shade val="50000"/>
+              </a:schemeClr>
+            </a:lnRef>
+            <a:fillRef idx="1">
+              <a:schemeClr val="accent1"/>
+            </a:fillRef>
+            <a:effectRef idx="0">
+              <a:schemeClr val="accent1"/>
+            </a:effectRef>
+            <a:fontRef idx="minor">
+              <a:schemeClr val="lt1"/>
+            </a:fontRef>
+          </p:style>
+          <p:txBody>
+            <a:bodyPr rtlCol="0" anchor="ctr"/>
+            <a:lstStyle/>
+            <a:p>
+              <a:pPr algn="ctr"/>
+              <a:endParaRPr lang="en-US"/>
+            </a:p>
+          </p:txBody>
+        </p:sp>
+        <p:sp>
+          <p:nvSpPr>
+            <p:cNvPr id="21" name="橢圓 20"/>
+            <p:cNvSpPr/>
+            <p:nvPr/>
+          </p:nvSpPr>
+          <p:spPr>
+            <a:xfrm>
+              <a:off x="5724140" y="2219253"/>
+              <a:ext cx="182880" cy="182880"/>
+            </a:xfrm>
+            <a:prstGeom prst="ellipse">
+              <a:avLst/>
+            </a:prstGeom>
+            <a:solidFill>
+              <a:schemeClr val="tx1"/>
+            </a:solidFill>
+            <a:ln>
+              <a:solidFill>
+                <a:schemeClr val="tx1"/>
+              </a:solidFill>
+            </a:ln>
+          </p:spPr>
+          <p:style>
+            <a:lnRef idx="2">
+              <a:schemeClr val="accent1">
+                <a:shade val="50000"/>
+              </a:schemeClr>
+            </a:lnRef>
+            <a:fillRef idx="1">
+              <a:schemeClr val="accent1"/>
+            </a:fillRef>
+            <a:effectRef idx="0">
+              <a:schemeClr val="accent1"/>
+            </a:effectRef>
+            <a:fontRef idx="minor">
+              <a:schemeClr val="lt1"/>
+            </a:fontRef>
+          </p:style>
+          <p:txBody>
+            <a:bodyPr rtlCol="0" anchor="ctr"/>
+            <a:lstStyle/>
+            <a:p>
+              <a:pPr algn="ctr"/>
+              <a:endParaRPr lang="en-US"/>
+            </a:p>
+          </p:txBody>
+        </p:sp>
+        <p:sp>
+          <p:nvSpPr>
+            <p:cNvPr id="26" name="橢圓 25"/>
+            <p:cNvSpPr/>
+            <p:nvPr/>
+          </p:nvSpPr>
+          <p:spPr>
+            <a:xfrm>
+              <a:off x="5724140" y="2046432"/>
+              <a:ext cx="182880" cy="182880"/>
+            </a:xfrm>
+            <a:prstGeom prst="ellipse">
+              <a:avLst/>
+            </a:prstGeom>
+            <a:solidFill>
+              <a:schemeClr val="tx1"/>
+            </a:solidFill>
+            <a:ln>
+              <a:solidFill>
+                <a:schemeClr val="tx1"/>
+              </a:solidFill>
+            </a:ln>
+          </p:spPr>
+          <p:style>
+            <a:lnRef idx="2">
+              <a:schemeClr val="accent1">
+                <a:shade val="50000"/>
+              </a:schemeClr>
+            </a:lnRef>
+            <a:fillRef idx="1">
+              <a:schemeClr val="accent1"/>
+            </a:fillRef>
+            <a:effectRef idx="0">
+              <a:schemeClr val="accent1"/>
+            </a:effectRef>
+            <a:fontRef idx="minor">
+              <a:schemeClr val="lt1"/>
+            </a:fontRef>
+          </p:style>
+          <p:txBody>
+            <a:bodyPr rtlCol="0" anchor="ctr"/>
+            <a:lstStyle/>
+            <a:p>
+              <a:pPr algn="ctr"/>
+              <a:endParaRPr lang="en-US"/>
+            </a:p>
+          </p:txBody>
+        </p:sp>
+      </p:grpSp>
+      <p:grpSp>
+        <p:nvGrpSpPr>
+          <p:cNvPr id="37" name="群組 36"/>
+          <p:cNvGrpSpPr/>
+          <p:nvPr/>
+        </p:nvGrpSpPr>
+        <p:grpSpPr>
+          <a:xfrm>
+            <a:off x="7106708" y="1585576"/>
+            <a:ext cx="182880" cy="528522"/>
+            <a:chOff x="7106708" y="1562214"/>
+            <a:chExt cx="182880" cy="528522"/>
+          </a:xfrm>
+        </p:grpSpPr>
+        <p:sp>
+          <p:nvSpPr>
+            <p:cNvPr id="13" name="橢圓 12"/>
+            <p:cNvSpPr/>
+            <p:nvPr/>
+          </p:nvSpPr>
+          <p:spPr>
+            <a:xfrm>
+              <a:off x="7106708" y="1873611"/>
+              <a:ext cx="182880" cy="182880"/>
+            </a:xfrm>
+            <a:prstGeom prst="ellipse">
+              <a:avLst/>
+            </a:prstGeom>
+            <a:solidFill>
+              <a:schemeClr val="tx1"/>
+            </a:solidFill>
+            <a:ln>
+              <a:solidFill>
+                <a:schemeClr val="tx1"/>
+              </a:solidFill>
+            </a:ln>
+          </p:spPr>
+          <p:style>
+            <a:lnRef idx="2">
+              <a:schemeClr val="accent1">
+                <a:shade val="50000"/>
+              </a:schemeClr>
+            </a:lnRef>
+            <a:fillRef idx="1">
+              <a:schemeClr val="accent1"/>
+            </a:fillRef>
+            <a:effectRef idx="0">
+              <a:schemeClr val="accent1"/>
+            </a:effectRef>
+            <a:fontRef idx="minor">
+              <a:schemeClr val="lt1"/>
+            </a:fontRef>
+          </p:style>
+          <p:txBody>
+            <a:bodyPr rtlCol="0" anchor="ctr"/>
+            <a:lstStyle/>
+            <a:p>
+              <a:pPr algn="ctr"/>
+              <a:endParaRPr lang="en-US"/>
+            </a:p>
+          </p:txBody>
+        </p:sp>
+        <p:sp>
+          <p:nvSpPr>
+            <p:cNvPr id="14" name="橢圓 13"/>
+            <p:cNvSpPr/>
+            <p:nvPr/>
+          </p:nvSpPr>
+          <p:spPr>
+            <a:xfrm>
+              <a:off x="7106708" y="1907856"/>
+              <a:ext cx="182880" cy="182880"/>
+            </a:xfrm>
+            <a:prstGeom prst="ellipse">
+              <a:avLst/>
+            </a:prstGeom>
+            <a:solidFill>
+              <a:schemeClr val="tx1"/>
+            </a:solidFill>
+            <a:ln>
+              <a:solidFill>
+                <a:schemeClr val="tx1"/>
+              </a:solidFill>
+            </a:ln>
+          </p:spPr>
+          <p:style>
+            <a:lnRef idx="2">
+              <a:schemeClr val="accent1">
+                <a:shade val="50000"/>
+              </a:schemeClr>
+            </a:lnRef>
+            <a:fillRef idx="1">
+              <a:schemeClr val="accent1"/>
+            </a:fillRef>
+            <a:effectRef idx="0">
+              <a:schemeClr val="accent1"/>
+            </a:effectRef>
+            <a:fontRef idx="minor">
+              <a:schemeClr val="lt1"/>
+            </a:fontRef>
+          </p:style>
+          <p:txBody>
+            <a:bodyPr rtlCol="0" anchor="ctr"/>
+            <a:lstStyle/>
+            <a:p>
+              <a:pPr algn="ctr"/>
+              <a:endParaRPr lang="en-US"/>
+            </a:p>
+          </p:txBody>
+        </p:sp>
+        <p:sp>
+          <p:nvSpPr>
+            <p:cNvPr id="19" name="橢圓 18"/>
+            <p:cNvSpPr/>
+            <p:nvPr/>
+          </p:nvSpPr>
+          <p:spPr>
+            <a:xfrm>
+              <a:off x="7106708" y="1677428"/>
+              <a:ext cx="182880" cy="182880"/>
+            </a:xfrm>
+            <a:prstGeom prst="ellipse">
+              <a:avLst/>
+            </a:prstGeom>
+            <a:solidFill>
+              <a:schemeClr val="tx1"/>
+            </a:solidFill>
+            <a:ln>
+              <a:solidFill>
+                <a:schemeClr val="tx1"/>
+              </a:solidFill>
+            </a:ln>
+          </p:spPr>
+          <p:style>
+            <a:lnRef idx="2">
+              <a:schemeClr val="accent1">
+                <a:shade val="50000"/>
+              </a:schemeClr>
+            </a:lnRef>
+            <a:fillRef idx="1">
+              <a:schemeClr val="accent1"/>
+            </a:fillRef>
+            <a:effectRef idx="0">
+              <a:schemeClr val="accent1"/>
+            </a:effectRef>
+            <a:fontRef idx="minor">
+              <a:schemeClr val="lt1"/>
+            </a:fontRef>
+          </p:style>
+          <p:txBody>
+            <a:bodyPr rtlCol="0" anchor="ctr"/>
+            <a:lstStyle/>
+            <a:p>
+              <a:pPr algn="ctr"/>
+              <a:endParaRPr lang="en-US"/>
+            </a:p>
+          </p:txBody>
+        </p:sp>
+        <p:sp>
+          <p:nvSpPr>
+            <p:cNvPr id="20" name="橢圓 19"/>
+            <p:cNvSpPr/>
+            <p:nvPr/>
+          </p:nvSpPr>
+          <p:spPr>
+            <a:xfrm>
+              <a:off x="7106708" y="1758397"/>
+              <a:ext cx="182880" cy="182880"/>
+            </a:xfrm>
+            <a:prstGeom prst="ellipse">
+              <a:avLst/>
+            </a:prstGeom>
+            <a:solidFill>
+              <a:schemeClr val="tx1"/>
+            </a:solidFill>
+            <a:ln>
+              <a:solidFill>
+                <a:schemeClr val="tx1"/>
+              </a:solidFill>
+            </a:ln>
+          </p:spPr>
+          <p:style>
+            <a:lnRef idx="2">
+              <a:schemeClr val="accent1">
+                <a:shade val="50000"/>
+              </a:schemeClr>
+            </a:lnRef>
+            <a:fillRef idx="1">
+              <a:schemeClr val="accent1"/>
+            </a:fillRef>
+            <a:effectRef idx="0">
+              <a:schemeClr val="accent1"/>
+            </a:effectRef>
+            <a:fontRef idx="minor">
+              <a:schemeClr val="lt1"/>
+            </a:fontRef>
+          </p:style>
+          <p:txBody>
+            <a:bodyPr rtlCol="0" anchor="ctr"/>
+            <a:lstStyle/>
+            <a:p>
+              <a:pPr algn="ctr"/>
+              <a:endParaRPr lang="en-US"/>
+            </a:p>
+          </p:txBody>
+        </p:sp>
+        <p:sp>
+          <p:nvSpPr>
+            <p:cNvPr id="27" name="橢圓 26"/>
+            <p:cNvSpPr/>
+            <p:nvPr/>
+          </p:nvSpPr>
+          <p:spPr>
+            <a:xfrm>
+              <a:off x="7106708" y="1562214"/>
+              <a:ext cx="182880" cy="182880"/>
+            </a:xfrm>
+            <a:prstGeom prst="ellipse">
+              <a:avLst/>
+            </a:prstGeom>
+            <a:solidFill>
+              <a:schemeClr val="tx1"/>
+            </a:solidFill>
+            <a:ln>
+              <a:solidFill>
+                <a:schemeClr val="tx1"/>
+              </a:solidFill>
+            </a:ln>
+          </p:spPr>
+          <p:style>
+            <a:lnRef idx="2">
+              <a:schemeClr val="accent1">
+                <a:shade val="50000"/>
+              </a:schemeClr>
+            </a:lnRef>
+            <a:fillRef idx="1">
+              <a:schemeClr val="accent1"/>
+            </a:fillRef>
+            <a:effectRef idx="0">
+              <a:schemeClr val="accent1"/>
+            </a:effectRef>
+            <a:fontRef idx="minor">
+              <a:schemeClr val="lt1"/>
+            </a:fontRef>
+          </p:style>
+          <p:txBody>
+            <a:bodyPr rtlCol="0" anchor="ctr"/>
+            <a:lstStyle/>
+            <a:p>
+              <a:pPr algn="ctr"/>
+              <a:endParaRPr lang="en-US"/>
+            </a:p>
+          </p:txBody>
+        </p:sp>
+      </p:grpSp>
+      <p:grpSp>
+        <p:nvGrpSpPr>
+          <p:cNvPr id="38" name="群組 37"/>
+          <p:cNvGrpSpPr/>
+          <p:nvPr/>
+        </p:nvGrpSpPr>
+        <p:grpSpPr>
+          <a:xfrm>
+            <a:off x="2152506" y="3832249"/>
+            <a:ext cx="184854" cy="528522"/>
+            <a:chOff x="2152506" y="3942129"/>
+            <a:chExt cx="184854" cy="528522"/>
+          </a:xfrm>
+        </p:grpSpPr>
+        <p:sp>
+          <p:nvSpPr>
+            <p:cNvPr id="29" name="橢圓 28"/>
+            <p:cNvSpPr/>
+            <p:nvPr/>
+          </p:nvSpPr>
+          <p:spPr>
+            <a:xfrm>
+              <a:off x="2154480" y="4057343"/>
+              <a:ext cx="182880" cy="182880"/>
+            </a:xfrm>
+            <a:prstGeom prst="ellipse">
+              <a:avLst/>
+            </a:prstGeom>
+            <a:solidFill>
+              <a:schemeClr val="tx1"/>
+            </a:solidFill>
+            <a:ln>
+              <a:solidFill>
+                <a:schemeClr val="tx1"/>
+              </a:solidFill>
+            </a:ln>
+          </p:spPr>
+          <p:style>
+            <a:lnRef idx="2">
+              <a:schemeClr val="accent1">
+                <a:shade val="50000"/>
+              </a:schemeClr>
+            </a:lnRef>
+            <a:fillRef idx="1">
+              <a:schemeClr val="accent1"/>
+            </a:fillRef>
+            <a:effectRef idx="0">
+              <a:schemeClr val="accent1"/>
+            </a:effectRef>
+            <a:fontRef idx="minor">
+              <a:schemeClr val="lt1"/>
+            </a:fontRef>
+          </p:style>
+          <p:txBody>
+            <a:bodyPr rtlCol="0" anchor="ctr"/>
+            <a:lstStyle/>
+            <a:p>
+              <a:pPr algn="ctr"/>
+              <a:endParaRPr lang="en-US"/>
+            </a:p>
+          </p:txBody>
+        </p:sp>
+        <p:sp>
+          <p:nvSpPr>
+            <p:cNvPr id="30" name="橢圓 29"/>
+            <p:cNvSpPr/>
+            <p:nvPr/>
+          </p:nvSpPr>
+          <p:spPr>
+            <a:xfrm>
+              <a:off x="2152506" y="4005070"/>
+              <a:ext cx="182880" cy="182880"/>
+            </a:xfrm>
+            <a:prstGeom prst="ellipse">
+              <a:avLst/>
+            </a:prstGeom>
+            <a:solidFill>
+              <a:schemeClr val="tx1"/>
+            </a:solidFill>
+            <a:ln>
+              <a:solidFill>
+                <a:schemeClr val="tx1"/>
+              </a:solidFill>
+            </a:ln>
+          </p:spPr>
+          <p:style>
+            <a:lnRef idx="2">
+              <a:schemeClr val="accent1">
+                <a:shade val="50000"/>
+              </a:schemeClr>
+            </a:lnRef>
+            <a:fillRef idx="1">
+              <a:schemeClr val="accent1"/>
+            </a:fillRef>
+            <a:effectRef idx="0">
+              <a:schemeClr val="accent1"/>
+            </a:effectRef>
+            <a:fontRef idx="minor">
+              <a:schemeClr val="lt1"/>
+            </a:fontRef>
+          </p:style>
+          <p:txBody>
+            <a:bodyPr rtlCol="0" anchor="ctr"/>
+            <a:lstStyle/>
+            <a:p>
+              <a:pPr algn="ctr"/>
+              <a:endParaRPr lang="en-US"/>
+            </a:p>
+          </p:txBody>
+        </p:sp>
+        <p:sp>
+          <p:nvSpPr>
+            <p:cNvPr id="31" name="橢圓 30"/>
+            <p:cNvSpPr/>
+            <p:nvPr/>
+          </p:nvSpPr>
+          <p:spPr>
+            <a:xfrm>
+              <a:off x="2154480" y="4287771"/>
+              <a:ext cx="182880" cy="182880"/>
+            </a:xfrm>
+            <a:prstGeom prst="ellipse">
+              <a:avLst/>
+            </a:prstGeom>
+            <a:solidFill>
+              <a:schemeClr val="tx1"/>
+            </a:solidFill>
+            <a:ln>
+              <a:solidFill>
+                <a:schemeClr val="tx1"/>
+              </a:solidFill>
+            </a:ln>
+          </p:spPr>
+          <p:style>
+            <a:lnRef idx="2">
+              <a:schemeClr val="accent1">
+                <a:shade val="50000"/>
+              </a:schemeClr>
+            </a:lnRef>
+            <a:fillRef idx="1">
+              <a:schemeClr val="accent1"/>
+            </a:fillRef>
+            <a:effectRef idx="0">
+              <a:schemeClr val="accent1"/>
+            </a:effectRef>
+            <a:fontRef idx="minor">
+              <a:schemeClr val="lt1"/>
+            </a:fontRef>
+          </p:style>
+          <p:txBody>
+            <a:bodyPr rtlCol="0" anchor="ctr"/>
+            <a:lstStyle/>
+            <a:p>
+              <a:pPr algn="ctr"/>
+              <a:endParaRPr lang="en-US"/>
+            </a:p>
+          </p:txBody>
+        </p:sp>
+        <p:sp>
+          <p:nvSpPr>
+            <p:cNvPr id="32" name="橢圓 31"/>
+            <p:cNvSpPr/>
+            <p:nvPr/>
+          </p:nvSpPr>
+          <p:spPr>
+            <a:xfrm>
+              <a:off x="2154480" y="3942129"/>
+              <a:ext cx="182880" cy="182880"/>
+            </a:xfrm>
+            <a:prstGeom prst="ellipse">
+              <a:avLst/>
+            </a:prstGeom>
+            <a:solidFill>
+              <a:schemeClr val="tx1"/>
+            </a:solidFill>
+            <a:ln>
+              <a:solidFill>
+                <a:schemeClr val="tx1"/>
+              </a:solidFill>
+            </a:ln>
+          </p:spPr>
+          <p:style>
+            <a:lnRef idx="2">
+              <a:schemeClr val="accent1">
+                <a:shade val="50000"/>
+              </a:schemeClr>
+            </a:lnRef>
+            <a:fillRef idx="1">
+              <a:schemeClr val="accent1"/>
+            </a:fillRef>
+            <a:effectRef idx="0">
+              <a:schemeClr val="accent1"/>
+            </a:effectRef>
+            <a:fontRef idx="minor">
+              <a:schemeClr val="lt1"/>
+            </a:fontRef>
+          </p:style>
+          <p:txBody>
+            <a:bodyPr rtlCol="0" anchor="ctr"/>
+            <a:lstStyle/>
+            <a:p>
+              <a:pPr algn="ctr"/>
+              <a:endParaRPr lang="en-US"/>
+            </a:p>
+          </p:txBody>
+        </p:sp>
+        <p:sp>
+          <p:nvSpPr>
+            <p:cNvPr id="33" name="橢圓 32"/>
+            <p:cNvSpPr/>
+            <p:nvPr/>
+          </p:nvSpPr>
+          <p:spPr>
+            <a:xfrm>
+              <a:off x="2152506" y="4177891"/>
+              <a:ext cx="182880" cy="182880"/>
+            </a:xfrm>
+            <a:prstGeom prst="ellipse">
+              <a:avLst/>
+            </a:prstGeom>
+            <a:solidFill>
+              <a:schemeClr val="tx1"/>
+            </a:solidFill>
+            <a:ln>
+              <a:solidFill>
+                <a:schemeClr val="tx1"/>
+              </a:solidFill>
+            </a:ln>
+          </p:spPr>
+          <p:style>
+            <a:lnRef idx="2">
+              <a:schemeClr val="accent1">
+                <a:shade val="50000"/>
+              </a:schemeClr>
+            </a:lnRef>
+            <a:fillRef idx="1">
+              <a:schemeClr val="accent1"/>
+            </a:fillRef>
+            <a:effectRef idx="0">
+              <a:schemeClr val="accent1"/>
+            </a:effectRef>
+            <a:fontRef idx="minor">
+              <a:schemeClr val="lt1"/>
+            </a:fontRef>
+          </p:style>
+          <p:txBody>
+            <a:bodyPr rtlCol="0" anchor="ctr"/>
+            <a:lstStyle/>
+            <a:p>
+              <a:pPr algn="ctr"/>
+              <a:endParaRPr lang="en-US"/>
+            </a:p>
+          </p:txBody>
+        </p:sp>
+      </p:grpSp>
+      <p:sp>
+        <p:nvSpPr>
+          <p:cNvPr id="41" name="文字方塊 40"/>
+          <p:cNvSpPr txBox="1"/>
+          <p:nvPr/>
+        </p:nvSpPr>
+        <p:spPr>
+          <a:xfrm>
+            <a:off x="1979684" y="4917500"/>
+            <a:ext cx="748891" cy="584775"/>
+          </a:xfrm>
+          <a:prstGeom prst="rect">
+            <a:avLst/>
+          </a:prstGeom>
+          <a:noFill/>
+        </p:spPr>
+        <p:txBody>
+          <a:bodyPr wrap="square" rtlCol="0">
+            <a:spAutoFit/>
+          </a:bodyPr>
+          <a:lstStyle/>
+          <a:p>
+            <a:r>
+              <a:rPr lang="en-US" sz="3200" b="1" dirty="0" smtClean="0">
+                <a:latin typeface="Arial" pitchFamily="34" charset="0"/>
+                <a:cs typeface="Arial" pitchFamily="34" charset="0"/>
+              </a:rPr>
+              <a:t>0</a:t>
+            </a:r>
+            <a:endParaRPr lang="en-US" sz="3200" b="1" dirty="0">
+              <a:latin typeface="Arial" pitchFamily="34" charset="0"/>
+              <a:cs typeface="Arial" pitchFamily="34" charset="0"/>
+            </a:endParaRPr>
+          </a:p>
+        </p:txBody>
+      </p:sp>
+      <p:sp>
+        <p:nvSpPr>
+          <p:cNvPr id="42" name="文字方塊 41"/>
+          <p:cNvSpPr txBox="1"/>
+          <p:nvPr/>
+        </p:nvSpPr>
+        <p:spPr>
+          <a:xfrm>
+            <a:off x="5493712" y="4917500"/>
+            <a:ext cx="1114955" cy="584775"/>
+          </a:xfrm>
+          <a:prstGeom prst="rect">
+            <a:avLst/>
+          </a:prstGeom>
+          <a:noFill/>
+        </p:spPr>
+        <p:txBody>
+          <a:bodyPr wrap="square" rtlCol="0">
+            <a:spAutoFit/>
+          </a:bodyPr>
+          <a:lstStyle/>
+          <a:p>
+            <a:r>
+              <a:rPr lang="en-US" sz="3200" b="1" dirty="0" smtClean="0">
+                <a:latin typeface="Arial" pitchFamily="34" charset="0"/>
+                <a:cs typeface="Arial" pitchFamily="34" charset="0"/>
+              </a:rPr>
+              <a:t>0.75</a:t>
+            </a:r>
+            <a:endParaRPr lang="en-US" sz="3200" b="1" dirty="0">
+              <a:latin typeface="Arial" pitchFamily="34" charset="0"/>
+              <a:cs typeface="Arial" pitchFamily="34" charset="0"/>
+            </a:endParaRPr>
+          </a:p>
+        </p:txBody>
+      </p:sp>
+      <p:sp>
+        <p:nvSpPr>
+          <p:cNvPr id="43" name="文字方塊 42"/>
+          <p:cNvSpPr txBox="1"/>
+          <p:nvPr/>
+        </p:nvSpPr>
+        <p:spPr>
+          <a:xfrm>
+            <a:off x="2959004" y="4917500"/>
+            <a:ext cx="1077769" cy="584775"/>
+          </a:xfrm>
+          <a:prstGeom prst="rect">
+            <a:avLst/>
+          </a:prstGeom>
+          <a:noFill/>
+        </p:spPr>
+        <p:txBody>
+          <a:bodyPr wrap="square" rtlCol="0">
+            <a:spAutoFit/>
+          </a:bodyPr>
+          <a:lstStyle/>
+          <a:p>
+            <a:r>
+              <a:rPr lang="en-US" sz="3200" b="1" dirty="0" smtClean="0">
+                <a:latin typeface="Arial" pitchFamily="34" charset="0"/>
+                <a:cs typeface="Arial" pitchFamily="34" charset="0"/>
+              </a:rPr>
+              <a:t>0.25</a:t>
+            </a:r>
+            <a:endParaRPr lang="en-US" sz="3200" b="1" dirty="0">
+              <a:latin typeface="Arial" pitchFamily="34" charset="0"/>
+              <a:cs typeface="Arial" pitchFamily="34" charset="0"/>
+            </a:endParaRPr>
+          </a:p>
+        </p:txBody>
+      </p:sp>
+      <p:sp>
+        <p:nvSpPr>
+          <p:cNvPr id="44" name="文字方塊 43"/>
+          <p:cNvSpPr txBox="1"/>
+          <p:nvPr/>
+        </p:nvSpPr>
+        <p:spPr>
+          <a:xfrm>
+            <a:off x="4341572" y="4917500"/>
+            <a:ext cx="921712" cy="584775"/>
+          </a:xfrm>
+          <a:prstGeom prst="rect">
+            <a:avLst/>
+          </a:prstGeom>
+          <a:noFill/>
+        </p:spPr>
+        <p:txBody>
+          <a:bodyPr wrap="square" rtlCol="0">
+            <a:spAutoFit/>
+          </a:bodyPr>
+          <a:lstStyle/>
+          <a:p>
+            <a:r>
+              <a:rPr lang="en-US" sz="3200" b="1" dirty="0" smtClean="0">
+                <a:latin typeface="Arial" pitchFamily="34" charset="0"/>
+                <a:cs typeface="Arial" pitchFamily="34" charset="0"/>
+              </a:rPr>
+              <a:t>0.5</a:t>
+            </a:r>
+            <a:endParaRPr lang="en-US" sz="3200" b="1" dirty="0">
+              <a:latin typeface="Arial" pitchFamily="34" charset="0"/>
+              <a:cs typeface="Arial" pitchFamily="34" charset="0"/>
+            </a:endParaRPr>
+          </a:p>
+        </p:txBody>
+      </p:sp>
+      <p:sp>
+        <p:nvSpPr>
+          <p:cNvPr id="45" name="文字方塊 44"/>
+          <p:cNvSpPr txBox="1"/>
+          <p:nvPr/>
+        </p:nvSpPr>
+        <p:spPr>
+          <a:xfrm>
+            <a:off x="7049101" y="4917500"/>
+            <a:ext cx="633677" cy="584775"/>
+          </a:xfrm>
+          <a:prstGeom prst="rect">
+            <a:avLst/>
+          </a:prstGeom>
+          <a:noFill/>
+        </p:spPr>
+        <p:txBody>
+          <a:bodyPr wrap="square" rtlCol="0">
+            <a:spAutoFit/>
+          </a:bodyPr>
+          <a:lstStyle/>
+          <a:p>
+            <a:r>
+              <a:rPr lang="en-US" sz="3200" b="1" dirty="0" smtClean="0">
+                <a:latin typeface="Arial" pitchFamily="34" charset="0"/>
+                <a:cs typeface="Arial" pitchFamily="34" charset="0"/>
+              </a:rPr>
+              <a:t>1</a:t>
+            </a:r>
+            <a:endParaRPr lang="en-US" sz="3200" b="1" dirty="0">
+              <a:latin typeface="Arial" pitchFamily="34" charset="0"/>
+              <a:cs typeface="Arial" pitchFamily="34" charset="0"/>
+            </a:endParaRPr>
+          </a:p>
+        </p:txBody>
+      </p:sp>
+      <p:grpSp>
+        <p:nvGrpSpPr>
+          <p:cNvPr id="55" name="群組 54"/>
+          <p:cNvGrpSpPr/>
+          <p:nvPr/>
+        </p:nvGrpSpPr>
+        <p:grpSpPr>
+          <a:xfrm>
+            <a:off x="4572000" y="2334467"/>
+            <a:ext cx="182880" cy="816557"/>
+            <a:chOff x="4572000" y="2392074"/>
+            <a:chExt cx="182880" cy="816557"/>
+          </a:xfrm>
+        </p:grpSpPr>
+        <p:sp>
+          <p:nvSpPr>
+            <p:cNvPr id="8" name="橢圓 7"/>
+            <p:cNvSpPr/>
+            <p:nvPr/>
+          </p:nvSpPr>
+          <p:spPr>
+            <a:xfrm>
+              <a:off x="4572000" y="2392074"/>
               <a:ext cx="182880" cy="182880"/>
             </a:xfrm>
             <a:prstGeom prst="ellipse">
@@ -13162,7 +12880,7 @@
           </p:nvSpPr>
           <p:spPr>
             <a:xfrm>
-              <a:off x="3823109" y="3140965"/>
+              <a:off x="4572000" y="3025751"/>
               <a:ext cx="182880" cy="182880"/>
             </a:xfrm>
             <a:prstGeom prst="ellipse">
@@ -13202,6 +12920,165 @@
             </a:p>
           </p:txBody>
         </p:sp>
+        <p:sp>
+          <p:nvSpPr>
+            <p:cNvPr id="23" name="橢圓 22"/>
+            <p:cNvSpPr/>
+            <p:nvPr/>
+          </p:nvSpPr>
+          <p:spPr>
+            <a:xfrm>
+              <a:off x="4572000" y="2910537"/>
+              <a:ext cx="182880" cy="182880"/>
+            </a:xfrm>
+            <a:prstGeom prst="ellipse">
+              <a:avLst/>
+            </a:prstGeom>
+            <a:solidFill>
+              <a:schemeClr val="tx1"/>
+            </a:solidFill>
+            <a:ln>
+              <a:solidFill>
+                <a:schemeClr val="tx1"/>
+              </a:solidFill>
+            </a:ln>
+          </p:spPr>
+          <p:style>
+            <a:lnRef idx="2">
+              <a:schemeClr val="accent1">
+                <a:shade val="50000"/>
+              </a:schemeClr>
+            </a:lnRef>
+            <a:fillRef idx="1">
+              <a:schemeClr val="accent1"/>
+            </a:fillRef>
+            <a:effectRef idx="0">
+              <a:schemeClr val="accent1"/>
+            </a:effectRef>
+            <a:fontRef idx="minor">
+              <a:schemeClr val="lt1"/>
+            </a:fontRef>
+          </p:style>
+          <p:txBody>
+            <a:bodyPr rtlCol="0" anchor="ctr"/>
+            <a:lstStyle/>
+            <a:p>
+              <a:pPr algn="ctr"/>
+              <a:endParaRPr lang="en-US"/>
+            </a:p>
+          </p:txBody>
+        </p:sp>
+        <p:sp>
+          <p:nvSpPr>
+            <p:cNvPr id="25" name="橢圓 24"/>
+            <p:cNvSpPr/>
+            <p:nvPr/>
+          </p:nvSpPr>
+          <p:spPr>
+            <a:xfrm>
+              <a:off x="4572000" y="2795323"/>
+              <a:ext cx="182880" cy="182880"/>
+            </a:xfrm>
+            <a:prstGeom prst="ellipse">
+              <a:avLst/>
+            </a:prstGeom>
+            <a:solidFill>
+              <a:schemeClr val="tx1"/>
+            </a:solidFill>
+            <a:ln>
+              <a:solidFill>
+                <a:schemeClr val="tx1"/>
+              </a:solidFill>
+            </a:ln>
+          </p:spPr>
+          <p:style>
+            <a:lnRef idx="2">
+              <a:schemeClr val="accent1">
+                <a:shade val="50000"/>
+              </a:schemeClr>
+            </a:lnRef>
+            <a:fillRef idx="1">
+              <a:schemeClr val="accent1"/>
+            </a:fillRef>
+            <a:effectRef idx="0">
+              <a:schemeClr val="accent1"/>
+            </a:effectRef>
+            <a:fontRef idx="minor">
+              <a:schemeClr val="lt1"/>
+            </a:fontRef>
+          </p:style>
+          <p:txBody>
+            <a:bodyPr rtlCol="0" anchor="ctr"/>
+            <a:lstStyle/>
+            <a:p>
+              <a:pPr algn="ctr"/>
+              <a:endParaRPr lang="en-US"/>
+            </a:p>
+          </p:txBody>
+        </p:sp>
+        <p:sp>
+          <p:nvSpPr>
+            <p:cNvPr id="46" name="橢圓 45"/>
+            <p:cNvSpPr/>
+            <p:nvPr/>
+          </p:nvSpPr>
+          <p:spPr>
+            <a:xfrm>
+              <a:off x="4572000" y="2622502"/>
+              <a:ext cx="182880" cy="182880"/>
+            </a:xfrm>
+            <a:prstGeom prst="ellipse">
+              <a:avLst/>
+            </a:prstGeom>
+            <a:solidFill>
+              <a:schemeClr val="tx1"/>
+            </a:solidFill>
+            <a:ln>
+              <a:solidFill>
+                <a:schemeClr val="tx1"/>
+              </a:solidFill>
+            </a:ln>
+          </p:spPr>
+          <p:style>
+            <a:lnRef idx="2">
+              <a:schemeClr val="accent1">
+                <a:shade val="50000"/>
+              </a:schemeClr>
+            </a:lnRef>
+            <a:fillRef idx="1">
+              <a:schemeClr val="accent1"/>
+            </a:fillRef>
+            <a:effectRef idx="0">
+              <a:schemeClr val="accent1"/>
+            </a:effectRef>
+            <a:fontRef idx="minor">
+              <a:schemeClr val="lt1"/>
+            </a:fontRef>
+          </p:style>
+          <p:txBody>
+            <a:bodyPr rtlCol="0" anchor="ctr"/>
+            <a:lstStyle/>
+            <a:p>
+              <a:pPr algn="ctr"/>
+              <a:endParaRPr lang="en-US"/>
+            </a:p>
+          </p:txBody>
+        </p:sp>
+      </p:grpSp>
+      <p:grpSp>
+        <p:nvGrpSpPr>
+          <p:cNvPr id="54" name="群組 53"/>
+          <p:cNvGrpSpPr/>
+          <p:nvPr/>
+        </p:nvGrpSpPr>
+        <p:grpSpPr>
+          <a:xfrm>
+            <a:off x="3362253" y="3083358"/>
+            <a:ext cx="182880" cy="643736"/>
+            <a:chOff x="3362253" y="3140965"/>
+            <a:chExt cx="182880" cy="643736"/>
+          </a:xfrm>
+        </p:grpSpPr>
         <p:sp>
           <p:nvSpPr>
             <p:cNvPr id="16" name="橢圓 15"/>
@@ -13252,13 +13129,13 @@
         </p:sp>
         <p:sp>
           <p:nvSpPr>
-            <p:cNvPr id="17" name="橢圓 16"/>
+            <p:cNvPr id="22" name="橢圓 21"/>
             <p:cNvSpPr/>
             <p:nvPr/>
           </p:nvSpPr>
           <p:spPr>
             <a:xfrm>
-              <a:off x="3189432" y="3429000"/>
+              <a:off x="3362253" y="3544214"/>
               <a:ext cx="182880" cy="182880"/>
             </a:xfrm>
             <a:prstGeom prst="ellipse">
@@ -13300,13 +13177,13 @@
         </p:sp>
         <p:sp>
           <p:nvSpPr>
-            <p:cNvPr id="18" name="橢圓 17"/>
+            <p:cNvPr id="47" name="橢圓 46"/>
             <p:cNvSpPr/>
             <p:nvPr/>
           </p:nvSpPr>
           <p:spPr>
             <a:xfrm>
-              <a:off x="3016611" y="3601821"/>
+              <a:off x="3362253" y="3601821"/>
               <a:ext cx="182880" cy="182880"/>
             </a:xfrm>
             <a:prstGeom prst="ellipse">
@@ -13348,13 +13225,13 @@
         </p:sp>
         <p:sp>
           <p:nvSpPr>
-            <p:cNvPr id="22" name="橢圓 21"/>
+            <p:cNvPr id="48" name="橢圓 47"/>
             <p:cNvSpPr/>
             <p:nvPr/>
           </p:nvSpPr>
           <p:spPr>
             <a:xfrm>
-              <a:off x="3535074" y="3313786"/>
+              <a:off x="3362253" y="3140965"/>
               <a:ext cx="182880" cy="182880"/>
             </a:xfrm>
             <a:prstGeom prst="ellipse">
@@ -13396,13 +13273,13 @@
         </p:sp>
         <p:sp>
           <p:nvSpPr>
-            <p:cNvPr id="23" name="橢圓 22"/>
+            <p:cNvPr id="49" name="橢圓 48"/>
             <p:cNvSpPr/>
             <p:nvPr/>
           </p:nvSpPr>
           <p:spPr>
             <a:xfrm>
-              <a:off x="4744821" y="2680109"/>
+              <a:off x="3362253" y="3601821"/>
               <a:ext cx="182880" cy="182880"/>
             </a:xfrm>
             <a:prstGeom prst="ellipse">
@@ -13442,967 +13319,280 @@
             </a:p>
           </p:txBody>
         </p:sp>
-        <p:sp>
-          <p:nvSpPr>
-            <p:cNvPr id="24" name="橢圓 23"/>
-            <p:cNvSpPr/>
-            <p:nvPr/>
-          </p:nvSpPr>
-          <p:spPr>
-            <a:xfrm>
-              <a:off x="3880716" y="2968144"/>
-              <a:ext cx="182880" cy="182880"/>
-            </a:xfrm>
-            <a:prstGeom prst="ellipse">
-              <a:avLst/>
-            </a:prstGeom>
+      </p:grpSp>
+      <p:sp>
+        <p:nvSpPr>
+          <p:cNvPr id="50" name="文字方塊 49"/>
+          <p:cNvSpPr txBox="1"/>
+          <p:nvPr/>
+        </p:nvSpPr>
+        <p:spPr>
+          <a:xfrm>
+            <a:off x="1749257" y="4581140"/>
+            <a:ext cx="748891" cy="584775"/>
+          </a:xfrm>
+          <a:prstGeom prst="rect">
+            <a:avLst/>
+          </a:prstGeom>
+          <a:noFill/>
+        </p:spPr>
+        <p:txBody>
+          <a:bodyPr wrap="square" rtlCol="0">
+            <a:spAutoFit/>
+          </a:bodyPr>
+          <a:lstStyle/>
+          <a:p>
+            <a:r>
+              <a:rPr lang="en-US" sz="3200" b="1" dirty="0" smtClean="0">
+                <a:latin typeface="Arial" pitchFamily="34" charset="0"/>
+                <a:cs typeface="Arial" pitchFamily="34" charset="0"/>
+              </a:rPr>
+              <a:t>0</a:t>
+            </a:r>
+            <a:endParaRPr lang="en-US" sz="3200" b="1" dirty="0">
+              <a:latin typeface="Arial" pitchFamily="34" charset="0"/>
+              <a:cs typeface="Arial" pitchFamily="34" charset="0"/>
+            </a:endParaRPr>
+          </a:p>
+        </p:txBody>
+      </p:sp>
+      <p:sp>
+        <p:nvSpPr>
+          <p:cNvPr id="51" name="文字方塊 50"/>
+          <p:cNvSpPr txBox="1"/>
+          <p:nvPr/>
+        </p:nvSpPr>
+        <p:spPr>
+          <a:xfrm>
+            <a:off x="1749257" y="3544214"/>
+            <a:ext cx="748891" cy="584775"/>
+          </a:xfrm>
+          <a:prstGeom prst="rect">
+            <a:avLst/>
+          </a:prstGeom>
+          <a:noFill/>
+        </p:spPr>
+        <p:txBody>
+          <a:bodyPr wrap="square" rtlCol="0">
+            <a:spAutoFit/>
+          </a:bodyPr>
+          <a:lstStyle/>
+          <a:p>
+            <a:r>
+              <a:rPr lang="en-US" sz="3200" b="1" dirty="0" smtClean="0">
+                <a:latin typeface="Arial" pitchFamily="34" charset="0"/>
+                <a:cs typeface="Arial" pitchFamily="34" charset="0"/>
+              </a:rPr>
+              <a:t>1</a:t>
+            </a:r>
+            <a:endParaRPr lang="en-US" sz="3200" b="1" dirty="0">
+              <a:latin typeface="Arial" pitchFamily="34" charset="0"/>
+              <a:cs typeface="Arial" pitchFamily="34" charset="0"/>
+            </a:endParaRPr>
+          </a:p>
+        </p:txBody>
+      </p:sp>
+      <p:sp>
+        <p:nvSpPr>
+          <p:cNvPr id="52" name="文字方塊 51"/>
+          <p:cNvSpPr txBox="1"/>
+          <p:nvPr/>
+        </p:nvSpPr>
+        <p:spPr>
+          <a:xfrm>
+            <a:off x="1749257" y="2449681"/>
+            <a:ext cx="748891" cy="584775"/>
+          </a:xfrm>
+          <a:prstGeom prst="rect">
+            <a:avLst/>
+          </a:prstGeom>
+          <a:noFill/>
+        </p:spPr>
+        <p:txBody>
+          <a:bodyPr wrap="square" rtlCol="0">
+            <a:spAutoFit/>
+          </a:bodyPr>
+          <a:lstStyle/>
+          <a:p>
+            <a:r>
+              <a:rPr lang="en-US" sz="3200" b="1" dirty="0" smtClean="0">
+                <a:latin typeface="Arial" pitchFamily="34" charset="0"/>
+                <a:cs typeface="Arial" pitchFamily="34" charset="0"/>
+              </a:rPr>
+              <a:t>2</a:t>
+            </a:r>
+            <a:endParaRPr lang="en-US" sz="3200" b="1" dirty="0">
+              <a:latin typeface="Arial" pitchFamily="34" charset="0"/>
+              <a:cs typeface="Arial" pitchFamily="34" charset="0"/>
+            </a:endParaRPr>
+          </a:p>
+        </p:txBody>
+      </p:sp>
+      <p:sp>
+        <p:nvSpPr>
+          <p:cNvPr id="53" name="文字方塊 52"/>
+          <p:cNvSpPr txBox="1"/>
+          <p:nvPr/>
+        </p:nvSpPr>
+        <p:spPr>
+          <a:xfrm>
+            <a:off x="1749257" y="1355148"/>
+            <a:ext cx="748891" cy="584775"/>
+          </a:xfrm>
+          <a:prstGeom prst="rect">
+            <a:avLst/>
+          </a:prstGeom>
+          <a:noFill/>
+        </p:spPr>
+        <p:txBody>
+          <a:bodyPr wrap="square" rtlCol="0">
+            <a:spAutoFit/>
+          </a:bodyPr>
+          <a:lstStyle/>
+          <a:p>
+            <a:r>
+              <a:rPr lang="en-US" sz="3200" b="1" dirty="0" smtClean="0">
+                <a:latin typeface="Arial" pitchFamily="34" charset="0"/>
+                <a:cs typeface="Arial" pitchFamily="34" charset="0"/>
+              </a:rPr>
+              <a:t>3</a:t>
+            </a:r>
+            <a:endParaRPr lang="en-US" sz="3200" b="1" dirty="0">
+              <a:latin typeface="Arial" pitchFamily="34" charset="0"/>
+              <a:cs typeface="Arial" pitchFamily="34" charset="0"/>
+            </a:endParaRPr>
+          </a:p>
+        </p:txBody>
+      </p:sp>
+      <p:sp>
+        <p:nvSpPr>
+          <p:cNvPr id="39" name="手繪多邊形 38"/>
+          <p:cNvSpPr/>
+          <p:nvPr/>
+        </p:nvSpPr>
+        <p:spPr>
+          <a:xfrm>
+            <a:off x="2210114" y="1873611"/>
+            <a:ext cx="5026258" cy="2246673"/>
+          </a:xfrm>
+          <a:custGeom>
+            <a:avLst/>
+            <a:gdLst>
+              <a:gd name="connsiteX0" fmla="*/ 0 w 4966138"/>
+              <a:gd name="connsiteY0" fmla="*/ 2222938 h 2222938"/>
+              <a:gd name="connsiteX1" fmla="*/ 2112580 w 4966138"/>
+              <a:gd name="connsiteY1" fmla="*/ 819807 h 2222938"/>
+              <a:gd name="connsiteX2" fmla="*/ 3767959 w 4966138"/>
+              <a:gd name="connsiteY2" fmla="*/ 220717 h 2222938"/>
+              <a:gd name="connsiteX3" fmla="*/ 4966138 w 4966138"/>
+              <a:gd name="connsiteY3" fmla="*/ 0 h 2222938"/>
+              <a:gd name="connsiteX4" fmla="*/ 4966138 w 4966138"/>
+              <a:gd name="connsiteY4" fmla="*/ 0 h 2222938"/>
+              <a:gd name="connsiteX0" fmla="*/ 0 w 4966138"/>
+              <a:gd name="connsiteY0" fmla="*/ 2222938 h 2222938"/>
+              <a:gd name="connsiteX1" fmla="*/ 2112580 w 4966138"/>
+              <a:gd name="connsiteY1" fmla="*/ 819807 h 2222938"/>
+              <a:gd name="connsiteX2" fmla="*/ 3756584 w 4966138"/>
+              <a:gd name="connsiteY2" fmla="*/ 151904 h 2222938"/>
+              <a:gd name="connsiteX3" fmla="*/ 4966138 w 4966138"/>
+              <a:gd name="connsiteY3" fmla="*/ 0 h 2222938"/>
+              <a:gd name="connsiteX4" fmla="*/ 4966138 w 4966138"/>
+              <a:gd name="connsiteY4" fmla="*/ 0 h 2222938"/>
+              <a:gd name="connsiteX0" fmla="*/ 0 w 4966138"/>
+              <a:gd name="connsiteY0" fmla="*/ 2222938 h 2222938"/>
+              <a:gd name="connsiteX1" fmla="*/ 2112580 w 4966138"/>
+              <a:gd name="connsiteY1" fmla="*/ 819807 h 2222938"/>
+              <a:gd name="connsiteX2" fmla="*/ 3756584 w 4966138"/>
+              <a:gd name="connsiteY2" fmla="*/ 227994 h 2222938"/>
+              <a:gd name="connsiteX3" fmla="*/ 4966138 w 4966138"/>
+              <a:gd name="connsiteY3" fmla="*/ 0 h 2222938"/>
+              <a:gd name="connsiteX4" fmla="*/ 4966138 w 4966138"/>
+              <a:gd name="connsiteY4" fmla="*/ 0 h 2222938"/>
+              <a:gd name="connsiteX0" fmla="*/ 0 w 4966138"/>
+              <a:gd name="connsiteY0" fmla="*/ 2222938 h 2222938"/>
+              <a:gd name="connsiteX1" fmla="*/ 2105963 w 4966138"/>
+              <a:gd name="connsiteY1" fmla="*/ 968973 h 2222938"/>
+              <a:gd name="connsiteX2" fmla="*/ 3756584 w 4966138"/>
+              <a:gd name="connsiteY2" fmla="*/ 227994 h 2222938"/>
+              <a:gd name="connsiteX3" fmla="*/ 4966138 w 4966138"/>
+              <a:gd name="connsiteY3" fmla="*/ 0 h 2222938"/>
+              <a:gd name="connsiteX4" fmla="*/ 4966138 w 4966138"/>
+              <a:gd name="connsiteY4" fmla="*/ 0 h 2222938"/>
+            </a:gdLst>
+            <a:ahLst/>
+            <a:cxnLst>
+              <a:cxn ang="0">
+                <a:pos x="connsiteX0" y="connsiteY0"/>
+              </a:cxn>
+              <a:cxn ang="0">
+                <a:pos x="connsiteX1" y="connsiteY1"/>
+              </a:cxn>
+              <a:cxn ang="0">
+                <a:pos x="connsiteX2" y="connsiteY2"/>
+              </a:cxn>
+              <a:cxn ang="0">
+                <a:pos x="connsiteX3" y="connsiteY3"/>
+              </a:cxn>
+              <a:cxn ang="0">
+                <a:pos x="connsiteX4" y="connsiteY4"/>
+              </a:cxn>
+            </a:cxnLst>
+            <a:rect l="l" t="t" r="r" b="b"/>
+            <a:pathLst>
+              <a:path w="4966138" h="2222938">
+                <a:moveTo>
+                  <a:pt x="0" y="2222938"/>
+                </a:moveTo>
+                <a:cubicBezTo>
+                  <a:pt x="742293" y="1688224"/>
+                  <a:pt x="1479866" y="1301464"/>
+                  <a:pt x="2105963" y="968973"/>
+                </a:cubicBezTo>
+                <a:cubicBezTo>
+                  <a:pt x="2732060" y="636482"/>
+                  <a:pt x="3279888" y="389489"/>
+                  <a:pt x="3756584" y="227994"/>
+                </a:cubicBezTo>
+                <a:cubicBezTo>
+                  <a:pt x="4233280" y="66499"/>
+                  <a:pt x="4764546" y="25317"/>
+                  <a:pt x="4966138" y="0"/>
+                </a:cubicBezTo>
+                <a:lnTo>
+                  <a:pt x="4966138" y="0"/>
+                </a:lnTo>
+              </a:path>
+            </a:pathLst>
+          </a:custGeom>
+          <a:ln w="76200">
             <a:solidFill>
-              <a:schemeClr val="tx1"/>
+              <a:srgbClr val="FF0000"/>
             </a:solidFill>
-            <a:ln>
-              <a:solidFill>
-                <a:schemeClr val="tx1"/>
-              </a:solidFill>
-            </a:ln>
-          </p:spPr>
-          <p:style>
-            <a:lnRef idx="2">
-              <a:schemeClr val="accent1">
-                <a:shade val="50000"/>
-              </a:schemeClr>
-            </a:lnRef>
-            <a:fillRef idx="1">
-              <a:schemeClr val="accent1"/>
-            </a:fillRef>
-            <a:effectRef idx="0">
-              <a:schemeClr val="accent1"/>
-            </a:effectRef>
-            <a:fontRef idx="minor">
-              <a:schemeClr val="lt1"/>
-            </a:fontRef>
-          </p:style>
-          <p:txBody>
-            <a:bodyPr rtlCol="0" anchor="ctr"/>
-            <a:lstStyle/>
-            <a:p>
-              <a:pPr algn="ctr"/>
-              <a:endParaRPr lang="en-US"/>
-            </a:p>
-          </p:txBody>
-        </p:sp>
-        <p:sp>
-          <p:nvSpPr>
-            <p:cNvPr id="25" name="橢圓 24"/>
-            <p:cNvSpPr/>
-            <p:nvPr/>
-          </p:nvSpPr>
-          <p:spPr>
-            <a:xfrm>
-              <a:off x="4168751" y="2968144"/>
-              <a:ext cx="182880" cy="182880"/>
-            </a:xfrm>
-            <a:prstGeom prst="ellipse">
-              <a:avLst/>
-            </a:prstGeom>
-            <a:solidFill>
-              <a:schemeClr val="tx1"/>
-            </a:solidFill>
-            <a:ln>
-              <a:solidFill>
-                <a:schemeClr val="tx1"/>
-              </a:solidFill>
-            </a:ln>
-          </p:spPr>
-          <p:style>
-            <a:lnRef idx="2">
-              <a:schemeClr val="accent1">
-                <a:shade val="50000"/>
-              </a:schemeClr>
-            </a:lnRef>
-            <a:fillRef idx="1">
-              <a:schemeClr val="accent1"/>
-            </a:fillRef>
-            <a:effectRef idx="0">
-              <a:schemeClr val="accent1"/>
-            </a:effectRef>
-            <a:fontRef idx="minor">
-              <a:schemeClr val="lt1"/>
-            </a:fontRef>
-          </p:style>
-          <p:txBody>
-            <a:bodyPr rtlCol="0" anchor="ctr"/>
-            <a:lstStyle/>
-            <a:p>
-              <a:pPr algn="ctr"/>
-              <a:endParaRPr lang="en-US"/>
-            </a:p>
-          </p:txBody>
-        </p:sp>
-        <p:grpSp>
-          <p:nvGrpSpPr>
-            <p:cNvPr id="36" name="群組 35"/>
-            <p:cNvGrpSpPr/>
-            <p:nvPr/>
-          </p:nvGrpSpPr>
-          <p:grpSpPr>
-            <a:xfrm>
-              <a:off x="5148070" y="2046432"/>
-              <a:ext cx="931771" cy="586129"/>
-              <a:chOff x="5320891" y="2046432"/>
-              <a:chExt cx="931771" cy="586129"/>
-            </a:xfrm>
-          </p:grpSpPr>
-          <p:sp>
-            <p:nvSpPr>
-              <p:cNvPr id="10" name="橢圓 9"/>
-              <p:cNvSpPr/>
-              <p:nvPr/>
-            </p:nvSpPr>
-            <p:spPr>
-              <a:xfrm>
-                <a:off x="5320891" y="2449681"/>
-                <a:ext cx="182880" cy="182880"/>
-              </a:xfrm>
-              <a:prstGeom prst="ellipse">
-                <a:avLst/>
-              </a:prstGeom>
-              <a:solidFill>
-                <a:schemeClr val="tx1"/>
-              </a:solidFill>
-              <a:ln>
-                <a:solidFill>
-                  <a:schemeClr val="tx1"/>
-                </a:solidFill>
-              </a:ln>
-            </p:spPr>
-            <p:style>
-              <a:lnRef idx="2">
-                <a:schemeClr val="accent1">
-                  <a:shade val="50000"/>
-                </a:schemeClr>
-              </a:lnRef>
-              <a:fillRef idx="1">
-                <a:schemeClr val="accent1"/>
-              </a:fillRef>
-              <a:effectRef idx="0">
-                <a:schemeClr val="accent1"/>
-              </a:effectRef>
-              <a:fontRef idx="minor">
-                <a:schemeClr val="lt1"/>
-              </a:fontRef>
-            </p:style>
-            <p:txBody>
-              <a:bodyPr rtlCol="0" anchor="ctr"/>
-              <a:lstStyle/>
-              <a:p>
-                <a:pPr algn="ctr"/>
-                <a:endParaRPr lang="en-US"/>
-              </a:p>
-            </p:txBody>
-          </p:sp>
-          <p:sp>
-            <p:nvSpPr>
-              <p:cNvPr id="11" name="橢圓 10"/>
-              <p:cNvSpPr/>
-              <p:nvPr/>
-            </p:nvSpPr>
-            <p:spPr>
-              <a:xfrm>
-                <a:off x="5666533" y="2219253"/>
-                <a:ext cx="182880" cy="182880"/>
-              </a:xfrm>
-              <a:prstGeom prst="ellipse">
-                <a:avLst/>
-              </a:prstGeom>
-              <a:solidFill>
-                <a:schemeClr val="tx1"/>
-              </a:solidFill>
-              <a:ln>
-                <a:solidFill>
-                  <a:schemeClr val="tx1"/>
-                </a:solidFill>
-              </a:ln>
-            </p:spPr>
-            <p:style>
-              <a:lnRef idx="2">
-                <a:schemeClr val="accent1">
-                  <a:shade val="50000"/>
-                </a:schemeClr>
-              </a:lnRef>
-              <a:fillRef idx="1">
-                <a:schemeClr val="accent1"/>
-              </a:fillRef>
-              <a:effectRef idx="0">
-                <a:schemeClr val="accent1"/>
-              </a:effectRef>
-              <a:fontRef idx="minor">
-                <a:schemeClr val="lt1"/>
-              </a:fontRef>
-            </p:style>
-            <p:txBody>
-              <a:bodyPr rtlCol="0" anchor="ctr"/>
-              <a:lstStyle/>
-              <a:p>
-                <a:pPr algn="ctr"/>
-                <a:endParaRPr lang="en-US"/>
-              </a:p>
-            </p:txBody>
-          </p:sp>
-          <p:sp>
-            <p:nvSpPr>
-              <p:cNvPr id="12" name="橢圓 11"/>
-              <p:cNvSpPr/>
-              <p:nvPr/>
-            </p:nvSpPr>
-            <p:spPr>
-              <a:xfrm>
-                <a:off x="5666533" y="2449681"/>
-                <a:ext cx="182880" cy="182880"/>
-              </a:xfrm>
-              <a:prstGeom prst="ellipse">
-                <a:avLst/>
-              </a:prstGeom>
-              <a:solidFill>
-                <a:schemeClr val="tx1"/>
-              </a:solidFill>
-              <a:ln>
-                <a:solidFill>
-                  <a:schemeClr val="tx1"/>
-                </a:solidFill>
-              </a:ln>
-            </p:spPr>
-            <p:style>
-              <a:lnRef idx="2">
-                <a:schemeClr val="accent1">
-                  <a:shade val="50000"/>
-                </a:schemeClr>
-              </a:lnRef>
-              <a:fillRef idx="1">
-                <a:schemeClr val="accent1"/>
-              </a:fillRef>
-              <a:effectRef idx="0">
-                <a:schemeClr val="accent1"/>
-              </a:effectRef>
-              <a:fontRef idx="minor">
-                <a:schemeClr val="lt1"/>
-              </a:fontRef>
-            </p:style>
-            <p:txBody>
-              <a:bodyPr rtlCol="0" anchor="ctr"/>
-              <a:lstStyle/>
-              <a:p>
-                <a:pPr algn="ctr"/>
-                <a:endParaRPr lang="en-US"/>
-              </a:p>
-            </p:txBody>
-          </p:sp>
-          <p:sp>
-            <p:nvSpPr>
-              <p:cNvPr id="21" name="橢圓 20"/>
-              <p:cNvSpPr/>
-              <p:nvPr/>
-            </p:nvSpPr>
-            <p:spPr>
-              <a:xfrm>
-                <a:off x="5896961" y="2219253"/>
-                <a:ext cx="182880" cy="182880"/>
-              </a:xfrm>
-              <a:prstGeom prst="ellipse">
-                <a:avLst/>
-              </a:prstGeom>
-              <a:solidFill>
-                <a:schemeClr val="tx1"/>
-              </a:solidFill>
-              <a:ln>
-                <a:solidFill>
-                  <a:schemeClr val="tx1"/>
-                </a:solidFill>
-              </a:ln>
-            </p:spPr>
-            <p:style>
-              <a:lnRef idx="2">
-                <a:schemeClr val="accent1">
-                  <a:shade val="50000"/>
-                </a:schemeClr>
-              </a:lnRef>
-              <a:fillRef idx="1">
-                <a:schemeClr val="accent1"/>
-              </a:fillRef>
-              <a:effectRef idx="0">
-                <a:schemeClr val="accent1"/>
-              </a:effectRef>
-              <a:fontRef idx="minor">
-                <a:schemeClr val="lt1"/>
-              </a:fontRef>
-            </p:style>
-            <p:txBody>
-              <a:bodyPr rtlCol="0" anchor="ctr"/>
-              <a:lstStyle/>
-              <a:p>
-                <a:pPr algn="ctr"/>
-                <a:endParaRPr lang="en-US"/>
-              </a:p>
-            </p:txBody>
-          </p:sp>
-          <p:sp>
-            <p:nvSpPr>
-              <p:cNvPr id="26" name="橢圓 25"/>
-              <p:cNvSpPr/>
-              <p:nvPr/>
-            </p:nvSpPr>
-            <p:spPr>
-              <a:xfrm>
-                <a:off x="6069782" y="2046432"/>
-                <a:ext cx="182880" cy="182880"/>
-              </a:xfrm>
-              <a:prstGeom prst="ellipse">
-                <a:avLst/>
-              </a:prstGeom>
-              <a:solidFill>
-                <a:schemeClr val="tx1"/>
-              </a:solidFill>
-              <a:ln>
-                <a:solidFill>
-                  <a:schemeClr val="tx1"/>
-                </a:solidFill>
-              </a:ln>
-            </p:spPr>
-            <p:style>
-              <a:lnRef idx="2">
-                <a:schemeClr val="accent1">
-                  <a:shade val="50000"/>
-                </a:schemeClr>
-              </a:lnRef>
-              <a:fillRef idx="1">
-                <a:schemeClr val="accent1"/>
-              </a:fillRef>
-              <a:effectRef idx="0">
-                <a:schemeClr val="accent1"/>
-              </a:effectRef>
-              <a:fontRef idx="minor">
-                <a:schemeClr val="lt1"/>
-              </a:fontRef>
-            </p:style>
-            <p:txBody>
-              <a:bodyPr rtlCol="0" anchor="ctr"/>
-              <a:lstStyle/>
-              <a:p>
-                <a:pPr algn="ctr"/>
-                <a:endParaRPr lang="en-US"/>
-              </a:p>
-            </p:txBody>
-          </p:sp>
-        </p:grpSp>
-        <p:grpSp>
-          <p:nvGrpSpPr>
-            <p:cNvPr id="37" name="群組 36"/>
-            <p:cNvGrpSpPr/>
-            <p:nvPr/>
-          </p:nvGrpSpPr>
-          <p:grpSpPr>
-            <a:xfrm>
-              <a:off x="7106708" y="1700790"/>
-              <a:ext cx="182880" cy="494277"/>
-              <a:chOff x="7106708" y="1562214"/>
-              <a:chExt cx="182880" cy="494277"/>
-            </a:xfrm>
-          </p:grpSpPr>
-          <p:sp>
-            <p:nvSpPr>
-              <p:cNvPr id="13" name="橢圓 12"/>
-              <p:cNvSpPr/>
-              <p:nvPr/>
-            </p:nvSpPr>
-            <p:spPr>
-              <a:xfrm>
-                <a:off x="7106708" y="1873611"/>
-                <a:ext cx="182880" cy="182880"/>
-              </a:xfrm>
-              <a:prstGeom prst="ellipse">
-                <a:avLst/>
-              </a:prstGeom>
-              <a:solidFill>
-                <a:schemeClr val="tx1"/>
-              </a:solidFill>
-              <a:ln>
-                <a:solidFill>
-                  <a:schemeClr val="tx1"/>
-                </a:solidFill>
-              </a:ln>
-            </p:spPr>
-            <p:style>
-              <a:lnRef idx="2">
-                <a:schemeClr val="accent1">
-                  <a:shade val="50000"/>
-                </a:schemeClr>
-              </a:lnRef>
-              <a:fillRef idx="1">
-                <a:schemeClr val="accent1"/>
-              </a:fillRef>
-              <a:effectRef idx="0">
-                <a:schemeClr val="accent1"/>
-              </a:effectRef>
-              <a:fontRef idx="minor">
-                <a:schemeClr val="lt1"/>
-              </a:fontRef>
-            </p:style>
-            <p:txBody>
-              <a:bodyPr rtlCol="0" anchor="ctr"/>
-              <a:lstStyle/>
-              <a:p>
-                <a:pPr algn="ctr"/>
-                <a:endParaRPr lang="en-US"/>
-              </a:p>
-            </p:txBody>
-          </p:sp>
-          <p:sp>
-            <p:nvSpPr>
-              <p:cNvPr id="14" name="橢圓 13"/>
-              <p:cNvSpPr/>
-              <p:nvPr/>
-            </p:nvSpPr>
-            <p:spPr>
-              <a:xfrm>
-                <a:off x="7106708" y="1816004"/>
-                <a:ext cx="182880" cy="182880"/>
-              </a:xfrm>
-              <a:prstGeom prst="ellipse">
-                <a:avLst/>
-              </a:prstGeom>
-              <a:solidFill>
-                <a:schemeClr val="tx1"/>
-              </a:solidFill>
-              <a:ln>
-                <a:solidFill>
-                  <a:schemeClr val="tx1"/>
-                </a:solidFill>
-              </a:ln>
-            </p:spPr>
-            <p:style>
-              <a:lnRef idx="2">
-                <a:schemeClr val="accent1">
-                  <a:shade val="50000"/>
-                </a:schemeClr>
-              </a:lnRef>
-              <a:fillRef idx="1">
-                <a:schemeClr val="accent1"/>
-              </a:fillRef>
-              <a:effectRef idx="0">
-                <a:schemeClr val="accent1"/>
-              </a:effectRef>
-              <a:fontRef idx="minor">
-                <a:schemeClr val="lt1"/>
-              </a:fontRef>
-            </p:style>
-            <p:txBody>
-              <a:bodyPr rtlCol="0" anchor="ctr"/>
-              <a:lstStyle/>
-              <a:p>
-                <a:pPr algn="ctr"/>
-                <a:endParaRPr lang="en-US"/>
-              </a:p>
-            </p:txBody>
-          </p:sp>
-          <p:sp>
-            <p:nvSpPr>
-              <p:cNvPr id="19" name="橢圓 18"/>
-              <p:cNvSpPr/>
-              <p:nvPr/>
-            </p:nvSpPr>
-            <p:spPr>
-              <a:xfrm>
-                <a:off x="7106708" y="1677428"/>
-                <a:ext cx="182880" cy="182880"/>
-              </a:xfrm>
-              <a:prstGeom prst="ellipse">
-                <a:avLst/>
-              </a:prstGeom>
-              <a:solidFill>
-                <a:schemeClr val="tx1"/>
-              </a:solidFill>
-              <a:ln>
-                <a:solidFill>
-                  <a:schemeClr val="tx1"/>
-                </a:solidFill>
-              </a:ln>
-            </p:spPr>
-            <p:style>
-              <a:lnRef idx="2">
-                <a:schemeClr val="accent1">
-                  <a:shade val="50000"/>
-                </a:schemeClr>
-              </a:lnRef>
-              <a:fillRef idx="1">
-                <a:schemeClr val="accent1"/>
-              </a:fillRef>
-              <a:effectRef idx="0">
-                <a:schemeClr val="accent1"/>
-              </a:effectRef>
-              <a:fontRef idx="minor">
-                <a:schemeClr val="lt1"/>
-              </a:fontRef>
-            </p:style>
-            <p:txBody>
-              <a:bodyPr rtlCol="0" anchor="ctr"/>
-              <a:lstStyle/>
-              <a:p>
-                <a:pPr algn="ctr"/>
-                <a:endParaRPr lang="en-US"/>
-              </a:p>
-            </p:txBody>
-          </p:sp>
-          <p:sp>
-            <p:nvSpPr>
-              <p:cNvPr id="20" name="橢圓 19"/>
-              <p:cNvSpPr/>
-              <p:nvPr/>
-            </p:nvSpPr>
-            <p:spPr>
-              <a:xfrm>
-                <a:off x="7106708" y="1758397"/>
-                <a:ext cx="182880" cy="182880"/>
-              </a:xfrm>
-              <a:prstGeom prst="ellipse">
-                <a:avLst/>
-              </a:prstGeom>
-              <a:solidFill>
-                <a:schemeClr val="tx1"/>
-              </a:solidFill>
-              <a:ln>
-                <a:solidFill>
-                  <a:schemeClr val="tx1"/>
-                </a:solidFill>
-              </a:ln>
-            </p:spPr>
-            <p:style>
-              <a:lnRef idx="2">
-                <a:schemeClr val="accent1">
-                  <a:shade val="50000"/>
-                </a:schemeClr>
-              </a:lnRef>
-              <a:fillRef idx="1">
-                <a:schemeClr val="accent1"/>
-              </a:fillRef>
-              <a:effectRef idx="0">
-                <a:schemeClr val="accent1"/>
-              </a:effectRef>
-              <a:fontRef idx="minor">
-                <a:schemeClr val="lt1"/>
-              </a:fontRef>
-            </p:style>
-            <p:txBody>
-              <a:bodyPr rtlCol="0" anchor="ctr"/>
-              <a:lstStyle/>
-              <a:p>
-                <a:pPr algn="ctr"/>
-                <a:endParaRPr lang="en-US"/>
-              </a:p>
-            </p:txBody>
-          </p:sp>
-          <p:sp>
-            <p:nvSpPr>
-              <p:cNvPr id="27" name="橢圓 26"/>
-              <p:cNvSpPr/>
-              <p:nvPr/>
-            </p:nvSpPr>
-            <p:spPr>
-              <a:xfrm>
-                <a:off x="7106708" y="1562214"/>
-                <a:ext cx="182880" cy="182880"/>
-              </a:xfrm>
-              <a:prstGeom prst="ellipse">
-                <a:avLst/>
-              </a:prstGeom>
-              <a:solidFill>
-                <a:schemeClr val="tx1"/>
-              </a:solidFill>
-              <a:ln>
-                <a:solidFill>
-                  <a:schemeClr val="tx1"/>
-                </a:solidFill>
-              </a:ln>
-            </p:spPr>
-            <p:style>
-              <a:lnRef idx="2">
-                <a:schemeClr val="accent1">
-                  <a:shade val="50000"/>
-                </a:schemeClr>
-              </a:lnRef>
-              <a:fillRef idx="1">
-                <a:schemeClr val="accent1"/>
-              </a:fillRef>
-              <a:effectRef idx="0">
-                <a:schemeClr val="accent1"/>
-              </a:effectRef>
-              <a:fontRef idx="minor">
-                <a:schemeClr val="lt1"/>
-              </a:fontRef>
-            </p:style>
-            <p:txBody>
-              <a:bodyPr rtlCol="0" anchor="ctr"/>
-              <a:lstStyle/>
-              <a:p>
-                <a:pPr algn="ctr"/>
-                <a:endParaRPr lang="en-US"/>
-              </a:p>
-            </p:txBody>
-          </p:sp>
-        </p:grpSp>
-        <p:grpSp>
-          <p:nvGrpSpPr>
-            <p:cNvPr id="38" name="群組 37"/>
-            <p:cNvGrpSpPr/>
-            <p:nvPr/>
-          </p:nvGrpSpPr>
-          <p:grpSpPr>
-            <a:xfrm>
-              <a:off x="2152506" y="3942129"/>
-              <a:ext cx="184854" cy="528522"/>
-              <a:chOff x="2152506" y="3942129"/>
-              <a:chExt cx="184854" cy="528522"/>
-            </a:xfrm>
-          </p:grpSpPr>
-          <p:sp>
-            <p:nvSpPr>
-              <p:cNvPr id="29" name="橢圓 28"/>
-              <p:cNvSpPr/>
-              <p:nvPr/>
-            </p:nvSpPr>
-            <p:spPr>
-              <a:xfrm>
-                <a:off x="2154480" y="4057343"/>
-                <a:ext cx="182880" cy="182880"/>
-              </a:xfrm>
-              <a:prstGeom prst="ellipse">
-                <a:avLst/>
-              </a:prstGeom>
-              <a:solidFill>
-                <a:schemeClr val="tx1"/>
-              </a:solidFill>
-              <a:ln>
-                <a:solidFill>
-                  <a:schemeClr val="tx1"/>
-                </a:solidFill>
-              </a:ln>
-            </p:spPr>
-            <p:style>
-              <a:lnRef idx="2">
-                <a:schemeClr val="accent1">
-                  <a:shade val="50000"/>
-                </a:schemeClr>
-              </a:lnRef>
-              <a:fillRef idx="1">
-                <a:schemeClr val="accent1"/>
-              </a:fillRef>
-              <a:effectRef idx="0">
-                <a:schemeClr val="accent1"/>
-              </a:effectRef>
-              <a:fontRef idx="minor">
-                <a:schemeClr val="lt1"/>
-              </a:fontRef>
-            </p:style>
-            <p:txBody>
-              <a:bodyPr rtlCol="0" anchor="ctr"/>
-              <a:lstStyle/>
-              <a:p>
-                <a:pPr algn="ctr"/>
-                <a:endParaRPr lang="en-US"/>
-              </a:p>
-            </p:txBody>
-          </p:sp>
-          <p:sp>
-            <p:nvSpPr>
-              <p:cNvPr id="30" name="橢圓 29"/>
-              <p:cNvSpPr/>
-              <p:nvPr/>
-            </p:nvSpPr>
-            <p:spPr>
-              <a:xfrm>
-                <a:off x="2152506" y="4005070"/>
-                <a:ext cx="182880" cy="182880"/>
-              </a:xfrm>
-              <a:prstGeom prst="ellipse">
-                <a:avLst/>
-              </a:prstGeom>
-              <a:solidFill>
-                <a:schemeClr val="tx1"/>
-              </a:solidFill>
-              <a:ln>
-                <a:solidFill>
-                  <a:schemeClr val="tx1"/>
-                </a:solidFill>
-              </a:ln>
-            </p:spPr>
-            <p:style>
-              <a:lnRef idx="2">
-                <a:schemeClr val="accent1">
-                  <a:shade val="50000"/>
-                </a:schemeClr>
-              </a:lnRef>
-              <a:fillRef idx="1">
-                <a:schemeClr val="accent1"/>
-              </a:fillRef>
-              <a:effectRef idx="0">
-                <a:schemeClr val="accent1"/>
-              </a:effectRef>
-              <a:fontRef idx="minor">
-                <a:schemeClr val="lt1"/>
-              </a:fontRef>
-            </p:style>
-            <p:txBody>
-              <a:bodyPr rtlCol="0" anchor="ctr"/>
-              <a:lstStyle/>
-              <a:p>
-                <a:pPr algn="ctr"/>
-                <a:endParaRPr lang="en-US"/>
-              </a:p>
-            </p:txBody>
-          </p:sp>
-          <p:sp>
-            <p:nvSpPr>
-              <p:cNvPr id="31" name="橢圓 30"/>
-              <p:cNvSpPr/>
-              <p:nvPr/>
-            </p:nvSpPr>
-            <p:spPr>
-              <a:xfrm>
-                <a:off x="2154480" y="4287771"/>
-                <a:ext cx="182880" cy="182880"/>
-              </a:xfrm>
-              <a:prstGeom prst="ellipse">
-                <a:avLst/>
-              </a:prstGeom>
-              <a:solidFill>
-                <a:schemeClr val="tx1"/>
-              </a:solidFill>
-              <a:ln>
-                <a:solidFill>
-                  <a:schemeClr val="tx1"/>
-                </a:solidFill>
-              </a:ln>
-            </p:spPr>
-            <p:style>
-              <a:lnRef idx="2">
-                <a:schemeClr val="accent1">
-                  <a:shade val="50000"/>
-                </a:schemeClr>
-              </a:lnRef>
-              <a:fillRef idx="1">
-                <a:schemeClr val="accent1"/>
-              </a:fillRef>
-              <a:effectRef idx="0">
-                <a:schemeClr val="accent1"/>
-              </a:effectRef>
-              <a:fontRef idx="minor">
-                <a:schemeClr val="lt1"/>
-              </a:fontRef>
-            </p:style>
-            <p:txBody>
-              <a:bodyPr rtlCol="0" anchor="ctr"/>
-              <a:lstStyle/>
-              <a:p>
-                <a:pPr algn="ctr"/>
-                <a:endParaRPr lang="en-US"/>
-              </a:p>
-            </p:txBody>
-          </p:sp>
-          <p:sp>
-            <p:nvSpPr>
-              <p:cNvPr id="32" name="橢圓 31"/>
-              <p:cNvSpPr/>
-              <p:nvPr/>
-            </p:nvSpPr>
-            <p:spPr>
-              <a:xfrm>
-                <a:off x="2154480" y="3942129"/>
-                <a:ext cx="182880" cy="182880"/>
-              </a:xfrm>
-              <a:prstGeom prst="ellipse">
-                <a:avLst/>
-              </a:prstGeom>
-              <a:solidFill>
-                <a:schemeClr val="tx1"/>
-              </a:solidFill>
-              <a:ln>
-                <a:solidFill>
-                  <a:schemeClr val="tx1"/>
-                </a:solidFill>
-              </a:ln>
-            </p:spPr>
-            <p:style>
-              <a:lnRef idx="2">
-                <a:schemeClr val="accent1">
-                  <a:shade val="50000"/>
-                </a:schemeClr>
-              </a:lnRef>
-              <a:fillRef idx="1">
-                <a:schemeClr val="accent1"/>
-              </a:fillRef>
-              <a:effectRef idx="0">
-                <a:schemeClr val="accent1"/>
-              </a:effectRef>
-              <a:fontRef idx="minor">
-                <a:schemeClr val="lt1"/>
-              </a:fontRef>
-            </p:style>
-            <p:txBody>
-              <a:bodyPr rtlCol="0" anchor="ctr"/>
-              <a:lstStyle/>
-              <a:p>
-                <a:pPr algn="ctr"/>
-                <a:endParaRPr lang="en-US"/>
-              </a:p>
-            </p:txBody>
-          </p:sp>
-          <p:sp>
-            <p:nvSpPr>
-              <p:cNvPr id="33" name="橢圓 32"/>
-              <p:cNvSpPr/>
-              <p:nvPr/>
-            </p:nvSpPr>
-            <p:spPr>
-              <a:xfrm>
-                <a:off x="2152506" y="4177891"/>
-                <a:ext cx="182880" cy="182880"/>
-              </a:xfrm>
-              <a:prstGeom prst="ellipse">
-                <a:avLst/>
-              </a:prstGeom>
-              <a:solidFill>
-                <a:schemeClr val="tx1"/>
-              </a:solidFill>
-              <a:ln>
-                <a:solidFill>
-                  <a:schemeClr val="tx1"/>
-                </a:solidFill>
-              </a:ln>
-            </p:spPr>
-            <p:style>
-              <a:lnRef idx="2">
-                <a:schemeClr val="accent1">
-                  <a:shade val="50000"/>
-                </a:schemeClr>
-              </a:lnRef>
-              <a:fillRef idx="1">
-                <a:schemeClr val="accent1"/>
-              </a:fillRef>
-              <a:effectRef idx="0">
-                <a:schemeClr val="accent1"/>
-              </a:effectRef>
-              <a:fontRef idx="minor">
-                <a:schemeClr val="lt1"/>
-              </a:fontRef>
-            </p:style>
-            <p:txBody>
-              <a:bodyPr rtlCol="0" anchor="ctr"/>
-              <a:lstStyle/>
-              <a:p>
-                <a:pPr algn="ctr"/>
-                <a:endParaRPr lang="en-US"/>
-              </a:p>
-            </p:txBody>
-          </p:sp>
-        </p:grpSp>
-        <p:sp>
-          <p:nvSpPr>
-            <p:cNvPr id="39" name="手繪多邊形 38"/>
-            <p:cNvSpPr/>
-            <p:nvPr/>
-          </p:nvSpPr>
-          <p:spPr>
-            <a:xfrm>
-              <a:off x="2270234" y="2017986"/>
-              <a:ext cx="4966138" cy="2222938"/>
-            </a:xfrm>
-            <a:custGeom>
-              <a:avLst/>
-              <a:gdLst>
-                <a:gd name="connsiteX0" fmla="*/ 0 w 4966138"/>
-                <a:gd name="connsiteY0" fmla="*/ 2222938 h 2222938"/>
-                <a:gd name="connsiteX1" fmla="*/ 2112580 w 4966138"/>
-                <a:gd name="connsiteY1" fmla="*/ 819807 h 2222938"/>
-                <a:gd name="connsiteX2" fmla="*/ 3767959 w 4966138"/>
-                <a:gd name="connsiteY2" fmla="*/ 220717 h 2222938"/>
-                <a:gd name="connsiteX3" fmla="*/ 4966138 w 4966138"/>
-                <a:gd name="connsiteY3" fmla="*/ 0 h 2222938"/>
-                <a:gd name="connsiteX4" fmla="*/ 4966138 w 4966138"/>
-                <a:gd name="connsiteY4" fmla="*/ 0 h 2222938"/>
-              </a:gdLst>
-              <a:ahLst/>
-              <a:cxnLst>
-                <a:cxn ang="0">
-                  <a:pos x="connsiteX0" y="connsiteY0"/>
-                </a:cxn>
-                <a:cxn ang="0">
-                  <a:pos x="connsiteX1" y="connsiteY1"/>
-                </a:cxn>
-                <a:cxn ang="0">
-                  <a:pos x="connsiteX2" y="connsiteY2"/>
-                </a:cxn>
-                <a:cxn ang="0">
-                  <a:pos x="connsiteX3" y="connsiteY3"/>
-                </a:cxn>
-                <a:cxn ang="0">
-                  <a:pos x="connsiteX4" y="connsiteY4"/>
-                </a:cxn>
-              </a:cxnLst>
-              <a:rect l="l" t="t" r="r" b="b"/>
-              <a:pathLst>
-                <a:path w="4966138" h="2222938">
-                  <a:moveTo>
-                    <a:pt x="0" y="2222938"/>
-                  </a:moveTo>
-                  <a:cubicBezTo>
-                    <a:pt x="742293" y="1688224"/>
-                    <a:pt x="1484587" y="1153510"/>
-                    <a:pt x="2112580" y="819807"/>
-                  </a:cubicBezTo>
-                  <a:cubicBezTo>
-                    <a:pt x="2740573" y="486104"/>
-                    <a:pt x="3292366" y="357351"/>
-                    <a:pt x="3767959" y="220717"/>
-                  </a:cubicBezTo>
-                  <a:cubicBezTo>
-                    <a:pt x="4243552" y="84083"/>
-                    <a:pt x="4966138" y="0"/>
-                    <a:pt x="4966138" y="0"/>
-                  </a:cubicBezTo>
-                  <a:lnTo>
-                    <a:pt x="4966138" y="0"/>
-                  </a:lnTo>
-                </a:path>
-              </a:pathLst>
-            </a:custGeom>
-            <a:ln w="76200">
-              <a:solidFill>
-                <a:srgbClr val="FF0000"/>
-              </a:solidFill>
-            </a:ln>
-          </p:spPr>
-          <p:style>
-            <a:lnRef idx="1">
-              <a:schemeClr val="accent1"/>
-            </a:lnRef>
-            <a:fillRef idx="0">
-              <a:schemeClr val="accent1"/>
-            </a:fillRef>
-            <a:effectRef idx="0">
-              <a:schemeClr val="accent1"/>
-            </a:effectRef>
-            <a:fontRef idx="minor">
-              <a:schemeClr val="tx1"/>
-            </a:fontRef>
-          </p:style>
-          <p:txBody>
-            <a:bodyPr rtlCol="0" anchor="ctr"/>
-            <a:lstStyle/>
-            <a:p>
-              <a:pPr algn="ctr"/>
-              <a:endParaRPr lang="en-US"/>
-            </a:p>
-          </p:txBody>
-        </p:sp>
-      </p:grpSp>
+          </a:ln>
+        </p:spPr>
+        <p:style>
+          <a:lnRef idx="1">
+            <a:schemeClr val="accent1"/>
+          </a:lnRef>
+          <a:fillRef idx="0">
+            <a:schemeClr val="accent1"/>
+          </a:fillRef>
+          <a:effectRef idx="0">
+            <a:schemeClr val="accent1"/>
+          </a:effectRef>
+          <a:fontRef idx="minor">
+            <a:schemeClr val="tx1"/>
+          </a:fontRef>
+        </p:style>
+        <p:txBody>
+          <a:bodyPr rtlCol="0" anchor="ctr"/>
+          <a:lstStyle/>
+          <a:p>
+            <a:pPr algn="ctr"/>
+            <a:endParaRPr lang="en-US"/>
+          </a:p>
+        </p:txBody>
+      </p:sp>
     </p:spTree>
   </p:cSld>
   <p:clrMapOvr>

--- a/Figures/Figures.pptx
+++ b/Figures/Figures.pptx
@@ -1,11 +1,11 @@
 
 <file path=ppt/presentation.xml><?xml version="1.0" encoding="utf-8"?>
-<p:presentation xmlns:a="http://schemas.openxmlformats.org/drawingml/2006/main" xmlns:r="http://schemas.openxmlformats.org/officeDocument/2006/relationships" xmlns:p="http://schemas.openxmlformats.org/presentationml/2006/main" saveSubsetFonts="1">
+<p:presentation xmlns:a="http://schemas.openxmlformats.org/drawingml/2006/main" xmlns:r="http://schemas.openxmlformats.org/officeDocument/2006/relationships" xmlns:p="http://schemas.openxmlformats.org/presentationml/2006/main">
   <p:sldMasterIdLst>
     <p:sldMasterId id="2147483648" r:id="rId1"/>
   </p:sldMasterIdLst>
   <p:notesMasterIdLst>
-    <p:notesMasterId r:id="rId11"/>
+    <p:notesMasterId r:id="rId12"/>
   </p:notesMasterIdLst>
   <p:sldIdLst>
     <p:sldId id="257" r:id="rId2"/>
@@ -16,7 +16,8 @@
     <p:sldId id="263" r:id="rId7"/>
     <p:sldId id="264" r:id="rId8"/>
     <p:sldId id="265" r:id="rId9"/>
-    <p:sldId id="266" r:id="rId10"/>
+    <p:sldId id="270" r:id="rId10"/>
+    <p:sldId id="266" r:id="rId11"/>
   </p:sldIdLst>
   <p:sldSz cx="9144000" cy="6858000" type="screen4x3"/>
   <p:notesSz cx="6858000" cy="9144000"/>
@@ -115,6 +116,22 @@
       </a:defRPr>
     </a:lvl9pPr>
   </p:defaultTextStyle>
+  <p:extLst>
+    <p:ext uri="{EFAFB233-063F-42B5-8137-9DF3F51BA10A}">
+      <p15:sldGuideLst xmlns:p15="http://schemas.microsoft.com/office/powerpoint/2012/main">
+        <p15:guide id="1" orient="horz" pos="3446">
+          <p15:clr>
+            <a:srgbClr val="A4A3A4"/>
+          </p15:clr>
+        </p15:guide>
+        <p15:guide id="2" pos="2880">
+          <p15:clr>
+            <a:srgbClr val="A4A3A4"/>
+          </p15:clr>
+        </p15:guide>
+      </p15:sldGuideLst>
+    </p:ext>
+  </p:extLst>
 </p:presentation>
 </file>
 
@@ -200,8 +217,7 @@
           <a:p>
             <a:fld id="{5F2257D9-6B55-4453-8134-D35586BBA3EE}" type="datetimeFigureOut">
               <a:rPr lang="en-US" smtClean="0"/>
-              <a:pPr/>
-              <a:t>5/18/2022</a:t>
+              <a:t>5/19/2022</a:t>
             </a:fld>
             <a:endParaRPr lang="en-US"/>
           </a:p>
@@ -267,35 +283,35 @@
           <a:p>
             <a:pPr lvl="0"/>
             <a:r>
-              <a:rPr lang="zh-TW" altLang="en-US" smtClean="0"/>
+              <a:rPr lang="zh-TW" altLang="en-US"/>
               <a:t>按一下以編輯母片文字樣式</a:t>
             </a:r>
           </a:p>
           <a:p>
             <a:pPr lvl="1"/>
             <a:r>
-              <a:rPr lang="zh-TW" altLang="en-US" smtClean="0"/>
+              <a:rPr lang="zh-TW" altLang="en-US"/>
               <a:t>第二層</a:t>
             </a:r>
           </a:p>
           <a:p>
             <a:pPr lvl="2"/>
             <a:r>
-              <a:rPr lang="zh-TW" altLang="en-US" smtClean="0"/>
+              <a:rPr lang="zh-TW" altLang="en-US"/>
               <a:t>第三層</a:t>
             </a:r>
           </a:p>
           <a:p>
             <a:pPr lvl="3"/>
             <a:r>
-              <a:rPr lang="zh-TW" altLang="en-US" smtClean="0"/>
+              <a:rPr lang="zh-TW" altLang="en-US"/>
               <a:t>第四層</a:t>
             </a:r>
           </a:p>
           <a:p>
             <a:pPr lvl="4"/>
             <a:r>
-              <a:rPr lang="zh-TW" altLang="en-US" smtClean="0"/>
+              <a:rPr lang="zh-TW" altLang="en-US"/>
               <a:t>第五層</a:t>
             </a:r>
             <a:endParaRPr lang="en-US"/>
@@ -362,7 +378,6 @@
           <a:p>
             <a:fld id="{14863EE0-BBE8-4256-8736-C1955E217D05}" type="slidenum">
               <a:rPr lang="en-US" smtClean="0"/>
-              <a:pPr/>
               <a:t>‹#›</a:t>
             </a:fld>
             <a:endParaRPr lang="en-US"/>
@@ -534,7 +549,6 @@
           <a:p>
             <a:fld id="{14863EE0-BBE8-4256-8736-C1955E217D05}" type="slidenum">
               <a:rPr lang="en-US" smtClean="0"/>
-              <a:pPr/>
               <a:t>6</a:t>
             </a:fld>
             <a:endParaRPr lang="en-US"/>
@@ -587,7 +601,7 @@
           <a:lstStyle/>
           <a:p>
             <a:r>
-              <a:rPr lang="zh-TW" altLang="en-US" smtClean="0"/>
+              <a:rPr lang="zh-TW" altLang="en-US"/>
               <a:t>按一下以編輯母片標題樣式</a:t>
             </a:r>
             <a:endParaRPr lang="en-US"/>
@@ -706,7 +720,7 @@
           </a:lstStyle>
           <a:p>
             <a:r>
-              <a:rPr lang="zh-TW" altLang="en-US" smtClean="0"/>
+              <a:rPr lang="zh-TW" altLang="en-US"/>
               <a:t>按一下以編輯母片副標題樣式</a:t>
             </a:r>
             <a:endParaRPr lang="en-US"/>
@@ -730,8 +744,7 @@
           <a:p>
             <a:fld id="{976B346D-5E12-4602-A54E-278DE1B9B655}" type="datetimeFigureOut">
               <a:rPr lang="en-US" smtClean="0"/>
-              <a:pPr/>
-              <a:t>5/18/2022</a:t>
+              <a:t>5/19/2022</a:t>
             </a:fld>
             <a:endParaRPr lang="en-US"/>
           </a:p>
@@ -773,7 +786,6 @@
           <a:p>
             <a:fld id="{19F3CA56-D620-40EE-8C8F-902CDAD7ED69}" type="slidenum">
               <a:rPr lang="en-US" smtClean="0"/>
-              <a:pPr/>
               <a:t>‹#›</a:t>
             </a:fld>
             <a:endParaRPr lang="en-US"/>
@@ -821,7 +833,7 @@
           <a:lstStyle/>
           <a:p>
             <a:r>
-              <a:rPr lang="zh-TW" altLang="en-US" smtClean="0"/>
+              <a:rPr lang="zh-TW" altLang="en-US"/>
               <a:t>按一下以編輯母片標題樣式</a:t>
             </a:r>
             <a:endParaRPr lang="en-US"/>
@@ -845,35 +857,35 @@
           <a:p>
             <a:pPr lvl="0"/>
             <a:r>
-              <a:rPr lang="zh-TW" altLang="en-US" smtClean="0"/>
+              <a:rPr lang="zh-TW" altLang="en-US"/>
               <a:t>按一下以編輯母片文字樣式</a:t>
             </a:r>
           </a:p>
           <a:p>
             <a:pPr lvl="1"/>
             <a:r>
-              <a:rPr lang="zh-TW" altLang="en-US" smtClean="0"/>
+              <a:rPr lang="zh-TW" altLang="en-US"/>
               <a:t>第二層</a:t>
             </a:r>
           </a:p>
           <a:p>
             <a:pPr lvl="2"/>
             <a:r>
-              <a:rPr lang="zh-TW" altLang="en-US" smtClean="0"/>
+              <a:rPr lang="zh-TW" altLang="en-US"/>
               <a:t>第三層</a:t>
             </a:r>
           </a:p>
           <a:p>
             <a:pPr lvl="3"/>
             <a:r>
-              <a:rPr lang="zh-TW" altLang="en-US" smtClean="0"/>
+              <a:rPr lang="zh-TW" altLang="en-US"/>
               <a:t>第四層</a:t>
             </a:r>
           </a:p>
           <a:p>
             <a:pPr lvl="4"/>
             <a:r>
-              <a:rPr lang="zh-TW" altLang="en-US" smtClean="0"/>
+              <a:rPr lang="zh-TW" altLang="en-US"/>
               <a:t>第五層</a:t>
             </a:r>
             <a:endParaRPr lang="en-US"/>
@@ -897,8 +909,7 @@
           <a:p>
             <a:fld id="{976B346D-5E12-4602-A54E-278DE1B9B655}" type="datetimeFigureOut">
               <a:rPr lang="en-US" smtClean="0"/>
-              <a:pPr/>
-              <a:t>5/18/2022</a:t>
+              <a:t>5/19/2022</a:t>
             </a:fld>
             <a:endParaRPr lang="en-US"/>
           </a:p>
@@ -940,7 +951,6 @@
           <a:p>
             <a:fld id="{19F3CA56-D620-40EE-8C8F-902CDAD7ED69}" type="slidenum">
               <a:rPr lang="en-US" smtClean="0"/>
-              <a:pPr/>
               <a:t>‹#›</a:t>
             </a:fld>
             <a:endParaRPr lang="en-US"/>
@@ -993,7 +1003,7 @@
           <a:lstStyle/>
           <a:p>
             <a:r>
-              <a:rPr lang="zh-TW" altLang="en-US" smtClean="0"/>
+              <a:rPr lang="zh-TW" altLang="en-US"/>
               <a:t>按一下以編輯母片標題樣式</a:t>
             </a:r>
             <a:endParaRPr lang="en-US"/>
@@ -1022,35 +1032,35 @@
           <a:p>
             <a:pPr lvl="0"/>
             <a:r>
-              <a:rPr lang="zh-TW" altLang="en-US" smtClean="0"/>
+              <a:rPr lang="zh-TW" altLang="en-US"/>
               <a:t>按一下以編輯母片文字樣式</a:t>
             </a:r>
           </a:p>
           <a:p>
             <a:pPr lvl="1"/>
             <a:r>
-              <a:rPr lang="zh-TW" altLang="en-US" smtClean="0"/>
+              <a:rPr lang="zh-TW" altLang="en-US"/>
               <a:t>第二層</a:t>
             </a:r>
           </a:p>
           <a:p>
             <a:pPr lvl="2"/>
             <a:r>
-              <a:rPr lang="zh-TW" altLang="en-US" smtClean="0"/>
+              <a:rPr lang="zh-TW" altLang="en-US"/>
               <a:t>第三層</a:t>
             </a:r>
           </a:p>
           <a:p>
             <a:pPr lvl="3"/>
             <a:r>
-              <a:rPr lang="zh-TW" altLang="en-US" smtClean="0"/>
+              <a:rPr lang="zh-TW" altLang="en-US"/>
               <a:t>第四層</a:t>
             </a:r>
           </a:p>
           <a:p>
             <a:pPr lvl="4"/>
             <a:r>
-              <a:rPr lang="zh-TW" altLang="en-US" smtClean="0"/>
+              <a:rPr lang="zh-TW" altLang="en-US"/>
               <a:t>第五層</a:t>
             </a:r>
             <a:endParaRPr lang="en-US"/>
@@ -1074,8 +1084,7 @@
           <a:p>
             <a:fld id="{976B346D-5E12-4602-A54E-278DE1B9B655}" type="datetimeFigureOut">
               <a:rPr lang="en-US" smtClean="0"/>
-              <a:pPr/>
-              <a:t>5/18/2022</a:t>
+              <a:t>5/19/2022</a:t>
             </a:fld>
             <a:endParaRPr lang="en-US"/>
           </a:p>
@@ -1117,7 +1126,6 @@
           <a:p>
             <a:fld id="{19F3CA56-D620-40EE-8C8F-902CDAD7ED69}" type="slidenum">
               <a:rPr lang="en-US" smtClean="0"/>
-              <a:pPr/>
               <a:t>‹#›</a:t>
             </a:fld>
             <a:endParaRPr lang="en-US"/>
@@ -1165,7 +1173,7 @@
           <a:lstStyle/>
           <a:p>
             <a:r>
-              <a:rPr lang="zh-TW" altLang="en-US" smtClean="0"/>
+              <a:rPr lang="zh-TW" altLang="en-US"/>
               <a:t>按一下以編輯母片標題樣式</a:t>
             </a:r>
             <a:endParaRPr lang="en-US"/>
@@ -1189,35 +1197,35 @@
           <a:p>
             <a:pPr lvl="0"/>
             <a:r>
-              <a:rPr lang="zh-TW" altLang="en-US" smtClean="0"/>
+              <a:rPr lang="zh-TW" altLang="en-US"/>
               <a:t>按一下以編輯母片文字樣式</a:t>
             </a:r>
           </a:p>
           <a:p>
             <a:pPr lvl="1"/>
             <a:r>
-              <a:rPr lang="zh-TW" altLang="en-US" smtClean="0"/>
+              <a:rPr lang="zh-TW" altLang="en-US"/>
               <a:t>第二層</a:t>
             </a:r>
           </a:p>
           <a:p>
             <a:pPr lvl="2"/>
             <a:r>
-              <a:rPr lang="zh-TW" altLang="en-US" smtClean="0"/>
+              <a:rPr lang="zh-TW" altLang="en-US"/>
               <a:t>第三層</a:t>
             </a:r>
           </a:p>
           <a:p>
             <a:pPr lvl="3"/>
             <a:r>
-              <a:rPr lang="zh-TW" altLang="en-US" smtClean="0"/>
+              <a:rPr lang="zh-TW" altLang="en-US"/>
               <a:t>第四層</a:t>
             </a:r>
           </a:p>
           <a:p>
             <a:pPr lvl="4"/>
             <a:r>
-              <a:rPr lang="zh-TW" altLang="en-US" smtClean="0"/>
+              <a:rPr lang="zh-TW" altLang="en-US"/>
               <a:t>第五層</a:t>
             </a:r>
             <a:endParaRPr lang="en-US"/>
@@ -1241,8 +1249,7 @@
           <a:p>
             <a:fld id="{976B346D-5E12-4602-A54E-278DE1B9B655}" type="datetimeFigureOut">
               <a:rPr lang="en-US" smtClean="0"/>
-              <a:pPr/>
-              <a:t>5/18/2022</a:t>
+              <a:t>5/19/2022</a:t>
             </a:fld>
             <a:endParaRPr lang="en-US"/>
           </a:p>
@@ -1284,7 +1291,6 @@
           <a:p>
             <a:fld id="{19F3CA56-D620-40EE-8C8F-902CDAD7ED69}" type="slidenum">
               <a:rPr lang="en-US" smtClean="0"/>
-              <a:pPr/>
               <a:t>‹#›</a:t>
             </a:fld>
             <a:endParaRPr lang="en-US"/>
@@ -1341,7 +1347,7 @@
           </a:lstStyle>
           <a:p>
             <a:r>
-              <a:rPr lang="zh-TW" altLang="en-US" smtClean="0"/>
+              <a:rPr lang="zh-TW" altLang="en-US"/>
               <a:t>按一下以編輯母片標題樣式</a:t>
             </a:r>
             <a:endParaRPr lang="en-US"/>
@@ -1461,7 +1467,7 @@
           <a:p>
             <a:pPr lvl="0"/>
             <a:r>
-              <a:rPr lang="zh-TW" altLang="en-US" smtClean="0"/>
+              <a:rPr lang="zh-TW" altLang="en-US"/>
               <a:t>按一下以編輯母片文字樣式</a:t>
             </a:r>
           </a:p>
@@ -1484,8 +1490,7 @@
           <a:p>
             <a:fld id="{976B346D-5E12-4602-A54E-278DE1B9B655}" type="datetimeFigureOut">
               <a:rPr lang="en-US" smtClean="0"/>
-              <a:pPr/>
-              <a:t>5/18/2022</a:t>
+              <a:t>5/19/2022</a:t>
             </a:fld>
             <a:endParaRPr lang="en-US"/>
           </a:p>
@@ -1527,7 +1532,6 @@
           <a:p>
             <a:fld id="{19F3CA56-D620-40EE-8C8F-902CDAD7ED69}" type="slidenum">
               <a:rPr lang="en-US" smtClean="0"/>
-              <a:pPr/>
               <a:t>‹#›</a:t>
             </a:fld>
             <a:endParaRPr lang="en-US"/>
@@ -1575,7 +1579,7 @@
           <a:lstStyle/>
           <a:p>
             <a:r>
-              <a:rPr lang="zh-TW" altLang="en-US" smtClean="0"/>
+              <a:rPr lang="zh-TW" altLang="en-US"/>
               <a:t>按一下以編輯母片標題樣式</a:t>
             </a:r>
             <a:endParaRPr lang="en-US"/>
@@ -1632,35 +1636,35 @@
           <a:p>
             <a:pPr lvl="0"/>
             <a:r>
-              <a:rPr lang="zh-TW" altLang="en-US" smtClean="0"/>
+              <a:rPr lang="zh-TW" altLang="en-US"/>
               <a:t>按一下以編輯母片文字樣式</a:t>
             </a:r>
           </a:p>
           <a:p>
             <a:pPr lvl="1"/>
             <a:r>
-              <a:rPr lang="zh-TW" altLang="en-US" smtClean="0"/>
+              <a:rPr lang="zh-TW" altLang="en-US"/>
               <a:t>第二層</a:t>
             </a:r>
           </a:p>
           <a:p>
             <a:pPr lvl="2"/>
             <a:r>
-              <a:rPr lang="zh-TW" altLang="en-US" smtClean="0"/>
+              <a:rPr lang="zh-TW" altLang="en-US"/>
               <a:t>第三層</a:t>
             </a:r>
           </a:p>
           <a:p>
             <a:pPr lvl="3"/>
             <a:r>
-              <a:rPr lang="zh-TW" altLang="en-US" smtClean="0"/>
+              <a:rPr lang="zh-TW" altLang="en-US"/>
               <a:t>第四層</a:t>
             </a:r>
           </a:p>
           <a:p>
             <a:pPr lvl="4"/>
             <a:r>
-              <a:rPr lang="zh-TW" altLang="en-US" smtClean="0"/>
+              <a:rPr lang="zh-TW" altLang="en-US"/>
               <a:t>第五層</a:t>
             </a:r>
             <a:endParaRPr lang="en-US"/>
@@ -1717,35 +1721,35 @@
           <a:p>
             <a:pPr lvl="0"/>
             <a:r>
-              <a:rPr lang="zh-TW" altLang="en-US" smtClean="0"/>
+              <a:rPr lang="zh-TW" altLang="en-US"/>
               <a:t>按一下以編輯母片文字樣式</a:t>
             </a:r>
           </a:p>
           <a:p>
             <a:pPr lvl="1"/>
             <a:r>
-              <a:rPr lang="zh-TW" altLang="en-US" smtClean="0"/>
+              <a:rPr lang="zh-TW" altLang="en-US"/>
               <a:t>第二層</a:t>
             </a:r>
           </a:p>
           <a:p>
             <a:pPr lvl="2"/>
             <a:r>
-              <a:rPr lang="zh-TW" altLang="en-US" smtClean="0"/>
+              <a:rPr lang="zh-TW" altLang="en-US"/>
               <a:t>第三層</a:t>
             </a:r>
           </a:p>
           <a:p>
             <a:pPr lvl="3"/>
             <a:r>
-              <a:rPr lang="zh-TW" altLang="en-US" smtClean="0"/>
+              <a:rPr lang="zh-TW" altLang="en-US"/>
               <a:t>第四層</a:t>
             </a:r>
           </a:p>
           <a:p>
             <a:pPr lvl="4"/>
             <a:r>
-              <a:rPr lang="zh-TW" altLang="en-US" smtClean="0"/>
+              <a:rPr lang="zh-TW" altLang="en-US"/>
               <a:t>第五層</a:t>
             </a:r>
             <a:endParaRPr lang="en-US"/>
@@ -1769,8 +1773,7 @@
           <a:p>
             <a:fld id="{976B346D-5E12-4602-A54E-278DE1B9B655}" type="datetimeFigureOut">
               <a:rPr lang="en-US" smtClean="0"/>
-              <a:pPr/>
-              <a:t>5/18/2022</a:t>
+              <a:t>5/19/2022</a:t>
             </a:fld>
             <a:endParaRPr lang="en-US"/>
           </a:p>
@@ -1812,7 +1815,6 @@
           <a:p>
             <a:fld id="{19F3CA56-D620-40EE-8C8F-902CDAD7ED69}" type="slidenum">
               <a:rPr lang="en-US" smtClean="0"/>
-              <a:pPr/>
               <a:t>‹#›</a:t>
             </a:fld>
             <a:endParaRPr lang="en-US"/>
@@ -1864,7 +1866,7 @@
           </a:lstStyle>
           <a:p>
             <a:r>
-              <a:rPr lang="zh-TW" altLang="en-US" smtClean="0"/>
+              <a:rPr lang="zh-TW" altLang="en-US"/>
               <a:t>按一下以編輯母片標題樣式</a:t>
             </a:r>
             <a:endParaRPr lang="en-US"/>
@@ -1930,7 +1932,7 @@
           <a:p>
             <a:pPr lvl="0"/>
             <a:r>
-              <a:rPr lang="zh-TW" altLang="en-US" smtClean="0"/>
+              <a:rPr lang="zh-TW" altLang="en-US"/>
               <a:t>按一下以編輯母片文字樣式</a:t>
             </a:r>
           </a:p>
@@ -1986,35 +1988,35 @@
           <a:p>
             <a:pPr lvl="0"/>
             <a:r>
-              <a:rPr lang="zh-TW" altLang="en-US" smtClean="0"/>
+              <a:rPr lang="zh-TW" altLang="en-US"/>
               <a:t>按一下以編輯母片文字樣式</a:t>
             </a:r>
           </a:p>
           <a:p>
             <a:pPr lvl="1"/>
             <a:r>
-              <a:rPr lang="zh-TW" altLang="en-US" smtClean="0"/>
+              <a:rPr lang="zh-TW" altLang="en-US"/>
               <a:t>第二層</a:t>
             </a:r>
           </a:p>
           <a:p>
             <a:pPr lvl="2"/>
             <a:r>
-              <a:rPr lang="zh-TW" altLang="en-US" smtClean="0"/>
+              <a:rPr lang="zh-TW" altLang="en-US"/>
               <a:t>第三層</a:t>
             </a:r>
           </a:p>
           <a:p>
             <a:pPr lvl="3"/>
             <a:r>
-              <a:rPr lang="zh-TW" altLang="en-US" smtClean="0"/>
+              <a:rPr lang="zh-TW" altLang="en-US"/>
               <a:t>第四層</a:t>
             </a:r>
           </a:p>
           <a:p>
             <a:pPr lvl="4"/>
             <a:r>
-              <a:rPr lang="zh-TW" altLang="en-US" smtClean="0"/>
+              <a:rPr lang="zh-TW" altLang="en-US"/>
               <a:t>第五層</a:t>
             </a:r>
             <a:endParaRPr lang="en-US"/>
@@ -2080,7 +2082,7 @@
           <a:p>
             <a:pPr lvl="0"/>
             <a:r>
-              <a:rPr lang="zh-TW" altLang="en-US" smtClean="0"/>
+              <a:rPr lang="zh-TW" altLang="en-US"/>
               <a:t>按一下以編輯母片文字樣式</a:t>
             </a:r>
           </a:p>
@@ -2136,35 +2138,35 @@
           <a:p>
             <a:pPr lvl="0"/>
             <a:r>
-              <a:rPr lang="zh-TW" altLang="en-US" smtClean="0"/>
+              <a:rPr lang="zh-TW" altLang="en-US"/>
               <a:t>按一下以編輯母片文字樣式</a:t>
             </a:r>
           </a:p>
           <a:p>
             <a:pPr lvl="1"/>
             <a:r>
-              <a:rPr lang="zh-TW" altLang="en-US" smtClean="0"/>
+              <a:rPr lang="zh-TW" altLang="en-US"/>
               <a:t>第二層</a:t>
             </a:r>
           </a:p>
           <a:p>
             <a:pPr lvl="2"/>
             <a:r>
-              <a:rPr lang="zh-TW" altLang="en-US" smtClean="0"/>
+              <a:rPr lang="zh-TW" altLang="en-US"/>
               <a:t>第三層</a:t>
             </a:r>
           </a:p>
           <a:p>
             <a:pPr lvl="3"/>
             <a:r>
-              <a:rPr lang="zh-TW" altLang="en-US" smtClean="0"/>
+              <a:rPr lang="zh-TW" altLang="en-US"/>
               <a:t>第四層</a:t>
             </a:r>
           </a:p>
           <a:p>
             <a:pPr lvl="4"/>
             <a:r>
-              <a:rPr lang="zh-TW" altLang="en-US" smtClean="0"/>
+              <a:rPr lang="zh-TW" altLang="en-US"/>
               <a:t>第五層</a:t>
             </a:r>
             <a:endParaRPr lang="en-US"/>
@@ -2188,8 +2190,7 @@
           <a:p>
             <a:fld id="{976B346D-5E12-4602-A54E-278DE1B9B655}" type="datetimeFigureOut">
               <a:rPr lang="en-US" smtClean="0"/>
-              <a:pPr/>
-              <a:t>5/18/2022</a:t>
+              <a:t>5/19/2022</a:t>
             </a:fld>
             <a:endParaRPr lang="en-US"/>
           </a:p>
@@ -2231,7 +2232,6 @@
           <a:p>
             <a:fld id="{19F3CA56-D620-40EE-8C8F-902CDAD7ED69}" type="slidenum">
               <a:rPr lang="en-US" smtClean="0"/>
-              <a:pPr/>
               <a:t>‹#›</a:t>
             </a:fld>
             <a:endParaRPr lang="en-US"/>
@@ -2279,7 +2279,7 @@
           <a:lstStyle/>
           <a:p>
             <a:r>
-              <a:rPr lang="zh-TW" altLang="en-US" smtClean="0"/>
+              <a:rPr lang="zh-TW" altLang="en-US"/>
               <a:t>按一下以編輯母片標題樣式</a:t>
             </a:r>
             <a:endParaRPr lang="en-US"/>
@@ -2303,8 +2303,7 @@
           <a:p>
             <a:fld id="{976B346D-5E12-4602-A54E-278DE1B9B655}" type="datetimeFigureOut">
               <a:rPr lang="en-US" smtClean="0"/>
-              <a:pPr/>
-              <a:t>5/18/2022</a:t>
+              <a:t>5/19/2022</a:t>
             </a:fld>
             <a:endParaRPr lang="en-US"/>
           </a:p>
@@ -2346,7 +2345,6 @@
           <a:p>
             <a:fld id="{19F3CA56-D620-40EE-8C8F-902CDAD7ED69}" type="slidenum">
               <a:rPr lang="en-US" smtClean="0"/>
-              <a:pPr/>
               <a:t>‹#›</a:t>
             </a:fld>
             <a:endParaRPr lang="en-US"/>
@@ -2395,8 +2393,7 @@
           <a:p>
             <a:fld id="{976B346D-5E12-4602-A54E-278DE1B9B655}" type="datetimeFigureOut">
               <a:rPr lang="en-US" smtClean="0"/>
-              <a:pPr/>
-              <a:t>5/18/2022</a:t>
+              <a:t>5/19/2022</a:t>
             </a:fld>
             <a:endParaRPr lang="en-US"/>
           </a:p>
@@ -2438,7 +2435,6 @@
           <a:p>
             <a:fld id="{19F3CA56-D620-40EE-8C8F-902CDAD7ED69}" type="slidenum">
               <a:rPr lang="en-US" smtClean="0"/>
-              <a:pPr/>
               <a:t>‹#›</a:t>
             </a:fld>
             <a:endParaRPr lang="en-US"/>
@@ -2495,7 +2491,7 @@
           </a:lstStyle>
           <a:p>
             <a:r>
-              <a:rPr lang="zh-TW" altLang="en-US" smtClean="0"/>
+              <a:rPr lang="zh-TW" altLang="en-US"/>
               <a:t>按一下以編輯母片標題樣式</a:t>
             </a:r>
             <a:endParaRPr lang="en-US"/>
@@ -2552,35 +2548,35 @@
           <a:p>
             <a:pPr lvl="0"/>
             <a:r>
-              <a:rPr lang="zh-TW" altLang="en-US" smtClean="0"/>
+              <a:rPr lang="zh-TW" altLang="en-US"/>
               <a:t>按一下以編輯母片文字樣式</a:t>
             </a:r>
           </a:p>
           <a:p>
             <a:pPr lvl="1"/>
             <a:r>
-              <a:rPr lang="zh-TW" altLang="en-US" smtClean="0"/>
+              <a:rPr lang="zh-TW" altLang="en-US"/>
               <a:t>第二層</a:t>
             </a:r>
           </a:p>
           <a:p>
             <a:pPr lvl="2"/>
             <a:r>
-              <a:rPr lang="zh-TW" altLang="en-US" smtClean="0"/>
+              <a:rPr lang="zh-TW" altLang="en-US"/>
               <a:t>第三層</a:t>
             </a:r>
           </a:p>
           <a:p>
             <a:pPr lvl="3"/>
             <a:r>
-              <a:rPr lang="zh-TW" altLang="en-US" smtClean="0"/>
+              <a:rPr lang="zh-TW" altLang="en-US"/>
               <a:t>第四層</a:t>
             </a:r>
           </a:p>
           <a:p>
             <a:pPr lvl="4"/>
             <a:r>
-              <a:rPr lang="zh-TW" altLang="en-US" smtClean="0"/>
+              <a:rPr lang="zh-TW" altLang="en-US"/>
               <a:t>第五層</a:t>
             </a:r>
             <a:endParaRPr lang="en-US"/>
@@ -2646,7 +2642,7 @@
           <a:p>
             <a:pPr lvl="0"/>
             <a:r>
-              <a:rPr lang="zh-TW" altLang="en-US" smtClean="0"/>
+              <a:rPr lang="zh-TW" altLang="en-US"/>
               <a:t>按一下以編輯母片文字樣式</a:t>
             </a:r>
           </a:p>
@@ -2669,8 +2665,7 @@
           <a:p>
             <a:fld id="{976B346D-5E12-4602-A54E-278DE1B9B655}" type="datetimeFigureOut">
               <a:rPr lang="en-US" smtClean="0"/>
-              <a:pPr/>
-              <a:t>5/18/2022</a:t>
+              <a:t>5/19/2022</a:t>
             </a:fld>
             <a:endParaRPr lang="en-US"/>
           </a:p>
@@ -2712,7 +2707,6 @@
           <a:p>
             <a:fld id="{19F3CA56-D620-40EE-8C8F-902CDAD7ED69}" type="slidenum">
               <a:rPr lang="en-US" smtClean="0"/>
-              <a:pPr/>
               <a:t>‹#›</a:t>
             </a:fld>
             <a:endParaRPr lang="en-US"/>
@@ -2769,7 +2763,7 @@
           </a:lstStyle>
           <a:p>
             <a:r>
-              <a:rPr lang="zh-TW" altLang="en-US" smtClean="0"/>
+              <a:rPr lang="zh-TW" altLang="en-US"/>
               <a:t>按一下以編輯母片標題樣式</a:t>
             </a:r>
             <a:endParaRPr lang="en-US"/>
@@ -2896,7 +2890,7 @@
           <a:p>
             <a:pPr lvl="0"/>
             <a:r>
-              <a:rPr lang="zh-TW" altLang="en-US" smtClean="0"/>
+              <a:rPr lang="zh-TW" altLang="en-US"/>
               <a:t>按一下以編輯母片文字樣式</a:t>
             </a:r>
           </a:p>
@@ -2919,8 +2913,7 @@
           <a:p>
             <a:fld id="{976B346D-5E12-4602-A54E-278DE1B9B655}" type="datetimeFigureOut">
               <a:rPr lang="en-US" smtClean="0"/>
-              <a:pPr/>
-              <a:t>5/18/2022</a:t>
+              <a:t>5/19/2022</a:t>
             </a:fld>
             <a:endParaRPr lang="en-US"/>
           </a:p>
@@ -2962,7 +2955,6 @@
           <a:p>
             <a:fld id="{19F3CA56-D620-40EE-8C8F-902CDAD7ED69}" type="slidenum">
               <a:rPr lang="en-US" smtClean="0"/>
-              <a:pPr/>
               <a:t>‹#›</a:t>
             </a:fld>
             <a:endParaRPr lang="en-US"/>
@@ -3025,7 +3017,7 @@
           <a:lstStyle/>
           <a:p>
             <a:r>
-              <a:rPr lang="zh-TW" altLang="en-US" smtClean="0"/>
+              <a:rPr lang="zh-TW" altLang="en-US"/>
               <a:t>按一下以編輯母片標題樣式</a:t>
             </a:r>
             <a:endParaRPr lang="en-US"/>
@@ -3059,35 +3051,35 @@
           <a:p>
             <a:pPr lvl="0"/>
             <a:r>
-              <a:rPr lang="zh-TW" altLang="en-US" smtClean="0"/>
+              <a:rPr lang="zh-TW" altLang="en-US"/>
               <a:t>按一下以編輯母片文字樣式</a:t>
             </a:r>
           </a:p>
           <a:p>
             <a:pPr lvl="1"/>
             <a:r>
-              <a:rPr lang="zh-TW" altLang="en-US" smtClean="0"/>
+              <a:rPr lang="zh-TW" altLang="en-US"/>
               <a:t>第二層</a:t>
             </a:r>
           </a:p>
           <a:p>
             <a:pPr lvl="2"/>
             <a:r>
-              <a:rPr lang="zh-TW" altLang="en-US" smtClean="0"/>
+              <a:rPr lang="zh-TW" altLang="en-US"/>
               <a:t>第三層</a:t>
             </a:r>
           </a:p>
           <a:p>
             <a:pPr lvl="3"/>
             <a:r>
-              <a:rPr lang="zh-TW" altLang="en-US" smtClean="0"/>
+              <a:rPr lang="zh-TW" altLang="en-US"/>
               <a:t>第四層</a:t>
             </a:r>
           </a:p>
           <a:p>
             <a:pPr lvl="4"/>
             <a:r>
-              <a:rPr lang="zh-TW" altLang="en-US" smtClean="0"/>
+              <a:rPr lang="zh-TW" altLang="en-US"/>
               <a:t>第五層</a:t>
             </a:r>
             <a:endParaRPr lang="en-US"/>
@@ -3129,8 +3121,7 @@
           <a:p>
             <a:fld id="{976B346D-5E12-4602-A54E-278DE1B9B655}" type="datetimeFigureOut">
               <a:rPr lang="en-US" smtClean="0"/>
-              <a:pPr/>
-              <a:t>5/18/2022</a:t>
+              <a:t>5/19/2022</a:t>
             </a:fld>
             <a:endParaRPr lang="en-US"/>
           </a:p>
@@ -3208,7 +3199,6 @@
           <a:p>
             <a:fld id="{19F3CA56-D620-40EE-8C8F-902CDAD7ED69}" type="slidenum">
               <a:rPr lang="en-US" smtClean="0"/>
-              <a:pPr/>
               <a:t>‹#›</a:t>
             </a:fld>
             <a:endParaRPr lang="en-US"/>
@@ -3253,7 +3243,7 @@
         <a:spcBef>
           <a:spcPct val="20000"/>
         </a:spcBef>
-        <a:buFont typeface="Arial" pitchFamily="34" charset="0"/>
+        <a:buFont typeface="Arial" panose="020B0604020202020204" pitchFamily="34" charset="0"/>
         <a:buChar char="•"/>
         <a:defRPr sz="3200" kern="1200">
           <a:solidFill>
@@ -3268,7 +3258,7 @@
         <a:spcBef>
           <a:spcPct val="20000"/>
         </a:spcBef>
-        <a:buFont typeface="Arial" pitchFamily="34" charset="0"/>
+        <a:buFont typeface="Arial" panose="020B0604020202020204" pitchFamily="34" charset="0"/>
         <a:buChar char="–"/>
         <a:defRPr sz="2800" kern="1200">
           <a:solidFill>
@@ -3283,7 +3273,7 @@
         <a:spcBef>
           <a:spcPct val="20000"/>
         </a:spcBef>
-        <a:buFont typeface="Arial" pitchFamily="34" charset="0"/>
+        <a:buFont typeface="Arial" panose="020B0604020202020204" pitchFamily="34" charset="0"/>
         <a:buChar char="•"/>
         <a:defRPr sz="2400" kern="1200">
           <a:solidFill>
@@ -3298,7 +3288,7 @@
         <a:spcBef>
           <a:spcPct val="20000"/>
         </a:spcBef>
-        <a:buFont typeface="Arial" pitchFamily="34" charset="0"/>
+        <a:buFont typeface="Arial" panose="020B0604020202020204" pitchFamily="34" charset="0"/>
         <a:buChar char="–"/>
         <a:defRPr sz="2000" kern="1200">
           <a:solidFill>
@@ -3313,7 +3303,7 @@
         <a:spcBef>
           <a:spcPct val="20000"/>
         </a:spcBef>
-        <a:buFont typeface="Arial" pitchFamily="34" charset="0"/>
+        <a:buFont typeface="Arial" panose="020B0604020202020204" pitchFamily="34" charset="0"/>
         <a:buChar char="»"/>
         <a:defRPr sz="2000" kern="1200">
           <a:solidFill>
@@ -3328,7 +3318,7 @@
         <a:spcBef>
           <a:spcPct val="20000"/>
         </a:spcBef>
-        <a:buFont typeface="Arial" pitchFamily="34" charset="0"/>
+        <a:buFont typeface="Arial" panose="020B0604020202020204" pitchFamily="34" charset="0"/>
         <a:buChar char="•"/>
         <a:defRPr sz="2000" kern="1200">
           <a:solidFill>
@@ -3343,7 +3333,7 @@
         <a:spcBef>
           <a:spcPct val="20000"/>
         </a:spcBef>
-        <a:buFont typeface="Arial" pitchFamily="34" charset="0"/>
+        <a:buFont typeface="Arial" panose="020B0604020202020204" pitchFamily="34" charset="0"/>
         <a:buChar char="•"/>
         <a:defRPr sz="2000" kern="1200">
           <a:solidFill>
@@ -3358,7 +3348,7 @@
         <a:spcBef>
           <a:spcPct val="20000"/>
         </a:spcBef>
-        <a:buFont typeface="Arial" pitchFamily="34" charset="0"/>
+        <a:buFont typeface="Arial" panose="020B0604020202020204" pitchFamily="34" charset="0"/>
         <a:buChar char="•"/>
         <a:defRPr sz="2000" kern="1200">
           <a:solidFill>
@@ -3373,7 +3363,7 @@
         <a:spcBef>
           <a:spcPct val="20000"/>
         </a:spcBef>
-        <a:buFont typeface="Arial" pitchFamily="34" charset="0"/>
+        <a:buFont typeface="Arial" panose="020B0604020202020204" pitchFamily="34" charset="0"/>
         <a:buChar char="•"/>
         <a:defRPr sz="2000" kern="1200">
           <a:solidFill>
@@ -3560,16 +3550,12 @@
           <a:lstStyle/>
           <a:p>
             <a:r>
-              <a:rPr lang="en-US" sz="3200" b="1" i="1" dirty="0" smtClean="0">
-                <a:latin typeface="Arial" pitchFamily="34" charset="0"/>
-                <a:cs typeface="Arial" pitchFamily="34" charset="0"/>
+              <a:rPr lang="en-US" sz="3200" b="1" i="1" dirty="0">
+                <a:latin typeface="Arial" panose="020B0604020202020204" pitchFamily="34" charset="0"/>
+                <a:cs typeface="Arial" panose="020B0604020202020204" pitchFamily="34" charset="0"/>
               </a:rPr>
               <a:t>Shared prey</a:t>
             </a:r>
-            <a:endParaRPr lang="en-US" sz="3200" b="1" i="1" dirty="0">
-              <a:latin typeface="Arial" pitchFamily="34" charset="0"/>
-              <a:cs typeface="Arial" pitchFamily="34" charset="0"/>
-            </a:endParaRPr>
           </a:p>
         </p:txBody>
       </p:sp>
@@ -3740,16 +3726,12 @@
           <a:lstStyle/>
           <a:p>
             <a:r>
-              <a:rPr lang="en-US" sz="3200" b="1" i="1" dirty="0" smtClean="0">
-                <a:latin typeface="Arial" pitchFamily="34" charset="0"/>
-                <a:cs typeface="Arial" pitchFamily="34" charset="0"/>
+              <a:rPr lang="en-US" sz="3200" b="1" i="1" dirty="0">
+                <a:latin typeface="Arial" panose="020B0604020202020204" pitchFamily="34" charset="0"/>
+                <a:cs typeface="Arial" panose="020B0604020202020204" pitchFamily="34" charset="0"/>
               </a:rPr>
               <a:t>Top predator</a:t>
             </a:r>
-            <a:endParaRPr lang="en-US" sz="3200" b="1" i="1" dirty="0">
-              <a:latin typeface="Arial" pitchFamily="34" charset="0"/>
-              <a:cs typeface="Arial" pitchFamily="34" charset="0"/>
-            </a:endParaRPr>
           </a:p>
         </p:txBody>
       </p:sp>
@@ -3776,15 +3758,15 @@
           <a:lstStyle/>
           <a:p>
             <a:r>
-              <a:rPr lang="en-US" sz="3200" b="1" i="1" dirty="0" err="1" smtClean="0">
-                <a:latin typeface="Arial" pitchFamily="34" charset="0"/>
-                <a:cs typeface="Arial" pitchFamily="34" charset="0"/>
+              <a:rPr lang="en-US" sz="3200" b="1" i="1" dirty="0" err="1">
+                <a:latin typeface="Arial" panose="020B0604020202020204" pitchFamily="34" charset="0"/>
+                <a:cs typeface="Arial" panose="020B0604020202020204" pitchFamily="34" charset="0"/>
               </a:rPr>
               <a:t>Mesopredator</a:t>
             </a:r>
             <a:endParaRPr lang="en-US" sz="3200" b="1" i="1" dirty="0">
-              <a:latin typeface="Arial" pitchFamily="34" charset="0"/>
-              <a:cs typeface="Arial" pitchFamily="34" charset="0"/>
+              <a:latin typeface="Arial" panose="020B0604020202020204" pitchFamily="34" charset="0"/>
+              <a:cs typeface="Arial" panose="020B0604020202020204" pitchFamily="34" charset="0"/>
             </a:endParaRPr>
           </a:p>
         </p:txBody>
@@ -3794,13 +3776,834 @@
   <p:clrMapOvr>
     <a:masterClrMapping/>
   </p:clrMapOvr>
-  <p:timing>
-    <p:tnLst>
-      <p:par>
-        <p:cTn id="1" dur="indefinite" restart="never" nodeType="tmRoot"/>
-      </p:par>
-    </p:tnLst>
-  </p:timing>
+</p:sld>
+</file>
+
+<file path=ppt/slides/slide10.xml><?xml version="1.0" encoding="utf-8"?>
+<p:sld xmlns:a="http://schemas.openxmlformats.org/drawingml/2006/main" xmlns:r="http://schemas.openxmlformats.org/officeDocument/2006/relationships" xmlns:p="http://schemas.openxmlformats.org/presentationml/2006/main">
+  <p:cSld>
+    <p:spTree>
+      <p:nvGrpSpPr>
+        <p:cNvPr id="1" name=""/>
+        <p:cNvGrpSpPr/>
+        <p:nvPr/>
+      </p:nvGrpSpPr>
+      <p:grpSpPr>
+        <a:xfrm>
+          <a:off x="0" y="0"/>
+          <a:ext cx="0" cy="0"/>
+          <a:chOff x="0" y="0"/>
+          <a:chExt cx="0" cy="0"/>
+        </a:xfrm>
+      </p:grpSpPr>
+      <p:pic>
+        <p:nvPicPr>
+          <p:cNvPr id="15" name="Content Placeholder 8" descr="3"/>
+          <p:cNvPicPr>
+            <a:picLocks noChangeAspect="1"/>
+          </p:cNvPicPr>
+          <p:nvPr/>
+        </p:nvPicPr>
+        <p:blipFill>
+          <a:blip r:embed="rId2"/>
+          <a:srcRect l="10902" t="14843" r="16416" b="7997"/>
+          <a:stretch>
+            <a:fillRect/>
+          </a:stretch>
+        </p:blipFill>
+        <p:spPr>
+          <a:xfrm>
+            <a:off x="5896610" y="611505"/>
+            <a:ext cx="2951480" cy="2350770"/>
+          </a:xfrm>
+          <a:prstGeom prst="rect">
+            <a:avLst/>
+          </a:prstGeom>
+        </p:spPr>
+      </p:pic>
+      <p:pic>
+        <p:nvPicPr>
+          <p:cNvPr id="3" name="Content Placeholder 2" descr="1"/>
+          <p:cNvPicPr>
+            <a:picLocks noGrp="1" noChangeAspect="1"/>
+          </p:cNvPicPr>
+          <p:nvPr>
+            <p:ph idx="1"/>
+          </p:nvPr>
+        </p:nvPicPr>
+        <p:blipFill>
+          <a:blip r:embed="rId3"/>
+          <a:srcRect r="23803" b="39646"/>
+          <a:stretch>
+            <a:fillRect/>
+          </a:stretch>
+        </p:blipFill>
+        <p:spPr>
+          <a:xfrm>
+            <a:off x="309245" y="318135"/>
+            <a:ext cx="4939665" cy="2934970"/>
+          </a:xfrm>
+          <a:prstGeom prst="rect">
+            <a:avLst/>
+          </a:prstGeom>
+        </p:spPr>
+      </p:pic>
+      <p:grpSp>
+        <p:nvGrpSpPr>
+          <p:cNvPr id="20" name="群組 19"/>
+          <p:cNvGrpSpPr/>
+          <p:nvPr/>
+        </p:nvGrpSpPr>
+        <p:grpSpPr>
+          <a:xfrm>
+            <a:off x="5186045" y="2098699"/>
+            <a:ext cx="1056640" cy="465455"/>
+            <a:chOff x="5532120" y="4748554"/>
+            <a:chExt cx="1056640" cy="465455"/>
+          </a:xfrm>
+        </p:grpSpPr>
+        <p:sp>
+          <p:nvSpPr>
+            <p:cNvPr id="13" name="矩形 12"/>
+            <p:cNvSpPr/>
+            <p:nvPr/>
+          </p:nvSpPr>
+          <p:spPr>
+            <a:xfrm>
+              <a:off x="5532120" y="5041924"/>
+              <a:ext cx="960120" cy="172085"/>
+            </a:xfrm>
+            <a:prstGeom prst="rect">
+              <a:avLst/>
+            </a:prstGeom>
+            <a:solidFill>
+              <a:schemeClr val="bg1">
+                <a:lumMod val="85000"/>
+              </a:schemeClr>
+            </a:solidFill>
+            <a:ln>
+              <a:noFill/>
+            </a:ln>
+          </p:spPr>
+          <p:style>
+            <a:lnRef idx="2">
+              <a:schemeClr val="accent1">
+                <a:shade val="50000"/>
+              </a:schemeClr>
+            </a:lnRef>
+            <a:fillRef idx="1">
+              <a:schemeClr val="accent1"/>
+            </a:fillRef>
+            <a:effectRef idx="0">
+              <a:schemeClr val="accent1"/>
+            </a:effectRef>
+            <a:fontRef idx="minor">
+              <a:schemeClr val="lt1"/>
+            </a:fontRef>
+          </p:style>
+          <p:txBody>
+            <a:bodyPr rtlCol="0" anchor="ctr"/>
+            <a:lstStyle/>
+            <a:p>
+              <a:pPr algn="ctr"/>
+              <a:endParaRPr lang="en-US"/>
+            </a:p>
+          </p:txBody>
+        </p:sp>
+        <p:sp>
+          <p:nvSpPr>
+            <p:cNvPr id="14" name="向上箭號 13"/>
+            <p:cNvSpPr/>
+            <p:nvPr/>
+          </p:nvSpPr>
+          <p:spPr>
+            <a:xfrm>
+              <a:off x="6300470" y="4748554"/>
+              <a:ext cx="288290" cy="465455"/>
+            </a:xfrm>
+            <a:prstGeom prst="upArrow">
+              <a:avLst>
+                <a:gd name="adj1" fmla="val 50000"/>
+                <a:gd name="adj2" fmla="val 86934"/>
+              </a:avLst>
+            </a:prstGeom>
+            <a:solidFill>
+              <a:schemeClr val="bg1">
+                <a:lumMod val="85000"/>
+              </a:schemeClr>
+            </a:solidFill>
+            <a:ln>
+              <a:noFill/>
+            </a:ln>
+          </p:spPr>
+          <p:style>
+            <a:lnRef idx="2">
+              <a:schemeClr val="accent1">
+                <a:shade val="50000"/>
+              </a:schemeClr>
+            </a:lnRef>
+            <a:fillRef idx="1">
+              <a:schemeClr val="accent1"/>
+            </a:fillRef>
+            <a:effectRef idx="0">
+              <a:schemeClr val="accent1"/>
+            </a:effectRef>
+            <a:fontRef idx="minor">
+              <a:schemeClr val="lt1"/>
+            </a:fontRef>
+          </p:style>
+          <p:txBody>
+            <a:bodyPr rtlCol="0" anchor="ctr"/>
+            <a:lstStyle/>
+            <a:p>
+              <a:pPr algn="ctr"/>
+              <a:endParaRPr lang="en-US"/>
+            </a:p>
+          </p:txBody>
+        </p:sp>
+      </p:grpSp>
+      <p:grpSp>
+        <p:nvGrpSpPr>
+          <p:cNvPr id="19" name="群組 18"/>
+          <p:cNvGrpSpPr/>
+          <p:nvPr/>
+        </p:nvGrpSpPr>
+        <p:grpSpPr>
+          <a:xfrm>
+            <a:off x="5186045" y="1700275"/>
+            <a:ext cx="1996758" cy="1180148"/>
+            <a:chOff x="5532120" y="3717035"/>
+            <a:chExt cx="1996758" cy="1180148"/>
+          </a:xfrm>
+        </p:grpSpPr>
+        <p:sp>
+          <p:nvSpPr>
+            <p:cNvPr id="16" name="向上箭號 15"/>
+            <p:cNvSpPr/>
+            <p:nvPr/>
+          </p:nvSpPr>
+          <p:spPr>
+            <a:xfrm rot="5400000" flipH="1">
+              <a:off x="6511290" y="3879595"/>
+              <a:ext cx="288290" cy="1746885"/>
+            </a:xfrm>
+            <a:prstGeom prst="upArrow">
+              <a:avLst>
+                <a:gd name="adj1" fmla="val 50000"/>
+                <a:gd name="adj2" fmla="val 86934"/>
+              </a:avLst>
+            </a:prstGeom>
+            <a:solidFill>
+              <a:schemeClr val="accent5">
+                <a:lumMod val="40000"/>
+                <a:lumOff val="60000"/>
+              </a:schemeClr>
+            </a:solidFill>
+            <a:ln>
+              <a:noFill/>
+            </a:ln>
+          </p:spPr>
+          <p:style>
+            <a:lnRef idx="2">
+              <a:schemeClr val="accent1">
+                <a:shade val="50000"/>
+              </a:schemeClr>
+            </a:lnRef>
+            <a:fillRef idx="1">
+              <a:schemeClr val="accent1"/>
+            </a:fillRef>
+            <a:effectRef idx="0">
+              <a:schemeClr val="accent1"/>
+            </a:effectRef>
+            <a:fontRef idx="minor">
+              <a:schemeClr val="lt1"/>
+            </a:fontRef>
+          </p:style>
+          <p:txBody>
+            <a:bodyPr rtlCol="0" anchor="ctr"/>
+            <a:lstStyle/>
+            <a:p>
+              <a:pPr algn="ctr"/>
+              <a:endParaRPr lang="en-US"/>
+            </a:p>
+          </p:txBody>
+        </p:sp>
+        <p:sp>
+          <p:nvSpPr>
+            <p:cNvPr id="17" name="矩形 16"/>
+            <p:cNvSpPr/>
+            <p:nvPr/>
+          </p:nvSpPr>
+          <p:spPr>
+            <a:xfrm>
+              <a:off x="5532120" y="3717035"/>
+              <a:ext cx="288035" cy="172821"/>
+            </a:xfrm>
+            <a:prstGeom prst="rect">
+              <a:avLst/>
+            </a:prstGeom>
+            <a:solidFill>
+              <a:schemeClr val="accent5">
+                <a:lumMod val="40000"/>
+                <a:lumOff val="60000"/>
+              </a:schemeClr>
+            </a:solidFill>
+            <a:ln>
+              <a:noFill/>
+            </a:ln>
+          </p:spPr>
+          <p:style>
+            <a:lnRef idx="2">
+              <a:schemeClr val="accent1">
+                <a:shade val="50000"/>
+              </a:schemeClr>
+            </a:lnRef>
+            <a:fillRef idx="1">
+              <a:schemeClr val="accent1"/>
+            </a:fillRef>
+            <a:effectRef idx="0">
+              <a:schemeClr val="accent1"/>
+            </a:effectRef>
+            <a:fontRef idx="minor">
+              <a:schemeClr val="lt1"/>
+            </a:fontRef>
+          </p:style>
+          <p:txBody>
+            <a:bodyPr rtlCol="0" anchor="ctr"/>
+            <a:lstStyle/>
+            <a:p>
+              <a:pPr algn="ctr"/>
+              <a:endParaRPr lang="en-US"/>
+            </a:p>
+          </p:txBody>
+        </p:sp>
+        <p:sp>
+          <p:nvSpPr>
+            <p:cNvPr id="18" name="矩形 17"/>
+            <p:cNvSpPr/>
+            <p:nvPr/>
+          </p:nvSpPr>
+          <p:spPr>
+            <a:xfrm rot="16200000">
+              <a:off x="5200015" y="4185665"/>
+              <a:ext cx="1107440" cy="172720"/>
+            </a:xfrm>
+            <a:prstGeom prst="rect">
+              <a:avLst/>
+            </a:prstGeom>
+            <a:solidFill>
+              <a:schemeClr val="accent5">
+                <a:lumMod val="40000"/>
+                <a:lumOff val="60000"/>
+              </a:schemeClr>
+            </a:solidFill>
+            <a:ln>
+              <a:noFill/>
+            </a:ln>
+          </p:spPr>
+          <p:style>
+            <a:lnRef idx="2">
+              <a:schemeClr val="accent1">
+                <a:shade val="50000"/>
+              </a:schemeClr>
+            </a:lnRef>
+            <a:fillRef idx="1">
+              <a:schemeClr val="accent1"/>
+            </a:fillRef>
+            <a:effectRef idx="0">
+              <a:schemeClr val="accent1"/>
+            </a:effectRef>
+            <a:fontRef idx="minor">
+              <a:schemeClr val="lt1"/>
+            </a:fontRef>
+          </p:style>
+          <p:txBody>
+            <a:bodyPr rtlCol="0" anchor="ctr"/>
+            <a:lstStyle/>
+            <a:p>
+              <a:pPr algn="ctr"/>
+              <a:endParaRPr lang="en-US"/>
+            </a:p>
+          </p:txBody>
+        </p:sp>
+      </p:grpSp>
+      <p:grpSp>
+        <p:nvGrpSpPr>
+          <p:cNvPr id="4" name="Group 3">
+            <a:extLst>
+              <a:ext uri="{FF2B5EF4-FFF2-40B4-BE49-F238E27FC236}">
+                <a16:creationId xmlns:a16="http://schemas.microsoft.com/office/drawing/2014/main" id="{B6991BF5-B3FC-75BD-875C-856577779DDF}"/>
+              </a:ext>
+            </a:extLst>
+          </p:cNvPr>
+          <p:cNvGrpSpPr/>
+          <p:nvPr/>
+        </p:nvGrpSpPr>
+        <p:grpSpPr>
+          <a:xfrm>
+            <a:off x="370439" y="3657251"/>
+            <a:ext cx="4154805" cy="2837180"/>
+            <a:chOff x="251460" y="3659505"/>
+            <a:chExt cx="4154805" cy="2837180"/>
+          </a:xfrm>
+        </p:grpSpPr>
+        <p:grpSp>
+          <p:nvGrpSpPr>
+            <p:cNvPr id="98" name="群組 97"/>
+            <p:cNvGrpSpPr/>
+            <p:nvPr/>
+          </p:nvGrpSpPr>
+          <p:grpSpPr>
+            <a:xfrm>
+              <a:off x="251460" y="3659505"/>
+              <a:ext cx="4154805" cy="2837180"/>
+              <a:chOff x="1043179" y="663864"/>
+              <a:chExt cx="3528821" cy="2361886"/>
+            </a:xfrm>
+          </p:grpSpPr>
+          <p:pic>
+            <p:nvPicPr>
+              <p:cNvPr id="152" name="圖片 151" descr="4fec9814c7131a58ba65c9d5df8c0b75.jpg"/>
+              <p:cNvPicPr>
+                <a:picLocks noChangeAspect="1"/>
+              </p:cNvPicPr>
+              <p:nvPr/>
+            </p:nvPicPr>
+            <p:blipFill>
+              <a:blip r:embed="rId4" cstate="print"/>
+              <a:srcRect l="19524" t="44485" r="21905"/>
+              <a:stretch>
+                <a:fillRect/>
+              </a:stretch>
+            </p:blipFill>
+            <p:spPr>
+              <a:xfrm>
+                <a:off x="1043179" y="663864"/>
+                <a:ext cx="3528821" cy="2361886"/>
+              </a:xfrm>
+              <a:prstGeom prst="rect">
+                <a:avLst/>
+              </a:prstGeom>
+              <a:ln>
+                <a:noFill/>
+              </a:ln>
+              <a:effectLst>
+                <a:softEdge rad="112500"/>
+              </a:effectLst>
+            </p:spPr>
+          </p:pic>
+          <p:grpSp>
+            <p:nvGrpSpPr>
+              <p:cNvPr id="77" name="群組 76"/>
+              <p:cNvGrpSpPr/>
+              <p:nvPr/>
+            </p:nvGrpSpPr>
+            <p:grpSpPr>
+              <a:xfrm>
+                <a:off x="1780731" y="1054882"/>
+                <a:ext cx="1203550" cy="1711298"/>
+                <a:chOff x="1106811" y="1122728"/>
+                <a:chExt cx="1270414" cy="1881440"/>
+              </a:xfrm>
+            </p:grpSpPr>
+            <p:pic>
+              <p:nvPicPr>
+                <p:cNvPr id="35" name="圖片 3" descr="PhyloPic.408b5725.Christoph-Schomburg.Auchenorrhyncha_Hemiptera_Paraneoptera.png"/>
+                <p:cNvPicPr>
+                  <a:picLocks noChangeAspect="1"/>
+                </p:cNvPicPr>
+                <p:nvPr/>
+              </p:nvPicPr>
+              <p:blipFill>
+                <a:blip r:embed="rId5" cstate="print"/>
+                <a:stretch>
+                  <a:fillRect/>
+                </a:stretch>
+              </p:blipFill>
+              <p:spPr>
+                <a:xfrm>
+                  <a:off x="1106811" y="2506208"/>
+                  <a:ext cx="635280" cy="497960"/>
+                </a:xfrm>
+                <a:prstGeom prst="rect">
+                  <a:avLst/>
+                </a:prstGeom>
+              </p:spPr>
+            </p:pic>
+            <p:pic>
+              <p:nvPicPr>
+                <p:cNvPr id="36" name="圖片 6" descr="PhyloPic.fa4e2eda.Margot-Michaud.Atracidae_Atrax_Atrax-robustus_Avicularioidea_Bipectina_Mygalomorphae_Opisthothelae_venom-clade.png"/>
+                <p:cNvPicPr>
+                  <a:picLocks noChangeAspect="1"/>
+                </p:cNvPicPr>
+                <p:nvPr/>
+              </p:nvPicPr>
+              <p:blipFill>
+                <a:blip r:embed="rId6" cstate="print"/>
+                <a:stretch>
+                  <a:fillRect/>
+                </a:stretch>
+              </p:blipFill>
+              <p:spPr>
+                <a:xfrm>
+                  <a:off x="1552464" y="1122728"/>
+                  <a:ext cx="824761" cy="604909"/>
+                </a:xfrm>
+                <a:prstGeom prst="rect">
+                  <a:avLst/>
+                </a:prstGeom>
+              </p:spPr>
+            </p:pic>
+          </p:grpSp>
+          <p:pic>
+            <p:nvPicPr>
+              <p:cNvPr id="53" name="圖片 52" descr="butterfly-net.png"/>
+              <p:cNvPicPr>
+                <a:picLocks noChangeAspect="1"/>
+              </p:cNvPicPr>
+              <p:nvPr/>
+            </p:nvPicPr>
+            <p:blipFill>
+              <a:blip r:embed="rId7" cstate="print"/>
+              <a:stretch>
+                <a:fillRect/>
+              </a:stretch>
+            </p:blipFill>
+            <p:spPr>
+              <a:xfrm rot="3994489" flipH="1">
+                <a:off x="1229448" y="1212223"/>
+                <a:ext cx="996481" cy="996481"/>
+              </a:xfrm>
+              <a:prstGeom prst="rect">
+                <a:avLst/>
+              </a:prstGeom>
+            </p:spPr>
+          </p:pic>
+        </p:grpSp>
+        <p:pic>
+          <p:nvPicPr>
+            <p:cNvPr id="42" name="圖片 6" descr="PhyloPic.fa4e2eda.Margot-Michaud.Atracidae_Atrax_Atrax-robustus_Avicularioidea_Bipectina_Mygalomorphae_Opisthothelae_venom-clade.png"/>
+            <p:cNvPicPr>
+              <a:picLocks noChangeAspect="1"/>
+            </p:cNvPicPr>
+            <p:nvPr/>
+          </p:nvPicPr>
+          <p:blipFill>
+            <a:blip r:embed="rId6" cstate="print"/>
+            <a:stretch>
+              <a:fillRect/>
+            </a:stretch>
+          </p:blipFill>
+          <p:spPr>
+            <a:xfrm>
+              <a:off x="2325370" y="4391025"/>
+              <a:ext cx="842645" cy="592455"/>
+            </a:xfrm>
+            <a:prstGeom prst="rect">
+              <a:avLst/>
+            </a:prstGeom>
+          </p:spPr>
+        </p:pic>
+        <p:pic>
+          <p:nvPicPr>
+            <p:cNvPr id="44" name="圖片 3" descr="PhyloPic.408b5725.Christoph-Schomburg.Auchenorrhyncha_Hemiptera_Paraneoptera.png"/>
+            <p:cNvPicPr>
+              <a:picLocks noChangeAspect="1"/>
+            </p:cNvPicPr>
+            <p:nvPr/>
+          </p:nvPicPr>
+          <p:blipFill>
+            <a:blip r:embed="rId5" cstate="print"/>
+            <a:stretch>
+              <a:fillRect/>
+            </a:stretch>
+          </p:blipFill>
+          <p:spPr>
+            <a:xfrm>
+              <a:off x="1576705" y="5157470"/>
+              <a:ext cx="621030" cy="467360"/>
+            </a:xfrm>
+            <a:prstGeom prst="rect">
+              <a:avLst/>
+            </a:prstGeom>
+          </p:spPr>
+        </p:pic>
+        <p:pic>
+          <p:nvPicPr>
+            <p:cNvPr id="46" name="圖片 3" descr="PhyloPic.408b5725.Christoph-Schomburg.Auchenorrhyncha_Hemiptera_Paraneoptera.png"/>
+            <p:cNvPicPr>
+              <a:picLocks noChangeAspect="1"/>
+            </p:cNvPicPr>
+            <p:nvPr/>
+          </p:nvPicPr>
+          <p:blipFill>
+            <a:blip r:embed="rId5" cstate="print"/>
+            <a:stretch>
+              <a:fillRect/>
+            </a:stretch>
+          </p:blipFill>
+          <p:spPr>
+            <a:xfrm>
+              <a:off x="2037556" y="5696336"/>
+              <a:ext cx="660794" cy="497117"/>
+            </a:xfrm>
+            <a:prstGeom prst="rect">
+              <a:avLst/>
+            </a:prstGeom>
+          </p:spPr>
+        </p:pic>
+        <p:sp>
+          <p:nvSpPr>
+            <p:cNvPr id="49" name="Text Box 48"/>
+            <p:cNvSpPr txBox="1"/>
+            <p:nvPr/>
+          </p:nvSpPr>
+          <p:spPr>
+            <a:xfrm>
+              <a:off x="2440940" y="3963670"/>
+              <a:ext cx="1654810" cy="368300"/>
+            </a:xfrm>
+            <a:prstGeom prst="rect">
+              <a:avLst/>
+            </a:prstGeom>
+            <a:noFill/>
+          </p:spPr>
+          <p:txBody>
+            <a:bodyPr wrap="square" rtlCol="0">
+              <a:spAutoFit/>
+            </a:bodyPr>
+            <a:lstStyle/>
+            <a:p>
+              <a:r>
+                <a:rPr lang="en-US" b="1" i="1">
+                  <a:latin typeface="Arial" panose="020B0604020202020204" pitchFamily="34" charset="0"/>
+                  <a:cs typeface="Arial" panose="020B0604020202020204" pitchFamily="34" charset="0"/>
+                </a:rPr>
+                <a:t>n</a:t>
+              </a:r>
+              <a:r>
+                <a:rPr lang="en-US" b="1" baseline="-25000">
+                  <a:latin typeface="Arial" panose="020B0604020202020204" pitchFamily="34" charset="0"/>
+                  <a:cs typeface="Arial" panose="020B0604020202020204" pitchFamily="34" charset="0"/>
+                </a:rPr>
+                <a:t>predator</a:t>
+              </a:r>
+              <a:r>
+                <a:rPr lang="en-US" b="1">
+                  <a:latin typeface="Arial" panose="020B0604020202020204" pitchFamily="34" charset="0"/>
+                  <a:cs typeface="Arial" panose="020B0604020202020204" pitchFamily="34" charset="0"/>
+                </a:rPr>
+                <a:t> = 20</a:t>
+              </a:r>
+            </a:p>
+          </p:txBody>
+        </p:sp>
+        <p:sp>
+          <p:nvSpPr>
+            <p:cNvPr id="50" name="Text Box 49"/>
+            <p:cNvSpPr txBox="1"/>
+            <p:nvPr/>
+          </p:nvSpPr>
+          <p:spPr>
+            <a:xfrm>
+              <a:off x="2128520" y="5041900"/>
+              <a:ext cx="2033905" cy="860425"/>
+            </a:xfrm>
+            <a:prstGeom prst="rect">
+              <a:avLst/>
+            </a:prstGeom>
+            <a:noFill/>
+          </p:spPr>
+          <p:txBody>
+            <a:bodyPr wrap="square" rtlCol="0">
+              <a:spAutoFit/>
+            </a:bodyPr>
+            <a:lstStyle/>
+            <a:p>
+              <a:pPr algn="ctr"/>
+              <a:r>
+                <a:rPr lang="en-US" b="1" i="1">
+                  <a:latin typeface="Arial" panose="020B0604020202020204" pitchFamily="34" charset="0"/>
+                  <a:cs typeface="Arial" panose="020B0604020202020204" pitchFamily="34" charset="0"/>
+                </a:rPr>
+                <a:t>n</a:t>
+              </a:r>
+              <a:r>
+                <a:rPr lang="en-US" b="1" baseline="-25000">
+                  <a:latin typeface="Arial" panose="020B0604020202020204" pitchFamily="34" charset="0"/>
+                  <a:cs typeface="Arial" panose="020B0604020202020204" pitchFamily="34" charset="0"/>
+                </a:rPr>
+                <a:t>prey</a:t>
+              </a:r>
+              <a:r>
+                <a:rPr lang="en-US" b="1">
+                  <a:latin typeface="Arial" panose="020B0604020202020204" pitchFamily="34" charset="0"/>
+                  <a:cs typeface="Arial" panose="020B0604020202020204" pitchFamily="34" charset="0"/>
+                </a:rPr>
+                <a:t> = 30</a:t>
+              </a:r>
+            </a:p>
+            <a:p>
+              <a:pPr algn="ctr"/>
+              <a:r>
+                <a:rPr lang="en-US" sz="1600" b="1">
+                  <a:latin typeface="Arial" panose="020B0604020202020204" pitchFamily="34" charset="0"/>
+                  <a:cs typeface="Arial" panose="020B0604020202020204" pitchFamily="34" charset="0"/>
+                </a:rPr>
+                <a:t>(</a:t>
+              </a:r>
+              <a:r>
+                <a:rPr lang="en-US" sz="1600" b="1" dirty="0">
+                  <a:latin typeface="Arial" panose="020B0604020202020204" pitchFamily="34" charset="0"/>
+                  <a:cs typeface="Arial" panose="020B0604020202020204" pitchFamily="34" charset="0"/>
+                  <a:sym typeface="+mn-ea"/>
+                </a:rPr>
+                <a:t>pooled δ</a:t>
+              </a:r>
+              <a:r>
+                <a:rPr lang="en-US" sz="1600" b="1" baseline="30000" dirty="0">
+                  <a:latin typeface="Arial" panose="020B0604020202020204" pitchFamily="34" charset="0"/>
+                  <a:cs typeface="Arial" panose="020B0604020202020204" pitchFamily="34" charset="0"/>
+                  <a:sym typeface="+mn-ea"/>
+                </a:rPr>
+                <a:t>15</a:t>
+              </a:r>
+              <a:r>
+                <a:rPr lang="en-US" sz="1600" b="1" dirty="0">
+                  <a:latin typeface="Arial" panose="020B0604020202020204" pitchFamily="34" charset="0"/>
+                  <a:cs typeface="Arial" panose="020B0604020202020204" pitchFamily="34" charset="0"/>
+                  <a:sym typeface="+mn-ea"/>
+                </a:rPr>
+                <a:t>N = 2.0)</a:t>
+              </a:r>
+            </a:p>
+            <a:p>
+              <a:pPr algn="ctr"/>
+              <a:endParaRPr lang="en-US" sz="1600" b="1" dirty="0">
+                <a:latin typeface="Arial" panose="020B0604020202020204" pitchFamily="34" charset="0"/>
+                <a:cs typeface="Arial" panose="020B0604020202020204" pitchFamily="34" charset="0"/>
+                <a:sym typeface="+mn-ea"/>
+              </a:endParaRPr>
+            </a:p>
+          </p:txBody>
+        </p:sp>
+      </p:grpSp>
+      <p:pic>
+        <p:nvPicPr>
+          <p:cNvPr id="6" name="Picture 5">
+            <a:extLst>
+              <a:ext uri="{FF2B5EF4-FFF2-40B4-BE49-F238E27FC236}">
+                <a16:creationId xmlns:a16="http://schemas.microsoft.com/office/drawing/2014/main" id="{F47075F3-E4C4-D784-70A0-CDA0DE012074}"/>
+              </a:ext>
+            </a:extLst>
+          </p:cNvPr>
+          <p:cNvPicPr>
+            <a:picLocks noChangeAspect="1"/>
+          </p:cNvPicPr>
+          <p:nvPr/>
+        </p:nvPicPr>
+        <p:blipFill rotWithShape="1">
+          <a:blip r:embed="rId8" cstate="print">
+            <a:extLst>
+              <a:ext uri="{28A0092B-C50C-407E-A947-70E740481C1C}">
+                <a14:useLocalDpi xmlns:a14="http://schemas.microsoft.com/office/drawing/2010/main" val="0"/>
+              </a:ext>
+            </a:extLst>
+          </a:blip>
+          <a:srcRect l="9679" t="5268" r="15350" b="26482"/>
+          <a:stretch/>
+        </p:blipFill>
+        <p:spPr>
+          <a:xfrm>
+            <a:off x="4506194" y="3509115"/>
+            <a:ext cx="4532163" cy="3094450"/>
+          </a:xfrm>
+          <a:prstGeom prst="rect">
+            <a:avLst/>
+          </a:prstGeom>
+        </p:spPr>
+      </p:pic>
+      <p:sp>
+        <p:nvSpPr>
+          <p:cNvPr id="23" name="文字方塊 8">
+            <a:extLst>
+              <a:ext uri="{FF2B5EF4-FFF2-40B4-BE49-F238E27FC236}">
+                <a16:creationId xmlns:a16="http://schemas.microsoft.com/office/drawing/2014/main" id="{00A623BD-8B9A-3122-E029-13AA3B36B4B4}"/>
+              </a:ext>
+            </a:extLst>
+          </p:cNvPr>
+          <p:cNvSpPr txBox="1"/>
+          <p:nvPr/>
+        </p:nvSpPr>
+        <p:spPr>
+          <a:xfrm>
+            <a:off x="98509" y="161503"/>
+            <a:ext cx="576070" cy="369332"/>
+          </a:xfrm>
+          <a:prstGeom prst="rect">
+            <a:avLst/>
+          </a:prstGeom>
+          <a:noFill/>
+        </p:spPr>
+        <p:txBody>
+          <a:bodyPr wrap="square" rtlCol="0">
+            <a:spAutoFit/>
+          </a:bodyPr>
+          <a:lstStyle/>
+          <a:p>
+            <a:r>
+              <a:rPr lang="en-US" b="1" dirty="0">
+                <a:latin typeface="Arial" panose="020B0604020202020204" pitchFamily="34" charset="0"/>
+                <a:cs typeface="Arial" panose="020B0604020202020204" pitchFamily="34" charset="0"/>
+              </a:rPr>
+              <a:t>(a)</a:t>
+            </a:r>
+          </a:p>
+        </p:txBody>
+      </p:sp>
+      <p:sp>
+        <p:nvSpPr>
+          <p:cNvPr id="24" name="文字方塊 8">
+            <a:extLst>
+              <a:ext uri="{FF2B5EF4-FFF2-40B4-BE49-F238E27FC236}">
+                <a16:creationId xmlns:a16="http://schemas.microsoft.com/office/drawing/2014/main" id="{770B9E95-9717-9D77-E5CD-F078878853F8}"/>
+              </a:ext>
+            </a:extLst>
+          </p:cNvPr>
+          <p:cNvSpPr txBox="1"/>
+          <p:nvPr/>
+        </p:nvSpPr>
+        <p:spPr>
+          <a:xfrm>
+            <a:off x="98509" y="3287919"/>
+            <a:ext cx="576070" cy="369332"/>
+          </a:xfrm>
+          <a:prstGeom prst="rect">
+            <a:avLst/>
+          </a:prstGeom>
+          <a:noFill/>
+        </p:spPr>
+        <p:txBody>
+          <a:bodyPr wrap="square" rtlCol="0">
+            <a:spAutoFit/>
+          </a:bodyPr>
+          <a:lstStyle/>
+          <a:p>
+            <a:r>
+              <a:rPr lang="en-US" b="1" dirty="0">
+                <a:latin typeface="Arial" panose="020B0604020202020204" pitchFamily="34" charset="0"/>
+                <a:cs typeface="Arial" panose="020B0604020202020204" pitchFamily="34" charset="0"/>
+              </a:rPr>
+              <a:t>(b)</a:t>
+            </a:r>
+          </a:p>
+        </p:txBody>
+      </p:sp>
+    </p:spTree>
+  </p:cSld>
+  <p:clrMapOvr>
+    <a:masterClrMapping/>
+  </p:clrMapOvr>
 </p:sld>
 </file>
 
@@ -3868,16 +4671,12 @@
           <a:lstStyle/>
           <a:p>
             <a:r>
-              <a:rPr lang="en-US" sz="5400" b="1" dirty="0" smtClean="0">
-                <a:latin typeface="Arial" pitchFamily="34" charset="0"/>
-                <a:cs typeface="Arial" pitchFamily="34" charset="0"/>
+              <a:rPr lang="en-US" sz="5400" b="1" dirty="0">
+                <a:latin typeface="Arial" panose="020B0604020202020204" pitchFamily="34" charset="0"/>
+                <a:cs typeface="Arial" panose="020B0604020202020204" pitchFamily="34" charset="0"/>
               </a:rPr>
               <a:t>+</a:t>
             </a:r>
-            <a:endParaRPr lang="en-US" sz="5400" b="1" dirty="0">
-              <a:latin typeface="Arial" pitchFamily="34" charset="0"/>
-              <a:cs typeface="Arial" pitchFamily="34" charset="0"/>
-            </a:endParaRPr>
           </a:p>
         </p:txBody>
       </p:sp>
@@ -4049,16 +4848,12 @@
           <a:lstStyle/>
           <a:p>
             <a:r>
-              <a:rPr lang="en-US" sz="5400" b="1" dirty="0" smtClean="0">
-                <a:latin typeface="Arial" pitchFamily="34" charset="0"/>
-                <a:cs typeface="Arial" pitchFamily="34" charset="0"/>
+              <a:rPr lang="en-US" sz="5400" b="1" dirty="0">
+                <a:latin typeface="Arial" panose="020B0604020202020204" pitchFamily="34" charset="0"/>
+                <a:cs typeface="Arial" panose="020B0604020202020204" pitchFamily="34" charset="0"/>
               </a:rPr>
               <a:t>+</a:t>
             </a:r>
-            <a:endParaRPr lang="en-US" sz="5400" b="1" dirty="0">
-              <a:latin typeface="Arial" pitchFamily="34" charset="0"/>
-              <a:cs typeface="Arial" pitchFamily="34" charset="0"/>
-            </a:endParaRPr>
           </a:p>
         </p:txBody>
       </p:sp>
@@ -4255,30 +5050,26 @@
           <a:p>
             <a:pPr algn="ctr"/>
             <a:r>
-              <a:rPr lang="en-US" sz="3200" b="1" i="1" dirty="0" smtClean="0">
-                <a:latin typeface="Arial" pitchFamily="34" charset="0"/>
-                <a:cs typeface="Arial" pitchFamily="34" charset="0"/>
+              <a:rPr lang="en-US" sz="3200" b="1" i="1" dirty="0">
+                <a:latin typeface="Arial" panose="020B0604020202020204" pitchFamily="34" charset="0"/>
+                <a:cs typeface="Arial" panose="020B0604020202020204" pitchFamily="34" charset="0"/>
               </a:rPr>
               <a:t>1</a:t>
             </a:r>
             <a:r>
-              <a:rPr lang="en-US" sz="3200" b="1" i="1" baseline="30000" dirty="0" smtClean="0">
-                <a:latin typeface="Arial" pitchFamily="34" charset="0"/>
-                <a:cs typeface="Arial" pitchFamily="34" charset="0"/>
+              <a:rPr lang="en-US" sz="3200" b="1" i="1" baseline="30000" dirty="0">
+                <a:latin typeface="Arial" panose="020B0604020202020204" pitchFamily="34" charset="0"/>
+                <a:cs typeface="Arial" panose="020B0604020202020204" pitchFamily="34" charset="0"/>
               </a:rPr>
               <a:t>st</a:t>
             </a:r>
             <a:r>
-              <a:rPr lang="en-US" sz="3200" b="1" i="1" dirty="0" smtClean="0">
-                <a:latin typeface="Arial" pitchFamily="34" charset="0"/>
-                <a:cs typeface="Arial" pitchFamily="34" charset="0"/>
+              <a:rPr lang="en-US" sz="3200" b="1" i="1" dirty="0">
+                <a:latin typeface="Arial" panose="020B0604020202020204" pitchFamily="34" charset="0"/>
+                <a:cs typeface="Arial" panose="020B0604020202020204" pitchFamily="34" charset="0"/>
               </a:rPr>
               <a:t> feeding trial</a:t>
             </a:r>
-            <a:endParaRPr lang="en-US" sz="3200" b="1" i="1" dirty="0">
-              <a:latin typeface="Arial" pitchFamily="34" charset="0"/>
-              <a:cs typeface="Arial" pitchFamily="34" charset="0"/>
-            </a:endParaRPr>
           </a:p>
         </p:txBody>
       </p:sp>
@@ -4287,13 +5078,6 @@
   <p:clrMapOvr>
     <a:masterClrMapping/>
   </p:clrMapOvr>
-  <p:timing>
-    <p:tnLst>
-      <p:par>
-        <p:cTn id="1" dur="indefinite" restart="never" nodeType="tmRoot"/>
-      </p:par>
-    </p:tnLst>
-  </p:timing>
 </p:sld>
 </file>
 
@@ -4967,16 +5751,12 @@
               <a:lstStyle/>
               <a:p>
                 <a:r>
-                  <a:rPr lang="en-US" sz="5400" b="1" dirty="0" smtClean="0">
-                    <a:latin typeface="Arial" pitchFamily="34" charset="0"/>
-                    <a:cs typeface="Arial" pitchFamily="34" charset="0"/>
+                  <a:rPr lang="en-US" sz="5400" b="1" dirty="0">
+                    <a:latin typeface="Arial" panose="020B0604020202020204" pitchFamily="34" charset="0"/>
+                    <a:cs typeface="Arial" panose="020B0604020202020204" pitchFamily="34" charset="0"/>
                   </a:rPr>
                   <a:t>+</a:t>
                 </a:r>
-                <a:endParaRPr lang="en-US" sz="5400" b="1" dirty="0">
-                  <a:latin typeface="Arial" pitchFamily="34" charset="0"/>
-                  <a:cs typeface="Arial" pitchFamily="34" charset="0"/>
-                </a:endParaRPr>
               </a:p>
             </p:txBody>
           </p:sp>
@@ -5042,16 +5822,12 @@
               <a:lstStyle/>
               <a:p>
                 <a:r>
-                  <a:rPr lang="en-US" sz="5400" b="1" dirty="0" smtClean="0">
-                    <a:latin typeface="Arial" pitchFamily="34" charset="0"/>
-                    <a:cs typeface="Arial" pitchFamily="34" charset="0"/>
+                  <a:rPr lang="en-US" sz="5400" b="1" dirty="0">
+                    <a:latin typeface="Arial" panose="020B0604020202020204" pitchFamily="34" charset="0"/>
+                    <a:cs typeface="Arial" panose="020B0604020202020204" pitchFamily="34" charset="0"/>
                   </a:rPr>
                   <a:t>+</a:t>
                 </a:r>
-                <a:endParaRPr lang="en-US" sz="5400" b="1" dirty="0">
-                  <a:latin typeface="Arial" pitchFamily="34" charset="0"/>
-                  <a:cs typeface="Arial" pitchFamily="34" charset="0"/>
-                </a:endParaRPr>
               </a:p>
             </p:txBody>
           </p:sp>
@@ -5117,16 +5893,12 @@
               <a:lstStyle/>
               <a:p>
                 <a:r>
-                  <a:rPr lang="en-US" sz="5400" b="1" dirty="0" smtClean="0">
-                    <a:latin typeface="Arial" pitchFamily="34" charset="0"/>
-                    <a:cs typeface="Arial" pitchFamily="34" charset="0"/>
+                  <a:rPr lang="en-US" sz="5400" b="1" dirty="0">
+                    <a:latin typeface="Arial" panose="020B0604020202020204" pitchFamily="34" charset="0"/>
+                    <a:cs typeface="Arial" panose="020B0604020202020204" pitchFamily="34" charset="0"/>
                   </a:rPr>
                   <a:t>+</a:t>
                 </a:r>
-                <a:endParaRPr lang="en-US" sz="5400" b="1" dirty="0">
-                  <a:latin typeface="Arial" pitchFamily="34" charset="0"/>
-                  <a:cs typeface="Arial" pitchFamily="34" charset="0"/>
-                </a:endParaRPr>
               </a:p>
             </p:txBody>
           </p:sp>
@@ -5192,16 +5964,12 @@
               <a:lstStyle/>
               <a:p>
                 <a:r>
-                  <a:rPr lang="en-US" sz="5400" b="1" dirty="0" smtClean="0">
-                    <a:latin typeface="Arial" pitchFamily="34" charset="0"/>
-                    <a:cs typeface="Arial" pitchFamily="34" charset="0"/>
+                  <a:rPr lang="en-US" sz="5400" b="1" dirty="0">
+                    <a:latin typeface="Arial" panose="020B0604020202020204" pitchFamily="34" charset="0"/>
+                    <a:cs typeface="Arial" panose="020B0604020202020204" pitchFamily="34" charset="0"/>
                   </a:rPr>
                   <a:t>+</a:t>
                 </a:r>
-                <a:endParaRPr lang="en-US" sz="5400" b="1" dirty="0">
-                  <a:latin typeface="Arial" pitchFamily="34" charset="0"/>
-                  <a:cs typeface="Arial" pitchFamily="34" charset="0"/>
-                </a:endParaRPr>
               </a:p>
             </p:txBody>
           </p:sp>
@@ -5267,16 +6035,12 @@
               <a:lstStyle/>
               <a:p>
                 <a:r>
-                  <a:rPr lang="en-US" sz="5400" b="1" dirty="0" smtClean="0">
-                    <a:latin typeface="Arial" pitchFamily="34" charset="0"/>
-                    <a:cs typeface="Arial" pitchFamily="34" charset="0"/>
+                  <a:rPr lang="en-US" sz="5400" b="1" dirty="0">
+                    <a:latin typeface="Arial" panose="020B0604020202020204" pitchFamily="34" charset="0"/>
+                    <a:cs typeface="Arial" panose="020B0604020202020204" pitchFamily="34" charset="0"/>
                   </a:rPr>
                   <a:t>+</a:t>
                 </a:r>
-                <a:endParaRPr lang="en-US" sz="5400" b="1" dirty="0">
-                  <a:latin typeface="Arial" pitchFamily="34" charset="0"/>
-                  <a:cs typeface="Arial" pitchFamily="34" charset="0"/>
-                </a:endParaRPr>
               </a:p>
             </p:txBody>
           </p:sp>
@@ -5449,30 +6213,26 @@
             <a:p>
               <a:pPr algn="ctr"/>
               <a:r>
-                <a:rPr lang="en-US" sz="3200" b="1" i="1" dirty="0" smtClean="0">
-                  <a:latin typeface="Arial" pitchFamily="34" charset="0"/>
-                  <a:cs typeface="Arial" pitchFamily="34" charset="0"/>
+                <a:rPr lang="en-US" sz="3200" b="1" i="1" dirty="0">
+                  <a:latin typeface="Arial" panose="020B0604020202020204" pitchFamily="34" charset="0"/>
+                  <a:cs typeface="Arial" panose="020B0604020202020204" pitchFamily="34" charset="0"/>
                 </a:rPr>
                 <a:t>2</a:t>
               </a:r>
               <a:r>
-                <a:rPr lang="en-US" sz="3200" b="1" i="1" baseline="30000" dirty="0" smtClean="0">
-                  <a:latin typeface="Arial" pitchFamily="34" charset="0"/>
-                  <a:cs typeface="Arial" pitchFamily="34" charset="0"/>
+                <a:rPr lang="en-US" sz="3200" b="1" i="1" baseline="30000" dirty="0">
+                  <a:latin typeface="Arial" panose="020B0604020202020204" pitchFamily="34" charset="0"/>
+                  <a:cs typeface="Arial" panose="020B0604020202020204" pitchFamily="34" charset="0"/>
                 </a:rPr>
                 <a:t>nd</a:t>
               </a:r>
               <a:r>
-                <a:rPr lang="en-US" sz="3200" b="1" i="1" dirty="0" smtClean="0">
-                  <a:latin typeface="Arial" pitchFamily="34" charset="0"/>
-                  <a:cs typeface="Arial" pitchFamily="34" charset="0"/>
+                <a:rPr lang="en-US" sz="3200" b="1" i="1" dirty="0">
+                  <a:latin typeface="Arial" panose="020B0604020202020204" pitchFamily="34" charset="0"/>
+                  <a:cs typeface="Arial" panose="020B0604020202020204" pitchFamily="34" charset="0"/>
                 </a:rPr>
                 <a:t> feeding trial</a:t>
               </a:r>
-              <a:endParaRPr lang="en-US" sz="3200" b="1" i="1" dirty="0">
-                <a:latin typeface="Arial" pitchFamily="34" charset="0"/>
-                <a:cs typeface="Arial" pitchFamily="34" charset="0"/>
-              </a:endParaRPr>
             </a:p>
           </p:txBody>
         </p:sp>
@@ -5482,13 +6242,6 @@
   <p:clrMapOvr>
     <a:masterClrMapping/>
   </p:clrMapOvr>
-  <p:timing>
-    <p:tnLst>
-      <p:par>
-        <p:cTn id="1" dur="indefinite" restart="never" nodeType="tmRoot"/>
-      </p:par>
-    </p:tnLst>
-  </p:timing>
 </p:sld>
 </file>
 
@@ -5533,9 +6286,9 @@
           <a:p>
             <a:pPr algn="ctr"/>
             <a:r>
-              <a:rPr lang="en-US" sz="3200" b="1" dirty="0" smtClean="0">
-                <a:latin typeface="Arial" pitchFamily="34" charset="0"/>
-                <a:cs typeface="Arial" pitchFamily="34" charset="0"/>
+              <a:rPr lang="en-US" sz="3200" b="1" dirty="0">
+                <a:latin typeface="Arial" panose="020B0604020202020204" pitchFamily="34" charset="0"/>
+                <a:cs typeface="Arial" panose="020B0604020202020204" pitchFamily="34" charset="0"/>
               </a:rPr>
               <a:t>Experimental</a:t>
             </a:r>
@@ -5543,30 +6296,26 @@
           <a:p>
             <a:pPr algn="ctr"/>
             <a:r>
-              <a:rPr lang="en-US" sz="3200" b="1" dirty="0" smtClean="0">
-                <a:latin typeface="Arial" pitchFamily="34" charset="0"/>
-                <a:cs typeface="Arial" pitchFamily="34" charset="0"/>
+              <a:rPr lang="en-US" sz="3200" b="1" dirty="0">
+                <a:latin typeface="Arial" panose="020B0604020202020204" pitchFamily="34" charset="0"/>
+                <a:cs typeface="Arial" panose="020B0604020202020204" pitchFamily="34" charset="0"/>
               </a:rPr>
               <a:t>Δ</a:t>
             </a:r>
             <a:r>
-              <a:rPr lang="en-US" sz="3200" b="1" baseline="30000" dirty="0" smtClean="0">
-                <a:latin typeface="Arial" pitchFamily="34" charset="0"/>
-                <a:cs typeface="Arial" pitchFamily="34" charset="0"/>
+              <a:rPr lang="en-US" sz="3200" b="1" baseline="30000" dirty="0">
+                <a:latin typeface="Arial" panose="020B0604020202020204" pitchFamily="34" charset="0"/>
+                <a:cs typeface="Arial" panose="020B0604020202020204" pitchFamily="34" charset="0"/>
               </a:rPr>
               <a:t>15</a:t>
             </a:r>
             <a:r>
-              <a:rPr lang="en-US" sz="3200" b="1" dirty="0" smtClean="0">
-                <a:latin typeface="Arial" pitchFamily="34" charset="0"/>
-                <a:cs typeface="Arial" pitchFamily="34" charset="0"/>
+              <a:rPr lang="en-US" sz="3200" b="1" dirty="0">
+                <a:latin typeface="Arial" panose="020B0604020202020204" pitchFamily="34" charset="0"/>
+                <a:cs typeface="Arial" panose="020B0604020202020204" pitchFamily="34" charset="0"/>
               </a:rPr>
               <a:t>N (‰)</a:t>
             </a:r>
-            <a:endParaRPr lang="en-US" sz="3200" b="1" dirty="0">
-              <a:latin typeface="Arial" pitchFamily="34" charset="0"/>
-              <a:cs typeface="Arial" pitchFamily="34" charset="0"/>
-            </a:endParaRPr>
           </a:p>
         </p:txBody>
       </p:sp>
@@ -5594,39 +6343,35 @@
           <a:p>
             <a:pPr algn="ctr"/>
             <a:r>
-              <a:rPr lang="en-US" sz="3200" b="1" dirty="0" smtClean="0">
-                <a:latin typeface="Arial" pitchFamily="34" charset="0"/>
-                <a:cs typeface="Arial" pitchFamily="34" charset="0"/>
+              <a:rPr lang="en-US" sz="3200" b="1" dirty="0">
+                <a:latin typeface="Arial" panose="020B0604020202020204" pitchFamily="34" charset="0"/>
+                <a:cs typeface="Arial" panose="020B0604020202020204" pitchFamily="34" charset="0"/>
               </a:rPr>
               <a:t>Proportion of </a:t>
             </a:r>
             <a:r>
-              <a:rPr lang="en-US" sz="3200" b="1" dirty="0" err="1" smtClean="0">
-                <a:latin typeface="Arial" pitchFamily="34" charset="0"/>
-                <a:cs typeface="Arial" pitchFamily="34" charset="0"/>
+              <a:rPr lang="en-US" sz="3200" b="1" dirty="0" err="1">
+                <a:latin typeface="Arial" panose="020B0604020202020204" pitchFamily="34" charset="0"/>
+                <a:cs typeface="Arial" panose="020B0604020202020204" pitchFamily="34" charset="0"/>
               </a:rPr>
               <a:t>mesopredator</a:t>
             </a:r>
             <a:r>
-              <a:rPr lang="en-US" sz="3200" b="1" dirty="0" smtClean="0">
-                <a:latin typeface="Arial" pitchFamily="34" charset="0"/>
-                <a:cs typeface="Arial" pitchFamily="34" charset="0"/>
+              <a:rPr lang="en-US" sz="3200" b="1" dirty="0">
+                <a:latin typeface="Arial" panose="020B0604020202020204" pitchFamily="34" charset="0"/>
+                <a:cs typeface="Arial" panose="020B0604020202020204" pitchFamily="34" charset="0"/>
               </a:rPr>
               <a:t> consumed (%)</a:t>
             </a:r>
           </a:p>
           <a:p>
             <a:r>
-              <a:rPr lang="en-US" sz="2800" b="1" dirty="0" smtClean="0">
-                <a:latin typeface="Arial" pitchFamily="34" charset="0"/>
-                <a:cs typeface="Arial" pitchFamily="34" charset="0"/>
+              <a:rPr lang="en-US" sz="2800" b="1" dirty="0">
+                <a:latin typeface="Arial" panose="020B0604020202020204" pitchFamily="34" charset="0"/>
+                <a:cs typeface="Arial" panose="020B0604020202020204" pitchFamily="34" charset="0"/>
               </a:rPr>
               <a:t> </a:t>
             </a:r>
-            <a:endParaRPr lang="en-US" sz="2800" b="1" dirty="0">
-              <a:latin typeface="Arial" pitchFamily="34" charset="0"/>
-              <a:cs typeface="Arial" pitchFamily="34" charset="0"/>
-            </a:endParaRPr>
           </a:p>
         </p:txBody>
       </p:sp>
@@ -5653,16 +6398,12 @@
           <a:lstStyle/>
           <a:p>
             <a:r>
-              <a:rPr lang="en-US" sz="3200" b="1" i="1" dirty="0" smtClean="0">
-                <a:latin typeface="Arial" pitchFamily="34" charset="0"/>
-                <a:cs typeface="Arial" pitchFamily="34" charset="0"/>
+              <a:rPr lang="en-US" sz="3200" b="1" i="1" dirty="0">
+                <a:latin typeface="Arial" panose="020B0604020202020204" pitchFamily="34" charset="0"/>
+                <a:cs typeface="Arial" panose="020B0604020202020204" pitchFamily="34" charset="0"/>
               </a:rPr>
               <a:t>Standard IGP curve</a:t>
             </a:r>
-            <a:endParaRPr lang="en-US" sz="3200" b="1" i="1" dirty="0">
-              <a:latin typeface="Arial" pitchFamily="34" charset="0"/>
-              <a:cs typeface="Arial" pitchFamily="34" charset="0"/>
-            </a:endParaRPr>
           </a:p>
         </p:txBody>
       </p:sp>
@@ -6575,13 +7316,6 @@
   <p:clrMapOvr>
     <a:masterClrMapping/>
   </p:clrMapOvr>
-  <p:timing>
-    <p:tnLst>
-      <p:par>
-        <p:cTn id="1" dur="indefinite" restart="never" nodeType="tmRoot"/>
-      </p:par>
-    </p:tnLst>
-  </p:timing>
 </p:sld>
 </file>
 
@@ -6747,30 +7481,26 @@
           <a:p>
             <a:pPr algn="ctr"/>
             <a:r>
-              <a:rPr lang="en-US" sz="2800" b="1" dirty="0" smtClean="0">
-                <a:latin typeface="Arial" pitchFamily="34" charset="0"/>
-                <a:cs typeface="Arial" pitchFamily="34" charset="0"/>
+              <a:rPr lang="en-US" sz="2800" b="1" dirty="0">
+                <a:latin typeface="Arial" panose="020B0604020202020204" pitchFamily="34" charset="0"/>
+                <a:cs typeface="Arial" panose="020B0604020202020204" pitchFamily="34" charset="0"/>
               </a:rPr>
               <a:t>δ</a:t>
             </a:r>
             <a:r>
-              <a:rPr lang="en-US" sz="2800" b="1" baseline="30000" dirty="0" smtClean="0">
-                <a:latin typeface="Arial" pitchFamily="34" charset="0"/>
-                <a:cs typeface="Arial" pitchFamily="34" charset="0"/>
+              <a:rPr lang="en-US" sz="2800" b="1" baseline="30000" dirty="0">
+                <a:latin typeface="Arial" panose="020B0604020202020204" pitchFamily="34" charset="0"/>
+                <a:cs typeface="Arial" panose="020B0604020202020204" pitchFamily="34" charset="0"/>
               </a:rPr>
               <a:t>15</a:t>
             </a:r>
             <a:r>
-              <a:rPr lang="en-US" sz="2800" b="1" dirty="0" smtClean="0">
-                <a:latin typeface="Arial" pitchFamily="34" charset="0"/>
-                <a:cs typeface="Arial" pitchFamily="34" charset="0"/>
+              <a:rPr lang="en-US" sz="2800" b="1" dirty="0">
+                <a:latin typeface="Arial" panose="020B0604020202020204" pitchFamily="34" charset="0"/>
+                <a:cs typeface="Arial" panose="020B0604020202020204" pitchFamily="34" charset="0"/>
               </a:rPr>
               <a:t>N (‰)</a:t>
             </a:r>
-            <a:endParaRPr lang="en-US" sz="2800" b="1" dirty="0">
-              <a:latin typeface="Arial" pitchFamily="34" charset="0"/>
-              <a:cs typeface="Arial" pitchFamily="34" charset="0"/>
-            </a:endParaRPr>
           </a:p>
         </p:txBody>
       </p:sp>
@@ -6834,12 +7564,12 @@
           <a:p>
             <a:pPr algn="ctr"/>
             <a:r>
-              <a:rPr lang="en-US" sz="2400" b="1" i="1" dirty="0" smtClean="0">
+              <a:rPr lang="en-US" sz="2400" b="1" i="1" dirty="0">
                 <a:solidFill>
                   <a:srgbClr val="0070C0"/>
                 </a:solidFill>
-                <a:latin typeface="Arial" pitchFamily="34" charset="0"/>
-                <a:cs typeface="Arial" pitchFamily="34" charset="0"/>
+                <a:latin typeface="Arial" panose="020B0604020202020204" pitchFamily="34" charset="0"/>
+                <a:cs typeface="Arial" panose="020B0604020202020204" pitchFamily="34" charset="0"/>
               </a:rPr>
               <a:t>Empirical </a:t>
             </a:r>
@@ -6847,42 +7577,35 @@
           <a:p>
             <a:pPr algn="ctr"/>
             <a:r>
-              <a:rPr lang="en-US" sz="2400" b="1" i="1" dirty="0" smtClean="0">
+              <a:rPr lang="en-US" sz="2400" b="1" i="1" dirty="0">
                 <a:solidFill>
                   <a:srgbClr val="0070C0"/>
                 </a:solidFill>
-                <a:latin typeface="Arial" pitchFamily="34" charset="0"/>
-                <a:cs typeface="Arial" pitchFamily="34" charset="0"/>
+                <a:latin typeface="Arial" panose="020B0604020202020204" pitchFamily="34" charset="0"/>
+                <a:cs typeface="Arial" panose="020B0604020202020204" pitchFamily="34" charset="0"/>
               </a:rPr>
               <a:t>Δ</a:t>
             </a:r>
             <a:r>
-              <a:rPr lang="en-US" sz="2400" b="1" i="1" baseline="30000" dirty="0" smtClean="0">
+              <a:rPr lang="en-US" sz="2400" b="1" i="1" baseline="30000" dirty="0">
                 <a:solidFill>
                   <a:srgbClr val="0070C0"/>
                 </a:solidFill>
-                <a:latin typeface="Arial" pitchFamily="34" charset="0"/>
-                <a:cs typeface="Arial" pitchFamily="34" charset="0"/>
+                <a:latin typeface="Arial" panose="020B0604020202020204" pitchFamily="34" charset="0"/>
+                <a:cs typeface="Arial" panose="020B0604020202020204" pitchFamily="34" charset="0"/>
               </a:rPr>
               <a:t>15</a:t>
             </a:r>
             <a:r>
-              <a:rPr lang="en-US" sz="2400" b="1" i="1" dirty="0" smtClean="0">
+              <a:rPr lang="en-US" sz="2400" b="1" i="1" dirty="0">
                 <a:solidFill>
                   <a:srgbClr val="0070C0"/>
                 </a:solidFill>
-                <a:latin typeface="Arial" pitchFamily="34" charset="0"/>
-                <a:cs typeface="Arial" pitchFamily="34" charset="0"/>
+                <a:latin typeface="Arial" panose="020B0604020202020204" pitchFamily="34" charset="0"/>
+                <a:cs typeface="Arial" panose="020B0604020202020204" pitchFamily="34" charset="0"/>
               </a:rPr>
               <a:t>N</a:t>
             </a:r>
-            <a:endParaRPr lang="en-US" sz="2400" b="1" i="1" dirty="0">
-              <a:solidFill>
-                <a:srgbClr val="0070C0"/>
-              </a:solidFill>
-              <a:latin typeface="Arial" pitchFamily="34" charset="0"/>
-              <a:cs typeface="Arial" pitchFamily="34" charset="0"/>
-            </a:endParaRPr>
           </a:p>
         </p:txBody>
       </p:sp>
@@ -7269,16 +7992,12 @@
           <a:p>
             <a:pPr algn="ctr"/>
             <a:r>
-              <a:rPr lang="en-US" sz="2800" b="1" dirty="0" smtClean="0">
-                <a:latin typeface="Arial" pitchFamily="34" charset="0"/>
-                <a:cs typeface="Arial" pitchFamily="34" charset="0"/>
+              <a:rPr lang="en-US" sz="2800" b="1" dirty="0">
+                <a:latin typeface="Arial" panose="020B0604020202020204" pitchFamily="34" charset="0"/>
+                <a:cs typeface="Arial" panose="020B0604020202020204" pitchFamily="34" charset="0"/>
               </a:rPr>
               <a:t>Proportion (%) </a:t>
             </a:r>
-            <a:endParaRPr lang="en-US" sz="2800" b="1" dirty="0">
-              <a:latin typeface="Arial" pitchFamily="34" charset="0"/>
-              <a:cs typeface="Arial" pitchFamily="34" charset="0"/>
-            </a:endParaRPr>
           </a:p>
         </p:txBody>
       </p:sp>
@@ -7342,9 +8061,9 @@
           <a:p>
             <a:pPr algn="ctr"/>
             <a:r>
-              <a:rPr lang="en-US" sz="2800" b="1" dirty="0" smtClean="0">
-                <a:latin typeface="Arial" pitchFamily="34" charset="0"/>
-                <a:cs typeface="Arial" pitchFamily="34" charset="0"/>
+              <a:rPr lang="en-US" sz="2800" b="1" dirty="0">
+                <a:latin typeface="Arial" panose="020B0604020202020204" pitchFamily="34" charset="0"/>
+                <a:cs typeface="Arial" panose="020B0604020202020204" pitchFamily="34" charset="0"/>
               </a:rPr>
               <a:t>Experimental</a:t>
             </a:r>
@@ -7352,30 +8071,26 @@
           <a:p>
             <a:pPr algn="ctr"/>
             <a:r>
-              <a:rPr lang="en-US" sz="2800" b="1" dirty="0" smtClean="0">
-                <a:latin typeface="Arial" pitchFamily="34" charset="0"/>
-                <a:cs typeface="Arial" pitchFamily="34" charset="0"/>
+              <a:rPr lang="en-US" sz="2800" b="1" dirty="0">
+                <a:latin typeface="Arial" panose="020B0604020202020204" pitchFamily="34" charset="0"/>
+                <a:cs typeface="Arial" panose="020B0604020202020204" pitchFamily="34" charset="0"/>
               </a:rPr>
               <a:t>Δ</a:t>
             </a:r>
             <a:r>
-              <a:rPr lang="en-US" sz="2800" b="1" baseline="30000" dirty="0" smtClean="0">
-                <a:latin typeface="Arial" pitchFamily="34" charset="0"/>
-                <a:cs typeface="Arial" pitchFamily="34" charset="0"/>
+              <a:rPr lang="en-US" sz="2800" b="1" baseline="30000" dirty="0">
+                <a:latin typeface="Arial" panose="020B0604020202020204" pitchFamily="34" charset="0"/>
+                <a:cs typeface="Arial" panose="020B0604020202020204" pitchFamily="34" charset="0"/>
               </a:rPr>
               <a:t>15</a:t>
             </a:r>
             <a:r>
-              <a:rPr lang="en-US" sz="2800" b="1" dirty="0" smtClean="0">
-                <a:latin typeface="Arial" pitchFamily="34" charset="0"/>
-                <a:cs typeface="Arial" pitchFamily="34" charset="0"/>
+              <a:rPr lang="en-US" sz="2800" b="1" dirty="0">
+                <a:latin typeface="Arial" panose="020B0604020202020204" pitchFamily="34" charset="0"/>
+                <a:cs typeface="Arial" panose="020B0604020202020204" pitchFamily="34" charset="0"/>
               </a:rPr>
               <a:t>N (‰)</a:t>
             </a:r>
-            <a:endParaRPr lang="en-US" sz="2800" b="1" dirty="0">
-              <a:latin typeface="Arial" pitchFamily="34" charset="0"/>
-              <a:cs typeface="Arial" pitchFamily="34" charset="0"/>
-            </a:endParaRPr>
           </a:p>
         </p:txBody>
       </p:sp>
@@ -7402,8 +8117,8 @@
           <a:lstStyle/>
           <a:p>
             <a:endParaRPr lang="en-US" sz="2800" b="1" i="1" dirty="0">
-              <a:latin typeface="Arial" pitchFamily="34" charset="0"/>
-              <a:cs typeface="Arial" pitchFamily="34" charset="0"/>
+              <a:latin typeface="Arial" panose="020B0604020202020204" pitchFamily="34" charset="0"/>
+              <a:cs typeface="Arial" panose="020B0604020202020204" pitchFamily="34" charset="0"/>
             </a:endParaRPr>
           </a:p>
         </p:txBody>
@@ -8008,32 +8723,25 @@
           <a:lstStyle/>
           <a:p>
             <a:r>
-              <a:rPr lang="en-US" sz="1200" b="1" i="1" dirty="0" smtClean="0">
+              <a:rPr lang="en-US" sz="1200" b="1" i="1" dirty="0">
                 <a:solidFill>
                   <a:srgbClr val="0070C0"/>
                 </a:solidFill>
-                <a:latin typeface="Arial" pitchFamily="34" charset="0"/>
-                <a:cs typeface="Arial" pitchFamily="34" charset="0"/>
+                <a:latin typeface="Arial" panose="020B0604020202020204" pitchFamily="34" charset="0"/>
+                <a:cs typeface="Arial" panose="020B0604020202020204" pitchFamily="34" charset="0"/>
               </a:rPr>
               <a:t>P</a:t>
             </a:r>
             <a:r>
-              <a:rPr lang="en-US" sz="1200" b="1" i="1" baseline="-25000" dirty="0" smtClean="0">
+              <a:rPr lang="en-US" sz="1200" b="1" i="1" baseline="-25000" dirty="0">
                 <a:solidFill>
                   <a:srgbClr val="0070C0"/>
                 </a:solidFill>
-                <a:latin typeface="Arial" pitchFamily="34" charset="0"/>
-                <a:cs typeface="Arial" pitchFamily="34" charset="0"/>
+                <a:latin typeface="Arial" panose="020B0604020202020204" pitchFamily="34" charset="0"/>
+                <a:cs typeface="Arial" panose="020B0604020202020204" pitchFamily="34" charset="0"/>
               </a:rPr>
               <a:t>1</a:t>
             </a:r>
-            <a:endParaRPr lang="en-US" sz="1200" b="1" i="1" baseline="-25000" dirty="0">
-              <a:solidFill>
-                <a:srgbClr val="0070C0"/>
-              </a:solidFill>
-              <a:latin typeface="Arial" pitchFamily="34" charset="0"/>
-              <a:cs typeface="Arial" pitchFamily="34" charset="0"/>
-            </a:endParaRPr>
           </a:p>
         </p:txBody>
       </p:sp>
@@ -8060,32 +8768,25 @@
           <a:lstStyle/>
           <a:p>
             <a:r>
-              <a:rPr lang="en-US" sz="1200" b="1" i="1" dirty="0" smtClean="0">
+              <a:rPr lang="en-US" sz="1200" b="1" i="1" dirty="0">
                 <a:solidFill>
                   <a:srgbClr val="0070C0"/>
                 </a:solidFill>
-                <a:latin typeface="Arial" pitchFamily="34" charset="0"/>
-                <a:cs typeface="Arial" pitchFamily="34" charset="0"/>
+                <a:latin typeface="Arial" panose="020B0604020202020204" pitchFamily="34" charset="0"/>
+                <a:cs typeface="Arial" panose="020B0604020202020204" pitchFamily="34" charset="0"/>
               </a:rPr>
               <a:t>P</a:t>
             </a:r>
             <a:r>
-              <a:rPr lang="en-US" sz="1200" b="1" i="1" baseline="-25000" dirty="0" smtClean="0">
+              <a:rPr lang="en-US" sz="1200" b="1" i="1" baseline="-25000" dirty="0">
                 <a:solidFill>
                   <a:srgbClr val="0070C0"/>
                 </a:solidFill>
-                <a:latin typeface="Arial" pitchFamily="34" charset="0"/>
-                <a:cs typeface="Arial" pitchFamily="34" charset="0"/>
+                <a:latin typeface="Arial" panose="020B0604020202020204" pitchFamily="34" charset="0"/>
+                <a:cs typeface="Arial" panose="020B0604020202020204" pitchFamily="34" charset="0"/>
               </a:rPr>
               <a:t>2</a:t>
             </a:r>
-            <a:endParaRPr lang="en-US" sz="1200" b="1" i="1" baseline="-25000" dirty="0">
-              <a:solidFill>
-                <a:srgbClr val="0070C0"/>
-              </a:solidFill>
-              <a:latin typeface="Arial" pitchFamily="34" charset="0"/>
-              <a:cs typeface="Arial" pitchFamily="34" charset="0"/>
-            </a:endParaRPr>
           </a:p>
         </p:txBody>
       </p:sp>
@@ -8112,84 +8813,25 @@
           <a:lstStyle/>
           <a:p>
             <a:r>
-              <a:rPr lang="en-US" sz="1200" b="1" i="1" dirty="0" smtClean="0">
+              <a:rPr lang="en-US" sz="1200" b="1" i="1" dirty="0">
                 <a:solidFill>
                   <a:srgbClr val="0070C0"/>
                 </a:solidFill>
-                <a:latin typeface="Arial" pitchFamily="34" charset="0"/>
-                <a:cs typeface="Arial" pitchFamily="34" charset="0"/>
+                <a:latin typeface="Arial" panose="020B0604020202020204" pitchFamily="34" charset="0"/>
+                <a:cs typeface="Arial" panose="020B0604020202020204" pitchFamily="34" charset="0"/>
               </a:rPr>
               <a:t>P</a:t>
             </a:r>
             <a:r>
-              <a:rPr lang="en-US" sz="1200" b="1" i="1" baseline="-25000" dirty="0" smtClean="0">
+              <a:rPr lang="en-US" sz="1200" b="1" i="1" baseline="-25000" dirty="0">
                 <a:solidFill>
                   <a:srgbClr val="0070C0"/>
                 </a:solidFill>
-                <a:latin typeface="Arial" pitchFamily="34" charset="0"/>
-                <a:cs typeface="Arial" pitchFamily="34" charset="0"/>
+                <a:latin typeface="Arial" panose="020B0604020202020204" pitchFamily="34" charset="0"/>
+                <a:cs typeface="Arial" panose="020B0604020202020204" pitchFamily="34" charset="0"/>
               </a:rPr>
               <a:t>3</a:t>
             </a:r>
-            <a:endParaRPr lang="en-US" sz="1200" b="1" i="1" baseline="-25000" dirty="0">
-              <a:solidFill>
-                <a:srgbClr val="0070C0"/>
-              </a:solidFill>
-              <a:latin typeface="Arial" pitchFamily="34" charset="0"/>
-              <a:cs typeface="Arial" pitchFamily="34" charset="0"/>
-            </a:endParaRPr>
-          </a:p>
-        </p:txBody>
-      </p:sp>
-      <p:sp>
-        <p:nvSpPr>
-          <p:cNvPr id="61" name="文字方塊 60"/>
-          <p:cNvSpPr txBox="1"/>
-          <p:nvPr/>
-        </p:nvSpPr>
-        <p:spPr>
-          <a:xfrm>
-            <a:off x="6645853" y="4638747"/>
-            <a:ext cx="1382568" cy="523220"/>
-          </a:xfrm>
-          <a:prstGeom prst="rect">
-            <a:avLst/>
-          </a:prstGeom>
-          <a:noFill/>
-        </p:spPr>
-        <p:txBody>
-          <a:bodyPr wrap="square" rtlCol="0">
-            <a:spAutoFit/>
-          </a:bodyPr>
-          <a:lstStyle/>
-          <a:p>
-            <a:r>
-              <a:rPr lang="en-US" sz="2800" b="1" i="1" dirty="0" smtClean="0">
-                <a:solidFill>
-                  <a:srgbClr val="0070C0"/>
-                </a:solidFill>
-                <a:latin typeface="Arial" pitchFamily="34" charset="0"/>
-                <a:cs typeface="Arial" pitchFamily="34" charset="0"/>
-              </a:rPr>
-              <a:t>P</a:t>
-            </a:r>
-            <a:r>
-              <a:rPr lang="en-US" sz="2800" b="1" dirty="0" smtClean="0">
-                <a:solidFill>
-                  <a:srgbClr val="0070C0"/>
-                </a:solidFill>
-                <a:latin typeface="Arial" pitchFamily="34" charset="0"/>
-                <a:cs typeface="Arial" pitchFamily="34" charset="0"/>
-              </a:rPr>
-              <a:t> ± SD</a:t>
-            </a:r>
-            <a:endParaRPr lang="en-US" sz="2800" b="1" dirty="0">
-              <a:solidFill>
-                <a:srgbClr val="0070C0"/>
-              </a:solidFill>
-              <a:latin typeface="Arial" pitchFamily="34" charset="0"/>
-              <a:cs typeface="Arial" pitchFamily="34" charset="0"/>
-            </a:endParaRPr>
           </a:p>
         </p:txBody>
       </p:sp>
@@ -8229,60 +8871,106 @@
           </a:fontRef>
         </p:style>
       </p:cxnSp>
-      <p:sp>
-        <p:nvSpPr>
-          <p:cNvPr id="64" name="文字方塊 63"/>
-          <p:cNvSpPr txBox="1"/>
+      <p:grpSp>
+        <p:nvGrpSpPr>
+          <p:cNvPr id="2" name="Group 1"/>
+          <p:cNvGrpSpPr/>
           <p:nvPr/>
-        </p:nvSpPr>
-        <p:spPr>
+        </p:nvGrpSpPr>
+        <p:grpSpPr>
           <a:xfrm>
-            <a:off x="6665976" y="4581140"/>
-            <a:ext cx="914400" cy="646331"/>
+            <a:off x="6645910" y="4580890"/>
+            <a:ext cx="1381760" cy="646430"/>
+            <a:chOff x="10466" y="7214"/>
+            <a:chExt cx="2176" cy="1018"/>
           </a:xfrm>
-          <a:prstGeom prst="rect">
-            <a:avLst/>
-          </a:prstGeom>
-          <a:noFill/>
-        </p:spPr>
-        <p:txBody>
-          <a:bodyPr wrap="square" rtlCol="0">
-            <a:spAutoFit/>
-          </a:bodyPr>
-          <a:lstStyle/>
-          <a:p>
-            <a:r>
-              <a:rPr lang="en-US" sz="3600" b="1" dirty="0" smtClean="0">
-                <a:solidFill>
-                  <a:srgbClr val="0070C0"/>
-                </a:solidFill>
-                <a:latin typeface="Arial" pitchFamily="34" charset="0"/>
-                <a:cs typeface="Arial" pitchFamily="34" charset="0"/>
-              </a:rPr>
-              <a:t>¯</a:t>
-            </a:r>
-            <a:endParaRPr lang="en-US" sz="3600" b="1" dirty="0">
-              <a:solidFill>
-                <a:srgbClr val="0070C0"/>
-              </a:solidFill>
-              <a:latin typeface="Arial" pitchFamily="34" charset="0"/>
-              <a:cs typeface="Arial" pitchFamily="34" charset="0"/>
-            </a:endParaRPr>
-          </a:p>
-        </p:txBody>
-      </p:sp>
+        </p:grpSpPr>
+        <p:sp>
+          <p:nvSpPr>
+            <p:cNvPr id="61" name="文字方塊 60"/>
+            <p:cNvSpPr txBox="1"/>
+            <p:nvPr/>
+          </p:nvSpPr>
+          <p:spPr>
+            <a:xfrm>
+              <a:off x="10466" y="7305"/>
+              <a:ext cx="2177" cy="822"/>
+            </a:xfrm>
+            <a:prstGeom prst="rect">
+              <a:avLst/>
+            </a:prstGeom>
+            <a:noFill/>
+          </p:spPr>
+          <p:txBody>
+            <a:bodyPr wrap="square" rtlCol="0">
+              <a:spAutoFit/>
+            </a:bodyPr>
+            <a:lstStyle/>
+            <a:p>
+              <a:r>
+                <a:rPr lang="en-US" sz="2800" b="1" i="1" dirty="0">
+                  <a:solidFill>
+                    <a:srgbClr val="0070C0"/>
+                  </a:solidFill>
+                  <a:latin typeface="Arial" panose="020B0604020202020204" pitchFamily="34" charset="0"/>
+                  <a:cs typeface="Arial" panose="020B0604020202020204" pitchFamily="34" charset="0"/>
+                </a:rPr>
+                <a:t>P</a:t>
+              </a:r>
+              <a:r>
+                <a:rPr lang="en-US" sz="2800" b="1" dirty="0">
+                  <a:solidFill>
+                    <a:srgbClr val="0070C0"/>
+                  </a:solidFill>
+                  <a:latin typeface="Arial" panose="020B0604020202020204" pitchFamily="34" charset="0"/>
+                  <a:cs typeface="Arial" panose="020B0604020202020204" pitchFamily="34" charset="0"/>
+                </a:rPr>
+                <a:t> ± SE</a:t>
+              </a:r>
+            </a:p>
+          </p:txBody>
+        </p:sp>
+        <p:sp>
+          <p:nvSpPr>
+            <p:cNvPr id="64" name="文字方塊 63"/>
+            <p:cNvSpPr txBox="1"/>
+            <p:nvPr/>
+          </p:nvSpPr>
+          <p:spPr>
+            <a:xfrm>
+              <a:off x="10498" y="7214"/>
+              <a:ext cx="1440" cy="1018"/>
+            </a:xfrm>
+            <a:prstGeom prst="rect">
+              <a:avLst/>
+            </a:prstGeom>
+            <a:noFill/>
+          </p:spPr>
+          <p:txBody>
+            <a:bodyPr wrap="square" rtlCol="0">
+              <a:spAutoFit/>
+            </a:bodyPr>
+            <a:lstStyle/>
+            <a:p>
+              <a:r>
+                <a:rPr lang="en-US" sz="3600" b="1" dirty="0">
+                  <a:solidFill>
+                    <a:srgbClr val="0070C0"/>
+                  </a:solidFill>
+                  <a:latin typeface="Arial" panose="020B0604020202020204" pitchFamily="34" charset="0"/>
+                  <a:cs typeface="Arial" panose="020B0604020202020204" pitchFamily="34" charset="0"/>
+                </a:rPr>
+                <a:t>¯</a:t>
+              </a:r>
+            </a:p>
+          </p:txBody>
+        </p:sp>
+      </p:grpSp>
     </p:spTree>
   </p:cSld>
   <p:clrMapOvr>
     <a:masterClrMapping/>
   </p:clrMapOvr>
-  <p:timing>
-    <p:tnLst>
-      <p:par>
-        <p:cTn id="1" dur="indefinite" restart="never" nodeType="tmRoot"/>
-      </p:par>
-    </p:tnLst>
-  </p:timing>
 </p:sld>
 </file>
 
@@ -8305,7 +8993,7 @@
       </p:grpSpPr>
       <p:pic>
         <p:nvPicPr>
-          <p:cNvPr id="17" name="圖片 16" descr="aaa.png"/>
+          <p:cNvPr id="16" name="圖片 15" descr="bbb.png"/>
           <p:cNvPicPr>
             <a:picLocks noChangeAspect="1"/>
           </p:cNvPicPr>
@@ -8313,31 +9001,6 @@
         </p:nvPicPr>
         <p:blipFill>
           <a:blip r:embed="rId3" cstate="print"/>
-          <a:srcRect t="2768" r="3772" b="3772"/>
-          <a:stretch>
-            <a:fillRect/>
-          </a:stretch>
-        </p:blipFill>
-        <p:spPr>
-          <a:xfrm>
-            <a:off x="3802747" y="2968144"/>
-            <a:ext cx="5341253" cy="3889856"/>
-          </a:xfrm>
-          <a:prstGeom prst="rect">
-            <a:avLst/>
-          </a:prstGeom>
-        </p:spPr>
-      </p:pic>
-      <p:pic>
-        <p:nvPicPr>
-          <p:cNvPr id="16" name="圖片 15" descr="bbb.png"/>
-          <p:cNvPicPr>
-            <a:picLocks noChangeAspect="1"/>
-          </p:cNvPicPr>
-          <p:nvPr/>
-        </p:nvPicPr>
-        <p:blipFill>
-          <a:blip r:embed="rId4" cstate="print"/>
           <a:srcRect l="10540" t="6767" r="13860" b="8334"/>
           <a:stretch>
             <a:fillRect/>
@@ -8362,7 +9025,7 @@
           <p:nvPr/>
         </p:nvPicPr>
         <p:blipFill>
-          <a:blip r:embed="rId5" cstate="print"/>
+          <a:blip r:embed="rId4" cstate="print"/>
           <a:srcRect l="29880" r="11509"/>
           <a:stretch>
             <a:fillRect/>
@@ -8387,7 +9050,7 @@
           <p:nvPr/>
         </p:nvPicPr>
         <p:blipFill>
-          <a:blip r:embed="rId6" cstate="print"/>
+          <a:blip r:embed="rId5" cstate="print"/>
           <a:srcRect l="29730" t="15758" r="29730" b="19363"/>
           <a:stretch>
             <a:fillRect/>
@@ -8412,7 +9075,7 @@
           <p:nvPr/>
         </p:nvPicPr>
         <p:blipFill>
-          <a:blip r:embed="rId7" cstate="print"/>
+          <a:blip r:embed="rId6" cstate="print"/>
           <a:srcRect l="8416" t="15000" r="7227" b="22500"/>
           <a:stretch>
             <a:fillRect/>
@@ -8451,16 +9114,184 @@
           <a:lstStyle/>
           <a:p>
             <a:r>
-              <a:rPr lang="en-US" b="1" dirty="0" smtClean="0">
-                <a:latin typeface="Arial" pitchFamily="34" charset="0"/>
-                <a:cs typeface="Arial" pitchFamily="34" charset="0"/>
+              <a:rPr lang="en-US" b="1" dirty="0">
+                <a:latin typeface="Arial" panose="020B0604020202020204" pitchFamily="34" charset="0"/>
+                <a:cs typeface="Arial" panose="020B0604020202020204" pitchFamily="34" charset="0"/>
               </a:rPr>
               <a:t>(a)</a:t>
             </a:r>
-            <a:endParaRPr lang="en-US" b="1" dirty="0">
-              <a:latin typeface="Arial" pitchFamily="34" charset="0"/>
-              <a:cs typeface="Arial" pitchFamily="34" charset="0"/>
-            </a:endParaRPr>
+          </a:p>
+        </p:txBody>
+      </p:sp>
+      <p:sp>
+        <p:nvSpPr>
+          <p:cNvPr id="11" name="文字方塊 10"/>
+          <p:cNvSpPr txBox="1"/>
+          <p:nvPr/>
+        </p:nvSpPr>
+        <p:spPr>
+          <a:xfrm>
+            <a:off x="366689" y="3889856"/>
+            <a:ext cx="576070" cy="369332"/>
+          </a:xfrm>
+          <a:prstGeom prst="rect">
+            <a:avLst/>
+          </a:prstGeom>
+          <a:noFill/>
+        </p:spPr>
+        <p:txBody>
+          <a:bodyPr wrap="square" rtlCol="0">
+            <a:spAutoFit/>
+          </a:bodyPr>
+          <a:lstStyle/>
+          <a:p>
+            <a:r>
+              <a:rPr lang="en-US" b="1" dirty="0">
+                <a:latin typeface="Arial" panose="020B0604020202020204" pitchFamily="34" charset="0"/>
+                <a:cs typeface="Arial" panose="020B0604020202020204" pitchFamily="34" charset="0"/>
+              </a:rPr>
+              <a:t>(d)</a:t>
+            </a:r>
+          </a:p>
+        </p:txBody>
+      </p:sp>
+      <p:sp>
+        <p:nvSpPr>
+          <p:cNvPr id="12" name="文字方塊 11"/>
+          <p:cNvSpPr txBox="1"/>
+          <p:nvPr/>
+        </p:nvSpPr>
+        <p:spPr>
+          <a:xfrm>
+            <a:off x="4802428" y="491043"/>
+            <a:ext cx="576070" cy="369332"/>
+          </a:xfrm>
+          <a:prstGeom prst="rect">
+            <a:avLst/>
+          </a:prstGeom>
+          <a:noFill/>
+        </p:spPr>
+        <p:txBody>
+          <a:bodyPr wrap="square" rtlCol="0">
+            <a:spAutoFit/>
+          </a:bodyPr>
+          <a:lstStyle/>
+          <a:p>
+            <a:r>
+              <a:rPr lang="en-US" b="1" dirty="0">
+                <a:latin typeface="Arial" panose="020B0604020202020204" pitchFamily="34" charset="0"/>
+                <a:cs typeface="Arial" panose="020B0604020202020204" pitchFamily="34" charset="0"/>
+              </a:rPr>
+              <a:t>(c)</a:t>
+            </a:r>
+          </a:p>
+        </p:txBody>
+      </p:sp>
+      <p:sp>
+        <p:nvSpPr>
+          <p:cNvPr id="13" name="文字方塊 12"/>
+          <p:cNvSpPr txBox="1"/>
+          <p:nvPr/>
+        </p:nvSpPr>
+        <p:spPr>
+          <a:xfrm>
+            <a:off x="2843790" y="491043"/>
+            <a:ext cx="576070" cy="369332"/>
+          </a:xfrm>
+          <a:prstGeom prst="rect">
+            <a:avLst/>
+          </a:prstGeom>
+          <a:noFill/>
+        </p:spPr>
+        <p:txBody>
+          <a:bodyPr wrap="square" rtlCol="0">
+            <a:spAutoFit/>
+          </a:bodyPr>
+          <a:lstStyle/>
+          <a:p>
+            <a:r>
+              <a:rPr lang="en-US" b="1" dirty="0">
+                <a:latin typeface="Arial" panose="020B0604020202020204" pitchFamily="34" charset="0"/>
+                <a:cs typeface="Arial" panose="020B0604020202020204" pitchFamily="34" charset="0"/>
+              </a:rPr>
+              <a:t>(b)</a:t>
+            </a:r>
+          </a:p>
+        </p:txBody>
+      </p:sp>
+      <p:pic>
+        <p:nvPicPr>
+          <p:cNvPr id="14" name="Content Placeholder 13" descr="Figures"/>
+          <p:cNvPicPr>
+            <a:picLocks noGrp="1" noChangeAspect="1"/>
+          </p:cNvPicPr>
+          <p:nvPr>
+            <p:ph idx="1"/>
+          </p:nvPr>
+        </p:nvPicPr>
+        <p:blipFill>
+          <a:blip r:embed="rId7"/>
+          <a:srcRect l="5767" t="6608" r="4599" b="3493"/>
+          <a:stretch>
+            <a:fillRect/>
+          </a:stretch>
+        </p:blipFill>
+        <p:spPr>
+          <a:xfrm>
+            <a:off x="4168775" y="3141345"/>
+            <a:ext cx="4892675" cy="3680460"/>
+          </a:xfrm>
+          <a:prstGeom prst="rect">
+            <a:avLst/>
+          </a:prstGeom>
+        </p:spPr>
+      </p:pic>
+      <p:sp>
+        <p:nvSpPr>
+          <p:cNvPr id="2" name="Rectangles 1"/>
+          <p:cNvSpPr/>
+          <p:nvPr/>
+        </p:nvSpPr>
+        <p:spPr>
+          <a:xfrm>
+            <a:off x="4975225" y="4984115"/>
+            <a:ext cx="393700" cy="1612900"/>
+          </a:xfrm>
+          <a:prstGeom prst="rect">
+            <a:avLst/>
+          </a:prstGeom>
+          <a:solidFill>
+            <a:schemeClr val="bg1"/>
+          </a:solidFill>
+          <a:ln w="28575" cmpd="sng">
+            <a:solidFill>
+              <a:schemeClr val="bg1"/>
+            </a:solidFill>
+            <a:prstDash val="solid"/>
+          </a:ln>
+        </p:spPr>
+        <p:style>
+          <a:lnRef idx="2">
+            <a:schemeClr val="accent1">
+              <a:shade val="50000"/>
+            </a:schemeClr>
+          </a:lnRef>
+          <a:fillRef idx="1">
+            <a:schemeClr val="accent1"/>
+          </a:fillRef>
+          <a:effectRef idx="0">
+            <a:schemeClr val="accent1"/>
+          </a:effectRef>
+          <a:fontRef idx="minor">
+            <a:schemeClr val="lt1"/>
+          </a:fontRef>
+        </p:style>
+        <p:txBody>
+          <a:bodyPr rtlCol="0" anchor="ctr"/>
+          <a:lstStyle/>
+          <a:p>
+            <a:pPr algn="ctr"/>
+            <a:endParaRPr lang="en-US"/>
           </a:p>
         </p:txBody>
       </p:sp>
@@ -8487,124 +9318,12 @@
           <a:lstStyle/>
           <a:p>
             <a:r>
-              <a:rPr lang="en-US" b="1" dirty="0" smtClean="0">
-                <a:latin typeface="Arial" pitchFamily="34" charset="0"/>
-                <a:cs typeface="Arial" pitchFamily="34" charset="0"/>
+              <a:rPr lang="en-US" b="1" dirty="0">
+                <a:latin typeface="Arial" panose="020B0604020202020204" pitchFamily="34" charset="0"/>
+                <a:cs typeface="Arial" panose="020B0604020202020204" pitchFamily="34" charset="0"/>
               </a:rPr>
               <a:t>(e)</a:t>
             </a:r>
-            <a:endParaRPr lang="en-US" b="1" dirty="0">
-              <a:latin typeface="Arial" pitchFamily="34" charset="0"/>
-              <a:cs typeface="Arial" pitchFamily="34" charset="0"/>
-            </a:endParaRPr>
-          </a:p>
-        </p:txBody>
-      </p:sp>
-      <p:sp>
-        <p:nvSpPr>
-          <p:cNvPr id="11" name="文字方塊 10"/>
-          <p:cNvSpPr txBox="1"/>
-          <p:nvPr/>
-        </p:nvSpPr>
-        <p:spPr>
-          <a:xfrm>
-            <a:off x="366689" y="3889856"/>
-            <a:ext cx="576070" cy="369332"/>
-          </a:xfrm>
-          <a:prstGeom prst="rect">
-            <a:avLst/>
-          </a:prstGeom>
-          <a:noFill/>
-        </p:spPr>
-        <p:txBody>
-          <a:bodyPr wrap="square" rtlCol="0">
-            <a:spAutoFit/>
-          </a:bodyPr>
-          <a:lstStyle/>
-          <a:p>
-            <a:r>
-              <a:rPr lang="en-US" b="1" dirty="0" smtClean="0">
-                <a:latin typeface="Arial" pitchFamily="34" charset="0"/>
-                <a:cs typeface="Arial" pitchFamily="34" charset="0"/>
-              </a:rPr>
-              <a:t>(d)</a:t>
-            </a:r>
-            <a:endParaRPr lang="en-US" b="1" dirty="0">
-              <a:latin typeface="Arial" pitchFamily="34" charset="0"/>
-              <a:cs typeface="Arial" pitchFamily="34" charset="0"/>
-            </a:endParaRPr>
-          </a:p>
-        </p:txBody>
-      </p:sp>
-      <p:sp>
-        <p:nvSpPr>
-          <p:cNvPr id="12" name="文字方塊 11"/>
-          <p:cNvSpPr txBox="1"/>
-          <p:nvPr/>
-        </p:nvSpPr>
-        <p:spPr>
-          <a:xfrm>
-            <a:off x="4802428" y="491043"/>
-            <a:ext cx="576070" cy="369332"/>
-          </a:xfrm>
-          <a:prstGeom prst="rect">
-            <a:avLst/>
-          </a:prstGeom>
-          <a:noFill/>
-        </p:spPr>
-        <p:txBody>
-          <a:bodyPr wrap="square" rtlCol="0">
-            <a:spAutoFit/>
-          </a:bodyPr>
-          <a:lstStyle/>
-          <a:p>
-            <a:r>
-              <a:rPr lang="en-US" b="1" dirty="0" smtClean="0">
-                <a:latin typeface="Arial" pitchFamily="34" charset="0"/>
-                <a:cs typeface="Arial" pitchFamily="34" charset="0"/>
-              </a:rPr>
-              <a:t>(c)</a:t>
-            </a:r>
-            <a:endParaRPr lang="en-US" b="1" dirty="0">
-              <a:latin typeface="Arial" pitchFamily="34" charset="0"/>
-              <a:cs typeface="Arial" pitchFamily="34" charset="0"/>
-            </a:endParaRPr>
-          </a:p>
-        </p:txBody>
-      </p:sp>
-      <p:sp>
-        <p:nvSpPr>
-          <p:cNvPr id="13" name="文字方塊 12"/>
-          <p:cNvSpPr txBox="1"/>
-          <p:nvPr/>
-        </p:nvSpPr>
-        <p:spPr>
-          <a:xfrm>
-            <a:off x="2843790" y="491043"/>
-            <a:ext cx="576070" cy="369332"/>
-          </a:xfrm>
-          <a:prstGeom prst="rect">
-            <a:avLst/>
-          </a:prstGeom>
-          <a:noFill/>
-        </p:spPr>
-        <p:txBody>
-          <a:bodyPr wrap="square" rtlCol="0">
-            <a:spAutoFit/>
-          </a:bodyPr>
-          <a:lstStyle/>
-          <a:p>
-            <a:r>
-              <a:rPr lang="en-US" b="1" dirty="0" smtClean="0">
-                <a:latin typeface="Arial" pitchFamily="34" charset="0"/>
-                <a:cs typeface="Arial" pitchFamily="34" charset="0"/>
-              </a:rPr>
-              <a:t>(b)</a:t>
-            </a:r>
-            <a:endParaRPr lang="en-US" b="1" dirty="0">
-              <a:latin typeface="Arial" pitchFamily="34" charset="0"/>
-              <a:cs typeface="Arial" pitchFamily="34" charset="0"/>
-            </a:endParaRPr>
           </a:p>
         </p:txBody>
       </p:sp>
@@ -8613,13 +9332,6 @@
   <p:clrMapOvr>
     <a:masterClrMapping/>
   </p:clrMapOvr>
-  <p:timing>
-    <p:tnLst>
-      <p:par>
-        <p:cTn id="1" dur="indefinite" restart="never" nodeType="tmRoot"/>
-      </p:par>
-    </p:tnLst>
-  </p:timing>
 </p:sld>
 </file>
 
@@ -8648,7 +9360,7 @@
         </p:nvGrpSpPr>
         <p:grpSpPr>
           <a:xfrm>
-            <a:off x="2325327" y="433436"/>
+            <a:off x="3246712" y="1643111"/>
             <a:ext cx="731520" cy="731520"/>
             <a:chOff x="2325327" y="491043"/>
             <a:chExt cx="935428" cy="921712"/>
@@ -8793,7 +9505,7 @@
         </p:nvGrpSpPr>
         <p:grpSpPr>
           <a:xfrm>
-            <a:off x="6012175" y="433436"/>
+            <a:off x="6933560" y="1643111"/>
             <a:ext cx="731520" cy="731520"/>
             <a:chOff x="6747350" y="491043"/>
             <a:chExt cx="935428" cy="921712"/>
@@ -8938,7 +9650,7 @@
         </p:nvGrpSpPr>
         <p:grpSpPr>
           <a:xfrm>
-            <a:off x="3247039" y="433436"/>
+            <a:off x="4168424" y="1643111"/>
             <a:ext cx="731520" cy="731520"/>
             <a:chOff x="3430833" y="491043"/>
             <a:chExt cx="935428" cy="921712"/>
@@ -9107,7 +9819,7 @@
         </p:nvGrpSpPr>
         <p:grpSpPr>
           <a:xfrm>
-            <a:off x="4206240" y="433436"/>
+            <a:off x="5127625" y="1643111"/>
             <a:ext cx="731520" cy="731520"/>
             <a:chOff x="4536339" y="491043"/>
             <a:chExt cx="935428" cy="921712"/>
@@ -9276,7 +9988,7 @@
         </p:nvGrpSpPr>
         <p:grpSpPr>
           <a:xfrm>
-            <a:off x="5090463" y="433436"/>
+            <a:off x="6011848" y="1643111"/>
             <a:ext cx="731520" cy="731520"/>
             <a:chOff x="5641844" y="491043"/>
             <a:chExt cx="957920" cy="921712"/>
@@ -9446,7 +10158,7 @@
           <p:nvPr/>
         </p:nvGraphicFramePr>
         <p:xfrm>
-          <a:off x="309082" y="318222"/>
+          <a:off x="1230467" y="1527897"/>
           <a:ext cx="6509592" cy="3631685"/>
         </p:xfrm>
         <a:graphic>
@@ -9456,14 +10168,50 @@
                 <a:tableStyleId>{5C22544A-7EE6-4342-B048-85BDC9FD1C3A}</a:tableStyleId>
               </a:tblPr>
               <a:tblGrid>
-                <a:gridCol w="1894582"/>
-                <a:gridCol w="923002"/>
-                <a:gridCol w="923002"/>
-                <a:gridCol w="923002"/>
-                <a:gridCol w="923002"/>
-                <a:gridCol w="923002"/>
+                <a:gridCol w="1894582">
+                  <a:extLst>
+                    <a:ext uri="{9D8B030D-6E8A-4147-A177-3AD203B41FA5}">
+                      <a16:colId xmlns:a16="http://schemas.microsoft.com/office/drawing/2014/main" val="20000"/>
+                    </a:ext>
+                  </a:extLst>
+                </a:gridCol>
+                <a:gridCol w="923002">
+                  <a:extLst>
+                    <a:ext uri="{9D8B030D-6E8A-4147-A177-3AD203B41FA5}">
+                      <a16:colId xmlns:a16="http://schemas.microsoft.com/office/drawing/2014/main" val="20001"/>
+                    </a:ext>
+                  </a:extLst>
+                </a:gridCol>
+                <a:gridCol w="923002">
+                  <a:extLst>
+                    <a:ext uri="{9D8B030D-6E8A-4147-A177-3AD203B41FA5}">
+                      <a16:colId xmlns:a16="http://schemas.microsoft.com/office/drawing/2014/main" val="20002"/>
+                    </a:ext>
+                  </a:extLst>
+                </a:gridCol>
+                <a:gridCol w="923002">
+                  <a:extLst>
+                    <a:ext uri="{9D8B030D-6E8A-4147-A177-3AD203B41FA5}">
+                      <a16:colId xmlns:a16="http://schemas.microsoft.com/office/drawing/2014/main" val="20003"/>
+                    </a:ext>
+                  </a:extLst>
+                </a:gridCol>
+                <a:gridCol w="923002">
+                  <a:extLst>
+                    <a:ext uri="{9D8B030D-6E8A-4147-A177-3AD203B41FA5}">
+                      <a16:colId xmlns:a16="http://schemas.microsoft.com/office/drawing/2014/main" val="20004"/>
+                    </a:ext>
+                  </a:extLst>
+                </a:gridCol>
+                <a:gridCol w="923002">
+                  <a:extLst>
+                    <a:ext uri="{9D8B030D-6E8A-4147-A177-3AD203B41FA5}">
+                      <a16:colId xmlns:a16="http://schemas.microsoft.com/office/drawing/2014/main" val="20005"/>
+                    </a:ext>
+                  </a:extLst>
+                </a:gridCol>
               </a:tblGrid>
-              <a:tr h="943848">
+              <a:tr h="944880">
                 <a:tc>
                   <a:txBody>
                     <a:bodyPr/>
@@ -9471,28 +10219,28 @@
                     <a:p>
                       <a:pPr algn="ctr"/>
                       <a:r>
-                        <a:rPr lang="en-US" sz="2800" b="1" dirty="0" smtClean="0">
+                        <a:rPr lang="en-US" sz="2800" b="1" dirty="0">
                           <a:ln>
                             <a:noFill/>
                           </a:ln>
                           <a:solidFill>
                             <a:sysClr val="windowText" lastClr="000000"/>
                           </a:solidFill>
-                          <a:latin typeface="Arial" pitchFamily="34" charset="0"/>
-                          <a:cs typeface="Arial" pitchFamily="34" charset="0"/>
+                          <a:latin typeface="Arial" panose="020B0604020202020204" pitchFamily="34" charset="0"/>
+                          <a:cs typeface="Arial" panose="020B0604020202020204" pitchFamily="34" charset="0"/>
                         </a:rPr>
                         <a:t>Diet</a:t>
                       </a:r>
                       <a:r>
-                        <a:rPr lang="en-US" sz="2800" b="1" baseline="0" dirty="0" smtClean="0">
+                        <a:rPr lang="en-US" sz="2800" b="1" baseline="0" dirty="0">
                           <a:ln>
                             <a:noFill/>
                           </a:ln>
                           <a:solidFill>
                             <a:sysClr val="windowText" lastClr="000000"/>
                           </a:solidFill>
-                          <a:latin typeface="Arial" pitchFamily="34" charset="0"/>
-                          <a:cs typeface="Arial" pitchFamily="34" charset="0"/>
+                          <a:latin typeface="Arial" panose="020B0604020202020204" pitchFamily="34" charset="0"/>
+                          <a:cs typeface="Arial" panose="020B0604020202020204" pitchFamily="34" charset="0"/>
                         </a:rPr>
                         <a:t> treatment</a:t>
                       </a:r>
@@ -9503,8 +10251,8 @@
                         <a:solidFill>
                           <a:sysClr val="windowText" lastClr="000000"/>
                         </a:solidFill>
-                        <a:latin typeface="Arial" pitchFamily="34" charset="0"/>
-                        <a:cs typeface="Arial" pitchFamily="34" charset="0"/>
+                        <a:latin typeface="Arial" panose="020B0604020202020204" pitchFamily="34" charset="0"/>
+                        <a:cs typeface="Arial" panose="020B0604020202020204" pitchFamily="34" charset="0"/>
                       </a:endParaRPr>
                     </a:p>
                   </a:txBody>
@@ -9561,8 +10309,8 @@
                         <a:solidFill>
                           <a:sysClr val="windowText" lastClr="000000"/>
                         </a:solidFill>
-                        <a:latin typeface="Arial" pitchFamily="34" charset="0"/>
-                        <a:cs typeface="Arial" pitchFamily="34" charset="0"/>
+                        <a:latin typeface="Arial" panose="020B0604020202020204" pitchFamily="34" charset="0"/>
+                        <a:cs typeface="Arial" panose="020B0604020202020204" pitchFamily="34" charset="0"/>
                       </a:endParaRPr>
                     </a:p>
                   </a:txBody>
@@ -9619,8 +10367,8 @@
                         <a:solidFill>
                           <a:sysClr val="windowText" lastClr="000000"/>
                         </a:solidFill>
-                        <a:latin typeface="Arial" pitchFamily="34" charset="0"/>
-                        <a:cs typeface="Arial" pitchFamily="34" charset="0"/>
+                        <a:latin typeface="Arial" panose="020B0604020202020204" pitchFamily="34" charset="0"/>
+                        <a:cs typeface="Arial" panose="020B0604020202020204" pitchFamily="34" charset="0"/>
                       </a:endParaRPr>
                     </a:p>
                   </a:txBody>
@@ -9677,8 +10425,8 @@
                         <a:solidFill>
                           <a:sysClr val="windowText" lastClr="000000"/>
                         </a:solidFill>
-                        <a:latin typeface="Arial" pitchFamily="34" charset="0"/>
-                        <a:cs typeface="Arial" pitchFamily="34" charset="0"/>
+                        <a:latin typeface="Arial" panose="020B0604020202020204" pitchFamily="34" charset="0"/>
+                        <a:cs typeface="Arial" panose="020B0604020202020204" pitchFamily="34" charset="0"/>
                       </a:endParaRPr>
                     </a:p>
                   </a:txBody>
@@ -9735,8 +10483,8 @@
                         <a:solidFill>
                           <a:sysClr val="windowText" lastClr="000000"/>
                         </a:solidFill>
-                        <a:latin typeface="Arial" pitchFamily="34" charset="0"/>
-                        <a:cs typeface="Arial" pitchFamily="34" charset="0"/>
+                        <a:latin typeface="Arial" panose="020B0604020202020204" pitchFamily="34" charset="0"/>
+                        <a:cs typeface="Arial" panose="020B0604020202020204" pitchFamily="34" charset="0"/>
                       </a:endParaRPr>
                     </a:p>
                   </a:txBody>
@@ -9793,8 +10541,8 @@
                         <a:solidFill>
                           <a:sysClr val="windowText" lastClr="000000"/>
                         </a:solidFill>
-                        <a:latin typeface="Arial" pitchFamily="34" charset="0"/>
-                        <a:cs typeface="Arial" pitchFamily="34" charset="0"/>
+                        <a:latin typeface="Arial" panose="020B0604020202020204" pitchFamily="34" charset="0"/>
+                        <a:cs typeface="Arial" panose="020B0604020202020204" pitchFamily="34" charset="0"/>
                       </a:endParaRPr>
                     </a:p>
                   </a:txBody>
@@ -9838,6 +10586,11 @@
                     <a:noFill/>
                   </a:tcPr>
                 </a:tc>
+                <a:extLst>
+                  <a:ext uri="{0D108BD9-81ED-4DB2-BD59-A6C34878D82A}">
+                    <a16:rowId xmlns:a16="http://schemas.microsoft.com/office/drawing/2014/main" val="10000"/>
+                  </a:ext>
+                </a:extLst>
               </a:tr>
               <a:tr h="487141">
                 <a:tc>
@@ -9847,28 +10600,18 @@
                     <a:p>
                       <a:pPr algn="ctr"/>
                       <a:r>
-                        <a:rPr lang="en-US" sz="2800" b="1" i="1" dirty="0" smtClean="0">
+                        <a:rPr lang="en-US" sz="2800" b="1" i="1" dirty="0">
                           <a:ln>
                             <a:noFill/>
                           </a:ln>
                           <a:solidFill>
                             <a:sysClr val="windowText" lastClr="000000"/>
                           </a:solidFill>
-                          <a:latin typeface="Arial" pitchFamily="34" charset="0"/>
-                          <a:cs typeface="Arial" pitchFamily="34" charset="0"/>
+                          <a:latin typeface="Arial" panose="020B0604020202020204" pitchFamily="34" charset="0"/>
+                          <a:cs typeface="Arial" panose="020B0604020202020204" pitchFamily="34" charset="0"/>
                         </a:rPr>
                         <a:t>N</a:t>
                       </a:r>
-                      <a:endParaRPr lang="en-US" sz="2800" b="1" i="1" dirty="0">
-                        <a:ln>
-                          <a:noFill/>
-                        </a:ln>
-                        <a:solidFill>
-                          <a:sysClr val="windowText" lastClr="000000"/>
-                        </a:solidFill>
-                        <a:latin typeface="Arial" pitchFamily="34" charset="0"/>
-                        <a:cs typeface="Arial" pitchFamily="34" charset="0"/>
-                      </a:endParaRPr>
                     </a:p>
                   </a:txBody>
                   <a:tcPr anchor="ctr">
@@ -9918,54 +10661,44 @@
                     <a:p>
                       <a:pPr algn="ctr"/>
                       <a:r>
-                        <a:rPr lang="en-US" sz="2000" dirty="0" smtClean="0">
+                        <a:rPr lang="en-US" sz="2000" dirty="0">
                           <a:ln>
                             <a:noFill/>
                           </a:ln>
                           <a:solidFill>
                             <a:srgbClr val="00B050"/>
                           </a:solidFill>
-                          <a:latin typeface="Arial" pitchFamily="34" charset="0"/>
-                          <a:cs typeface="Arial" pitchFamily="34" charset="0"/>
+                          <a:latin typeface="Arial" panose="020B0604020202020204" pitchFamily="34" charset="0"/>
+                          <a:cs typeface="Arial" panose="020B0604020202020204" pitchFamily="34" charset="0"/>
                         </a:rPr>
                         <a:t>12</a:t>
                       </a:r>
                       <a:r>
-                        <a:rPr lang="en-US" sz="2000" dirty="0" smtClean="0">
+                        <a:rPr lang="en-US" sz="2000" dirty="0">
                           <a:ln>
                             <a:noFill/>
                           </a:ln>
                           <a:solidFill>
                             <a:sysClr val="windowText" lastClr="000000"/>
                           </a:solidFill>
-                          <a:latin typeface="Arial" pitchFamily="34" charset="0"/>
-                          <a:cs typeface="Arial" pitchFamily="34" charset="0"/>
+                          <a:latin typeface="Arial" panose="020B0604020202020204" pitchFamily="34" charset="0"/>
+                          <a:cs typeface="Arial" panose="020B0604020202020204" pitchFamily="34" charset="0"/>
                         </a:rPr>
                         <a:t>/</a:t>
                       </a:r>
                       <a:r>
-                        <a:rPr lang="en-US" sz="2000" dirty="0" smtClean="0">
+                        <a:rPr lang="en-US" sz="2000" dirty="0">
                           <a:ln>
                             <a:noFill/>
                           </a:ln>
                           <a:solidFill>
                             <a:srgbClr val="FFC000"/>
                           </a:solidFill>
-                          <a:latin typeface="Arial" pitchFamily="34" charset="0"/>
-                          <a:cs typeface="Arial" pitchFamily="34" charset="0"/>
+                          <a:latin typeface="Arial" panose="020B0604020202020204" pitchFamily="34" charset="0"/>
+                          <a:cs typeface="Arial" panose="020B0604020202020204" pitchFamily="34" charset="0"/>
                         </a:rPr>
                         <a:t>0</a:t>
                       </a:r>
-                      <a:endParaRPr lang="en-US" sz="2000" dirty="0">
-                        <a:ln>
-                          <a:noFill/>
-                        </a:ln>
-                        <a:solidFill>
-                          <a:srgbClr val="FFC000"/>
-                        </a:solidFill>
-                        <a:latin typeface="Arial" pitchFamily="34" charset="0"/>
-                        <a:cs typeface="Arial" pitchFamily="34" charset="0"/>
-                      </a:endParaRPr>
                     </a:p>
                   </a:txBody>
                   <a:tcPr anchor="ctr">
@@ -10015,54 +10748,44 @@
                     <a:p>
                       <a:pPr algn="ctr"/>
                       <a:r>
-                        <a:rPr lang="en-US" sz="2000" dirty="0" smtClean="0">
+                        <a:rPr lang="en-US" sz="2000" dirty="0">
                           <a:ln>
                             <a:noFill/>
                           </a:ln>
                           <a:solidFill>
                             <a:srgbClr val="00B050"/>
                           </a:solidFill>
-                          <a:latin typeface="Arial" pitchFamily="34" charset="0"/>
-                          <a:cs typeface="Arial" pitchFamily="34" charset="0"/>
+                          <a:latin typeface="Arial" panose="020B0604020202020204" pitchFamily="34" charset="0"/>
+                          <a:cs typeface="Arial" panose="020B0604020202020204" pitchFamily="34" charset="0"/>
                         </a:rPr>
                         <a:t>9</a:t>
                       </a:r>
                       <a:r>
-                        <a:rPr lang="en-US" sz="2000" dirty="0" smtClean="0">
+                        <a:rPr lang="en-US" sz="2000" dirty="0">
                           <a:ln>
                             <a:noFill/>
                           </a:ln>
                           <a:solidFill>
                             <a:sysClr val="windowText" lastClr="000000"/>
                           </a:solidFill>
-                          <a:latin typeface="Arial" pitchFamily="34" charset="0"/>
-                          <a:cs typeface="Arial" pitchFamily="34" charset="0"/>
+                          <a:latin typeface="Arial" panose="020B0604020202020204" pitchFamily="34" charset="0"/>
+                          <a:cs typeface="Arial" panose="020B0604020202020204" pitchFamily="34" charset="0"/>
                         </a:rPr>
                         <a:t>/</a:t>
                       </a:r>
                       <a:r>
-                        <a:rPr lang="en-US" sz="2000" dirty="0" smtClean="0">
+                        <a:rPr lang="en-US" sz="2000" dirty="0">
                           <a:ln>
                             <a:noFill/>
                           </a:ln>
                           <a:solidFill>
                             <a:srgbClr val="FFC000"/>
                           </a:solidFill>
-                          <a:latin typeface="Arial" pitchFamily="34" charset="0"/>
-                          <a:cs typeface="Arial" pitchFamily="34" charset="0"/>
+                          <a:latin typeface="Arial" panose="020B0604020202020204" pitchFamily="34" charset="0"/>
+                          <a:cs typeface="Arial" panose="020B0604020202020204" pitchFamily="34" charset="0"/>
                         </a:rPr>
                         <a:t>3</a:t>
                       </a:r>
-                      <a:endParaRPr lang="en-US" sz="2000" dirty="0">
-                        <a:ln>
-                          <a:noFill/>
-                        </a:ln>
-                        <a:solidFill>
-                          <a:srgbClr val="FFC000"/>
-                        </a:solidFill>
-                        <a:latin typeface="Arial" pitchFamily="34" charset="0"/>
-                        <a:cs typeface="Arial" pitchFamily="34" charset="0"/>
-                      </a:endParaRPr>
                     </a:p>
                   </a:txBody>
                   <a:tcPr anchor="ctr">
@@ -10112,54 +10835,44 @@
                     <a:p>
                       <a:pPr algn="ctr"/>
                       <a:r>
-                        <a:rPr lang="en-US" sz="2000" dirty="0" smtClean="0">
+                        <a:rPr lang="en-US" sz="2000" dirty="0">
                           <a:ln>
                             <a:noFill/>
                           </a:ln>
                           <a:solidFill>
                             <a:srgbClr val="00B050"/>
                           </a:solidFill>
-                          <a:latin typeface="Arial" pitchFamily="34" charset="0"/>
-                          <a:cs typeface="Arial" pitchFamily="34" charset="0"/>
+                          <a:latin typeface="Arial" panose="020B0604020202020204" pitchFamily="34" charset="0"/>
+                          <a:cs typeface="Arial" panose="020B0604020202020204" pitchFamily="34" charset="0"/>
                         </a:rPr>
                         <a:t>6</a:t>
                       </a:r>
                       <a:r>
-                        <a:rPr lang="en-US" sz="2000" dirty="0" smtClean="0">
+                        <a:rPr lang="en-US" sz="2000" dirty="0">
                           <a:ln>
                             <a:noFill/>
                           </a:ln>
                           <a:solidFill>
                             <a:sysClr val="windowText" lastClr="000000"/>
                           </a:solidFill>
-                          <a:latin typeface="Arial" pitchFamily="34" charset="0"/>
-                          <a:cs typeface="Arial" pitchFamily="34" charset="0"/>
+                          <a:latin typeface="Arial" panose="020B0604020202020204" pitchFamily="34" charset="0"/>
+                          <a:cs typeface="Arial" panose="020B0604020202020204" pitchFamily="34" charset="0"/>
                         </a:rPr>
                         <a:t>/</a:t>
                       </a:r>
                       <a:r>
-                        <a:rPr lang="en-US" sz="2000" dirty="0" smtClean="0">
+                        <a:rPr lang="en-US" sz="2000" dirty="0">
                           <a:ln>
                             <a:noFill/>
                           </a:ln>
                           <a:solidFill>
                             <a:srgbClr val="FFC000"/>
                           </a:solidFill>
-                          <a:latin typeface="Arial" pitchFamily="34" charset="0"/>
-                          <a:cs typeface="Arial" pitchFamily="34" charset="0"/>
+                          <a:latin typeface="Arial" panose="020B0604020202020204" pitchFamily="34" charset="0"/>
+                          <a:cs typeface="Arial" panose="020B0604020202020204" pitchFamily="34" charset="0"/>
                         </a:rPr>
                         <a:t>6</a:t>
                       </a:r>
-                      <a:endParaRPr lang="en-US" sz="2000" dirty="0">
-                        <a:ln>
-                          <a:noFill/>
-                        </a:ln>
-                        <a:solidFill>
-                          <a:srgbClr val="FFC000"/>
-                        </a:solidFill>
-                        <a:latin typeface="Arial" pitchFamily="34" charset="0"/>
-                        <a:cs typeface="Arial" pitchFamily="34" charset="0"/>
-                      </a:endParaRPr>
                     </a:p>
                   </a:txBody>
                   <a:tcPr anchor="ctr">
@@ -10209,54 +10922,44 @@
                     <a:p>
                       <a:pPr algn="ctr"/>
                       <a:r>
-                        <a:rPr lang="en-US" sz="2000" dirty="0" smtClean="0">
+                        <a:rPr lang="en-US" sz="2000" dirty="0">
                           <a:ln>
                             <a:noFill/>
                           </a:ln>
                           <a:solidFill>
                             <a:srgbClr val="00B050"/>
                           </a:solidFill>
-                          <a:latin typeface="Arial" pitchFamily="34" charset="0"/>
-                          <a:cs typeface="Arial" pitchFamily="34" charset="0"/>
+                          <a:latin typeface="Arial" panose="020B0604020202020204" pitchFamily="34" charset="0"/>
+                          <a:cs typeface="Arial" panose="020B0604020202020204" pitchFamily="34" charset="0"/>
                         </a:rPr>
                         <a:t>3</a:t>
                       </a:r>
                       <a:r>
-                        <a:rPr lang="en-US" sz="2000" dirty="0" smtClean="0">
+                        <a:rPr lang="en-US" sz="2000" dirty="0">
                           <a:ln>
                             <a:noFill/>
                           </a:ln>
                           <a:solidFill>
                             <a:sysClr val="windowText" lastClr="000000"/>
                           </a:solidFill>
-                          <a:latin typeface="Arial" pitchFamily="34" charset="0"/>
-                          <a:cs typeface="Arial" pitchFamily="34" charset="0"/>
+                          <a:latin typeface="Arial" panose="020B0604020202020204" pitchFamily="34" charset="0"/>
+                          <a:cs typeface="Arial" panose="020B0604020202020204" pitchFamily="34" charset="0"/>
                         </a:rPr>
                         <a:t>/</a:t>
                       </a:r>
                       <a:r>
-                        <a:rPr lang="en-US" sz="2000" dirty="0" smtClean="0">
+                        <a:rPr lang="en-US" sz="2000" dirty="0">
                           <a:ln>
                             <a:noFill/>
                           </a:ln>
                           <a:solidFill>
                             <a:srgbClr val="FFC000"/>
                           </a:solidFill>
-                          <a:latin typeface="Arial" pitchFamily="34" charset="0"/>
-                          <a:cs typeface="Arial" pitchFamily="34" charset="0"/>
+                          <a:latin typeface="Arial" panose="020B0604020202020204" pitchFamily="34" charset="0"/>
+                          <a:cs typeface="Arial" panose="020B0604020202020204" pitchFamily="34" charset="0"/>
                         </a:rPr>
                         <a:t>9</a:t>
                       </a:r>
-                      <a:endParaRPr lang="en-US" sz="2000" dirty="0">
-                        <a:ln>
-                          <a:noFill/>
-                        </a:ln>
-                        <a:solidFill>
-                          <a:srgbClr val="FFC000"/>
-                        </a:solidFill>
-                        <a:latin typeface="Arial" pitchFamily="34" charset="0"/>
-                        <a:cs typeface="Arial" pitchFamily="34" charset="0"/>
-                      </a:endParaRPr>
                     </a:p>
                   </a:txBody>
                   <a:tcPr anchor="ctr">
@@ -10306,54 +11009,44 @@
                     <a:p>
                       <a:pPr algn="ctr"/>
                       <a:r>
-                        <a:rPr lang="en-US" sz="2000" dirty="0" smtClean="0">
+                        <a:rPr lang="en-US" sz="2000" dirty="0">
                           <a:ln>
                             <a:noFill/>
                           </a:ln>
                           <a:solidFill>
                             <a:srgbClr val="00B050"/>
                           </a:solidFill>
-                          <a:latin typeface="Arial" pitchFamily="34" charset="0"/>
-                          <a:cs typeface="Arial" pitchFamily="34" charset="0"/>
+                          <a:latin typeface="Arial" panose="020B0604020202020204" pitchFamily="34" charset="0"/>
+                          <a:cs typeface="Arial" panose="020B0604020202020204" pitchFamily="34" charset="0"/>
                         </a:rPr>
                         <a:t>0</a:t>
                       </a:r>
                       <a:r>
-                        <a:rPr lang="en-US" sz="2000" dirty="0" smtClean="0">
+                        <a:rPr lang="en-US" sz="2000" dirty="0">
                           <a:ln>
                             <a:noFill/>
                           </a:ln>
                           <a:solidFill>
                             <a:sysClr val="windowText" lastClr="000000"/>
                           </a:solidFill>
-                          <a:latin typeface="Arial" pitchFamily="34" charset="0"/>
-                          <a:cs typeface="Arial" pitchFamily="34" charset="0"/>
+                          <a:latin typeface="Arial" panose="020B0604020202020204" pitchFamily="34" charset="0"/>
+                          <a:cs typeface="Arial" panose="020B0604020202020204" pitchFamily="34" charset="0"/>
                         </a:rPr>
                         <a:t>/</a:t>
                       </a:r>
                       <a:r>
-                        <a:rPr lang="en-US" sz="2000" dirty="0" smtClean="0">
+                        <a:rPr lang="en-US" sz="2000" dirty="0">
                           <a:ln>
                             <a:noFill/>
                           </a:ln>
                           <a:solidFill>
                             <a:srgbClr val="FFC000"/>
                           </a:solidFill>
-                          <a:latin typeface="Arial" pitchFamily="34" charset="0"/>
-                          <a:cs typeface="Arial" pitchFamily="34" charset="0"/>
+                          <a:latin typeface="Arial" panose="020B0604020202020204" pitchFamily="34" charset="0"/>
+                          <a:cs typeface="Arial" panose="020B0604020202020204" pitchFamily="34" charset="0"/>
                         </a:rPr>
                         <a:t>12</a:t>
                       </a:r>
-                      <a:endParaRPr lang="en-US" sz="2000" dirty="0">
-                        <a:ln>
-                          <a:noFill/>
-                        </a:ln>
-                        <a:solidFill>
-                          <a:srgbClr val="FFC000"/>
-                        </a:solidFill>
-                        <a:latin typeface="Arial" pitchFamily="34" charset="0"/>
-                        <a:cs typeface="Arial" pitchFamily="34" charset="0"/>
-                      </a:endParaRPr>
                     </a:p>
                   </a:txBody>
                   <a:tcPr anchor="ctr">
@@ -10396,6 +11089,11 @@
                     <a:noFill/>
                   </a:tcPr>
                 </a:tc>
+                <a:extLst>
+                  <a:ext uri="{0D108BD9-81ED-4DB2-BD59-A6C34878D82A}">
+                    <a16:rowId xmlns:a16="http://schemas.microsoft.com/office/drawing/2014/main" val="10001"/>
+                  </a:ext>
+                </a:extLst>
               </a:tr>
               <a:tr h="553205">
                 <a:tc>
@@ -10405,28 +11103,18 @@
                     <a:p>
                       <a:pPr algn="ctr"/>
                       <a:r>
-                        <a:rPr lang="en-US" sz="2800" b="1" i="1" dirty="0" smtClean="0">
+                        <a:rPr lang="en-US" sz="2800" b="1" i="1" dirty="0">
                           <a:ln>
                             <a:noFill/>
                           </a:ln>
                           <a:solidFill>
                             <a:sysClr val="windowText" lastClr="000000"/>
                           </a:solidFill>
-                          <a:latin typeface="Arial" pitchFamily="34" charset="0"/>
-                          <a:cs typeface="Arial" pitchFamily="34" charset="0"/>
+                          <a:latin typeface="Arial" panose="020B0604020202020204" pitchFamily="34" charset="0"/>
+                          <a:cs typeface="Arial" panose="020B0604020202020204" pitchFamily="34" charset="0"/>
                         </a:rPr>
                         <a:t>P</a:t>
                       </a:r>
-                      <a:endParaRPr lang="en-US" sz="2800" b="1" i="1" dirty="0" smtClean="0">
-                        <a:ln>
-                          <a:noFill/>
-                        </a:ln>
-                        <a:solidFill>
-                          <a:sysClr val="windowText" lastClr="000000"/>
-                        </a:solidFill>
-                        <a:latin typeface="Arial" pitchFamily="34" charset="0"/>
-                        <a:cs typeface="Arial" pitchFamily="34" charset="0"/>
-                      </a:endParaRPr>
                     </a:p>
                   </a:txBody>
                   <a:tcPr anchor="ctr">
@@ -10481,28 +11169,18 @@
                     <a:p>
                       <a:pPr algn="ctr"/>
                       <a:r>
-                        <a:rPr lang="en-US" sz="2000" dirty="0" smtClean="0">
+                        <a:rPr lang="en-US" sz="2000" dirty="0">
                           <a:ln>
                             <a:noFill/>
                           </a:ln>
                           <a:solidFill>
                             <a:sysClr val="windowText" lastClr="000000"/>
                           </a:solidFill>
-                          <a:latin typeface="Arial" pitchFamily="34" charset="0"/>
-                          <a:cs typeface="Arial" pitchFamily="34" charset="0"/>
+                          <a:latin typeface="Arial" panose="020B0604020202020204" pitchFamily="34" charset="0"/>
+                          <a:cs typeface="Arial" panose="020B0604020202020204" pitchFamily="34" charset="0"/>
                         </a:rPr>
                         <a:t>0.00</a:t>
                       </a:r>
-                      <a:endParaRPr lang="en-US" sz="2000" dirty="0">
-                        <a:ln>
-                          <a:noFill/>
-                        </a:ln>
-                        <a:solidFill>
-                          <a:sysClr val="windowText" lastClr="000000"/>
-                        </a:solidFill>
-                        <a:latin typeface="Arial" pitchFamily="34" charset="0"/>
-                        <a:cs typeface="Arial" pitchFamily="34" charset="0"/>
-                      </a:endParaRPr>
                     </a:p>
                   </a:txBody>
                   <a:tcPr anchor="ctr">
@@ -10557,28 +11235,18 @@
                     <a:p>
                       <a:pPr algn="ctr"/>
                       <a:r>
-                        <a:rPr lang="en-US" sz="2000" dirty="0" smtClean="0">
+                        <a:rPr lang="en-US" sz="2000" dirty="0">
                           <a:ln>
                             <a:noFill/>
                           </a:ln>
                           <a:solidFill>
                             <a:sysClr val="windowText" lastClr="000000"/>
                           </a:solidFill>
-                          <a:latin typeface="Arial" pitchFamily="34" charset="0"/>
-                          <a:cs typeface="Arial" pitchFamily="34" charset="0"/>
+                          <a:latin typeface="Arial" panose="020B0604020202020204" pitchFamily="34" charset="0"/>
+                          <a:cs typeface="Arial" panose="020B0604020202020204" pitchFamily="34" charset="0"/>
                         </a:rPr>
                         <a:t>0.25</a:t>
                       </a:r>
-                      <a:endParaRPr lang="en-US" sz="2000" dirty="0">
-                        <a:ln>
-                          <a:noFill/>
-                        </a:ln>
-                        <a:solidFill>
-                          <a:sysClr val="windowText" lastClr="000000"/>
-                        </a:solidFill>
-                        <a:latin typeface="Arial" pitchFamily="34" charset="0"/>
-                        <a:cs typeface="Arial" pitchFamily="34" charset="0"/>
-                      </a:endParaRPr>
                     </a:p>
                   </a:txBody>
                   <a:tcPr anchor="ctr">
@@ -10633,28 +11301,18 @@
                     <a:p>
                       <a:pPr algn="ctr"/>
                       <a:r>
-                        <a:rPr lang="en-US" sz="2000" dirty="0" smtClean="0">
+                        <a:rPr lang="en-US" sz="2000" dirty="0">
                           <a:ln>
                             <a:noFill/>
                           </a:ln>
                           <a:solidFill>
                             <a:sysClr val="windowText" lastClr="000000"/>
                           </a:solidFill>
-                          <a:latin typeface="Arial" pitchFamily="34" charset="0"/>
-                          <a:cs typeface="Arial" pitchFamily="34" charset="0"/>
+                          <a:latin typeface="Arial" panose="020B0604020202020204" pitchFamily="34" charset="0"/>
+                          <a:cs typeface="Arial" panose="020B0604020202020204" pitchFamily="34" charset="0"/>
                         </a:rPr>
                         <a:t>0.50</a:t>
                       </a:r>
-                      <a:endParaRPr lang="en-US" sz="2000" dirty="0">
-                        <a:ln>
-                          <a:noFill/>
-                        </a:ln>
-                        <a:solidFill>
-                          <a:sysClr val="windowText" lastClr="000000"/>
-                        </a:solidFill>
-                        <a:latin typeface="Arial" pitchFamily="34" charset="0"/>
-                        <a:cs typeface="Arial" pitchFamily="34" charset="0"/>
-                      </a:endParaRPr>
                     </a:p>
                   </a:txBody>
                   <a:tcPr anchor="ctr">
@@ -10709,28 +11367,18 @@
                     <a:p>
                       <a:pPr algn="ctr"/>
                       <a:r>
-                        <a:rPr lang="en-US" sz="2000" dirty="0" smtClean="0">
+                        <a:rPr lang="en-US" sz="2000" dirty="0">
                           <a:ln>
                             <a:noFill/>
                           </a:ln>
                           <a:solidFill>
                             <a:sysClr val="windowText" lastClr="000000"/>
                           </a:solidFill>
-                          <a:latin typeface="Arial" pitchFamily="34" charset="0"/>
-                          <a:cs typeface="Arial" pitchFamily="34" charset="0"/>
+                          <a:latin typeface="Arial" panose="020B0604020202020204" pitchFamily="34" charset="0"/>
+                          <a:cs typeface="Arial" panose="020B0604020202020204" pitchFamily="34" charset="0"/>
                         </a:rPr>
                         <a:t>0.75</a:t>
                       </a:r>
-                      <a:endParaRPr lang="en-US" sz="2000" dirty="0">
-                        <a:ln>
-                          <a:noFill/>
-                        </a:ln>
-                        <a:solidFill>
-                          <a:sysClr val="windowText" lastClr="000000"/>
-                        </a:solidFill>
-                        <a:latin typeface="Arial" pitchFamily="34" charset="0"/>
-                        <a:cs typeface="Arial" pitchFamily="34" charset="0"/>
-                      </a:endParaRPr>
                     </a:p>
                   </a:txBody>
                   <a:tcPr anchor="ctr">
@@ -10785,28 +11433,18 @@
                     <a:p>
                       <a:pPr algn="ctr"/>
                       <a:r>
-                        <a:rPr lang="en-US" sz="2000" dirty="0" smtClean="0">
+                        <a:rPr lang="en-US" sz="2000" dirty="0">
                           <a:ln>
                             <a:noFill/>
                           </a:ln>
                           <a:solidFill>
                             <a:sysClr val="windowText" lastClr="000000"/>
                           </a:solidFill>
-                          <a:latin typeface="Arial" pitchFamily="34" charset="0"/>
-                          <a:cs typeface="Arial" pitchFamily="34" charset="0"/>
+                          <a:latin typeface="Arial" panose="020B0604020202020204" pitchFamily="34" charset="0"/>
+                          <a:cs typeface="Arial" panose="020B0604020202020204" pitchFamily="34" charset="0"/>
                         </a:rPr>
                         <a:t>1.00</a:t>
                       </a:r>
-                      <a:endParaRPr lang="en-US" sz="2000" dirty="0">
-                        <a:ln>
-                          <a:noFill/>
-                        </a:ln>
-                        <a:solidFill>
-                          <a:sysClr val="windowText" lastClr="000000"/>
-                        </a:solidFill>
-                        <a:latin typeface="Arial" pitchFamily="34" charset="0"/>
-                        <a:cs typeface="Arial" pitchFamily="34" charset="0"/>
-                      </a:endParaRPr>
                     </a:p>
                   </a:txBody>
                   <a:tcPr anchor="ctr">
@@ -10854,6 +11492,11 @@
                     </a:solidFill>
                   </a:tcPr>
                 </a:tc>
+                <a:extLst>
+                  <a:ext uri="{0D108BD9-81ED-4DB2-BD59-A6C34878D82A}">
+                    <a16:rowId xmlns:a16="http://schemas.microsoft.com/office/drawing/2014/main" val="10002"/>
+                  </a:ext>
+                </a:extLst>
               </a:tr>
               <a:tr h="1518733">
                 <a:tc>
@@ -10875,45 +11518,44 @@
                         <a:buSzTx/>
                         <a:buFontTx/>
                         <a:buNone/>
-                        <a:tabLst/>
                         <a:defRPr/>
                       </a:pPr>
                       <a:r>
-                        <a:rPr lang="el-GR" sz="2800" b="1" dirty="0" smtClean="0">
+                        <a:rPr lang="el-GR" sz="2800" b="1" dirty="0">
                           <a:ln>
                             <a:noFill/>
                           </a:ln>
                           <a:solidFill>
                             <a:sysClr val="windowText" lastClr="000000"/>
                           </a:solidFill>
-                          <a:latin typeface="Arial" pitchFamily="34" charset="0"/>
-                          <a:cs typeface="Arial" pitchFamily="34" charset="0"/>
+                          <a:latin typeface="Arial" panose="020B0604020202020204" pitchFamily="34" charset="0"/>
+                          <a:cs typeface="Arial" panose="020B0604020202020204" pitchFamily="34" charset="0"/>
                         </a:rPr>
                         <a:t>Δ</a:t>
                       </a:r>
                       <a:r>
-                        <a:rPr lang="el-GR" sz="2800" b="1" baseline="30000" dirty="0" smtClean="0">
+                        <a:rPr lang="el-GR" sz="2800" b="1" baseline="30000" dirty="0">
                           <a:ln>
                             <a:noFill/>
                           </a:ln>
                           <a:solidFill>
                             <a:sysClr val="windowText" lastClr="000000"/>
                           </a:solidFill>
-                          <a:latin typeface="Arial" pitchFamily="34" charset="0"/>
-                          <a:cs typeface="Arial" pitchFamily="34" charset="0"/>
+                          <a:latin typeface="Arial" panose="020B0604020202020204" pitchFamily="34" charset="0"/>
+                          <a:cs typeface="Arial" panose="020B0604020202020204" pitchFamily="34" charset="0"/>
                         </a:rPr>
                         <a:t>15</a:t>
                       </a:r>
                       <a:r>
-                        <a:rPr lang="en-US" sz="2800" b="1" dirty="0" smtClean="0">
+                        <a:rPr lang="en-US" sz="2800" b="1" dirty="0">
                           <a:ln>
                             <a:noFill/>
                           </a:ln>
                           <a:solidFill>
                             <a:sysClr val="windowText" lastClr="000000"/>
                           </a:solidFill>
-                          <a:latin typeface="Arial" pitchFamily="34" charset="0"/>
-                          <a:cs typeface="Arial" pitchFamily="34" charset="0"/>
+                          <a:latin typeface="Arial" panose="020B0604020202020204" pitchFamily="34" charset="0"/>
+                          <a:cs typeface="Arial" panose="020B0604020202020204" pitchFamily="34" charset="0"/>
                         </a:rPr>
                         <a:t>N (‰)</a:t>
                       </a:r>
@@ -10970,15 +11612,15 @@
                     <a:p>
                       <a:pPr algn="ctr"/>
                       <a:r>
-                        <a:rPr lang="en-US" sz="2000" dirty="0" smtClean="0">
+                        <a:rPr lang="en-US" sz="2000" dirty="0">
                           <a:ln>
                             <a:noFill/>
                           </a:ln>
                           <a:solidFill>
                             <a:sysClr val="windowText" lastClr="000000"/>
                           </a:solidFill>
-                          <a:latin typeface="Arial" pitchFamily="34" charset="0"/>
-                          <a:cs typeface="Arial" pitchFamily="34" charset="0"/>
+                          <a:latin typeface="Arial" panose="020B0604020202020204" pitchFamily="34" charset="0"/>
+                          <a:cs typeface="Arial" panose="020B0604020202020204" pitchFamily="34" charset="0"/>
                         </a:rPr>
                         <a:t>1.0</a:t>
                       </a:r>
@@ -10986,15 +11628,15 @@
                     <a:p>
                       <a:pPr algn="ctr"/>
                       <a:r>
-                        <a:rPr lang="en-US" sz="2000" dirty="0" smtClean="0">
+                        <a:rPr lang="en-US" sz="2000" dirty="0">
                           <a:ln>
                             <a:noFill/>
                           </a:ln>
                           <a:solidFill>
                             <a:sysClr val="windowText" lastClr="000000"/>
                           </a:solidFill>
-                          <a:latin typeface="Arial" pitchFamily="34" charset="0"/>
-                          <a:cs typeface="Arial" pitchFamily="34" charset="0"/>
+                          <a:latin typeface="Arial" panose="020B0604020202020204" pitchFamily="34" charset="0"/>
+                          <a:cs typeface="Arial" panose="020B0604020202020204" pitchFamily="34" charset="0"/>
                         </a:rPr>
                         <a:t>0.8</a:t>
                       </a:r>
@@ -11002,15 +11644,15 @@
                     <a:p>
                       <a:pPr algn="ctr"/>
                       <a:r>
-                        <a:rPr lang="en-US" sz="2000" dirty="0" smtClean="0">
+                        <a:rPr lang="en-US" sz="2000" dirty="0">
                           <a:ln>
                             <a:noFill/>
                           </a:ln>
                           <a:solidFill>
                             <a:sysClr val="windowText" lastClr="000000"/>
                           </a:solidFill>
-                          <a:latin typeface="Arial" pitchFamily="34" charset="0"/>
-                          <a:cs typeface="Arial" pitchFamily="34" charset="0"/>
+                          <a:latin typeface="Arial" panose="020B0604020202020204" pitchFamily="34" charset="0"/>
+                          <a:cs typeface="Arial" panose="020B0604020202020204" pitchFamily="34" charset="0"/>
                         </a:rPr>
                         <a:t>0.9</a:t>
                       </a:r>
@@ -11018,15 +11660,15 @@
                     <a:p>
                       <a:pPr algn="ctr"/>
                       <a:r>
-                        <a:rPr lang="en-US" sz="2000" dirty="0" smtClean="0">
+                        <a:rPr lang="en-US" sz="2000" dirty="0">
                           <a:ln>
                             <a:noFill/>
                           </a:ln>
                           <a:solidFill>
                             <a:sysClr val="windowText" lastClr="000000"/>
                           </a:solidFill>
-                          <a:latin typeface="Arial" pitchFamily="34" charset="0"/>
-                          <a:cs typeface="Arial" pitchFamily="34" charset="0"/>
+                          <a:latin typeface="Arial" panose="020B0604020202020204" pitchFamily="34" charset="0"/>
+                          <a:cs typeface="Arial" panose="020B0604020202020204" pitchFamily="34" charset="0"/>
                         </a:rPr>
                         <a:t>0.9</a:t>
                       </a:r>
@@ -11034,28 +11676,18 @@
                     <a:p>
                       <a:pPr algn="ctr"/>
                       <a:r>
-                        <a:rPr lang="en-US" sz="2000" dirty="0" smtClean="0">
+                        <a:rPr lang="en-US" sz="2000" dirty="0">
                           <a:ln>
                             <a:noFill/>
                           </a:ln>
                           <a:solidFill>
                             <a:sysClr val="windowText" lastClr="000000"/>
                           </a:solidFill>
-                          <a:latin typeface="Arial" pitchFamily="34" charset="0"/>
-                          <a:cs typeface="Arial" pitchFamily="34" charset="0"/>
+                          <a:latin typeface="Arial" panose="020B0604020202020204" pitchFamily="34" charset="0"/>
+                          <a:cs typeface="Arial" panose="020B0604020202020204" pitchFamily="34" charset="0"/>
                         </a:rPr>
                         <a:t>1.0</a:t>
                       </a:r>
-                      <a:endParaRPr lang="en-US" sz="2000" dirty="0">
-                        <a:ln>
-                          <a:noFill/>
-                        </a:ln>
-                        <a:solidFill>
-                          <a:sysClr val="windowText" lastClr="000000"/>
-                        </a:solidFill>
-                        <a:latin typeface="Arial" pitchFamily="34" charset="0"/>
-                        <a:cs typeface="Arial" pitchFamily="34" charset="0"/>
-                      </a:endParaRPr>
                     </a:p>
                   </a:txBody>
                   <a:tcPr anchor="ctr">
@@ -11109,15 +11741,15 @@
                     <a:p>
                       <a:pPr algn="ctr"/>
                       <a:r>
-                        <a:rPr lang="en-US" sz="2000" dirty="0" smtClean="0">
+                        <a:rPr lang="en-US" sz="2000" dirty="0">
                           <a:ln>
                             <a:noFill/>
                           </a:ln>
                           <a:solidFill>
                             <a:sysClr val="windowText" lastClr="000000"/>
                           </a:solidFill>
-                          <a:latin typeface="Arial" pitchFamily="34" charset="0"/>
-                          <a:cs typeface="Arial" pitchFamily="34" charset="0"/>
+                          <a:latin typeface="Arial" panose="020B0604020202020204" pitchFamily="34" charset="0"/>
+                          <a:cs typeface="Arial" panose="020B0604020202020204" pitchFamily="34" charset="0"/>
                         </a:rPr>
                         <a:t>1.4</a:t>
                       </a:r>
@@ -11125,15 +11757,15 @@
                     <a:p>
                       <a:pPr algn="ctr"/>
                       <a:r>
-                        <a:rPr lang="en-US" sz="2000" dirty="0" smtClean="0">
+                        <a:rPr lang="en-US" sz="2000" dirty="0">
                           <a:ln>
                             <a:noFill/>
                           </a:ln>
                           <a:solidFill>
                             <a:sysClr val="windowText" lastClr="000000"/>
                           </a:solidFill>
-                          <a:latin typeface="Arial" pitchFamily="34" charset="0"/>
-                          <a:cs typeface="Arial" pitchFamily="34" charset="0"/>
+                          <a:latin typeface="Arial" panose="020B0604020202020204" pitchFamily="34" charset="0"/>
+                          <a:cs typeface="Arial" panose="020B0604020202020204" pitchFamily="34" charset="0"/>
                         </a:rPr>
                         <a:t>1.8</a:t>
                       </a:r>
@@ -11141,15 +11773,15 @@
                     <a:p>
                       <a:pPr algn="ctr"/>
                       <a:r>
-                        <a:rPr lang="en-US" sz="2000" dirty="0" smtClean="0">
+                        <a:rPr lang="en-US" sz="2000" dirty="0">
                           <a:ln>
                             <a:noFill/>
                           </a:ln>
                           <a:solidFill>
                             <a:sysClr val="windowText" lastClr="000000"/>
                           </a:solidFill>
-                          <a:latin typeface="Arial" pitchFamily="34" charset="0"/>
-                          <a:cs typeface="Arial" pitchFamily="34" charset="0"/>
+                          <a:latin typeface="Arial" panose="020B0604020202020204" pitchFamily="34" charset="0"/>
+                          <a:cs typeface="Arial" panose="020B0604020202020204" pitchFamily="34" charset="0"/>
                         </a:rPr>
                         <a:t>1.3</a:t>
                       </a:r>
@@ -11157,15 +11789,15 @@
                     <a:p>
                       <a:pPr algn="ctr"/>
                       <a:r>
-                        <a:rPr lang="en-US" sz="2000" dirty="0" smtClean="0">
+                        <a:rPr lang="en-US" sz="2000" dirty="0">
                           <a:ln>
                             <a:noFill/>
                           </a:ln>
                           <a:solidFill>
                             <a:sysClr val="windowText" lastClr="000000"/>
                           </a:solidFill>
-                          <a:latin typeface="Arial" pitchFamily="34" charset="0"/>
-                          <a:cs typeface="Arial" pitchFamily="34" charset="0"/>
+                          <a:latin typeface="Arial" panose="020B0604020202020204" pitchFamily="34" charset="0"/>
+                          <a:cs typeface="Arial" panose="020B0604020202020204" pitchFamily="34" charset="0"/>
                         </a:rPr>
                         <a:t>1.5</a:t>
                       </a:r>
@@ -11173,28 +11805,18 @@
                     <a:p>
                       <a:pPr algn="ctr"/>
                       <a:r>
-                        <a:rPr lang="en-US" sz="2000" dirty="0" smtClean="0">
+                        <a:rPr lang="en-US" sz="2000" dirty="0">
                           <a:ln>
                             <a:noFill/>
                           </a:ln>
                           <a:solidFill>
                             <a:sysClr val="windowText" lastClr="000000"/>
                           </a:solidFill>
-                          <a:latin typeface="Arial" pitchFamily="34" charset="0"/>
-                          <a:cs typeface="Arial" pitchFamily="34" charset="0"/>
+                          <a:latin typeface="Arial" panose="020B0604020202020204" pitchFamily="34" charset="0"/>
+                          <a:cs typeface="Arial" panose="020B0604020202020204" pitchFamily="34" charset="0"/>
                         </a:rPr>
                         <a:t>1.5</a:t>
                       </a:r>
-                      <a:endParaRPr lang="en-US" sz="2000" dirty="0">
-                        <a:ln>
-                          <a:noFill/>
-                        </a:ln>
-                        <a:solidFill>
-                          <a:sysClr val="windowText" lastClr="000000"/>
-                        </a:solidFill>
-                        <a:latin typeface="Arial" pitchFamily="34" charset="0"/>
-                        <a:cs typeface="Arial" pitchFamily="34" charset="0"/>
-                      </a:endParaRPr>
                     </a:p>
                   </a:txBody>
                   <a:tcPr anchor="ctr">
@@ -11248,15 +11870,15 @@
                     <a:p>
                       <a:pPr algn="ctr"/>
                       <a:r>
-                        <a:rPr lang="en-US" sz="2000" dirty="0" smtClean="0">
+                        <a:rPr lang="en-US" sz="2000" dirty="0">
                           <a:ln>
                             <a:noFill/>
                           </a:ln>
                           <a:solidFill>
                             <a:sysClr val="windowText" lastClr="000000"/>
                           </a:solidFill>
-                          <a:latin typeface="Arial" pitchFamily="34" charset="0"/>
-                          <a:cs typeface="Arial" pitchFamily="34" charset="0"/>
+                          <a:latin typeface="Arial" panose="020B0604020202020204" pitchFamily="34" charset="0"/>
+                          <a:cs typeface="Arial" panose="020B0604020202020204" pitchFamily="34" charset="0"/>
                         </a:rPr>
                         <a:t>2.2</a:t>
                       </a:r>
@@ -11264,15 +11886,15 @@
                     <a:p>
                       <a:pPr algn="ctr"/>
                       <a:r>
-                        <a:rPr lang="en-US" sz="2000" dirty="0" smtClean="0">
+                        <a:rPr lang="en-US" sz="2000" dirty="0">
                           <a:ln>
                             <a:noFill/>
                           </a:ln>
                           <a:solidFill>
                             <a:sysClr val="windowText" lastClr="000000"/>
                           </a:solidFill>
-                          <a:latin typeface="Arial" pitchFamily="34" charset="0"/>
-                          <a:cs typeface="Arial" pitchFamily="34" charset="0"/>
+                          <a:latin typeface="Arial" panose="020B0604020202020204" pitchFamily="34" charset="0"/>
+                          <a:cs typeface="Arial" panose="020B0604020202020204" pitchFamily="34" charset="0"/>
                         </a:rPr>
                         <a:t>2.1</a:t>
                       </a:r>
@@ -11280,15 +11902,15 @@
                     <a:p>
                       <a:pPr algn="ctr"/>
                       <a:r>
-                        <a:rPr lang="en-US" sz="2000" dirty="0" smtClean="0">
+                        <a:rPr lang="en-US" sz="2000" dirty="0">
                           <a:ln>
                             <a:noFill/>
                           </a:ln>
                           <a:solidFill>
                             <a:sysClr val="windowText" lastClr="000000"/>
                           </a:solidFill>
-                          <a:latin typeface="Arial" pitchFamily="34" charset="0"/>
-                          <a:cs typeface="Arial" pitchFamily="34" charset="0"/>
+                          <a:latin typeface="Arial" panose="020B0604020202020204" pitchFamily="34" charset="0"/>
+                          <a:cs typeface="Arial" panose="020B0604020202020204" pitchFamily="34" charset="0"/>
                         </a:rPr>
                         <a:t>1.7</a:t>
                       </a:r>
@@ -11296,15 +11918,15 @@
                     <a:p>
                       <a:pPr algn="ctr"/>
                       <a:r>
-                        <a:rPr lang="en-US" sz="2000" dirty="0" smtClean="0">
+                        <a:rPr lang="en-US" sz="2000" dirty="0">
                           <a:ln>
                             <a:noFill/>
                           </a:ln>
                           <a:solidFill>
                             <a:sysClr val="windowText" lastClr="000000"/>
                           </a:solidFill>
-                          <a:latin typeface="Arial" pitchFamily="34" charset="0"/>
-                          <a:cs typeface="Arial" pitchFamily="34" charset="0"/>
+                          <a:latin typeface="Arial" panose="020B0604020202020204" pitchFamily="34" charset="0"/>
+                          <a:cs typeface="Arial" panose="020B0604020202020204" pitchFamily="34" charset="0"/>
                         </a:rPr>
                         <a:t>2.2</a:t>
                       </a:r>
@@ -11312,28 +11934,18 @@
                     <a:p>
                       <a:pPr algn="ctr"/>
                       <a:r>
-                        <a:rPr lang="en-US" sz="2000" dirty="0" smtClean="0">
+                        <a:rPr lang="en-US" sz="2000" dirty="0">
                           <a:ln>
                             <a:noFill/>
                           </a:ln>
                           <a:solidFill>
                             <a:sysClr val="windowText" lastClr="000000"/>
                           </a:solidFill>
-                          <a:latin typeface="Arial" pitchFamily="34" charset="0"/>
-                          <a:cs typeface="Arial" pitchFamily="34" charset="0"/>
+                          <a:latin typeface="Arial" panose="020B0604020202020204" pitchFamily="34" charset="0"/>
+                          <a:cs typeface="Arial" panose="020B0604020202020204" pitchFamily="34" charset="0"/>
                         </a:rPr>
                         <a:t>2.0</a:t>
                       </a:r>
-                      <a:endParaRPr lang="en-US" sz="2000" dirty="0">
-                        <a:ln>
-                          <a:noFill/>
-                        </a:ln>
-                        <a:solidFill>
-                          <a:sysClr val="windowText" lastClr="000000"/>
-                        </a:solidFill>
-                        <a:latin typeface="Arial" pitchFamily="34" charset="0"/>
-                        <a:cs typeface="Arial" pitchFamily="34" charset="0"/>
-                      </a:endParaRPr>
                     </a:p>
                   </a:txBody>
                   <a:tcPr anchor="ctr">
@@ -11387,15 +11999,15 @@
                     <a:p>
                       <a:pPr algn="ctr"/>
                       <a:r>
-                        <a:rPr lang="en-US" sz="2000" dirty="0" smtClean="0">
+                        <a:rPr lang="en-US" sz="2000" dirty="0">
                           <a:ln>
                             <a:noFill/>
                           </a:ln>
                           <a:solidFill>
                             <a:sysClr val="windowText" lastClr="000000"/>
                           </a:solidFill>
-                          <a:latin typeface="Arial" pitchFamily="34" charset="0"/>
-                          <a:cs typeface="Arial" pitchFamily="34" charset="0"/>
+                          <a:latin typeface="Arial" panose="020B0604020202020204" pitchFamily="34" charset="0"/>
+                          <a:cs typeface="Arial" panose="020B0604020202020204" pitchFamily="34" charset="0"/>
                         </a:rPr>
                         <a:t>2.4</a:t>
                       </a:r>
@@ -11403,15 +12015,15 @@
                     <a:p>
                       <a:pPr algn="ctr"/>
                       <a:r>
-                        <a:rPr lang="en-US" sz="2000" dirty="0" smtClean="0">
+                        <a:rPr lang="en-US" sz="2000" dirty="0">
                           <a:ln>
                             <a:noFill/>
                           </a:ln>
                           <a:solidFill>
                             <a:sysClr val="windowText" lastClr="000000"/>
                           </a:solidFill>
-                          <a:latin typeface="Arial" pitchFamily="34" charset="0"/>
-                          <a:cs typeface="Arial" pitchFamily="34" charset="0"/>
+                          <a:latin typeface="Arial" panose="020B0604020202020204" pitchFamily="34" charset="0"/>
+                          <a:cs typeface="Arial" panose="020B0604020202020204" pitchFamily="34" charset="0"/>
                         </a:rPr>
                         <a:t>2.4</a:t>
                       </a:r>
@@ -11419,15 +12031,15 @@
                     <a:p>
                       <a:pPr algn="ctr"/>
                       <a:r>
-                        <a:rPr lang="en-US" sz="2000" dirty="0" smtClean="0">
+                        <a:rPr lang="en-US" sz="2000" dirty="0">
                           <a:ln>
                             <a:noFill/>
                           </a:ln>
                           <a:solidFill>
                             <a:sysClr val="windowText" lastClr="000000"/>
                           </a:solidFill>
-                          <a:latin typeface="Arial" pitchFamily="34" charset="0"/>
-                          <a:cs typeface="Arial" pitchFamily="34" charset="0"/>
+                          <a:latin typeface="Arial" panose="020B0604020202020204" pitchFamily="34" charset="0"/>
+                          <a:cs typeface="Arial" panose="020B0604020202020204" pitchFamily="34" charset="0"/>
                         </a:rPr>
                         <a:t>2.3</a:t>
                       </a:r>
@@ -11435,15 +12047,15 @@
                     <a:p>
                       <a:pPr algn="ctr"/>
                       <a:r>
-                        <a:rPr lang="en-US" sz="2000" dirty="0" smtClean="0">
+                        <a:rPr lang="en-US" sz="2000" dirty="0">
                           <a:ln>
                             <a:noFill/>
                           </a:ln>
                           <a:solidFill>
                             <a:sysClr val="windowText" lastClr="000000"/>
                           </a:solidFill>
-                          <a:latin typeface="Arial" pitchFamily="34" charset="0"/>
-                          <a:cs typeface="Arial" pitchFamily="34" charset="0"/>
+                          <a:latin typeface="Arial" panose="020B0604020202020204" pitchFamily="34" charset="0"/>
+                          <a:cs typeface="Arial" panose="020B0604020202020204" pitchFamily="34" charset="0"/>
                         </a:rPr>
                         <a:t>2.5</a:t>
                       </a:r>
@@ -11451,28 +12063,18 @@
                     <a:p>
                       <a:pPr algn="ctr"/>
                       <a:r>
-                        <a:rPr lang="en-US" sz="2000" dirty="0" smtClean="0">
+                        <a:rPr lang="en-US" sz="2000" dirty="0">
                           <a:ln>
                             <a:noFill/>
                           </a:ln>
                           <a:solidFill>
                             <a:sysClr val="windowText" lastClr="000000"/>
                           </a:solidFill>
-                          <a:latin typeface="Arial" pitchFamily="34" charset="0"/>
-                          <a:cs typeface="Arial" pitchFamily="34" charset="0"/>
+                          <a:latin typeface="Arial" panose="020B0604020202020204" pitchFamily="34" charset="0"/>
+                          <a:cs typeface="Arial" panose="020B0604020202020204" pitchFamily="34" charset="0"/>
                         </a:rPr>
                         <a:t>2.3</a:t>
                       </a:r>
-                      <a:endParaRPr lang="en-US" sz="2000" dirty="0">
-                        <a:ln>
-                          <a:noFill/>
-                        </a:ln>
-                        <a:solidFill>
-                          <a:sysClr val="windowText" lastClr="000000"/>
-                        </a:solidFill>
-                        <a:latin typeface="Arial" pitchFamily="34" charset="0"/>
-                        <a:cs typeface="Arial" pitchFamily="34" charset="0"/>
-                      </a:endParaRPr>
                     </a:p>
                   </a:txBody>
                   <a:tcPr anchor="ctr">
@@ -11526,15 +12128,15 @@
                     <a:p>
                       <a:pPr algn="ctr"/>
                       <a:r>
-                        <a:rPr lang="en-US" sz="2000" dirty="0" smtClean="0">
+                        <a:rPr lang="en-US" sz="2000" dirty="0">
                           <a:ln>
                             <a:noFill/>
                           </a:ln>
                           <a:solidFill>
                             <a:sysClr val="windowText" lastClr="000000"/>
                           </a:solidFill>
-                          <a:latin typeface="Arial" pitchFamily="34" charset="0"/>
-                          <a:cs typeface="Arial" pitchFamily="34" charset="0"/>
+                          <a:latin typeface="Arial" panose="020B0604020202020204" pitchFamily="34" charset="0"/>
+                          <a:cs typeface="Arial" panose="020B0604020202020204" pitchFamily="34" charset="0"/>
                         </a:rPr>
                         <a:t>2.9</a:t>
                       </a:r>
@@ -11542,15 +12144,15 @@
                     <a:p>
                       <a:pPr algn="ctr"/>
                       <a:r>
-                        <a:rPr lang="en-US" sz="2000" dirty="0" smtClean="0">
+                        <a:rPr lang="en-US" sz="2000" dirty="0">
                           <a:ln>
                             <a:noFill/>
                           </a:ln>
                           <a:solidFill>
                             <a:sysClr val="windowText" lastClr="000000"/>
                           </a:solidFill>
-                          <a:latin typeface="Arial" pitchFamily="34" charset="0"/>
-                          <a:cs typeface="Arial" pitchFamily="34" charset="0"/>
+                          <a:latin typeface="Arial" panose="020B0604020202020204" pitchFamily="34" charset="0"/>
+                          <a:cs typeface="Arial" panose="020B0604020202020204" pitchFamily="34" charset="0"/>
                         </a:rPr>
                         <a:t>2.7</a:t>
                       </a:r>
@@ -11558,15 +12160,15 @@
                     <a:p>
                       <a:pPr algn="ctr"/>
                       <a:r>
-                        <a:rPr lang="en-US" sz="2000" dirty="0" smtClean="0">
+                        <a:rPr lang="en-US" sz="2000" dirty="0">
                           <a:ln>
                             <a:noFill/>
                           </a:ln>
                           <a:solidFill>
                             <a:sysClr val="windowText" lastClr="000000"/>
                           </a:solidFill>
-                          <a:latin typeface="Arial" pitchFamily="34" charset="0"/>
-                          <a:cs typeface="Arial" pitchFamily="34" charset="0"/>
+                          <a:latin typeface="Arial" panose="020B0604020202020204" pitchFamily="34" charset="0"/>
+                          <a:cs typeface="Arial" panose="020B0604020202020204" pitchFamily="34" charset="0"/>
                         </a:rPr>
                         <a:t>2.7</a:t>
                       </a:r>
@@ -11574,15 +12176,15 @@
                     <a:p>
                       <a:pPr algn="ctr"/>
                       <a:r>
-                        <a:rPr lang="en-US" sz="2000" dirty="0" smtClean="0">
+                        <a:rPr lang="en-US" sz="2000" dirty="0">
                           <a:ln>
                             <a:noFill/>
                           </a:ln>
                           <a:solidFill>
                             <a:sysClr val="windowText" lastClr="000000"/>
                           </a:solidFill>
-                          <a:latin typeface="Arial" pitchFamily="34" charset="0"/>
-                          <a:cs typeface="Arial" pitchFamily="34" charset="0"/>
+                          <a:latin typeface="Arial" panose="020B0604020202020204" pitchFamily="34" charset="0"/>
+                          <a:cs typeface="Arial" panose="020B0604020202020204" pitchFamily="34" charset="0"/>
                         </a:rPr>
                         <a:t>2.6</a:t>
                       </a:r>
@@ -11590,15 +12192,15 @@
                     <a:p>
                       <a:pPr algn="ctr"/>
                       <a:r>
-                        <a:rPr lang="en-US" sz="2000" dirty="0" smtClean="0">
+                        <a:rPr lang="en-US" sz="2000" dirty="0">
                           <a:ln>
                             <a:noFill/>
                           </a:ln>
                           <a:solidFill>
                             <a:sysClr val="windowText" lastClr="000000"/>
                           </a:solidFill>
-                          <a:latin typeface="Arial" pitchFamily="34" charset="0"/>
-                          <a:cs typeface="Arial" pitchFamily="34" charset="0"/>
+                          <a:latin typeface="Arial" panose="020B0604020202020204" pitchFamily="34" charset="0"/>
+                          <a:cs typeface="Arial" panose="020B0604020202020204" pitchFamily="34" charset="0"/>
                         </a:rPr>
                         <a:t>2.8</a:t>
                       </a:r>
@@ -11648,6 +12250,11 @@
                     </a:solidFill>
                   </a:tcPr>
                 </a:tc>
+                <a:extLst>
+                  <a:ext uri="{0D108BD9-81ED-4DB2-BD59-A6C34878D82A}">
+                    <a16:rowId xmlns:a16="http://schemas.microsoft.com/office/drawing/2014/main" val="10003"/>
+                  </a:ext>
+                </a:extLst>
               </a:tr>
             </a:tbl>
           </a:graphicData>
@@ -11658,13 +12265,6 @@
   <p:clrMapOvr>
     <a:masterClrMapping/>
   </p:clrMapOvr>
-  <p:timing>
-    <p:tnLst>
-      <p:par>
-        <p:cTn id="1" dur="indefinite" restart="never" nodeType="tmRoot"/>
-      </p:par>
-    </p:tnLst>
-  </p:timing>
 </p:sld>
 </file>
 
@@ -11709,30 +12309,26 @@
           <a:p>
             <a:pPr algn="ctr"/>
             <a:r>
-              <a:rPr lang="en-US" sz="4800" b="1" dirty="0" smtClean="0">
-                <a:latin typeface="Arial" pitchFamily="34" charset="0"/>
-                <a:cs typeface="Arial" pitchFamily="34" charset="0"/>
+              <a:rPr lang="en-US" sz="4800" b="1" dirty="0">
+                <a:latin typeface="Arial" panose="020B0604020202020204" pitchFamily="34" charset="0"/>
+                <a:cs typeface="Arial" panose="020B0604020202020204" pitchFamily="34" charset="0"/>
               </a:rPr>
               <a:t>Δ</a:t>
             </a:r>
             <a:r>
-              <a:rPr lang="en-US" sz="4800" b="1" baseline="30000" dirty="0" smtClean="0">
-                <a:latin typeface="Arial" pitchFamily="34" charset="0"/>
-                <a:cs typeface="Arial" pitchFamily="34" charset="0"/>
+              <a:rPr lang="en-US" sz="4800" b="1" baseline="30000" dirty="0">
+                <a:latin typeface="Arial" panose="020B0604020202020204" pitchFamily="34" charset="0"/>
+                <a:cs typeface="Arial" panose="020B0604020202020204" pitchFamily="34" charset="0"/>
               </a:rPr>
               <a:t>15</a:t>
             </a:r>
             <a:r>
-              <a:rPr lang="en-US" sz="4800" b="1" dirty="0" smtClean="0">
-                <a:latin typeface="Arial" pitchFamily="34" charset="0"/>
-                <a:cs typeface="Arial" pitchFamily="34" charset="0"/>
+              <a:rPr lang="en-US" sz="4800" b="1" dirty="0">
+                <a:latin typeface="Arial" panose="020B0604020202020204" pitchFamily="34" charset="0"/>
+                <a:cs typeface="Arial" panose="020B0604020202020204" pitchFamily="34" charset="0"/>
               </a:rPr>
               <a:t>N (‰)</a:t>
             </a:r>
-            <a:endParaRPr lang="en-US" sz="4800" b="1" dirty="0">
-              <a:latin typeface="Arial" pitchFamily="34" charset="0"/>
-              <a:cs typeface="Arial" pitchFamily="34" charset="0"/>
-            </a:endParaRPr>
           </a:p>
         </p:txBody>
       </p:sp>
@@ -11744,8 +12340,8 @@
         </p:nvSpPr>
         <p:spPr>
           <a:xfrm>
-            <a:off x="1691651" y="5272424"/>
-            <a:ext cx="5991128" cy="923330"/>
+            <a:off x="1691651" y="5386089"/>
+            <a:ext cx="5991128" cy="922020"/>
           </a:xfrm>
           <a:prstGeom prst="rect">
             <a:avLst/>
@@ -11760,23 +12356,19 @@
           <a:p>
             <a:pPr algn="ctr"/>
             <a:r>
-              <a:rPr lang="en-US" sz="5400" b="1" i="1" dirty="0" smtClean="0">
-                <a:latin typeface="Arial" pitchFamily="34" charset="0"/>
-                <a:cs typeface="Arial" pitchFamily="34" charset="0"/>
+              <a:rPr lang="en-US" sz="5400" b="1" i="1" dirty="0">
+                <a:latin typeface="Arial" panose="020B0604020202020204" pitchFamily="34" charset="0"/>
+                <a:cs typeface="Arial" panose="020B0604020202020204" pitchFamily="34" charset="0"/>
               </a:rPr>
               <a:t>P</a:t>
             </a:r>
             <a:r>
-              <a:rPr lang="en-US" sz="2800" b="1" dirty="0" smtClean="0">
-                <a:latin typeface="Arial" pitchFamily="34" charset="0"/>
-                <a:cs typeface="Arial" pitchFamily="34" charset="0"/>
+              <a:rPr lang="en-US" sz="2800" b="1" dirty="0">
+                <a:latin typeface="Arial" panose="020B0604020202020204" pitchFamily="34" charset="0"/>
+                <a:cs typeface="Arial" panose="020B0604020202020204" pitchFamily="34" charset="0"/>
               </a:rPr>
               <a:t> </a:t>
             </a:r>
-            <a:endParaRPr lang="en-US" sz="2800" b="1" dirty="0">
-              <a:latin typeface="Arial" pitchFamily="34" charset="0"/>
-              <a:cs typeface="Arial" pitchFamily="34" charset="0"/>
-            </a:endParaRPr>
           </a:p>
         </p:txBody>
       </p:sp>
@@ -12653,16 +13245,12 @@
           <a:lstStyle/>
           <a:p>
             <a:r>
-              <a:rPr lang="en-US" sz="3200" b="1" dirty="0" smtClean="0">
-                <a:latin typeface="Arial" pitchFamily="34" charset="0"/>
-                <a:cs typeface="Arial" pitchFamily="34" charset="0"/>
+              <a:rPr lang="en-US" sz="3200" b="1" dirty="0">
+                <a:latin typeface="Arial" panose="020B0604020202020204" pitchFamily="34" charset="0"/>
+                <a:cs typeface="Arial" panose="020B0604020202020204" pitchFamily="34" charset="0"/>
               </a:rPr>
               <a:t>0</a:t>
             </a:r>
-            <a:endParaRPr lang="en-US" sz="3200" b="1" dirty="0">
-              <a:latin typeface="Arial" pitchFamily="34" charset="0"/>
-              <a:cs typeface="Arial" pitchFamily="34" charset="0"/>
-            </a:endParaRPr>
           </a:p>
         </p:txBody>
       </p:sp>
@@ -12689,16 +13277,12 @@
           <a:lstStyle/>
           <a:p>
             <a:r>
-              <a:rPr lang="en-US" sz="3200" b="1" dirty="0" smtClean="0">
-                <a:latin typeface="Arial" pitchFamily="34" charset="0"/>
-                <a:cs typeface="Arial" pitchFamily="34" charset="0"/>
+              <a:rPr lang="en-US" sz="3200" b="1" dirty="0">
+                <a:latin typeface="Arial" panose="020B0604020202020204" pitchFamily="34" charset="0"/>
+                <a:cs typeface="Arial" panose="020B0604020202020204" pitchFamily="34" charset="0"/>
               </a:rPr>
               <a:t>0.75</a:t>
             </a:r>
-            <a:endParaRPr lang="en-US" sz="3200" b="1" dirty="0">
-              <a:latin typeface="Arial" pitchFamily="34" charset="0"/>
-              <a:cs typeface="Arial" pitchFamily="34" charset="0"/>
-            </a:endParaRPr>
           </a:p>
         </p:txBody>
       </p:sp>
@@ -12725,16 +13309,12 @@
           <a:lstStyle/>
           <a:p>
             <a:r>
-              <a:rPr lang="en-US" sz="3200" b="1" dirty="0" smtClean="0">
-                <a:latin typeface="Arial" pitchFamily="34" charset="0"/>
-                <a:cs typeface="Arial" pitchFamily="34" charset="0"/>
+              <a:rPr lang="en-US" sz="3200" b="1" dirty="0">
+                <a:latin typeface="Arial" panose="020B0604020202020204" pitchFamily="34" charset="0"/>
+                <a:cs typeface="Arial" panose="020B0604020202020204" pitchFamily="34" charset="0"/>
               </a:rPr>
               <a:t>0.25</a:t>
             </a:r>
-            <a:endParaRPr lang="en-US" sz="3200" b="1" dirty="0">
-              <a:latin typeface="Arial" pitchFamily="34" charset="0"/>
-              <a:cs typeface="Arial" pitchFamily="34" charset="0"/>
-            </a:endParaRPr>
           </a:p>
         </p:txBody>
       </p:sp>
@@ -12761,16 +13341,12 @@
           <a:lstStyle/>
           <a:p>
             <a:r>
-              <a:rPr lang="en-US" sz="3200" b="1" dirty="0" smtClean="0">
-                <a:latin typeface="Arial" pitchFamily="34" charset="0"/>
-                <a:cs typeface="Arial" pitchFamily="34" charset="0"/>
+              <a:rPr lang="en-US" sz="3200" b="1" dirty="0">
+                <a:latin typeface="Arial" panose="020B0604020202020204" pitchFamily="34" charset="0"/>
+                <a:cs typeface="Arial" panose="020B0604020202020204" pitchFamily="34" charset="0"/>
               </a:rPr>
               <a:t>0.5</a:t>
             </a:r>
-            <a:endParaRPr lang="en-US" sz="3200" b="1" dirty="0">
-              <a:latin typeface="Arial" pitchFamily="34" charset="0"/>
-              <a:cs typeface="Arial" pitchFamily="34" charset="0"/>
-            </a:endParaRPr>
           </a:p>
         </p:txBody>
       </p:sp>
@@ -12797,16 +13373,12 @@
           <a:lstStyle/>
           <a:p>
             <a:r>
-              <a:rPr lang="en-US" sz="3200" b="1" dirty="0" smtClean="0">
-                <a:latin typeface="Arial" pitchFamily="34" charset="0"/>
-                <a:cs typeface="Arial" pitchFamily="34" charset="0"/>
+              <a:rPr lang="en-US" sz="3200" b="1" dirty="0">
+                <a:latin typeface="Arial" panose="020B0604020202020204" pitchFamily="34" charset="0"/>
+                <a:cs typeface="Arial" panose="020B0604020202020204" pitchFamily="34" charset="0"/>
               </a:rPr>
               <a:t>1</a:t>
             </a:r>
-            <a:endParaRPr lang="en-US" sz="3200" b="1" dirty="0">
-              <a:latin typeface="Arial" pitchFamily="34" charset="0"/>
-              <a:cs typeface="Arial" pitchFamily="34" charset="0"/>
-            </a:endParaRPr>
           </a:p>
         </p:txBody>
       </p:sp>
@@ -13343,16 +13915,12 @@
           <a:lstStyle/>
           <a:p>
             <a:r>
-              <a:rPr lang="en-US" sz="3200" b="1" dirty="0" smtClean="0">
-                <a:latin typeface="Arial" pitchFamily="34" charset="0"/>
-                <a:cs typeface="Arial" pitchFamily="34" charset="0"/>
+              <a:rPr lang="en-US" sz="3200" b="1" dirty="0">
+                <a:latin typeface="Arial" panose="020B0604020202020204" pitchFamily="34" charset="0"/>
+                <a:cs typeface="Arial" panose="020B0604020202020204" pitchFamily="34" charset="0"/>
               </a:rPr>
               <a:t>0</a:t>
             </a:r>
-            <a:endParaRPr lang="en-US" sz="3200" b="1" dirty="0">
-              <a:latin typeface="Arial" pitchFamily="34" charset="0"/>
-              <a:cs typeface="Arial" pitchFamily="34" charset="0"/>
-            </a:endParaRPr>
           </a:p>
         </p:txBody>
       </p:sp>
@@ -13379,16 +13947,12 @@
           <a:lstStyle/>
           <a:p>
             <a:r>
-              <a:rPr lang="en-US" sz="3200" b="1" dirty="0" smtClean="0">
-                <a:latin typeface="Arial" pitchFamily="34" charset="0"/>
-                <a:cs typeface="Arial" pitchFamily="34" charset="0"/>
+              <a:rPr lang="en-US" sz="3200" b="1" dirty="0">
+                <a:latin typeface="Arial" panose="020B0604020202020204" pitchFamily="34" charset="0"/>
+                <a:cs typeface="Arial" panose="020B0604020202020204" pitchFamily="34" charset="0"/>
               </a:rPr>
               <a:t>1</a:t>
             </a:r>
-            <a:endParaRPr lang="en-US" sz="3200" b="1" dirty="0">
-              <a:latin typeface="Arial" pitchFamily="34" charset="0"/>
-              <a:cs typeface="Arial" pitchFamily="34" charset="0"/>
-            </a:endParaRPr>
           </a:p>
         </p:txBody>
       </p:sp>
@@ -13415,16 +13979,12 @@
           <a:lstStyle/>
           <a:p>
             <a:r>
-              <a:rPr lang="en-US" sz="3200" b="1" dirty="0" smtClean="0">
-                <a:latin typeface="Arial" pitchFamily="34" charset="0"/>
-                <a:cs typeface="Arial" pitchFamily="34" charset="0"/>
+              <a:rPr lang="en-US" sz="3200" b="1" dirty="0">
+                <a:latin typeface="Arial" panose="020B0604020202020204" pitchFamily="34" charset="0"/>
+                <a:cs typeface="Arial" panose="020B0604020202020204" pitchFamily="34" charset="0"/>
               </a:rPr>
               <a:t>2</a:t>
             </a:r>
-            <a:endParaRPr lang="en-US" sz="3200" b="1" dirty="0">
-              <a:latin typeface="Arial" pitchFamily="34" charset="0"/>
-              <a:cs typeface="Arial" pitchFamily="34" charset="0"/>
-            </a:endParaRPr>
           </a:p>
         </p:txBody>
       </p:sp>
@@ -13451,16 +14011,12 @@
           <a:lstStyle/>
           <a:p>
             <a:r>
-              <a:rPr lang="en-US" sz="3200" b="1" dirty="0" smtClean="0">
-                <a:latin typeface="Arial" pitchFamily="34" charset="0"/>
-                <a:cs typeface="Arial" pitchFamily="34" charset="0"/>
+              <a:rPr lang="en-US" sz="3200" b="1" dirty="0">
+                <a:latin typeface="Arial" panose="020B0604020202020204" pitchFamily="34" charset="0"/>
+                <a:cs typeface="Arial" panose="020B0604020202020204" pitchFamily="34" charset="0"/>
               </a:rPr>
               <a:t>3</a:t>
             </a:r>
-            <a:endParaRPr lang="en-US" sz="3200" b="1" dirty="0">
-              <a:latin typeface="Arial" pitchFamily="34" charset="0"/>
-              <a:cs typeface="Arial" pitchFamily="34" charset="0"/>
-            </a:endParaRPr>
           </a:p>
         </p:txBody>
       </p:sp>
@@ -13488,53 +14044,53 @@
               <a:gd name="connsiteY3" fmla="*/ 0 h 2222938"/>
               <a:gd name="connsiteX4" fmla="*/ 4966138 w 4966138"/>
               <a:gd name="connsiteY4" fmla="*/ 0 h 2222938"/>
-              <a:gd name="connsiteX0" fmla="*/ 0 w 4966138"/>
-              <a:gd name="connsiteY0" fmla="*/ 2222938 h 2222938"/>
-              <a:gd name="connsiteX1" fmla="*/ 2112580 w 4966138"/>
-              <a:gd name="connsiteY1" fmla="*/ 819807 h 2222938"/>
-              <a:gd name="connsiteX2" fmla="*/ 3756584 w 4966138"/>
-              <a:gd name="connsiteY2" fmla="*/ 151904 h 2222938"/>
-              <a:gd name="connsiteX3" fmla="*/ 4966138 w 4966138"/>
-              <a:gd name="connsiteY3" fmla="*/ 0 h 2222938"/>
-              <a:gd name="connsiteX4" fmla="*/ 4966138 w 4966138"/>
-              <a:gd name="connsiteY4" fmla="*/ 0 h 2222938"/>
-              <a:gd name="connsiteX0" fmla="*/ 0 w 4966138"/>
-              <a:gd name="connsiteY0" fmla="*/ 2222938 h 2222938"/>
-              <a:gd name="connsiteX1" fmla="*/ 2112580 w 4966138"/>
-              <a:gd name="connsiteY1" fmla="*/ 819807 h 2222938"/>
-              <a:gd name="connsiteX2" fmla="*/ 3756584 w 4966138"/>
-              <a:gd name="connsiteY2" fmla="*/ 227994 h 2222938"/>
-              <a:gd name="connsiteX3" fmla="*/ 4966138 w 4966138"/>
-              <a:gd name="connsiteY3" fmla="*/ 0 h 2222938"/>
-              <a:gd name="connsiteX4" fmla="*/ 4966138 w 4966138"/>
-              <a:gd name="connsiteY4" fmla="*/ 0 h 2222938"/>
-              <a:gd name="connsiteX0" fmla="*/ 0 w 4966138"/>
-              <a:gd name="connsiteY0" fmla="*/ 2222938 h 2222938"/>
-              <a:gd name="connsiteX1" fmla="*/ 2105963 w 4966138"/>
-              <a:gd name="connsiteY1" fmla="*/ 968973 h 2222938"/>
-              <a:gd name="connsiteX2" fmla="*/ 3756584 w 4966138"/>
-              <a:gd name="connsiteY2" fmla="*/ 227994 h 2222938"/>
-              <a:gd name="connsiteX3" fmla="*/ 4966138 w 4966138"/>
-              <a:gd name="connsiteY3" fmla="*/ 0 h 2222938"/>
-              <a:gd name="connsiteX4" fmla="*/ 4966138 w 4966138"/>
-              <a:gd name="connsiteY4" fmla="*/ 0 h 2222938"/>
+              <a:gd name="connsiteX0-1" fmla="*/ 0 w 4966138"/>
+              <a:gd name="connsiteY0-2" fmla="*/ 2222938 h 2222938"/>
+              <a:gd name="connsiteX1-3" fmla="*/ 2112580 w 4966138"/>
+              <a:gd name="connsiteY1-4" fmla="*/ 819807 h 2222938"/>
+              <a:gd name="connsiteX2-5" fmla="*/ 3756584 w 4966138"/>
+              <a:gd name="connsiteY2-6" fmla="*/ 151904 h 2222938"/>
+              <a:gd name="connsiteX3-7" fmla="*/ 4966138 w 4966138"/>
+              <a:gd name="connsiteY3-8" fmla="*/ 0 h 2222938"/>
+              <a:gd name="connsiteX4-9" fmla="*/ 4966138 w 4966138"/>
+              <a:gd name="connsiteY4-10" fmla="*/ 0 h 2222938"/>
+              <a:gd name="connsiteX0-11" fmla="*/ 0 w 4966138"/>
+              <a:gd name="connsiteY0-12" fmla="*/ 2222938 h 2222938"/>
+              <a:gd name="connsiteX1-13" fmla="*/ 2112580 w 4966138"/>
+              <a:gd name="connsiteY1-14" fmla="*/ 819807 h 2222938"/>
+              <a:gd name="connsiteX2-15" fmla="*/ 3756584 w 4966138"/>
+              <a:gd name="connsiteY2-16" fmla="*/ 227994 h 2222938"/>
+              <a:gd name="connsiteX3-17" fmla="*/ 4966138 w 4966138"/>
+              <a:gd name="connsiteY3-18" fmla="*/ 0 h 2222938"/>
+              <a:gd name="connsiteX4-19" fmla="*/ 4966138 w 4966138"/>
+              <a:gd name="connsiteY4-20" fmla="*/ 0 h 2222938"/>
+              <a:gd name="connsiteX0-21" fmla="*/ 0 w 4966138"/>
+              <a:gd name="connsiteY0-22" fmla="*/ 2222938 h 2222938"/>
+              <a:gd name="connsiteX1-23" fmla="*/ 2105963 w 4966138"/>
+              <a:gd name="connsiteY1-24" fmla="*/ 968973 h 2222938"/>
+              <a:gd name="connsiteX2-25" fmla="*/ 3756584 w 4966138"/>
+              <a:gd name="connsiteY2-26" fmla="*/ 227994 h 2222938"/>
+              <a:gd name="connsiteX3-27" fmla="*/ 4966138 w 4966138"/>
+              <a:gd name="connsiteY3-28" fmla="*/ 0 h 2222938"/>
+              <a:gd name="connsiteX4-29" fmla="*/ 4966138 w 4966138"/>
+              <a:gd name="connsiteY4-30" fmla="*/ 0 h 2222938"/>
             </a:gdLst>
             <a:ahLst/>
             <a:cxnLst>
               <a:cxn ang="0">
-                <a:pos x="connsiteX0" y="connsiteY0"/>
+                <a:pos x="connsiteX0-1" y="connsiteY0-2"/>
               </a:cxn>
               <a:cxn ang="0">
-                <a:pos x="connsiteX1" y="connsiteY1"/>
+                <a:pos x="connsiteX1-3" y="connsiteY1-4"/>
               </a:cxn>
               <a:cxn ang="0">
-                <a:pos x="connsiteX2" y="connsiteY2"/>
+                <a:pos x="connsiteX2-5" y="connsiteY2-6"/>
               </a:cxn>
               <a:cxn ang="0">
-                <a:pos x="connsiteX3" y="connsiteY3"/>
+                <a:pos x="connsiteX3-7" y="connsiteY3-8"/>
               </a:cxn>
               <a:cxn ang="0">
-                <a:pos x="connsiteX4" y="connsiteY4"/>
+                <a:pos x="connsiteX4-9" y="connsiteY4-10"/>
               </a:cxn>
             </a:cxnLst>
             <a:rect l="l" t="t" r="r" b="b"/>
@@ -13618,392 +14174,1907 @@
           <a:chExt cx="0" cy="0"/>
         </a:xfrm>
       </p:grpSpPr>
-      <p:pic>
-        <p:nvPicPr>
-          <p:cNvPr id="4" name="圖片 3" descr="Figures.png"/>
-          <p:cNvPicPr>
-            <a:picLocks noChangeAspect="1"/>
-          </p:cNvPicPr>
-          <p:nvPr/>
-        </p:nvPicPr>
-        <p:blipFill>
-          <a:blip r:embed="rId2" cstate="print"/>
-          <a:stretch>
-            <a:fillRect/>
-          </a:stretch>
-        </p:blipFill>
-        <p:spPr>
-          <a:xfrm>
-            <a:off x="0" y="433436"/>
-            <a:ext cx="7414416" cy="5559605"/>
-          </a:xfrm>
-          <a:prstGeom prst="rect">
-            <a:avLst/>
-          </a:prstGeom>
-        </p:spPr>
-      </p:pic>
-      <p:pic>
-        <p:nvPicPr>
-          <p:cNvPr id="5" name="圖片 4" descr="Figures.png"/>
-          <p:cNvPicPr>
-            <a:picLocks noChangeAspect="1"/>
-          </p:cNvPicPr>
-          <p:nvPr/>
-        </p:nvPicPr>
-        <p:blipFill>
-          <a:blip r:embed="rId3" cstate="print"/>
-          <a:srcRect l="12829" t="16392" r="16609" b="15551"/>
-          <a:stretch>
-            <a:fillRect/>
-          </a:stretch>
-        </p:blipFill>
-        <p:spPr>
-          <a:xfrm>
-            <a:off x="5781747" y="2161646"/>
-            <a:ext cx="3110778" cy="2249759"/>
-          </a:xfrm>
-          <a:prstGeom prst="rect">
-            <a:avLst/>
-          </a:prstGeom>
-        </p:spPr>
-      </p:pic>
+      <p:graphicFrame>
+        <p:nvGraphicFramePr>
+          <p:cNvPr id="40" name="表格 39"/>
+          <p:cNvGraphicFramePr>
+            <a:graphicFrameLocks noGrp="1"/>
+          </p:cNvGraphicFramePr>
+          <p:nvPr>
+            <p:extLst>
+              <p:ext uri="{D42A27DB-BD31-4B8C-83A1-F6EECF244321}">
+                <p14:modId xmlns:p14="http://schemas.microsoft.com/office/powerpoint/2010/main" val="2634902949"/>
+              </p:ext>
+            </p:extLst>
+          </p:nvPr>
+        </p:nvGraphicFramePr>
+        <p:xfrm>
+          <a:off x="1000597" y="491577"/>
+          <a:ext cx="4663241" cy="4441974"/>
+        </p:xfrm>
+        <a:graphic>
+          <a:graphicData uri="http://schemas.openxmlformats.org/drawingml/2006/table">
+            <a:tbl>
+              <a:tblPr firstRow="1" bandRow="1">
+                <a:tableStyleId>{5C22544A-7EE6-4342-B048-85BDC9FD1C3A}</a:tableStyleId>
+              </a:tblPr>
+              <a:tblGrid>
+                <a:gridCol w="1894582">
+                  <a:extLst>
+                    <a:ext uri="{9D8B030D-6E8A-4147-A177-3AD203B41FA5}">
+                      <a16:colId xmlns:a16="http://schemas.microsoft.com/office/drawing/2014/main" val="20000"/>
+                    </a:ext>
+                  </a:extLst>
+                </a:gridCol>
+                <a:gridCol w="922655">
+                  <a:extLst>
+                    <a:ext uri="{9D8B030D-6E8A-4147-A177-3AD203B41FA5}">
+                      <a16:colId xmlns:a16="http://schemas.microsoft.com/office/drawing/2014/main" val="20001"/>
+                    </a:ext>
+                  </a:extLst>
+                </a:gridCol>
+                <a:gridCol w="923349">
+                  <a:extLst>
+                    <a:ext uri="{9D8B030D-6E8A-4147-A177-3AD203B41FA5}">
+                      <a16:colId xmlns:a16="http://schemas.microsoft.com/office/drawing/2014/main" val="20002"/>
+                    </a:ext>
+                  </a:extLst>
+                </a:gridCol>
+                <a:gridCol w="922655">
+                  <a:extLst>
+                    <a:ext uri="{9D8B030D-6E8A-4147-A177-3AD203B41FA5}">
+                      <a16:colId xmlns:a16="http://schemas.microsoft.com/office/drawing/2014/main" val="20003"/>
+                    </a:ext>
+                  </a:extLst>
+                </a:gridCol>
+              </a:tblGrid>
+              <a:tr h="735965">
+                <a:tc>
+                  <a:txBody>
+                    <a:bodyPr/>
+                    <a:lstStyle/>
+                    <a:p>
+                      <a:pPr algn="ctr"/>
+                      <a:r>
+                        <a:rPr lang="en-US" sz="2400" b="1" dirty="0">
+                          <a:ln>
+                            <a:noFill/>
+                          </a:ln>
+                          <a:solidFill>
+                            <a:schemeClr val="tx1"/>
+                          </a:solidFill>
+                          <a:latin typeface="Arial" panose="020B0604020202020204" pitchFamily="34" charset="0"/>
+                          <a:cs typeface="Arial" panose="020B0604020202020204" pitchFamily="34" charset="0"/>
+                        </a:rPr>
+                        <a:t>Predator ID</a:t>
+                      </a:r>
+                    </a:p>
+                  </a:txBody>
+                  <a:tcPr anchor="ctr">
+                    <a:lnL w="12700" cap="flat" cmpd="sng" algn="ctr">
+                      <a:solidFill>
+                        <a:schemeClr val="tx1"/>
+                      </a:solidFill>
+                      <a:prstDash val="solid"/>
+                      <a:round/>
+                      <a:headEnd type="none" w="med" len="med"/>
+                      <a:tailEnd type="none" w="med" len="med"/>
+                    </a:lnL>
+                    <a:lnR w="12700" cap="flat" cmpd="sng" algn="ctr">
+                      <a:solidFill>
+                        <a:schemeClr val="tx1"/>
+                      </a:solidFill>
+                      <a:prstDash val="solid"/>
+                      <a:round/>
+                      <a:headEnd type="none" w="med" len="med"/>
+                      <a:tailEnd type="none" w="med" len="med"/>
+                    </a:lnR>
+                    <a:lnT w="12700" cap="flat" cmpd="sng" algn="ctr">
+                      <a:solidFill>
+                        <a:schemeClr val="tx1"/>
+                      </a:solidFill>
+                      <a:prstDash val="solid"/>
+                      <a:round/>
+                      <a:headEnd type="none" w="med" len="med"/>
+                      <a:tailEnd type="none" w="med" len="med"/>
+                    </a:lnT>
+                    <a:lnB w="12700" cap="flat" cmpd="sng" algn="ctr">
+                      <a:solidFill>
+                        <a:schemeClr val="tx1"/>
+                      </a:solidFill>
+                      <a:prstDash val="solid"/>
+                      <a:round/>
+                      <a:headEnd type="none" w="med" len="med"/>
+                      <a:tailEnd type="none" w="med" len="med"/>
+                    </a:lnB>
+                    <a:noFill/>
+                  </a:tcPr>
+                </a:tc>
+                <a:tc>
+                  <a:txBody>
+                    <a:bodyPr/>
+                    <a:lstStyle/>
+                    <a:p>
+                      <a:pPr algn="ctr"/>
+                      <a:r>
+                        <a:rPr lang="en-US" sz="2400" dirty="0">
+                          <a:solidFill>
+                            <a:schemeClr val="tx1"/>
+                          </a:solidFill>
+                          <a:latin typeface="Arial" panose="020B0604020202020204" pitchFamily="34" charset="0"/>
+                          <a:cs typeface="Arial" panose="020B0604020202020204" pitchFamily="34" charset="0"/>
+                          <a:sym typeface="+mn-ea"/>
+                        </a:rPr>
+                        <a:t>δ</a:t>
+                      </a:r>
+                      <a:r>
+                        <a:rPr lang="en-US" sz="2400" baseline="30000" dirty="0">
+                          <a:solidFill>
+                            <a:schemeClr val="tx1"/>
+                          </a:solidFill>
+                          <a:latin typeface="Arial" panose="020B0604020202020204" pitchFamily="34" charset="0"/>
+                          <a:cs typeface="Arial" panose="020B0604020202020204" pitchFamily="34" charset="0"/>
+                          <a:sym typeface="+mn-ea"/>
+                        </a:rPr>
+                        <a:t>15</a:t>
+                      </a:r>
+                      <a:r>
+                        <a:rPr lang="en-US" sz="2400" dirty="0">
+                          <a:solidFill>
+                            <a:schemeClr val="tx1"/>
+                          </a:solidFill>
+                          <a:latin typeface="Arial" panose="020B0604020202020204" pitchFamily="34" charset="0"/>
+                          <a:cs typeface="Arial" panose="020B0604020202020204" pitchFamily="34" charset="0"/>
+                          <a:sym typeface="+mn-ea"/>
+                        </a:rPr>
+                        <a:t>N</a:t>
+                      </a:r>
+                      <a:endParaRPr lang="en-US" sz="2400" b="0" dirty="0">
+                        <a:ln>
+                          <a:noFill/>
+                        </a:ln>
+                        <a:solidFill>
+                          <a:schemeClr val="tx1"/>
+                        </a:solidFill>
+                        <a:latin typeface="Arial" panose="020B0604020202020204" pitchFamily="34" charset="0"/>
+                        <a:cs typeface="Arial" panose="020B0604020202020204" pitchFamily="34" charset="0"/>
+                        <a:sym typeface="+mn-ea"/>
+                      </a:endParaRPr>
+                    </a:p>
+                  </a:txBody>
+                  <a:tcPr anchor="ctr">
+                    <a:lnL w="12700" cap="flat" cmpd="sng" algn="ctr">
+                      <a:solidFill>
+                        <a:schemeClr val="tx1"/>
+                      </a:solidFill>
+                      <a:prstDash val="solid"/>
+                      <a:round/>
+                      <a:headEnd type="none" w="med" len="med"/>
+                      <a:tailEnd type="none" w="med" len="med"/>
+                    </a:lnL>
+                    <a:lnR w="12700" cap="flat" cmpd="sng" algn="ctr">
+                      <a:solidFill>
+                        <a:schemeClr val="tx1"/>
+                      </a:solidFill>
+                      <a:prstDash val="solid"/>
+                      <a:round/>
+                      <a:headEnd type="none" w="med" len="med"/>
+                      <a:tailEnd type="none" w="med" len="med"/>
+                    </a:lnR>
+                    <a:lnT w="12700" cap="flat" cmpd="sng" algn="ctr">
+                      <a:solidFill>
+                        <a:schemeClr val="tx1"/>
+                      </a:solidFill>
+                      <a:prstDash val="solid"/>
+                      <a:round/>
+                      <a:headEnd type="none" w="med" len="med"/>
+                      <a:tailEnd type="none" w="med" len="med"/>
+                    </a:lnT>
+                    <a:lnB w="12700" cap="flat" cmpd="sng" algn="ctr">
+                      <a:solidFill>
+                        <a:schemeClr val="tx1"/>
+                      </a:solidFill>
+                      <a:prstDash val="solid"/>
+                      <a:round/>
+                      <a:headEnd type="none" w="med" len="med"/>
+                      <a:tailEnd type="none" w="med" len="med"/>
+                    </a:lnB>
+                    <a:noFill/>
+                  </a:tcPr>
+                </a:tc>
+                <a:tc>
+                  <a:txBody>
+                    <a:bodyPr/>
+                    <a:lstStyle/>
+                    <a:p>
+                      <a:pPr algn="ctr"/>
+                      <a:r>
+                        <a:rPr lang="en-US" sz="2400" dirty="0">
+                          <a:solidFill>
+                            <a:schemeClr val="tx1"/>
+                          </a:solidFill>
+                          <a:latin typeface="Arial" panose="020B0604020202020204" pitchFamily="34" charset="0"/>
+                          <a:cs typeface="Arial" panose="020B0604020202020204" pitchFamily="34" charset="0"/>
+                          <a:sym typeface="+mn-ea"/>
+                        </a:rPr>
+                        <a:t>Δ</a:t>
+                      </a:r>
+                      <a:r>
+                        <a:rPr lang="en-US" sz="2400" baseline="30000" dirty="0">
+                          <a:solidFill>
+                            <a:schemeClr val="tx1"/>
+                          </a:solidFill>
+                          <a:latin typeface="Arial" panose="020B0604020202020204" pitchFamily="34" charset="0"/>
+                          <a:cs typeface="Arial" panose="020B0604020202020204" pitchFamily="34" charset="0"/>
+                          <a:sym typeface="+mn-ea"/>
+                        </a:rPr>
+                        <a:t>15</a:t>
+                      </a:r>
+                      <a:r>
+                        <a:rPr lang="en-US" sz="2400" dirty="0">
+                          <a:solidFill>
+                            <a:schemeClr val="tx1"/>
+                          </a:solidFill>
+                          <a:latin typeface="Arial" panose="020B0604020202020204" pitchFamily="34" charset="0"/>
+                          <a:cs typeface="Arial" panose="020B0604020202020204" pitchFamily="34" charset="0"/>
+                          <a:sym typeface="+mn-ea"/>
+                        </a:rPr>
+                        <a:t>N</a:t>
+                      </a:r>
+                      <a:endParaRPr lang="en-US" sz="2400" b="0" dirty="0">
+                        <a:ln>
+                          <a:noFill/>
+                        </a:ln>
+                        <a:solidFill>
+                          <a:schemeClr val="tx1"/>
+                        </a:solidFill>
+                        <a:latin typeface="Arial" panose="020B0604020202020204" pitchFamily="34" charset="0"/>
+                        <a:cs typeface="Arial" panose="020B0604020202020204" pitchFamily="34" charset="0"/>
+                        <a:sym typeface="+mn-ea"/>
+                      </a:endParaRPr>
+                    </a:p>
+                  </a:txBody>
+                  <a:tcPr anchor="ctr">
+                    <a:lnL w="12700" cap="flat" cmpd="sng" algn="ctr">
+                      <a:solidFill>
+                        <a:schemeClr val="tx1"/>
+                      </a:solidFill>
+                      <a:prstDash val="solid"/>
+                      <a:round/>
+                      <a:headEnd type="none" w="med" len="med"/>
+                      <a:tailEnd type="none" w="med" len="med"/>
+                    </a:lnL>
+                    <a:lnR w="12700" cap="flat" cmpd="sng" algn="ctr">
+                      <a:solidFill>
+                        <a:schemeClr val="tx1"/>
+                      </a:solidFill>
+                      <a:prstDash val="solid"/>
+                      <a:round/>
+                      <a:headEnd type="none" w="med" len="med"/>
+                      <a:tailEnd type="none" w="med" len="med"/>
+                    </a:lnR>
+                    <a:lnT w="12700" cap="flat" cmpd="sng" algn="ctr">
+                      <a:solidFill>
+                        <a:schemeClr val="tx1"/>
+                      </a:solidFill>
+                      <a:prstDash val="solid"/>
+                      <a:round/>
+                      <a:headEnd type="none" w="med" len="med"/>
+                      <a:tailEnd type="none" w="med" len="med"/>
+                    </a:lnT>
+                    <a:lnB w="12700" cap="flat" cmpd="sng" algn="ctr">
+                      <a:solidFill>
+                        <a:schemeClr val="tx1"/>
+                      </a:solidFill>
+                      <a:prstDash val="solid"/>
+                      <a:round/>
+                      <a:headEnd type="none" w="med" len="med"/>
+                      <a:tailEnd type="none" w="med" len="med"/>
+                    </a:lnB>
+                    <a:noFill/>
+                  </a:tcPr>
+                </a:tc>
+                <a:tc>
+                  <a:txBody>
+                    <a:bodyPr/>
+                    <a:lstStyle/>
+                    <a:p>
+                      <a:pPr algn="ctr"/>
+                      <a:r>
+                        <a:rPr lang="en-US" sz="2400" b="1" i="1" dirty="0">
+                          <a:ln>
+                            <a:noFill/>
+                          </a:ln>
+                          <a:solidFill>
+                            <a:schemeClr val="tx1"/>
+                          </a:solidFill>
+                          <a:latin typeface="Arial" panose="020B0604020202020204" pitchFamily="34" charset="0"/>
+                          <a:cs typeface="Arial" panose="020B0604020202020204" pitchFamily="34" charset="0"/>
+                        </a:rPr>
+                        <a:t>P</a:t>
+                      </a:r>
+                    </a:p>
+                  </a:txBody>
+                  <a:tcPr anchor="ctr">
+                    <a:lnL w="12700" cap="flat" cmpd="sng" algn="ctr">
+                      <a:solidFill>
+                        <a:schemeClr val="tx1"/>
+                      </a:solidFill>
+                      <a:prstDash val="solid"/>
+                      <a:round/>
+                      <a:headEnd type="none" w="med" len="med"/>
+                      <a:tailEnd type="none" w="med" len="med"/>
+                    </a:lnL>
+                    <a:lnR w="12700" cap="flat" cmpd="sng" algn="ctr">
+                      <a:solidFill>
+                        <a:schemeClr val="tx1"/>
+                      </a:solidFill>
+                      <a:prstDash val="solid"/>
+                      <a:round/>
+                      <a:headEnd type="none" w="med" len="med"/>
+                      <a:tailEnd type="none" w="med" len="med"/>
+                    </a:lnR>
+                    <a:lnT w="12700" cap="flat" cmpd="sng" algn="ctr">
+                      <a:solidFill>
+                        <a:schemeClr val="tx1"/>
+                      </a:solidFill>
+                      <a:prstDash val="solid"/>
+                      <a:round/>
+                      <a:headEnd type="none" w="med" len="med"/>
+                      <a:tailEnd type="none" w="med" len="med"/>
+                    </a:lnT>
+                    <a:lnB w="12700" cap="flat" cmpd="sng" algn="ctr">
+                      <a:solidFill>
+                        <a:schemeClr val="tx1"/>
+                      </a:solidFill>
+                      <a:prstDash val="solid"/>
+                      <a:round/>
+                      <a:headEnd type="none" w="med" len="med"/>
+                      <a:tailEnd type="none" w="med" len="med"/>
+                    </a:lnB>
+                    <a:noFill/>
+                  </a:tcPr>
+                </a:tc>
+                <a:extLst>
+                  <a:ext uri="{0D108BD9-81ED-4DB2-BD59-A6C34878D82A}">
+                    <a16:rowId xmlns:a16="http://schemas.microsoft.com/office/drawing/2014/main" val="10000"/>
+                  </a:ext>
+                </a:extLst>
+              </a:tr>
+              <a:tr h="487141">
+                <a:tc>
+                  <a:txBody>
+                    <a:bodyPr/>
+                    <a:lstStyle/>
+                    <a:p>
+                      <a:pPr algn="ctr"/>
+                      <a:r>
+                        <a:rPr lang="en-US" sz="2400" b="1" dirty="0">
+                          <a:ln>
+                            <a:noFill/>
+                          </a:ln>
+                          <a:solidFill>
+                            <a:schemeClr val="tx1"/>
+                          </a:solidFill>
+                          <a:latin typeface="Arial" panose="020B0604020202020204" pitchFamily="34" charset="0"/>
+                          <a:cs typeface="Arial" panose="020B0604020202020204" pitchFamily="34" charset="0"/>
+                        </a:rPr>
+                        <a:t>1</a:t>
+                      </a:r>
+                    </a:p>
+                  </a:txBody>
+                  <a:tcPr anchor="ctr">
+                    <a:lnL w="12700" cap="flat" cmpd="sng" algn="ctr">
+                      <a:solidFill>
+                        <a:schemeClr val="tx1"/>
+                      </a:solidFill>
+                      <a:prstDash val="solid"/>
+                      <a:round/>
+                      <a:headEnd type="none" w="med" len="med"/>
+                      <a:tailEnd type="none" w="med" len="med"/>
+                    </a:lnL>
+                    <a:lnR w="12700" cap="flat" cmpd="sng" algn="ctr">
+                      <a:solidFill>
+                        <a:schemeClr val="tx1"/>
+                      </a:solidFill>
+                      <a:prstDash val="solid"/>
+                      <a:round/>
+                      <a:headEnd type="none" w="med" len="med"/>
+                      <a:tailEnd type="none" w="med" len="med"/>
+                    </a:lnR>
+                    <a:lnT w="12700" cap="flat" cmpd="sng" algn="ctr">
+                      <a:solidFill>
+                        <a:schemeClr val="tx1"/>
+                      </a:solidFill>
+                      <a:prstDash val="solid"/>
+                      <a:round/>
+                      <a:headEnd type="none" w="med" len="med"/>
+                      <a:tailEnd type="none" w="med" len="med"/>
+                    </a:lnT>
+                    <a:lnB w="12700" cap="flat" cmpd="sng" algn="ctr">
+                      <a:solidFill>
+                        <a:schemeClr val="tx1"/>
+                      </a:solidFill>
+                      <a:prstDash val="solid"/>
+                      <a:round/>
+                      <a:headEnd type="none" w="med" len="med"/>
+                      <a:tailEnd type="none" w="med" len="med"/>
+                    </a:lnB>
+                    <a:noFill/>
+                  </a:tcPr>
+                </a:tc>
+                <a:tc>
+                  <a:txBody>
+                    <a:bodyPr/>
+                    <a:lstStyle/>
+                    <a:p>
+                      <a:pPr algn="ctr"/>
+                      <a:r>
+                        <a:rPr lang="en-US" sz="2400" dirty="0">
+                          <a:ln>
+                            <a:noFill/>
+                          </a:ln>
+                          <a:solidFill>
+                            <a:schemeClr val="tx1"/>
+                          </a:solidFill>
+                          <a:latin typeface="Arial" panose="020B0604020202020204" pitchFamily="34" charset="0"/>
+                          <a:cs typeface="Arial" panose="020B0604020202020204" pitchFamily="34" charset="0"/>
+                        </a:rPr>
+                        <a:t>3.5</a:t>
+                      </a:r>
+                    </a:p>
+                  </a:txBody>
+                  <a:tcPr anchor="ctr">
+                    <a:lnL w="12700" cap="flat" cmpd="sng" algn="ctr">
+                      <a:solidFill>
+                        <a:schemeClr val="tx1"/>
+                      </a:solidFill>
+                      <a:prstDash val="solid"/>
+                      <a:round/>
+                      <a:headEnd type="none" w="med" len="med"/>
+                      <a:tailEnd type="none" w="med" len="med"/>
+                    </a:lnL>
+                    <a:lnR w="12700" cap="flat" cmpd="sng" algn="ctr">
+                      <a:solidFill>
+                        <a:schemeClr val="tx1"/>
+                      </a:solidFill>
+                      <a:prstDash val="solid"/>
+                      <a:round/>
+                      <a:headEnd type="none" w="med" len="med"/>
+                      <a:tailEnd type="none" w="med" len="med"/>
+                    </a:lnR>
+                    <a:lnT w="12700" cap="flat" cmpd="sng" algn="ctr">
+                      <a:solidFill>
+                        <a:schemeClr val="tx1"/>
+                      </a:solidFill>
+                      <a:prstDash val="solid"/>
+                      <a:round/>
+                      <a:headEnd type="none" w="med" len="med"/>
+                      <a:tailEnd type="none" w="med" len="med"/>
+                    </a:lnT>
+                    <a:lnB w="12700" cap="flat" cmpd="sng" algn="ctr">
+                      <a:solidFill>
+                        <a:schemeClr val="tx1"/>
+                      </a:solidFill>
+                      <a:prstDash val="solid"/>
+                      <a:round/>
+                      <a:headEnd type="none" w="med" len="med"/>
+                      <a:tailEnd type="none" w="med" len="med"/>
+                    </a:lnB>
+                    <a:noFill/>
+                  </a:tcPr>
+                </a:tc>
+                <a:tc>
+                  <a:txBody>
+                    <a:bodyPr/>
+                    <a:lstStyle/>
+                    <a:p>
+                      <a:pPr algn="ctr"/>
+                      <a:r>
+                        <a:rPr lang="en-US" sz="2400" dirty="0">
+                          <a:ln>
+                            <a:noFill/>
+                          </a:ln>
+                          <a:solidFill>
+                            <a:schemeClr val="tx1"/>
+                          </a:solidFill>
+                          <a:latin typeface="Arial" panose="020B0604020202020204" pitchFamily="34" charset="0"/>
+                          <a:cs typeface="Arial" panose="020B0604020202020204" pitchFamily="34" charset="0"/>
+                        </a:rPr>
+                        <a:t>1.5</a:t>
+                      </a:r>
+                    </a:p>
+                  </a:txBody>
+                  <a:tcPr anchor="ctr">
+                    <a:lnL w="12700" cap="flat" cmpd="sng" algn="ctr">
+                      <a:solidFill>
+                        <a:schemeClr val="tx1"/>
+                      </a:solidFill>
+                      <a:prstDash val="solid"/>
+                      <a:round/>
+                      <a:headEnd type="none" w="med" len="med"/>
+                      <a:tailEnd type="none" w="med" len="med"/>
+                    </a:lnL>
+                    <a:lnR w="12700" cap="flat" cmpd="sng" algn="ctr">
+                      <a:solidFill>
+                        <a:schemeClr val="tx1"/>
+                      </a:solidFill>
+                      <a:prstDash val="solid"/>
+                      <a:round/>
+                      <a:headEnd type="none" w="med" len="med"/>
+                      <a:tailEnd type="none" w="med" len="med"/>
+                    </a:lnR>
+                    <a:lnT w="12700" cap="flat" cmpd="sng" algn="ctr">
+                      <a:solidFill>
+                        <a:schemeClr val="tx1"/>
+                      </a:solidFill>
+                      <a:prstDash val="solid"/>
+                      <a:round/>
+                      <a:headEnd type="none" w="med" len="med"/>
+                      <a:tailEnd type="none" w="med" len="med"/>
+                    </a:lnT>
+                    <a:lnB w="12700" cap="flat" cmpd="sng" algn="ctr">
+                      <a:solidFill>
+                        <a:schemeClr val="tx1"/>
+                      </a:solidFill>
+                      <a:prstDash val="solid"/>
+                      <a:round/>
+                      <a:headEnd type="none" w="med" len="med"/>
+                      <a:tailEnd type="none" w="med" len="med"/>
+                    </a:lnB>
+                    <a:noFill/>
+                  </a:tcPr>
+                </a:tc>
+                <a:tc>
+                  <a:txBody>
+                    <a:bodyPr/>
+                    <a:lstStyle/>
+                    <a:p>
+                      <a:pPr algn="ctr"/>
+                      <a:r>
+                        <a:rPr lang="en-US" sz="2400" dirty="0">
+                          <a:ln>
+                            <a:noFill/>
+                          </a:ln>
+                          <a:solidFill>
+                            <a:schemeClr val="tx1"/>
+                          </a:solidFill>
+                          <a:latin typeface="Arial" panose="020B0604020202020204" pitchFamily="34" charset="0"/>
+                          <a:cs typeface="Arial" panose="020B0604020202020204" pitchFamily="34" charset="0"/>
+                        </a:rPr>
+                        <a:t>0.24</a:t>
+                      </a:r>
+                    </a:p>
+                  </a:txBody>
+                  <a:tcPr anchor="ctr">
+                    <a:lnL w="12700" cap="flat" cmpd="sng" algn="ctr">
+                      <a:solidFill>
+                        <a:schemeClr val="tx1"/>
+                      </a:solidFill>
+                      <a:prstDash val="solid"/>
+                      <a:round/>
+                      <a:headEnd type="none" w="med" len="med"/>
+                      <a:tailEnd type="none" w="med" len="med"/>
+                    </a:lnL>
+                    <a:lnR w="12700" cap="flat" cmpd="sng" algn="ctr">
+                      <a:solidFill>
+                        <a:schemeClr val="tx1"/>
+                      </a:solidFill>
+                      <a:prstDash val="solid"/>
+                      <a:round/>
+                      <a:headEnd type="none" w="med" len="med"/>
+                      <a:tailEnd type="none" w="med" len="med"/>
+                    </a:lnR>
+                    <a:lnT w="12700" cap="flat" cmpd="sng" algn="ctr">
+                      <a:solidFill>
+                        <a:schemeClr val="tx1"/>
+                      </a:solidFill>
+                      <a:prstDash val="solid"/>
+                      <a:round/>
+                      <a:headEnd type="none" w="med" len="med"/>
+                      <a:tailEnd type="none" w="med" len="med"/>
+                    </a:lnT>
+                    <a:lnB w="12700" cap="flat" cmpd="sng" algn="ctr">
+                      <a:solidFill>
+                        <a:schemeClr val="tx1"/>
+                      </a:solidFill>
+                      <a:prstDash val="solid"/>
+                      <a:round/>
+                      <a:headEnd type="none" w="med" len="med"/>
+                      <a:tailEnd type="none" w="med" len="med"/>
+                    </a:lnB>
+                    <a:solidFill>
+                      <a:schemeClr val="accent3">
+                        <a:lumMod val="60000"/>
+                        <a:lumOff val="40000"/>
+                      </a:schemeClr>
+                    </a:solidFill>
+                  </a:tcPr>
+                </a:tc>
+                <a:extLst>
+                  <a:ext uri="{0D108BD9-81ED-4DB2-BD59-A6C34878D82A}">
+                    <a16:rowId xmlns:a16="http://schemas.microsoft.com/office/drawing/2014/main" val="10001"/>
+                  </a:ext>
+                </a:extLst>
+              </a:tr>
+              <a:tr h="553205">
+                <a:tc>
+                  <a:txBody>
+                    <a:bodyPr/>
+                    <a:lstStyle/>
+                    <a:p>
+                      <a:pPr algn="ctr"/>
+                      <a:r>
+                        <a:rPr lang="en-US" sz="2400" b="1" dirty="0">
+                          <a:ln>
+                            <a:noFill/>
+                          </a:ln>
+                          <a:solidFill>
+                            <a:schemeClr val="tx1"/>
+                          </a:solidFill>
+                          <a:latin typeface="Arial" panose="020B0604020202020204" pitchFamily="34" charset="0"/>
+                          <a:cs typeface="Arial" panose="020B0604020202020204" pitchFamily="34" charset="0"/>
+                        </a:rPr>
+                        <a:t>2</a:t>
+                      </a:r>
+                    </a:p>
+                  </a:txBody>
+                  <a:tcPr anchor="ctr">
+                    <a:lnL w="12700" cap="flat" cmpd="sng" algn="ctr">
+                      <a:solidFill>
+                        <a:schemeClr val="tx1"/>
+                      </a:solidFill>
+                      <a:prstDash val="solid"/>
+                      <a:round/>
+                      <a:headEnd type="none" w="med" len="med"/>
+                      <a:tailEnd type="none" w="med" len="med"/>
+                    </a:lnL>
+                    <a:lnR w="12700" cap="flat" cmpd="sng" algn="ctr">
+                      <a:solidFill>
+                        <a:schemeClr val="tx1"/>
+                      </a:solidFill>
+                      <a:prstDash val="solid"/>
+                      <a:round/>
+                      <a:headEnd type="none" w="med" len="med"/>
+                      <a:tailEnd type="none" w="med" len="med"/>
+                    </a:lnR>
+                    <a:lnT w="12700" cap="flat" cmpd="sng" algn="ctr">
+                      <a:solidFill>
+                        <a:schemeClr val="tx1"/>
+                      </a:solidFill>
+                      <a:prstDash val="solid"/>
+                      <a:round/>
+                      <a:headEnd type="none" w="med" len="med"/>
+                      <a:tailEnd type="none" w="med" len="med"/>
+                    </a:lnT>
+                    <a:lnB w="12700" cap="flat" cmpd="sng" algn="ctr">
+                      <a:solidFill>
+                        <a:schemeClr val="tx1"/>
+                      </a:solidFill>
+                      <a:prstDash val="solid"/>
+                      <a:round/>
+                      <a:headEnd type="none" w="med" len="med"/>
+                      <a:tailEnd type="none" w="med" len="med"/>
+                    </a:lnB>
+                    <a:noFill/>
+                  </a:tcPr>
+                </a:tc>
+                <a:tc>
+                  <a:txBody>
+                    <a:bodyPr/>
+                    <a:lstStyle/>
+                    <a:p>
+                      <a:pPr algn="ctr"/>
+                      <a:r>
+                        <a:rPr lang="en-US" sz="2400" dirty="0">
+                          <a:ln>
+                            <a:noFill/>
+                          </a:ln>
+                          <a:solidFill>
+                            <a:schemeClr val="tx1"/>
+                          </a:solidFill>
+                          <a:latin typeface="Arial" panose="020B0604020202020204" pitchFamily="34" charset="0"/>
+                          <a:cs typeface="Arial" panose="020B0604020202020204" pitchFamily="34" charset="0"/>
+                        </a:rPr>
+                        <a:t>3.2</a:t>
+                      </a:r>
+                    </a:p>
+                  </a:txBody>
+                  <a:tcPr anchor="ctr">
+                    <a:lnL w="12700" cap="flat" cmpd="sng" algn="ctr">
+                      <a:solidFill>
+                        <a:schemeClr val="tx1"/>
+                      </a:solidFill>
+                      <a:prstDash val="solid"/>
+                      <a:round/>
+                      <a:headEnd type="none" w="med" len="med"/>
+                      <a:tailEnd type="none" w="med" len="med"/>
+                    </a:lnL>
+                    <a:lnR w="12700" cap="flat" cmpd="sng" algn="ctr">
+                      <a:solidFill>
+                        <a:schemeClr val="tx1"/>
+                      </a:solidFill>
+                      <a:prstDash val="solid"/>
+                      <a:round/>
+                      <a:headEnd type="none" w="med" len="med"/>
+                      <a:tailEnd type="none" w="med" len="med"/>
+                    </a:lnR>
+                    <a:lnT w="12700" cap="flat" cmpd="sng" algn="ctr">
+                      <a:solidFill>
+                        <a:schemeClr val="tx1"/>
+                      </a:solidFill>
+                      <a:prstDash val="solid"/>
+                      <a:round/>
+                      <a:headEnd type="none" w="med" len="med"/>
+                      <a:tailEnd type="none" w="med" len="med"/>
+                    </a:lnT>
+                    <a:lnB w="12700" cap="flat" cmpd="sng" algn="ctr">
+                      <a:solidFill>
+                        <a:schemeClr val="tx1"/>
+                      </a:solidFill>
+                      <a:prstDash val="solid"/>
+                      <a:round/>
+                      <a:headEnd type="none" w="med" len="med"/>
+                      <a:tailEnd type="none" w="med" len="med"/>
+                    </a:lnB>
+                    <a:noFill/>
+                  </a:tcPr>
+                </a:tc>
+                <a:tc>
+                  <a:txBody>
+                    <a:bodyPr/>
+                    <a:lstStyle/>
+                    <a:p>
+                      <a:pPr algn="ctr"/>
+                      <a:r>
+                        <a:rPr lang="en-US" sz="2400" dirty="0">
+                          <a:ln>
+                            <a:noFill/>
+                          </a:ln>
+                          <a:solidFill>
+                            <a:schemeClr val="tx1"/>
+                          </a:solidFill>
+                          <a:latin typeface="Arial" panose="020B0604020202020204" pitchFamily="34" charset="0"/>
+                          <a:cs typeface="Arial" panose="020B0604020202020204" pitchFamily="34" charset="0"/>
+                        </a:rPr>
+                        <a:t>1.2</a:t>
+                      </a:r>
+                    </a:p>
+                  </a:txBody>
+                  <a:tcPr anchor="ctr">
+                    <a:lnL w="12700" cap="flat" cmpd="sng" algn="ctr">
+                      <a:solidFill>
+                        <a:schemeClr val="tx1"/>
+                      </a:solidFill>
+                      <a:prstDash val="solid"/>
+                      <a:round/>
+                      <a:headEnd type="none" w="med" len="med"/>
+                      <a:tailEnd type="none" w="med" len="med"/>
+                    </a:lnL>
+                    <a:lnR w="12700" cap="flat" cmpd="sng" algn="ctr">
+                      <a:solidFill>
+                        <a:schemeClr val="tx1"/>
+                      </a:solidFill>
+                      <a:prstDash val="solid"/>
+                      <a:round/>
+                      <a:headEnd type="none" w="med" len="med"/>
+                      <a:tailEnd type="none" w="med" len="med"/>
+                    </a:lnR>
+                    <a:lnT w="12700" cap="flat" cmpd="sng" algn="ctr">
+                      <a:solidFill>
+                        <a:schemeClr val="tx1"/>
+                      </a:solidFill>
+                      <a:prstDash val="solid"/>
+                      <a:round/>
+                      <a:headEnd type="none" w="med" len="med"/>
+                      <a:tailEnd type="none" w="med" len="med"/>
+                    </a:lnT>
+                    <a:lnB w="12700" cap="flat" cmpd="sng" algn="ctr">
+                      <a:solidFill>
+                        <a:schemeClr val="tx1"/>
+                      </a:solidFill>
+                      <a:prstDash val="solid"/>
+                      <a:round/>
+                      <a:headEnd type="none" w="med" len="med"/>
+                      <a:tailEnd type="none" w="med" len="med"/>
+                    </a:lnB>
+                    <a:noFill/>
+                  </a:tcPr>
+                </a:tc>
+                <a:tc>
+                  <a:txBody>
+                    <a:bodyPr/>
+                    <a:lstStyle/>
+                    <a:p>
+                      <a:pPr algn="ctr"/>
+                      <a:r>
+                        <a:rPr lang="en-US" sz="2400" dirty="0">
+                          <a:ln>
+                            <a:noFill/>
+                          </a:ln>
+                          <a:solidFill>
+                            <a:schemeClr val="tx1"/>
+                          </a:solidFill>
+                          <a:latin typeface="Arial" panose="020B0604020202020204" pitchFamily="34" charset="0"/>
+                          <a:cs typeface="Arial" panose="020B0604020202020204" pitchFamily="34" charset="0"/>
+                        </a:rPr>
+                        <a:t>0.15</a:t>
+                      </a:r>
+                    </a:p>
+                  </a:txBody>
+                  <a:tcPr anchor="ctr">
+                    <a:lnL w="12700" cap="flat" cmpd="sng" algn="ctr">
+                      <a:solidFill>
+                        <a:schemeClr val="tx1"/>
+                      </a:solidFill>
+                      <a:prstDash val="solid"/>
+                      <a:round/>
+                      <a:headEnd type="none" w="med" len="med"/>
+                      <a:tailEnd type="none" w="med" len="med"/>
+                    </a:lnL>
+                    <a:lnR w="12700" cap="flat" cmpd="sng" algn="ctr">
+                      <a:solidFill>
+                        <a:schemeClr val="tx1"/>
+                      </a:solidFill>
+                      <a:prstDash val="solid"/>
+                      <a:round/>
+                      <a:headEnd type="none" w="med" len="med"/>
+                      <a:tailEnd type="none" w="med" len="med"/>
+                    </a:lnR>
+                    <a:lnT w="12700" cap="flat" cmpd="sng" algn="ctr">
+                      <a:solidFill>
+                        <a:schemeClr val="tx1"/>
+                      </a:solidFill>
+                      <a:prstDash val="solid"/>
+                      <a:round/>
+                      <a:headEnd type="none" w="med" len="med"/>
+                      <a:tailEnd type="none" w="med" len="med"/>
+                    </a:lnT>
+                    <a:lnB w="12700" cap="flat" cmpd="sng" algn="ctr">
+                      <a:solidFill>
+                        <a:schemeClr val="tx1"/>
+                      </a:solidFill>
+                      <a:prstDash val="solid"/>
+                      <a:round/>
+                      <a:headEnd type="none" w="med" len="med"/>
+                      <a:tailEnd type="none" w="med" len="med"/>
+                    </a:lnB>
+                    <a:solidFill>
+                      <a:schemeClr val="accent3">
+                        <a:lumMod val="60000"/>
+                        <a:lumOff val="40000"/>
+                      </a:schemeClr>
+                    </a:solidFill>
+                  </a:tcPr>
+                </a:tc>
+                <a:extLst>
+                  <a:ext uri="{0D108BD9-81ED-4DB2-BD59-A6C34878D82A}">
+                    <a16:rowId xmlns:a16="http://schemas.microsoft.com/office/drawing/2014/main" val="10002"/>
+                  </a:ext>
+                </a:extLst>
+              </a:tr>
+              <a:tr h="553205">
+                <a:tc>
+                  <a:txBody>
+                    <a:bodyPr/>
+                    <a:lstStyle/>
+                    <a:p>
+                      <a:pPr algn="ctr">
+                        <a:buNone/>
+                      </a:pPr>
+                      <a:r>
+                        <a:rPr lang="en-US" sz="2400" b="1" dirty="0">
+                          <a:ln>
+                            <a:noFill/>
+                          </a:ln>
+                          <a:solidFill>
+                            <a:schemeClr val="tx1"/>
+                          </a:solidFill>
+                          <a:latin typeface="Arial" panose="020B0604020202020204" pitchFamily="34" charset="0"/>
+                          <a:cs typeface="Arial" panose="020B0604020202020204" pitchFamily="34" charset="0"/>
+                        </a:rPr>
+                        <a:t>3</a:t>
+                      </a:r>
+                    </a:p>
+                  </a:txBody>
+                  <a:tcPr anchor="ctr">
+                    <a:lnL w="12700" cap="flat" cmpd="sng" algn="ctr">
+                      <a:solidFill>
+                        <a:schemeClr val="tx1"/>
+                      </a:solidFill>
+                      <a:prstDash val="solid"/>
+                      <a:round/>
+                      <a:headEnd type="none" w="med" len="med"/>
+                      <a:tailEnd type="none" w="med" len="med"/>
+                    </a:lnL>
+                    <a:lnR w="12700" cap="flat" cmpd="sng" algn="ctr">
+                      <a:solidFill>
+                        <a:schemeClr val="tx1"/>
+                      </a:solidFill>
+                      <a:prstDash val="solid"/>
+                      <a:round/>
+                      <a:headEnd type="none" w="med" len="med"/>
+                      <a:tailEnd type="none" w="med" len="med"/>
+                    </a:lnR>
+                    <a:lnT w="12700" cap="flat" cmpd="sng" algn="ctr">
+                      <a:solidFill>
+                        <a:schemeClr val="tx1"/>
+                      </a:solidFill>
+                      <a:prstDash val="solid"/>
+                      <a:round/>
+                      <a:headEnd type="none" w="med" len="med"/>
+                      <a:tailEnd type="none" w="med" len="med"/>
+                    </a:lnT>
+                    <a:lnB w="12700" cap="flat" cmpd="sng" algn="ctr">
+                      <a:solidFill>
+                        <a:schemeClr val="tx1"/>
+                      </a:solidFill>
+                      <a:prstDash val="solid"/>
+                      <a:round/>
+                      <a:headEnd type="none" w="med" len="med"/>
+                      <a:tailEnd type="none" w="med" len="med"/>
+                    </a:lnB>
+                    <a:noFill/>
+                  </a:tcPr>
+                </a:tc>
+                <a:tc>
+                  <a:txBody>
+                    <a:bodyPr/>
+                    <a:lstStyle/>
+                    <a:p>
+                      <a:pPr algn="ctr">
+                        <a:buNone/>
+                      </a:pPr>
+                      <a:r>
+                        <a:rPr lang="en-US" sz="2400" dirty="0">
+                          <a:ln>
+                            <a:noFill/>
+                          </a:ln>
+                          <a:solidFill>
+                            <a:schemeClr val="tx1"/>
+                          </a:solidFill>
+                          <a:latin typeface="Arial" panose="020B0604020202020204" pitchFamily="34" charset="0"/>
+                          <a:cs typeface="Arial" panose="020B0604020202020204" pitchFamily="34" charset="0"/>
+                        </a:rPr>
+                        <a:t>3.3</a:t>
+                      </a:r>
+                    </a:p>
+                  </a:txBody>
+                  <a:tcPr anchor="ctr">
+                    <a:lnL w="12700" cap="flat" cmpd="sng" algn="ctr">
+                      <a:solidFill>
+                        <a:schemeClr val="tx1"/>
+                      </a:solidFill>
+                      <a:prstDash val="solid"/>
+                      <a:round/>
+                      <a:headEnd type="none" w="med" len="med"/>
+                      <a:tailEnd type="none" w="med" len="med"/>
+                    </a:lnL>
+                    <a:lnR w="12700" cap="flat" cmpd="sng" algn="ctr">
+                      <a:solidFill>
+                        <a:schemeClr val="tx1"/>
+                      </a:solidFill>
+                      <a:prstDash val="solid"/>
+                      <a:round/>
+                      <a:headEnd type="none" w="med" len="med"/>
+                      <a:tailEnd type="none" w="med" len="med"/>
+                    </a:lnR>
+                    <a:lnT w="12700" cap="flat" cmpd="sng" algn="ctr">
+                      <a:solidFill>
+                        <a:schemeClr val="tx1"/>
+                      </a:solidFill>
+                      <a:prstDash val="solid"/>
+                      <a:round/>
+                      <a:headEnd type="none" w="med" len="med"/>
+                      <a:tailEnd type="none" w="med" len="med"/>
+                    </a:lnT>
+                    <a:lnB w="12700" cap="flat" cmpd="sng" algn="ctr">
+                      <a:solidFill>
+                        <a:schemeClr val="tx1"/>
+                      </a:solidFill>
+                      <a:prstDash val="solid"/>
+                      <a:round/>
+                      <a:headEnd type="none" w="med" len="med"/>
+                      <a:tailEnd type="none" w="med" len="med"/>
+                    </a:lnB>
+                    <a:noFill/>
+                  </a:tcPr>
+                </a:tc>
+                <a:tc>
+                  <a:txBody>
+                    <a:bodyPr/>
+                    <a:lstStyle/>
+                    <a:p>
+                      <a:pPr algn="ctr">
+                        <a:buNone/>
+                      </a:pPr>
+                      <a:r>
+                        <a:rPr lang="en-US" sz="2400" dirty="0">
+                          <a:ln>
+                            <a:noFill/>
+                          </a:ln>
+                          <a:solidFill>
+                            <a:schemeClr val="tx1"/>
+                          </a:solidFill>
+                          <a:latin typeface="Arial" panose="020B0604020202020204" pitchFamily="34" charset="0"/>
+                          <a:cs typeface="Arial" panose="020B0604020202020204" pitchFamily="34" charset="0"/>
+                        </a:rPr>
+                        <a:t>1.3</a:t>
+                      </a:r>
+                    </a:p>
+                  </a:txBody>
+                  <a:tcPr anchor="ctr">
+                    <a:lnL w="12700" cap="flat" cmpd="sng" algn="ctr">
+                      <a:solidFill>
+                        <a:schemeClr val="tx1"/>
+                      </a:solidFill>
+                      <a:prstDash val="solid"/>
+                      <a:round/>
+                      <a:headEnd type="none" w="med" len="med"/>
+                      <a:tailEnd type="none" w="med" len="med"/>
+                    </a:lnL>
+                    <a:lnR w="12700" cap="flat" cmpd="sng" algn="ctr">
+                      <a:solidFill>
+                        <a:schemeClr val="tx1"/>
+                      </a:solidFill>
+                      <a:prstDash val="solid"/>
+                      <a:round/>
+                      <a:headEnd type="none" w="med" len="med"/>
+                      <a:tailEnd type="none" w="med" len="med"/>
+                    </a:lnR>
+                    <a:lnT w="12700" cap="flat" cmpd="sng" algn="ctr">
+                      <a:solidFill>
+                        <a:schemeClr val="tx1"/>
+                      </a:solidFill>
+                      <a:prstDash val="solid"/>
+                      <a:round/>
+                      <a:headEnd type="none" w="med" len="med"/>
+                      <a:tailEnd type="none" w="med" len="med"/>
+                    </a:lnT>
+                    <a:lnB w="12700" cap="flat" cmpd="sng" algn="ctr">
+                      <a:solidFill>
+                        <a:schemeClr val="tx1"/>
+                      </a:solidFill>
+                      <a:prstDash val="solid"/>
+                      <a:round/>
+                      <a:headEnd type="none" w="med" len="med"/>
+                      <a:tailEnd type="none" w="med" len="med"/>
+                    </a:lnB>
+                    <a:noFill/>
+                  </a:tcPr>
+                </a:tc>
+                <a:tc>
+                  <a:txBody>
+                    <a:bodyPr/>
+                    <a:lstStyle/>
+                    <a:p>
+                      <a:pPr algn="ctr">
+                        <a:buNone/>
+                      </a:pPr>
+                      <a:r>
+                        <a:rPr lang="en-US" sz="2400" dirty="0">
+                          <a:ln>
+                            <a:noFill/>
+                          </a:ln>
+                          <a:solidFill>
+                            <a:schemeClr val="tx1"/>
+                          </a:solidFill>
+                          <a:latin typeface="Arial" panose="020B0604020202020204" pitchFamily="34" charset="0"/>
+                          <a:cs typeface="Arial" panose="020B0604020202020204" pitchFamily="34" charset="0"/>
+                        </a:rPr>
+                        <a:t>0.21</a:t>
+                      </a:r>
+                    </a:p>
+                  </a:txBody>
+                  <a:tcPr anchor="ctr">
+                    <a:lnL w="12700" cap="flat" cmpd="sng" algn="ctr">
+                      <a:solidFill>
+                        <a:schemeClr val="tx1"/>
+                      </a:solidFill>
+                      <a:prstDash val="solid"/>
+                      <a:round/>
+                      <a:headEnd type="none" w="med" len="med"/>
+                      <a:tailEnd type="none" w="med" len="med"/>
+                    </a:lnL>
+                    <a:lnR w="12700" cap="flat" cmpd="sng" algn="ctr">
+                      <a:solidFill>
+                        <a:schemeClr val="tx1"/>
+                      </a:solidFill>
+                      <a:prstDash val="solid"/>
+                      <a:round/>
+                      <a:headEnd type="none" w="med" len="med"/>
+                      <a:tailEnd type="none" w="med" len="med"/>
+                    </a:lnR>
+                    <a:lnT w="12700" cap="flat" cmpd="sng" algn="ctr">
+                      <a:solidFill>
+                        <a:schemeClr val="tx1"/>
+                      </a:solidFill>
+                      <a:prstDash val="solid"/>
+                      <a:round/>
+                      <a:headEnd type="none" w="med" len="med"/>
+                      <a:tailEnd type="none" w="med" len="med"/>
+                    </a:lnT>
+                    <a:lnB w="12700" cap="flat" cmpd="sng" algn="ctr">
+                      <a:solidFill>
+                        <a:schemeClr val="tx1"/>
+                      </a:solidFill>
+                      <a:prstDash val="solid"/>
+                      <a:round/>
+                      <a:headEnd type="none" w="med" len="med"/>
+                      <a:tailEnd type="none" w="med" len="med"/>
+                    </a:lnB>
+                    <a:solidFill>
+                      <a:schemeClr val="accent3">
+                        <a:lumMod val="60000"/>
+                        <a:lumOff val="40000"/>
+                      </a:schemeClr>
+                    </a:solidFill>
+                  </a:tcPr>
+                </a:tc>
+                <a:extLst>
+                  <a:ext uri="{0D108BD9-81ED-4DB2-BD59-A6C34878D82A}">
+                    <a16:rowId xmlns:a16="http://schemas.microsoft.com/office/drawing/2014/main" val="10003"/>
+                  </a:ext>
+                </a:extLst>
+              </a:tr>
+              <a:tr h="1518733">
+                <a:tc>
+                  <a:txBody>
+                    <a:bodyPr/>
+                    <a:lstStyle/>
+                    <a:p>
+                      <a:pPr marL="0" marR="0" indent="0" algn="ctr" defTabSz="914400" rtl="0" fontAlgn="auto">
+                        <a:lnSpc>
+                          <a:spcPct val="100000"/>
+                        </a:lnSpc>
+                        <a:spcBef>
+                          <a:spcPts val="0"/>
+                        </a:spcBef>
+                        <a:spcAft>
+                          <a:spcPts val="0"/>
+                        </a:spcAft>
+                        <a:buClrTx/>
+                        <a:buSzTx/>
+                        <a:buFontTx/>
+                        <a:buNone/>
+                        <a:defRPr/>
+                      </a:pPr>
+                      <a:r>
+                        <a:rPr lang="en-US" sz="2400" b="1" dirty="0">
+                          <a:ln>
+                            <a:noFill/>
+                          </a:ln>
+                          <a:solidFill>
+                            <a:schemeClr val="tx1"/>
+                          </a:solidFill>
+                          <a:latin typeface="Arial" panose="020B0604020202020204" pitchFamily="34" charset="0"/>
+                          <a:cs typeface="Arial" panose="020B0604020202020204" pitchFamily="34" charset="0"/>
+                        </a:rPr>
+                        <a:t>.</a:t>
+                      </a:r>
+                    </a:p>
+                    <a:p>
+                      <a:pPr marL="0" marR="0" indent="0" algn="ctr" defTabSz="914400" rtl="0" fontAlgn="auto">
+                        <a:lnSpc>
+                          <a:spcPct val="100000"/>
+                        </a:lnSpc>
+                        <a:spcBef>
+                          <a:spcPts val="0"/>
+                        </a:spcBef>
+                        <a:spcAft>
+                          <a:spcPts val="0"/>
+                        </a:spcAft>
+                        <a:buClrTx/>
+                        <a:buSzTx/>
+                        <a:buFontTx/>
+                        <a:buNone/>
+                        <a:defRPr/>
+                      </a:pPr>
+                      <a:r>
+                        <a:rPr lang="en-US" sz="2400" b="1" dirty="0">
+                          <a:ln>
+                            <a:noFill/>
+                          </a:ln>
+                          <a:solidFill>
+                            <a:schemeClr val="tx1"/>
+                          </a:solidFill>
+                          <a:latin typeface="Arial" panose="020B0604020202020204" pitchFamily="34" charset="0"/>
+                          <a:cs typeface="Arial" panose="020B0604020202020204" pitchFamily="34" charset="0"/>
+                        </a:rPr>
+                        <a:t>.</a:t>
+                      </a:r>
+                    </a:p>
+                    <a:p>
+                      <a:pPr marL="0" marR="0" indent="0" algn="ctr" defTabSz="914400" rtl="0" fontAlgn="auto">
+                        <a:lnSpc>
+                          <a:spcPct val="100000"/>
+                        </a:lnSpc>
+                        <a:spcBef>
+                          <a:spcPts val="0"/>
+                        </a:spcBef>
+                        <a:spcAft>
+                          <a:spcPts val="0"/>
+                        </a:spcAft>
+                        <a:buClrTx/>
+                        <a:buSzTx/>
+                        <a:buFontTx/>
+                        <a:buNone/>
+                        <a:defRPr/>
+                      </a:pPr>
+                      <a:r>
+                        <a:rPr lang="en-US" sz="2400" b="1" dirty="0">
+                          <a:ln>
+                            <a:noFill/>
+                          </a:ln>
+                          <a:solidFill>
+                            <a:schemeClr val="tx1"/>
+                          </a:solidFill>
+                          <a:latin typeface="Arial" panose="020B0604020202020204" pitchFamily="34" charset="0"/>
+                          <a:cs typeface="Arial" panose="020B0604020202020204" pitchFamily="34" charset="0"/>
+                        </a:rPr>
+                        <a:t>.</a:t>
+                      </a:r>
+                    </a:p>
+                  </a:txBody>
+                  <a:tcPr anchor="ctr">
+                    <a:lnL w="12700" cap="flat" cmpd="sng" algn="ctr">
+                      <a:solidFill>
+                        <a:schemeClr val="tx1"/>
+                      </a:solidFill>
+                      <a:prstDash val="solid"/>
+                      <a:round/>
+                      <a:headEnd type="none" w="med" len="med"/>
+                      <a:tailEnd type="none" w="med" len="med"/>
+                    </a:lnL>
+                    <a:lnR w="12700" cap="flat" cmpd="sng" algn="ctr">
+                      <a:solidFill>
+                        <a:schemeClr val="tx1"/>
+                      </a:solidFill>
+                      <a:prstDash val="solid"/>
+                      <a:round/>
+                      <a:headEnd type="none" w="med" len="med"/>
+                      <a:tailEnd type="none" w="med" len="med"/>
+                    </a:lnR>
+                    <a:lnT w="12700" cap="flat" cmpd="sng" algn="ctr">
+                      <a:solidFill>
+                        <a:schemeClr val="tx1"/>
+                      </a:solidFill>
+                      <a:prstDash val="solid"/>
+                      <a:round/>
+                      <a:headEnd type="none" w="med" len="med"/>
+                      <a:tailEnd type="none" w="med" len="med"/>
+                    </a:lnT>
+                    <a:lnB w="12700" cap="flat" cmpd="sng" algn="ctr">
+                      <a:solidFill>
+                        <a:schemeClr val="tx1"/>
+                      </a:solidFill>
+                      <a:prstDash val="solid"/>
+                      <a:round/>
+                      <a:headEnd type="none" w="med" len="med"/>
+                      <a:tailEnd type="none" w="med" len="med"/>
+                    </a:lnB>
+                    <a:noFill/>
+                  </a:tcPr>
+                </a:tc>
+                <a:tc>
+                  <a:txBody>
+                    <a:bodyPr/>
+                    <a:lstStyle/>
+                    <a:p>
+                      <a:pPr algn="ctr"/>
+                      <a:endParaRPr lang="en-US" sz="2400" dirty="0">
+                        <a:ln>
+                          <a:noFill/>
+                        </a:ln>
+                        <a:solidFill>
+                          <a:schemeClr val="tx1"/>
+                        </a:solidFill>
+                        <a:latin typeface="Arial" panose="020B0604020202020204" pitchFamily="34" charset="0"/>
+                        <a:cs typeface="Arial" panose="020B0604020202020204" pitchFamily="34" charset="0"/>
+                      </a:endParaRPr>
+                    </a:p>
+                  </a:txBody>
+                  <a:tcPr anchor="ctr">
+                    <a:lnL w="12700" cap="flat" cmpd="sng" algn="ctr">
+                      <a:solidFill>
+                        <a:schemeClr val="tx1"/>
+                      </a:solidFill>
+                      <a:prstDash val="solid"/>
+                      <a:round/>
+                      <a:headEnd type="none" w="med" len="med"/>
+                      <a:tailEnd type="none" w="med" len="med"/>
+                    </a:lnL>
+                    <a:lnR w="12700" cap="flat" cmpd="sng" algn="ctr">
+                      <a:solidFill>
+                        <a:schemeClr val="tx1"/>
+                      </a:solidFill>
+                      <a:prstDash val="solid"/>
+                      <a:round/>
+                      <a:headEnd type="none" w="med" len="med"/>
+                      <a:tailEnd type="none" w="med" len="med"/>
+                    </a:lnR>
+                    <a:lnT w="12700" cap="flat" cmpd="sng" algn="ctr">
+                      <a:solidFill>
+                        <a:schemeClr val="tx1"/>
+                      </a:solidFill>
+                      <a:prstDash val="solid"/>
+                      <a:round/>
+                      <a:headEnd type="none" w="med" len="med"/>
+                      <a:tailEnd type="none" w="med" len="med"/>
+                    </a:lnT>
+                    <a:lnB w="12700" cap="flat" cmpd="sng" algn="ctr">
+                      <a:solidFill>
+                        <a:schemeClr val="tx1"/>
+                      </a:solidFill>
+                      <a:prstDash val="solid"/>
+                      <a:round/>
+                      <a:headEnd type="none" w="med" len="med"/>
+                      <a:tailEnd type="none" w="med" len="med"/>
+                    </a:lnB>
+                    <a:noFill/>
+                  </a:tcPr>
+                </a:tc>
+                <a:tc>
+                  <a:txBody>
+                    <a:bodyPr/>
+                    <a:lstStyle/>
+                    <a:p>
+                      <a:pPr algn="ctr"/>
+                      <a:endParaRPr lang="en-US" sz="2400" dirty="0">
+                        <a:ln>
+                          <a:noFill/>
+                        </a:ln>
+                        <a:solidFill>
+                          <a:schemeClr val="tx1"/>
+                        </a:solidFill>
+                        <a:latin typeface="Arial" panose="020B0604020202020204" pitchFamily="34" charset="0"/>
+                        <a:cs typeface="Arial" panose="020B0604020202020204" pitchFamily="34" charset="0"/>
+                      </a:endParaRPr>
+                    </a:p>
+                  </a:txBody>
+                  <a:tcPr anchor="ctr">
+                    <a:lnL w="12700" cap="flat" cmpd="sng" algn="ctr">
+                      <a:solidFill>
+                        <a:schemeClr val="tx1"/>
+                      </a:solidFill>
+                      <a:prstDash val="solid"/>
+                      <a:round/>
+                      <a:headEnd type="none" w="med" len="med"/>
+                      <a:tailEnd type="none" w="med" len="med"/>
+                    </a:lnL>
+                    <a:lnR w="12700" cap="flat" cmpd="sng" algn="ctr">
+                      <a:solidFill>
+                        <a:schemeClr val="tx1"/>
+                      </a:solidFill>
+                      <a:prstDash val="solid"/>
+                      <a:round/>
+                      <a:headEnd type="none" w="med" len="med"/>
+                      <a:tailEnd type="none" w="med" len="med"/>
+                    </a:lnR>
+                    <a:lnT w="12700" cap="flat" cmpd="sng" algn="ctr">
+                      <a:solidFill>
+                        <a:schemeClr val="tx1"/>
+                      </a:solidFill>
+                      <a:prstDash val="solid"/>
+                      <a:round/>
+                      <a:headEnd type="none" w="med" len="med"/>
+                      <a:tailEnd type="none" w="med" len="med"/>
+                    </a:lnT>
+                    <a:lnB w="12700" cap="flat" cmpd="sng" algn="ctr">
+                      <a:solidFill>
+                        <a:schemeClr val="tx1"/>
+                      </a:solidFill>
+                      <a:prstDash val="solid"/>
+                      <a:round/>
+                      <a:headEnd type="none" w="med" len="med"/>
+                      <a:tailEnd type="none" w="med" len="med"/>
+                    </a:lnB>
+                    <a:noFill/>
+                  </a:tcPr>
+                </a:tc>
+                <a:tc>
+                  <a:txBody>
+                    <a:bodyPr/>
+                    <a:lstStyle/>
+                    <a:p>
+                      <a:pPr algn="ctr"/>
+                      <a:endParaRPr lang="en-US" sz="2400" dirty="0">
+                        <a:ln>
+                          <a:noFill/>
+                        </a:ln>
+                        <a:solidFill>
+                          <a:schemeClr val="tx1"/>
+                        </a:solidFill>
+                        <a:latin typeface="Arial" panose="020B0604020202020204" pitchFamily="34" charset="0"/>
+                        <a:cs typeface="Arial" panose="020B0604020202020204" pitchFamily="34" charset="0"/>
+                      </a:endParaRPr>
+                    </a:p>
+                  </a:txBody>
+                  <a:tcPr anchor="ctr">
+                    <a:lnL w="12700" cap="flat" cmpd="sng" algn="ctr">
+                      <a:solidFill>
+                        <a:schemeClr val="tx1"/>
+                      </a:solidFill>
+                      <a:prstDash val="solid"/>
+                      <a:round/>
+                      <a:headEnd type="none" w="med" len="med"/>
+                      <a:tailEnd type="none" w="med" len="med"/>
+                    </a:lnL>
+                    <a:lnR w="12700" cap="flat" cmpd="sng" algn="ctr">
+                      <a:solidFill>
+                        <a:schemeClr val="tx1"/>
+                      </a:solidFill>
+                      <a:prstDash val="solid"/>
+                      <a:round/>
+                      <a:headEnd type="none" w="med" len="med"/>
+                      <a:tailEnd type="none" w="med" len="med"/>
+                    </a:lnR>
+                    <a:lnT w="12700" cap="flat" cmpd="sng" algn="ctr">
+                      <a:solidFill>
+                        <a:schemeClr val="tx1"/>
+                      </a:solidFill>
+                      <a:prstDash val="solid"/>
+                      <a:round/>
+                      <a:headEnd type="none" w="med" len="med"/>
+                      <a:tailEnd type="none" w="med" len="med"/>
+                    </a:lnT>
+                    <a:lnB w="12700" cap="flat" cmpd="sng" algn="ctr">
+                      <a:solidFill>
+                        <a:schemeClr val="tx1"/>
+                      </a:solidFill>
+                      <a:prstDash val="solid"/>
+                      <a:round/>
+                      <a:headEnd type="none" w="med" len="med"/>
+                      <a:tailEnd type="none" w="med" len="med"/>
+                    </a:lnB>
+                    <a:solidFill>
+                      <a:schemeClr val="accent3">
+                        <a:lumMod val="60000"/>
+                        <a:lumOff val="40000"/>
+                      </a:schemeClr>
+                    </a:solidFill>
+                  </a:tcPr>
+                </a:tc>
+                <a:extLst>
+                  <a:ext uri="{0D108BD9-81ED-4DB2-BD59-A6C34878D82A}">
+                    <a16:rowId xmlns:a16="http://schemas.microsoft.com/office/drawing/2014/main" val="10004"/>
+                  </a:ext>
+                </a:extLst>
+              </a:tr>
+              <a:tr h="593725">
+                <a:tc>
+                  <a:txBody>
+                    <a:bodyPr/>
+                    <a:lstStyle/>
+                    <a:p>
+                      <a:pPr marL="0" marR="0" indent="0" algn="ctr" defTabSz="914400" rtl="0" eaLnBrk="1" fontAlgn="auto" latinLnBrk="0" hangingPunct="1">
+                        <a:lnSpc>
+                          <a:spcPct val="100000"/>
+                        </a:lnSpc>
+                        <a:spcBef>
+                          <a:spcPts val="0"/>
+                        </a:spcBef>
+                        <a:spcAft>
+                          <a:spcPts val="0"/>
+                        </a:spcAft>
+                        <a:buClrTx/>
+                        <a:buSzTx/>
+                        <a:buFontTx/>
+                        <a:buNone/>
+                        <a:defRPr/>
+                      </a:pPr>
+                      <a:r>
+                        <a:rPr lang="en-US" sz="2400" b="1" dirty="0">
+                          <a:ln>
+                            <a:noFill/>
+                          </a:ln>
+                          <a:solidFill>
+                            <a:schemeClr val="tx1"/>
+                          </a:solidFill>
+                          <a:latin typeface="Arial" panose="020B0604020202020204" pitchFamily="34" charset="0"/>
+                          <a:cs typeface="Arial" panose="020B0604020202020204" pitchFamily="34" charset="0"/>
+                        </a:rPr>
+                        <a:t>20</a:t>
+                      </a:r>
+                    </a:p>
+                  </a:txBody>
+                  <a:tcPr anchor="ctr">
+                    <a:lnL w="12700" cap="flat" cmpd="sng" algn="ctr">
+                      <a:solidFill>
+                        <a:schemeClr val="tx1"/>
+                      </a:solidFill>
+                      <a:prstDash val="solid"/>
+                      <a:round/>
+                      <a:headEnd type="none" w="med" len="med"/>
+                      <a:tailEnd type="none" w="med" len="med"/>
+                    </a:lnL>
+                    <a:lnR w="12700" cap="flat" cmpd="sng" algn="ctr">
+                      <a:solidFill>
+                        <a:schemeClr val="tx1"/>
+                      </a:solidFill>
+                      <a:prstDash val="solid"/>
+                      <a:round/>
+                      <a:headEnd type="none" w="med" len="med"/>
+                      <a:tailEnd type="none" w="med" len="med"/>
+                    </a:lnR>
+                    <a:lnT w="12700" cap="flat" cmpd="sng" algn="ctr">
+                      <a:solidFill>
+                        <a:schemeClr val="tx1"/>
+                      </a:solidFill>
+                      <a:prstDash val="solid"/>
+                      <a:round/>
+                      <a:headEnd type="none" w="med" len="med"/>
+                      <a:tailEnd type="none" w="med" len="med"/>
+                    </a:lnT>
+                    <a:lnB w="12700" cap="flat" cmpd="sng" algn="ctr">
+                      <a:solidFill>
+                        <a:schemeClr val="tx1"/>
+                      </a:solidFill>
+                      <a:prstDash val="solid"/>
+                      <a:round/>
+                      <a:headEnd type="none" w="med" len="med"/>
+                      <a:tailEnd type="none" w="med" len="med"/>
+                    </a:lnB>
+                    <a:noFill/>
+                  </a:tcPr>
+                </a:tc>
+                <a:tc>
+                  <a:txBody>
+                    <a:bodyPr/>
+                    <a:lstStyle/>
+                    <a:p>
+                      <a:pPr algn="ctr">
+                        <a:buNone/>
+                      </a:pPr>
+                      <a:r>
+                        <a:rPr lang="en-US" sz="2400" dirty="0">
+                          <a:ln>
+                            <a:noFill/>
+                          </a:ln>
+                          <a:solidFill>
+                            <a:schemeClr val="tx1"/>
+                          </a:solidFill>
+                          <a:latin typeface="Arial" panose="020B0604020202020204" pitchFamily="34" charset="0"/>
+                          <a:cs typeface="Arial" panose="020B0604020202020204" pitchFamily="34" charset="0"/>
+                        </a:rPr>
+                        <a:t>3.3</a:t>
+                      </a:r>
+                    </a:p>
+                  </a:txBody>
+                  <a:tcPr anchor="ctr">
+                    <a:lnL w="12700" cap="flat" cmpd="sng" algn="ctr">
+                      <a:solidFill>
+                        <a:schemeClr val="tx1"/>
+                      </a:solidFill>
+                      <a:prstDash val="solid"/>
+                      <a:round/>
+                      <a:headEnd type="none" w="med" len="med"/>
+                      <a:tailEnd type="none" w="med" len="med"/>
+                    </a:lnL>
+                    <a:lnR w="12700" cap="flat" cmpd="sng" algn="ctr">
+                      <a:solidFill>
+                        <a:schemeClr val="tx1"/>
+                      </a:solidFill>
+                      <a:prstDash val="solid"/>
+                      <a:round/>
+                      <a:headEnd type="none" w="med" len="med"/>
+                      <a:tailEnd type="none" w="med" len="med"/>
+                    </a:lnR>
+                    <a:lnT w="12700" cap="flat" cmpd="sng" algn="ctr">
+                      <a:solidFill>
+                        <a:schemeClr val="tx1"/>
+                      </a:solidFill>
+                      <a:prstDash val="solid"/>
+                      <a:round/>
+                      <a:headEnd type="none" w="med" len="med"/>
+                      <a:tailEnd type="none" w="med" len="med"/>
+                    </a:lnT>
+                    <a:lnB w="12700" cap="flat" cmpd="sng" algn="ctr">
+                      <a:solidFill>
+                        <a:schemeClr val="tx1"/>
+                      </a:solidFill>
+                      <a:prstDash val="solid"/>
+                      <a:round/>
+                      <a:headEnd type="none" w="med" len="med"/>
+                      <a:tailEnd type="none" w="med" len="med"/>
+                    </a:lnB>
+                    <a:noFill/>
+                  </a:tcPr>
+                </a:tc>
+                <a:tc>
+                  <a:txBody>
+                    <a:bodyPr/>
+                    <a:lstStyle/>
+                    <a:p>
+                      <a:pPr algn="ctr">
+                        <a:buNone/>
+                      </a:pPr>
+                      <a:r>
+                        <a:rPr lang="en-US" sz="2400" dirty="0">
+                          <a:ln>
+                            <a:noFill/>
+                          </a:ln>
+                          <a:solidFill>
+                            <a:schemeClr val="tx1"/>
+                          </a:solidFill>
+                          <a:latin typeface="Arial" panose="020B0604020202020204" pitchFamily="34" charset="0"/>
+                          <a:cs typeface="Arial" panose="020B0604020202020204" pitchFamily="34" charset="0"/>
+                        </a:rPr>
+                        <a:t>1.3</a:t>
+                      </a:r>
+                    </a:p>
+                  </a:txBody>
+                  <a:tcPr anchor="ctr">
+                    <a:lnL w="12700" cap="flat" cmpd="sng" algn="ctr">
+                      <a:solidFill>
+                        <a:schemeClr val="tx1"/>
+                      </a:solidFill>
+                      <a:prstDash val="solid"/>
+                      <a:round/>
+                      <a:headEnd type="none" w="med" len="med"/>
+                      <a:tailEnd type="none" w="med" len="med"/>
+                    </a:lnL>
+                    <a:lnR w="12700" cap="flat" cmpd="sng" algn="ctr">
+                      <a:solidFill>
+                        <a:schemeClr val="tx1"/>
+                      </a:solidFill>
+                      <a:prstDash val="solid"/>
+                      <a:round/>
+                      <a:headEnd type="none" w="med" len="med"/>
+                      <a:tailEnd type="none" w="med" len="med"/>
+                    </a:lnR>
+                    <a:lnT w="12700" cap="flat" cmpd="sng" algn="ctr">
+                      <a:solidFill>
+                        <a:schemeClr val="tx1"/>
+                      </a:solidFill>
+                      <a:prstDash val="solid"/>
+                      <a:round/>
+                      <a:headEnd type="none" w="med" len="med"/>
+                      <a:tailEnd type="none" w="med" len="med"/>
+                    </a:lnT>
+                    <a:lnB w="12700" cap="flat" cmpd="sng" algn="ctr">
+                      <a:solidFill>
+                        <a:schemeClr val="tx1"/>
+                      </a:solidFill>
+                      <a:prstDash val="solid"/>
+                      <a:round/>
+                      <a:headEnd type="none" w="med" len="med"/>
+                      <a:tailEnd type="none" w="med" len="med"/>
+                    </a:lnB>
+                    <a:noFill/>
+                  </a:tcPr>
+                </a:tc>
+                <a:tc>
+                  <a:txBody>
+                    <a:bodyPr/>
+                    <a:lstStyle/>
+                    <a:p>
+                      <a:pPr algn="ctr">
+                        <a:buNone/>
+                      </a:pPr>
+                      <a:r>
+                        <a:rPr lang="en-US" sz="2400" dirty="0">
+                          <a:ln>
+                            <a:noFill/>
+                          </a:ln>
+                          <a:solidFill>
+                            <a:schemeClr val="tx1"/>
+                          </a:solidFill>
+                          <a:latin typeface="Arial" panose="020B0604020202020204" pitchFamily="34" charset="0"/>
+                          <a:cs typeface="Arial" panose="020B0604020202020204" pitchFamily="34" charset="0"/>
+                        </a:rPr>
+                        <a:t>0.21</a:t>
+                      </a:r>
+                    </a:p>
+                  </a:txBody>
+                  <a:tcPr anchor="ctr">
+                    <a:lnL w="12700" cap="flat" cmpd="sng" algn="ctr">
+                      <a:solidFill>
+                        <a:schemeClr val="tx1"/>
+                      </a:solidFill>
+                      <a:prstDash val="solid"/>
+                      <a:round/>
+                      <a:headEnd type="none" w="med" len="med"/>
+                      <a:tailEnd type="none" w="med" len="med"/>
+                    </a:lnL>
+                    <a:lnR w="12700" cap="flat" cmpd="sng" algn="ctr">
+                      <a:solidFill>
+                        <a:schemeClr val="tx1"/>
+                      </a:solidFill>
+                      <a:prstDash val="solid"/>
+                      <a:round/>
+                      <a:headEnd type="none" w="med" len="med"/>
+                      <a:tailEnd type="none" w="med" len="med"/>
+                    </a:lnR>
+                    <a:lnT w="12700" cap="flat" cmpd="sng" algn="ctr">
+                      <a:solidFill>
+                        <a:schemeClr val="tx1"/>
+                      </a:solidFill>
+                      <a:prstDash val="solid"/>
+                      <a:round/>
+                      <a:headEnd type="none" w="med" len="med"/>
+                      <a:tailEnd type="none" w="med" len="med"/>
+                    </a:lnT>
+                    <a:lnB w="12700" cap="flat" cmpd="sng" algn="ctr">
+                      <a:solidFill>
+                        <a:schemeClr val="tx1"/>
+                      </a:solidFill>
+                      <a:prstDash val="solid"/>
+                      <a:round/>
+                      <a:headEnd type="none" w="med" len="med"/>
+                      <a:tailEnd type="none" w="med" len="med"/>
+                    </a:lnB>
+                    <a:solidFill>
+                      <a:schemeClr val="accent3">
+                        <a:lumMod val="60000"/>
+                        <a:lumOff val="40000"/>
+                      </a:schemeClr>
+                    </a:solidFill>
+                  </a:tcPr>
+                </a:tc>
+                <a:extLst>
+                  <a:ext uri="{0D108BD9-81ED-4DB2-BD59-A6C34878D82A}">
+                    <a16:rowId xmlns:a16="http://schemas.microsoft.com/office/drawing/2014/main" val="10005"/>
+                  </a:ext>
+                </a:extLst>
+              </a:tr>
+            </a:tbl>
+          </a:graphicData>
+        </a:graphic>
+      </p:graphicFrame>
       <p:grpSp>
         <p:nvGrpSpPr>
-          <p:cNvPr id="19" name="群組 18"/>
+          <p:cNvPr id="11" name="Group 10"/>
           <p:cNvGrpSpPr/>
           <p:nvPr/>
         </p:nvGrpSpPr>
         <p:grpSpPr>
           <a:xfrm>
-            <a:off x="5532120" y="3717035"/>
-            <a:ext cx="1862622" cy="691283"/>
-            <a:chOff x="5532120" y="3717035"/>
-            <a:chExt cx="1862622" cy="691283"/>
+            <a:off x="6452870" y="2621530"/>
+            <a:ext cx="1382395" cy="646331"/>
+            <a:chOff x="10466" y="7214"/>
+            <a:chExt cx="2177" cy="1018"/>
           </a:xfrm>
         </p:grpSpPr>
         <p:sp>
           <p:nvSpPr>
-            <p:cNvPr id="16" name="向上箭號 15"/>
-            <p:cNvSpPr/>
+            <p:cNvPr id="61" name="文字方塊 60"/>
+            <p:cNvSpPr txBox="1"/>
             <p:nvPr/>
           </p:nvSpPr>
           <p:spPr>
-            <a:xfrm rot="5400000" flipH="1">
-              <a:off x="6473030" y="3486605"/>
-              <a:ext cx="288036" cy="1555389"/>
+            <a:xfrm>
+              <a:off x="10466" y="7305"/>
+              <a:ext cx="2177" cy="822"/>
             </a:xfrm>
-            <a:prstGeom prst="upArrow">
-              <a:avLst>
-                <a:gd name="adj1" fmla="val 50000"/>
-                <a:gd name="adj2" fmla="val 86934"/>
-              </a:avLst>
+            <a:prstGeom prst="rect">
+              <a:avLst/>
             </a:prstGeom>
-            <a:solidFill>
-              <a:schemeClr val="accent5">
-                <a:lumMod val="40000"/>
-                <a:lumOff val="60000"/>
-              </a:schemeClr>
-            </a:solidFill>
-            <a:ln>
-              <a:noFill/>
-            </a:ln>
+            <a:noFill/>
           </p:spPr>
-          <p:style>
-            <a:lnRef idx="2">
-              <a:schemeClr val="accent1">
-                <a:shade val="50000"/>
-              </a:schemeClr>
-            </a:lnRef>
-            <a:fillRef idx="1">
-              <a:schemeClr val="accent1"/>
-            </a:fillRef>
-            <a:effectRef idx="0">
-              <a:schemeClr val="accent1"/>
-            </a:effectRef>
-            <a:fontRef idx="minor">
-              <a:schemeClr val="lt1"/>
-            </a:fontRef>
-          </p:style>
           <p:txBody>
-            <a:bodyPr rtlCol="0" anchor="ctr"/>
+            <a:bodyPr wrap="square" rtlCol="0">
+              <a:spAutoFit/>
+            </a:bodyPr>
             <a:lstStyle/>
             <a:p>
-              <a:pPr algn="ctr"/>
-              <a:endParaRPr lang="en-US"/>
+              <a:r>
+                <a:rPr lang="en-US" sz="2800" b="1" i="1" dirty="0">
+                  <a:solidFill>
+                    <a:schemeClr val="accent3">
+                      <a:lumMod val="60000"/>
+                      <a:lumOff val="40000"/>
+                    </a:schemeClr>
+                  </a:solidFill>
+                  <a:latin typeface="Arial" panose="020B0604020202020204" pitchFamily="34" charset="0"/>
+                  <a:cs typeface="Arial" panose="020B0604020202020204" pitchFamily="34" charset="0"/>
+                </a:rPr>
+                <a:t>P</a:t>
+              </a:r>
+              <a:r>
+                <a:rPr lang="en-US" sz="2800" b="1" dirty="0">
+                  <a:solidFill>
+                    <a:schemeClr val="accent3">
+                      <a:lumMod val="60000"/>
+                      <a:lumOff val="40000"/>
+                    </a:schemeClr>
+                  </a:solidFill>
+                  <a:latin typeface="Arial" panose="020B0604020202020204" pitchFamily="34" charset="0"/>
+                  <a:cs typeface="Arial" panose="020B0604020202020204" pitchFamily="34" charset="0"/>
+                </a:rPr>
+                <a:t> ± SE</a:t>
+              </a:r>
             </a:p>
           </p:txBody>
         </p:sp>
         <p:sp>
           <p:nvSpPr>
-            <p:cNvPr id="17" name="矩形 16"/>
-            <p:cNvSpPr/>
+            <p:cNvPr id="64" name="文字方塊 63"/>
+            <p:cNvSpPr txBox="1"/>
             <p:nvPr/>
           </p:nvSpPr>
           <p:spPr>
             <a:xfrm>
-              <a:off x="5532120" y="3717035"/>
-              <a:ext cx="288035" cy="172821"/>
+              <a:off x="10498" y="7214"/>
+              <a:ext cx="1440" cy="1018"/>
             </a:xfrm>
             <a:prstGeom prst="rect">
               <a:avLst/>
             </a:prstGeom>
-            <a:solidFill>
-              <a:schemeClr val="accent5">
-                <a:lumMod val="40000"/>
-                <a:lumOff val="60000"/>
-              </a:schemeClr>
-            </a:solidFill>
-            <a:ln>
-              <a:noFill/>
-            </a:ln>
+            <a:noFill/>
           </p:spPr>
-          <p:style>
-            <a:lnRef idx="2">
-              <a:schemeClr val="accent1">
-                <a:shade val="50000"/>
-              </a:schemeClr>
-            </a:lnRef>
-            <a:fillRef idx="1">
-              <a:schemeClr val="accent1"/>
-            </a:fillRef>
-            <a:effectRef idx="0">
-              <a:schemeClr val="accent1"/>
-            </a:effectRef>
-            <a:fontRef idx="minor">
-              <a:schemeClr val="lt1"/>
-            </a:fontRef>
-          </p:style>
           <p:txBody>
-            <a:bodyPr rtlCol="0" anchor="ctr"/>
+            <a:bodyPr wrap="square" rtlCol="0">
+              <a:spAutoFit/>
+            </a:bodyPr>
             <a:lstStyle/>
             <a:p>
-              <a:pPr algn="ctr"/>
-              <a:endParaRPr lang="en-US"/>
-            </a:p>
-          </p:txBody>
-        </p:sp>
-        <p:sp>
-          <p:nvSpPr>
-            <p:cNvPr id="18" name="矩形 17"/>
-            <p:cNvSpPr/>
-            <p:nvPr/>
-          </p:nvSpPr>
-          <p:spPr>
-            <a:xfrm rot="16200000">
-              <a:off x="5442505" y="3941063"/>
-              <a:ext cx="621792" cy="173736"/>
-            </a:xfrm>
-            <a:prstGeom prst="rect">
-              <a:avLst/>
-            </a:prstGeom>
-            <a:solidFill>
-              <a:schemeClr val="accent5">
-                <a:lumMod val="40000"/>
-                <a:lumOff val="60000"/>
-              </a:schemeClr>
-            </a:solidFill>
-            <a:ln>
-              <a:noFill/>
-            </a:ln>
-          </p:spPr>
-          <p:style>
-            <a:lnRef idx="2">
-              <a:schemeClr val="accent1">
-                <a:shade val="50000"/>
-              </a:schemeClr>
-            </a:lnRef>
-            <a:fillRef idx="1">
-              <a:schemeClr val="accent1"/>
-            </a:fillRef>
-            <a:effectRef idx="0">
-              <a:schemeClr val="accent1"/>
-            </a:effectRef>
-            <a:fontRef idx="minor">
-              <a:schemeClr val="lt1"/>
-            </a:fontRef>
-          </p:style>
-          <p:txBody>
-            <a:bodyPr rtlCol="0" anchor="ctr"/>
-            <a:lstStyle/>
-            <a:p>
-              <a:pPr algn="ctr"/>
-              <a:endParaRPr lang="en-US"/>
+              <a:r>
+                <a:rPr lang="en-US" sz="3600" b="1" dirty="0">
+                  <a:solidFill>
+                    <a:schemeClr val="accent3">
+                      <a:lumMod val="60000"/>
+                      <a:lumOff val="40000"/>
+                    </a:schemeClr>
+                  </a:solidFill>
+                  <a:latin typeface="Arial" panose="020B0604020202020204" pitchFamily="34" charset="0"/>
+                  <a:cs typeface="Arial" panose="020B0604020202020204" pitchFamily="34" charset="0"/>
+                </a:rPr>
+                <a:t>¯</a:t>
+              </a:r>
             </a:p>
           </p:txBody>
         </p:sp>
       </p:grpSp>
-      <p:grpSp>
-        <p:nvGrpSpPr>
-          <p:cNvPr id="20" name="群組 19"/>
-          <p:cNvGrpSpPr/>
-          <p:nvPr/>
-        </p:nvGrpSpPr>
-        <p:grpSpPr>
-          <a:xfrm>
-            <a:off x="5532120" y="3832249"/>
-            <a:ext cx="652876" cy="1382568"/>
-            <a:chOff x="5532120" y="3832249"/>
-            <a:chExt cx="652876" cy="1382568"/>
-          </a:xfrm>
-        </p:grpSpPr>
-        <p:sp>
-          <p:nvSpPr>
-            <p:cNvPr id="13" name="矩形 12"/>
-            <p:cNvSpPr/>
-            <p:nvPr/>
-          </p:nvSpPr>
-          <p:spPr>
-            <a:xfrm>
-              <a:off x="5532120" y="5041996"/>
-              <a:ext cx="548640" cy="172821"/>
-            </a:xfrm>
-            <a:prstGeom prst="rect">
-              <a:avLst/>
-            </a:prstGeom>
-            <a:solidFill>
-              <a:schemeClr val="bg1">
-                <a:lumMod val="85000"/>
-              </a:schemeClr>
-            </a:solidFill>
-            <a:ln>
-              <a:noFill/>
-            </a:ln>
-          </p:spPr>
-          <p:style>
-            <a:lnRef idx="2">
-              <a:schemeClr val="accent1">
-                <a:shade val="50000"/>
-              </a:schemeClr>
-            </a:lnRef>
-            <a:fillRef idx="1">
-              <a:schemeClr val="accent1"/>
-            </a:fillRef>
-            <a:effectRef idx="0">
-              <a:schemeClr val="accent1"/>
-            </a:effectRef>
-            <a:fontRef idx="minor">
-              <a:schemeClr val="lt1"/>
-            </a:fontRef>
-          </p:style>
-          <p:txBody>
-            <a:bodyPr rtlCol="0" anchor="ctr"/>
-            <a:lstStyle/>
-            <a:p>
-              <a:pPr algn="ctr"/>
-              <a:endParaRPr lang="en-US"/>
-            </a:p>
-          </p:txBody>
-        </p:sp>
-        <p:sp>
-          <p:nvSpPr>
-            <p:cNvPr id="14" name="向上箭號 13"/>
-            <p:cNvSpPr/>
-            <p:nvPr/>
-          </p:nvSpPr>
-          <p:spPr>
-            <a:xfrm>
-              <a:off x="5896961" y="3832249"/>
-              <a:ext cx="288035" cy="1382568"/>
-            </a:xfrm>
-            <a:prstGeom prst="upArrow">
-              <a:avLst>
-                <a:gd name="adj1" fmla="val 50000"/>
-                <a:gd name="adj2" fmla="val 86934"/>
-              </a:avLst>
-            </a:prstGeom>
-            <a:solidFill>
-              <a:schemeClr val="bg1">
-                <a:lumMod val="85000"/>
-              </a:schemeClr>
-            </a:solidFill>
-            <a:ln>
-              <a:noFill/>
-            </a:ln>
-          </p:spPr>
-          <p:style>
-            <a:lnRef idx="2">
-              <a:schemeClr val="accent1">
-                <a:shade val="50000"/>
-              </a:schemeClr>
-            </a:lnRef>
-            <a:fillRef idx="1">
-              <a:schemeClr val="accent1"/>
-            </a:fillRef>
-            <a:effectRef idx="0">
-              <a:schemeClr val="accent1"/>
-            </a:effectRef>
-            <a:fontRef idx="minor">
-              <a:schemeClr val="lt1"/>
-            </a:fontRef>
-          </p:style>
-          <p:txBody>
-            <a:bodyPr rtlCol="0" anchor="ctr"/>
-            <a:lstStyle/>
-            <a:p>
-              <a:pPr algn="ctr"/>
-              <a:endParaRPr lang="en-US"/>
-            </a:p>
-          </p:txBody>
-        </p:sp>
-      </p:grpSp>
-      <p:pic>
-        <p:nvPicPr>
-          <p:cNvPr id="11" name="圖片 10" descr="Figures.png"/>
-          <p:cNvPicPr>
-            <a:picLocks noChangeAspect="1"/>
-          </p:cNvPicPr>
-          <p:nvPr/>
-        </p:nvPicPr>
-        <p:blipFill>
-          <a:blip r:embed="rId4" cstate="print"/>
-          <a:srcRect l="3150" t="3801" r="25028" b="2936"/>
-          <a:stretch>
-            <a:fillRect/>
-          </a:stretch>
-        </p:blipFill>
-        <p:spPr>
-          <a:xfrm>
-            <a:off x="0" y="663864"/>
-            <a:ext cx="5561411" cy="5415058"/>
-          </a:xfrm>
-          <a:prstGeom prst="rect">
-            <a:avLst/>
-          </a:prstGeom>
-        </p:spPr>
-      </p:pic>
       <p:sp>
         <p:nvSpPr>
-          <p:cNvPr id="12" name="文字方塊 11"/>
-          <p:cNvSpPr txBox="1"/>
+          <p:cNvPr id="16" name="向上箭號 15"/>
+          <p:cNvSpPr/>
           <p:nvPr/>
         </p:nvSpPr>
         <p:spPr>
-          <a:xfrm>
-            <a:off x="7682778" y="4005070"/>
-            <a:ext cx="921712" cy="461665"/>
+          <a:xfrm rot="5400000" flipH="1">
+            <a:off x="5920740" y="2603500"/>
+            <a:ext cx="288290" cy="681990"/>
           </a:xfrm>
-          <a:prstGeom prst="rect">
-            <a:avLst/>
+          <a:prstGeom prst="upArrow">
+            <a:avLst>
+              <a:gd name="adj1" fmla="val 50000"/>
+              <a:gd name="adj2" fmla="val 86934"/>
+            </a:avLst>
           </a:prstGeom>
-          <a:noFill/>
+          <a:solidFill>
+            <a:schemeClr val="accent3">
+              <a:lumMod val="60000"/>
+              <a:lumOff val="40000"/>
+            </a:schemeClr>
+          </a:solidFill>
+          <a:ln>
+            <a:noFill/>
+          </a:ln>
         </p:spPr>
+        <p:style>
+          <a:lnRef idx="2">
+            <a:schemeClr val="accent1">
+              <a:shade val="50000"/>
+            </a:schemeClr>
+          </a:lnRef>
+          <a:fillRef idx="1">
+            <a:schemeClr val="accent1"/>
+          </a:fillRef>
+          <a:effectRef idx="0">
+            <a:schemeClr val="accent1"/>
+          </a:effectRef>
+          <a:fontRef idx="minor">
+            <a:schemeClr val="lt1"/>
+          </a:fontRef>
+        </p:style>
         <p:txBody>
-          <a:bodyPr wrap="square" rtlCol="0">
-            <a:spAutoFit/>
-          </a:bodyPr>
+          <a:bodyPr rtlCol="0" anchor="ctr"/>
           <a:lstStyle/>
           <a:p>
-            <a:r>
-              <a:rPr lang="en-US" sz="2400" b="1" dirty="0" smtClean="0">
-                <a:latin typeface="Arial" pitchFamily="34" charset="0"/>
-                <a:cs typeface="Arial" pitchFamily="34" charset="0"/>
-              </a:rPr>
-              <a:t>(%)</a:t>
-            </a:r>
-            <a:endParaRPr lang="en-US" sz="2400" b="1" dirty="0">
-              <a:latin typeface="Arial" pitchFamily="34" charset="0"/>
-              <a:cs typeface="Arial" pitchFamily="34" charset="0"/>
-            </a:endParaRPr>
+            <a:pPr algn="ctr"/>
+            <a:endParaRPr lang="en-US"/>
           </a:p>
         </p:txBody>
       </p:sp>
@@ -14295,6 +16366,11 @@
   </a:themeElements>
   <a:objectDefaults/>
   <a:extraClrSchemeLst/>
+  <a:extLst>
+    <a:ext uri="{05A4C25C-085E-4340-85A3-A5531E510DB2}">
+      <thm15:themeFamily xmlns:thm15="http://schemas.microsoft.com/office/thememl/2012/main" name="Office Theme" id="{62F939B6-93AF-4DB8-9C6B-D6C7DFDC589F}" vid="{4A3C46E8-61CC-4603-A589-7422A47A8E4A}"/>
+    </a:ext>
+  </a:extLst>
 </a:theme>
 </file>
 
@@ -14578,5 +16654,10 @@
   </a:themeElements>
   <a:objectDefaults/>
   <a:extraClrSchemeLst/>
+  <a:extLst>
+    <a:ext uri="{05A4C25C-085E-4340-85A3-A5531E510DB2}">
+      <thm15:themeFamily xmlns:thm15="http://schemas.microsoft.com/office/thememl/2012/main" name="Office Theme" id="{62F939B6-93AF-4DB8-9C6B-D6C7DFDC589F}" vid="{4A3C46E8-61CC-4603-A589-7422A47A8E4A}"/>
+    </a:ext>
+  </a:extLst>
 </a:theme>
 </file>